--- a/輪班工人暴露噪音下REM片斷化分析.pptx
+++ b/輪班工人暴露噪音下REM片斷化分析.pptx
@@ -5,18 +5,19 @@
     <p:sldMasterId id="2147483648" r:id="rId1"/>
   </p:sldMasterIdLst>
   <p:notesMasterIdLst>
-    <p:notesMasterId r:id="rId11"/>
+    <p:notesMasterId r:id="rId12"/>
   </p:notesMasterIdLst>
   <p:sldIdLst>
     <p:sldId id="258" r:id="rId2"/>
-    <p:sldId id="259" r:id="rId3"/>
-    <p:sldId id="260" r:id="rId4"/>
-    <p:sldId id="261" r:id="rId5"/>
-    <p:sldId id="262" r:id="rId6"/>
-    <p:sldId id="263" r:id="rId7"/>
-    <p:sldId id="264" r:id="rId8"/>
-    <p:sldId id="266" r:id="rId9"/>
-    <p:sldId id="265" r:id="rId10"/>
+    <p:sldId id="267" r:id="rId3"/>
+    <p:sldId id="259" r:id="rId4"/>
+    <p:sldId id="260" r:id="rId5"/>
+    <p:sldId id="261" r:id="rId6"/>
+    <p:sldId id="262" r:id="rId7"/>
+    <p:sldId id="263" r:id="rId8"/>
+    <p:sldId id="264" r:id="rId9"/>
+    <p:sldId id="266" r:id="rId10"/>
+    <p:sldId id="265" r:id="rId11"/>
   </p:sldIdLst>
   <p:sldSz cx="12192000" cy="6858000"/>
   <p:notesSz cx="6858000" cy="9144000"/>
@@ -4112,6 +4113,126 @@
 </p:sld>
 </file>
 
+<file path=ppt/slides/slide10.xml><?xml version="1.0" encoding="utf-8"?>
+<p:sld xmlns:a="http://schemas.openxmlformats.org/drawingml/2006/main" xmlns:r="http://schemas.openxmlformats.org/officeDocument/2006/relationships" xmlns:p="http://schemas.openxmlformats.org/presentationml/2006/main">
+  <p:cSld>
+    <p:spTree>
+      <p:nvGrpSpPr>
+        <p:cNvPr id="1" name=""/>
+        <p:cNvGrpSpPr/>
+        <p:nvPr/>
+      </p:nvGrpSpPr>
+      <p:grpSpPr>
+        <a:xfrm>
+          <a:off x="0" y="0"/>
+          <a:ext cx="0" cy="0"/>
+          <a:chOff x="0" y="0"/>
+          <a:chExt cx="0" cy="0"/>
+        </a:xfrm>
+      </p:grpSpPr>
+      <p:sp>
+        <p:nvSpPr>
+          <p:cNvPr id="2" name="標題 1">
+            <a:extLst>
+              <a:ext uri="{FF2B5EF4-FFF2-40B4-BE49-F238E27FC236}">
+                <a16:creationId xmlns:a16="http://schemas.microsoft.com/office/drawing/2014/main" id="{F63B3BB1-5746-464F-84F5-6A7A0B7B69C2}"/>
+              </a:ext>
+            </a:extLst>
+          </p:cNvPr>
+          <p:cNvSpPr>
+            <a:spLocks noGrp="1"/>
+          </p:cNvSpPr>
+          <p:nvPr>
+            <p:ph type="title"/>
+          </p:nvPr>
+        </p:nvSpPr>
+        <p:spPr/>
+        <p:txBody>
+          <a:bodyPr/>
+          <a:lstStyle/>
+          <a:p>
+            <a:r>
+              <a:rPr lang="zh-TW" altLang="en-US" dirty="0"/>
+              <a:t>觀察除了</a:t>
+            </a:r>
+            <a:r>
+              <a:rPr lang="en-US" altLang="zh-TW" dirty="0"/>
+              <a:t>REM</a:t>
+            </a:r>
+            <a:r>
+              <a:rPr lang="zh-TW" altLang="en-US" dirty="0"/>
+              <a:t>以外有無明顯現象</a:t>
+            </a:r>
+          </a:p>
+        </p:txBody>
+      </p:sp>
+      <p:sp>
+        <p:nvSpPr>
+          <p:cNvPr id="3" name="內容版面配置區 2">
+            <a:extLst>
+              <a:ext uri="{FF2B5EF4-FFF2-40B4-BE49-F238E27FC236}">
+                <a16:creationId xmlns:a16="http://schemas.microsoft.com/office/drawing/2014/main" id="{E9C16385-8107-46A3-8EEB-EFCCACFE3F36}"/>
+              </a:ext>
+            </a:extLst>
+          </p:cNvPr>
+          <p:cNvSpPr>
+            <a:spLocks noGrp="1"/>
+          </p:cNvSpPr>
+          <p:nvPr>
+            <p:ph idx="1"/>
+          </p:nvPr>
+        </p:nvSpPr>
+        <p:spPr/>
+        <p:txBody>
+          <a:bodyPr/>
+          <a:lstStyle/>
+          <a:p>
+            <a:endParaRPr lang="zh-TW" altLang="en-US"/>
+          </a:p>
+        </p:txBody>
+      </p:sp>
+      <p:sp>
+        <p:nvSpPr>
+          <p:cNvPr id="4" name="投影片編號版面配置區 3">
+            <a:extLst>
+              <a:ext uri="{FF2B5EF4-FFF2-40B4-BE49-F238E27FC236}">
+                <a16:creationId xmlns:a16="http://schemas.microsoft.com/office/drawing/2014/main" id="{46DBC005-E8CA-4C0B-A4A5-E06647295AFC}"/>
+              </a:ext>
+            </a:extLst>
+          </p:cNvPr>
+          <p:cNvSpPr>
+            <a:spLocks noGrp="1"/>
+          </p:cNvSpPr>
+          <p:nvPr>
+            <p:ph type="sldNum" sz="quarter" idx="12"/>
+          </p:nvPr>
+        </p:nvSpPr>
+        <p:spPr/>
+        <p:txBody>
+          <a:bodyPr/>
+          <a:lstStyle/>
+          <a:p>
+            <a:fld id="{F230EE04-BD3A-40AA-92AC-647453D5DADF}" type="slidenum">
+              <a:rPr lang="zh-TW" altLang="en-US" smtClean="0"/>
+              <a:t>10</a:t>
+            </a:fld>
+            <a:endParaRPr lang="zh-TW" altLang="en-US"/>
+          </a:p>
+        </p:txBody>
+      </p:sp>
+    </p:spTree>
+    <p:extLst>
+      <p:ext uri="{BB962C8B-B14F-4D97-AF65-F5344CB8AC3E}">
+        <p14:creationId xmlns:p14="http://schemas.microsoft.com/office/powerpoint/2010/main" val="1636704650"/>
+      </p:ext>
+    </p:extLst>
+  </p:cSld>
+  <p:clrMapOvr>
+    <a:masterClrMapping/>
+  </p:clrMapOvr>
+</p:sld>
+</file>
+
 <file path=ppt/slides/slide2.xml><?xml version="1.0" encoding="utf-8"?>
 <p:sld xmlns:a="http://schemas.openxmlformats.org/drawingml/2006/main" xmlns:r="http://schemas.openxmlformats.org/officeDocument/2006/relationships" xmlns:p="http://schemas.openxmlformats.org/presentationml/2006/main">
   <p:cSld>
@@ -4134,7 +4255,7 @@
           <p:cNvPr id="2" name="標題 1">
             <a:extLst>
               <a:ext uri="{FF2B5EF4-FFF2-40B4-BE49-F238E27FC236}">
-                <a16:creationId xmlns:a16="http://schemas.microsoft.com/office/drawing/2014/main" id="{FF07E4D6-4C3C-4421-9019-1A9A33A1A207}"/>
+                <a16:creationId xmlns:a16="http://schemas.microsoft.com/office/drawing/2014/main" id="{892307EE-4044-49E1-842B-FE439589D235}"/>
               </a:ext>
             </a:extLst>
           </p:cNvPr>
@@ -4152,38 +4273,149 @@
           <a:p>
             <a:r>
               <a:rPr lang="zh-TW" altLang="en-US" dirty="0"/>
-              <a:t>從整體來觀察噪音暴露與非暴露環境下的</a:t>
+              <a:t>抓取反向快速眼動</a:t>
+            </a:r>
+          </a:p>
+        </p:txBody>
+      </p:sp>
+      <p:sp>
+        <p:nvSpPr>
+          <p:cNvPr id="3" name="內容版面配置區 2">
+            <a:extLst>
+              <a:ext uri="{FF2B5EF4-FFF2-40B4-BE49-F238E27FC236}">
+                <a16:creationId xmlns:a16="http://schemas.microsoft.com/office/drawing/2014/main" id="{29B592FD-5A0B-4C41-A5F7-B16B06D18020}"/>
+              </a:ext>
+            </a:extLst>
+          </p:cNvPr>
+          <p:cNvSpPr>
+            <a:spLocks noGrp="1"/>
+          </p:cNvSpPr>
+          <p:nvPr>
+            <p:ph idx="1"/>
+          </p:nvPr>
+        </p:nvSpPr>
+        <p:spPr/>
+        <p:txBody>
+          <a:bodyPr/>
+          <a:lstStyle/>
+          <a:p>
+            <a:r>
+              <a:rPr lang="zh-TW" altLang="en-US" dirty="0"/>
+              <a:t>左右</a:t>
             </a:r>
             <a:r>
               <a:rPr lang="en-US" altLang="zh-TW" dirty="0"/>
-              <a:t>REM</a:t>
-            </a:r>
-            <a:endParaRPr lang="zh-TW" altLang="en-US" dirty="0"/>
-          </a:p>
-        </p:txBody>
-      </p:sp>
-      <p:sp>
-        <p:nvSpPr>
-          <p:cNvPr id="3" name="內容版面配置區 2">
-            <a:extLst>
-              <a:ext uri="{FF2B5EF4-FFF2-40B4-BE49-F238E27FC236}">
-                <a16:creationId xmlns:a16="http://schemas.microsoft.com/office/drawing/2014/main" id="{E8D32412-85A2-4A93-B43B-C13165D7A297}"/>
-              </a:ext>
-            </a:extLst>
-          </p:cNvPr>
-          <p:cNvSpPr>
-            <a:spLocks noGrp="1"/>
-          </p:cNvSpPr>
-          <p:nvPr>
-            <p:ph idx="1"/>
-          </p:nvPr>
-        </p:nvSpPr>
-        <p:spPr/>
-        <p:txBody>
-          <a:bodyPr/>
-          <a:lstStyle/>
-          <a:p>
-            <a:endParaRPr lang="zh-TW" altLang="en-US"/>
+              <a:t>EOG</a:t>
+            </a:r>
+            <a:r>
+              <a:rPr lang="zh-TW" altLang="en-US" dirty="0"/>
+              <a:t>相減絕對值取出反向眼動特徵</a:t>
+            </a:r>
+            <a:endParaRPr lang="en-US" altLang="zh-TW" dirty="0"/>
+          </a:p>
+          <a:p>
+            <a:r>
+              <a:rPr lang="zh-TW" altLang="en-US" dirty="0"/>
+              <a:t>左右</a:t>
+            </a:r>
+            <a:r>
+              <a:rPr lang="en-US" altLang="zh-TW" dirty="0"/>
+              <a:t>EOG</a:t>
+            </a:r>
+            <a:r>
+              <a:rPr lang="zh-TW" altLang="en-US" dirty="0"/>
+              <a:t>分別後項減前項取出眼動陡峭程度</a:t>
+            </a:r>
+            <a:endParaRPr lang="en-US" altLang="zh-TW" dirty="0"/>
+          </a:p>
+          <a:p>
+            <a:endParaRPr lang="en-US" altLang="zh-TW" dirty="0"/>
+          </a:p>
+          <a:p>
+            <a:r>
+              <a:rPr lang="zh-TW" altLang="en-US" dirty="0"/>
+              <a:t>將兩值相加</a:t>
+            </a:r>
+            <a:endParaRPr lang="en-US" altLang="zh-TW" dirty="0"/>
+          </a:p>
+          <a:p>
+            <a:r>
+              <a:rPr lang="zh-TW" altLang="en-US" dirty="0"/>
+              <a:t>設</a:t>
+            </a:r>
+            <a:r>
+              <a:rPr lang="en-US" altLang="zh-TW" dirty="0"/>
+              <a:t>threshold1 &gt; 0.025 </a:t>
+            </a:r>
+            <a:r>
+              <a:rPr lang="zh-TW" altLang="en-US" dirty="0"/>
+              <a:t>超過則視為快速眼動</a:t>
+            </a:r>
+            <a:endParaRPr lang="en-US" altLang="zh-TW" dirty="0"/>
+          </a:p>
+          <a:p>
+            <a:r>
+              <a:rPr lang="zh-TW" altLang="en-US" dirty="0"/>
+              <a:t>設</a:t>
+            </a:r>
+            <a:r>
+              <a:rPr lang="en-US" altLang="zh-TW" dirty="0"/>
+              <a:t>threshold2 &lt; 1</a:t>
+            </a:r>
+            <a:r>
+              <a:rPr lang="zh-TW" altLang="en-US" dirty="0"/>
+              <a:t> 超過則視為受</a:t>
+            </a:r>
+            <a:r>
+              <a:rPr lang="en-US" altLang="zh-TW" dirty="0"/>
+              <a:t>arousal</a:t>
+            </a:r>
+            <a:r>
+              <a:rPr lang="zh-TW" altLang="en-US" dirty="0"/>
+              <a:t>影響</a:t>
+            </a:r>
+            <a:endParaRPr lang="en-US" altLang="zh-TW" dirty="0"/>
+          </a:p>
+          <a:p>
+            <a:endParaRPr lang="en-US" altLang="zh-TW" dirty="0"/>
+          </a:p>
+          <a:p>
+            <a:r>
+              <a:rPr lang="zh-TW" altLang="en-US" dirty="0"/>
+              <a:t>找到第</a:t>
+            </a:r>
+            <a:r>
+              <a:rPr lang="en-US" altLang="zh-TW" dirty="0"/>
+              <a:t>1</a:t>
+            </a:r>
+            <a:r>
+              <a:rPr lang="zh-TW" altLang="en-US" dirty="0"/>
+              <a:t>個快速眼動後尋找後面</a:t>
+            </a:r>
+            <a:r>
+              <a:rPr lang="en-US" altLang="zh-TW" dirty="0"/>
+              <a:t>1</a:t>
+            </a:r>
+            <a:r>
+              <a:rPr lang="zh-TW" altLang="en-US" dirty="0"/>
+              <a:t>秒內有無快速眼動，有則視為連續</a:t>
+            </a:r>
+            <a:endParaRPr lang="en-US" altLang="zh-TW" dirty="0"/>
+          </a:p>
+          <a:p>
+            <a:r>
+              <a:rPr lang="zh-TW" altLang="en-US" dirty="0"/>
+              <a:t>小於</a:t>
+            </a:r>
+            <a:r>
+              <a:rPr lang="en-US" altLang="zh-TW" dirty="0"/>
+              <a:t>0.1</a:t>
+            </a:r>
+            <a:r>
+              <a:rPr lang="zh-TW" altLang="en-US"/>
+              <a:t>秒的區間不算</a:t>
+            </a:r>
+            <a:endParaRPr lang="en-US" altLang="zh-TW" dirty="0"/>
           </a:p>
         </p:txBody>
       </p:sp>
@@ -4192,7 +4424,7 @@
           <p:cNvPr id="4" name="投影片編號版面配置區 3">
             <a:extLst>
               <a:ext uri="{FF2B5EF4-FFF2-40B4-BE49-F238E27FC236}">
-                <a16:creationId xmlns:a16="http://schemas.microsoft.com/office/drawing/2014/main" id="{21943743-1D99-4716-AB64-C08A3B5CF749}"/>
+                <a16:creationId xmlns:a16="http://schemas.microsoft.com/office/drawing/2014/main" id="{5AC60BDE-80E8-479F-80C2-36C704E8F691}"/>
               </a:ext>
             </a:extLst>
           </p:cNvPr>
@@ -4219,7 +4451,7 @@
     </p:spTree>
     <p:extLst>
       <p:ext uri="{BB962C8B-B14F-4D97-AF65-F5344CB8AC3E}">
-        <p14:creationId xmlns:p14="http://schemas.microsoft.com/office/powerpoint/2010/main" val="2355560464"/>
+        <p14:creationId xmlns:p14="http://schemas.microsoft.com/office/powerpoint/2010/main" val="3405144549"/>
       </p:ext>
     </p:extLst>
   </p:cSld>
@@ -4251,7 +4483,7 @@
           <p:cNvPr id="2" name="標題 1">
             <a:extLst>
               <a:ext uri="{FF2B5EF4-FFF2-40B4-BE49-F238E27FC236}">
-                <a16:creationId xmlns:a16="http://schemas.microsoft.com/office/drawing/2014/main" id="{3484939B-FFA5-421B-A3CF-62E507410721}"/>
+                <a16:creationId xmlns:a16="http://schemas.microsoft.com/office/drawing/2014/main" id="{FF07E4D6-4C3C-4421-9019-1A9A33A1A207}"/>
               </a:ext>
             </a:extLst>
           </p:cNvPr>
@@ -4269,16 +4501,13 @@
           <a:p>
             <a:r>
               <a:rPr lang="zh-TW" altLang="en-US" dirty="0"/>
-              <a:t>從正常狀態下的</a:t>
+              <a:t>從整體來觀察噪音暴露與非暴露環境下的</a:t>
             </a:r>
             <a:r>
               <a:rPr lang="en-US" altLang="zh-TW" dirty="0"/>
-              <a:t>cortisol</a:t>
-            </a:r>
-            <a:r>
-              <a:rPr lang="zh-TW" altLang="en-US" dirty="0"/>
-              <a:t>來做分析</a:t>
-            </a:r>
+              <a:t>REM</a:t>
+            </a:r>
+            <a:endParaRPr lang="zh-TW" altLang="en-US" dirty="0"/>
           </a:p>
         </p:txBody>
       </p:sp>
@@ -4287,7 +4516,7 @@
           <p:cNvPr id="3" name="內容版面配置區 2">
             <a:extLst>
               <a:ext uri="{FF2B5EF4-FFF2-40B4-BE49-F238E27FC236}">
-                <a16:creationId xmlns:a16="http://schemas.microsoft.com/office/drawing/2014/main" id="{01697D29-E482-44CA-9367-80E0DD3EB3F5}"/>
+                <a16:creationId xmlns:a16="http://schemas.microsoft.com/office/drawing/2014/main" id="{E8D32412-85A2-4A93-B43B-C13165D7A297}"/>
               </a:ext>
             </a:extLst>
           </p:cNvPr>
@@ -4312,7 +4541,7 @@
           <p:cNvPr id="4" name="投影片編號版面配置區 3">
             <a:extLst>
               <a:ext uri="{FF2B5EF4-FFF2-40B4-BE49-F238E27FC236}">
-                <a16:creationId xmlns:a16="http://schemas.microsoft.com/office/drawing/2014/main" id="{8D7AD20E-B6E8-43F0-A3C8-32C57EECF4D4}"/>
+                <a16:creationId xmlns:a16="http://schemas.microsoft.com/office/drawing/2014/main" id="{21943743-1D99-4716-AB64-C08A3B5CF749}"/>
               </a:ext>
             </a:extLst>
           </p:cNvPr>
@@ -4339,7 +4568,7 @@
     </p:spTree>
     <p:extLst>
       <p:ext uri="{BB962C8B-B14F-4D97-AF65-F5344CB8AC3E}">
-        <p14:creationId xmlns:p14="http://schemas.microsoft.com/office/powerpoint/2010/main" val="1114412947"/>
+        <p14:creationId xmlns:p14="http://schemas.microsoft.com/office/powerpoint/2010/main" val="2355560464"/>
       </p:ext>
     </p:extLst>
   </p:cSld>
@@ -4371,7 +4600,7 @@
           <p:cNvPr id="2" name="標題 1">
             <a:extLst>
               <a:ext uri="{FF2B5EF4-FFF2-40B4-BE49-F238E27FC236}">
-                <a16:creationId xmlns:a16="http://schemas.microsoft.com/office/drawing/2014/main" id="{CA6086DF-A47E-46D6-B08D-E2A9A78BB39C}"/>
+                <a16:creationId xmlns:a16="http://schemas.microsoft.com/office/drawing/2014/main" id="{3484939B-FFA5-421B-A3CF-62E507410721}"/>
               </a:ext>
             </a:extLst>
           </p:cNvPr>
@@ -4389,7 +4618,7 @@
           <a:p>
             <a:r>
               <a:rPr lang="zh-TW" altLang="en-US" dirty="0"/>
-              <a:t>從噪音環境下</a:t>
+              <a:t>從正常狀態下的</a:t>
             </a:r>
             <a:r>
               <a:rPr lang="en-US" altLang="zh-TW" dirty="0"/>
@@ -4397,7 +4626,7 @@
             </a:r>
             <a:r>
               <a:rPr lang="zh-TW" altLang="en-US" dirty="0"/>
-              <a:t>明顯上升的例子來做分析</a:t>
+              <a:t>來做分析</a:t>
             </a:r>
           </a:p>
         </p:txBody>
@@ -4407,7 +4636,7 @@
           <p:cNvPr id="3" name="內容版面配置區 2">
             <a:extLst>
               <a:ext uri="{FF2B5EF4-FFF2-40B4-BE49-F238E27FC236}">
-                <a16:creationId xmlns:a16="http://schemas.microsoft.com/office/drawing/2014/main" id="{2A4FB771-88F5-4F9D-8378-E7251F4E00C9}"/>
+                <a16:creationId xmlns:a16="http://schemas.microsoft.com/office/drawing/2014/main" id="{01697D29-E482-44CA-9367-80E0DD3EB3F5}"/>
               </a:ext>
             </a:extLst>
           </p:cNvPr>
@@ -4432,7 +4661,7 @@
           <p:cNvPr id="4" name="投影片編號版面配置區 3">
             <a:extLst>
               <a:ext uri="{FF2B5EF4-FFF2-40B4-BE49-F238E27FC236}">
-                <a16:creationId xmlns:a16="http://schemas.microsoft.com/office/drawing/2014/main" id="{D5ECCC40-5972-453B-8E7B-988A9286E275}"/>
+                <a16:creationId xmlns:a16="http://schemas.microsoft.com/office/drawing/2014/main" id="{8D7AD20E-B6E8-43F0-A3C8-32C57EECF4D4}"/>
               </a:ext>
             </a:extLst>
           </p:cNvPr>
@@ -4459,7 +4688,7 @@
     </p:spTree>
     <p:extLst>
       <p:ext uri="{BB962C8B-B14F-4D97-AF65-F5344CB8AC3E}">
-        <p14:creationId xmlns:p14="http://schemas.microsoft.com/office/powerpoint/2010/main" val="4092880650"/>
+        <p14:creationId xmlns:p14="http://schemas.microsoft.com/office/powerpoint/2010/main" val="1114412947"/>
       </p:ext>
     </p:extLst>
   </p:cSld>
@@ -4491,7 +4720,7 @@
           <p:cNvPr id="2" name="標題 1">
             <a:extLst>
               <a:ext uri="{FF2B5EF4-FFF2-40B4-BE49-F238E27FC236}">
-                <a16:creationId xmlns:a16="http://schemas.microsoft.com/office/drawing/2014/main" id="{A26468F2-9449-46CA-AD6F-2D00C6F3A45E}"/>
+                <a16:creationId xmlns:a16="http://schemas.microsoft.com/office/drawing/2014/main" id="{CA6086DF-A47E-46D6-B08D-E2A9A78BB39C}"/>
               </a:ext>
             </a:extLst>
           </p:cNvPr>
@@ -4509,7 +4738,15 @@
           <a:p>
             <a:r>
               <a:rPr lang="zh-TW" altLang="en-US" dirty="0"/>
-              <a:t>從年齡來做分析</a:t>
+              <a:t>從噪音環境下</a:t>
+            </a:r>
+            <a:r>
+              <a:rPr lang="en-US" altLang="zh-TW" dirty="0"/>
+              <a:t>cortisol</a:t>
+            </a:r>
+            <a:r>
+              <a:rPr lang="zh-TW" altLang="en-US" dirty="0"/>
+              <a:t>明顯上升的例子來做分析</a:t>
             </a:r>
           </a:p>
         </p:txBody>
@@ -4519,7 +4756,7 @@
           <p:cNvPr id="3" name="內容版面配置區 2">
             <a:extLst>
               <a:ext uri="{FF2B5EF4-FFF2-40B4-BE49-F238E27FC236}">
-                <a16:creationId xmlns:a16="http://schemas.microsoft.com/office/drawing/2014/main" id="{2566B70F-997D-41A1-A7A5-DCEB46ED72EB}"/>
+                <a16:creationId xmlns:a16="http://schemas.microsoft.com/office/drawing/2014/main" id="{2A4FB771-88F5-4F9D-8378-E7251F4E00C9}"/>
               </a:ext>
             </a:extLst>
           </p:cNvPr>
@@ -4544,7 +4781,7 @@
           <p:cNvPr id="4" name="投影片編號版面配置區 3">
             <a:extLst>
               <a:ext uri="{FF2B5EF4-FFF2-40B4-BE49-F238E27FC236}">
-                <a16:creationId xmlns:a16="http://schemas.microsoft.com/office/drawing/2014/main" id="{2FDAD691-F2A5-4DC4-A2EE-CA438D5E1321}"/>
+                <a16:creationId xmlns:a16="http://schemas.microsoft.com/office/drawing/2014/main" id="{D5ECCC40-5972-453B-8E7B-988A9286E275}"/>
               </a:ext>
             </a:extLst>
           </p:cNvPr>
@@ -4571,7 +4808,7 @@
     </p:spTree>
     <p:extLst>
       <p:ext uri="{BB962C8B-B14F-4D97-AF65-F5344CB8AC3E}">
-        <p14:creationId xmlns:p14="http://schemas.microsoft.com/office/powerpoint/2010/main" val="1446192108"/>
+        <p14:creationId xmlns:p14="http://schemas.microsoft.com/office/powerpoint/2010/main" val="4092880650"/>
       </p:ext>
     </p:extLst>
   </p:cSld>
@@ -4603,7 +4840,7 @@
           <p:cNvPr id="2" name="標題 1">
             <a:extLst>
               <a:ext uri="{FF2B5EF4-FFF2-40B4-BE49-F238E27FC236}">
-                <a16:creationId xmlns:a16="http://schemas.microsoft.com/office/drawing/2014/main" id="{406DF550-CEF1-4501-B3F3-A8E81999EBB0}"/>
+                <a16:creationId xmlns:a16="http://schemas.microsoft.com/office/drawing/2014/main" id="{A26468F2-9449-46CA-AD6F-2D00C6F3A45E}"/>
               </a:ext>
             </a:extLst>
           </p:cNvPr>
@@ -4621,7 +4858,7 @@
           <a:p>
             <a:r>
               <a:rPr lang="zh-TW" altLang="en-US" dirty="0"/>
-              <a:t>從年資來做分析</a:t>
+              <a:t>從年齡來做分析</a:t>
             </a:r>
           </a:p>
         </p:txBody>
@@ -4631,7 +4868,7 @@
           <p:cNvPr id="3" name="內容版面配置區 2">
             <a:extLst>
               <a:ext uri="{FF2B5EF4-FFF2-40B4-BE49-F238E27FC236}">
-                <a16:creationId xmlns:a16="http://schemas.microsoft.com/office/drawing/2014/main" id="{4965CA5C-B6C0-4896-966C-B2ECA2360B16}"/>
+                <a16:creationId xmlns:a16="http://schemas.microsoft.com/office/drawing/2014/main" id="{2566B70F-997D-41A1-A7A5-DCEB46ED72EB}"/>
               </a:ext>
             </a:extLst>
           </p:cNvPr>
@@ -4656,7 +4893,7 @@
           <p:cNvPr id="4" name="投影片編號版面配置區 3">
             <a:extLst>
               <a:ext uri="{FF2B5EF4-FFF2-40B4-BE49-F238E27FC236}">
-                <a16:creationId xmlns:a16="http://schemas.microsoft.com/office/drawing/2014/main" id="{8162E762-BC1A-483D-93FD-2F19394A1B25}"/>
+                <a16:creationId xmlns:a16="http://schemas.microsoft.com/office/drawing/2014/main" id="{2FDAD691-F2A5-4DC4-A2EE-CA438D5E1321}"/>
               </a:ext>
             </a:extLst>
           </p:cNvPr>
@@ -4683,7 +4920,7 @@
     </p:spTree>
     <p:extLst>
       <p:ext uri="{BB962C8B-B14F-4D97-AF65-F5344CB8AC3E}">
-        <p14:creationId xmlns:p14="http://schemas.microsoft.com/office/powerpoint/2010/main" val="833761729"/>
+        <p14:creationId xmlns:p14="http://schemas.microsoft.com/office/powerpoint/2010/main" val="1446192108"/>
       </p:ext>
     </p:extLst>
   </p:cSld>
@@ -4715,7 +4952,7 @@
           <p:cNvPr id="2" name="標題 1">
             <a:extLst>
               <a:ext uri="{FF2B5EF4-FFF2-40B4-BE49-F238E27FC236}">
-                <a16:creationId xmlns:a16="http://schemas.microsoft.com/office/drawing/2014/main" id="{7EDDE160-6A2C-4C3D-816F-96C9219D401F}"/>
+                <a16:creationId xmlns:a16="http://schemas.microsoft.com/office/drawing/2014/main" id="{406DF550-CEF1-4501-B3F3-A8E81999EBB0}"/>
               </a:ext>
             </a:extLst>
           </p:cNvPr>
@@ -4733,15 +4970,7 @@
           <a:p>
             <a:r>
               <a:rPr lang="zh-TW" altLang="en-US" dirty="0"/>
-              <a:t>從主觀壓力指數量表</a:t>
-            </a:r>
-            <a:r>
-              <a:rPr lang="en-US" altLang="zh-TW" dirty="0"/>
-              <a:t>(VAS)</a:t>
-            </a:r>
-            <a:r>
-              <a:rPr lang="zh-TW" altLang="en-US" dirty="0"/>
-              <a:t>來做分析</a:t>
+              <a:t>從年資來做分析</a:t>
             </a:r>
           </a:p>
         </p:txBody>
@@ -4751,7 +4980,7 @@
           <p:cNvPr id="3" name="內容版面配置區 2">
             <a:extLst>
               <a:ext uri="{FF2B5EF4-FFF2-40B4-BE49-F238E27FC236}">
-                <a16:creationId xmlns:a16="http://schemas.microsoft.com/office/drawing/2014/main" id="{65117D54-FB35-433E-B0FE-2F42F19FE266}"/>
+                <a16:creationId xmlns:a16="http://schemas.microsoft.com/office/drawing/2014/main" id="{4965CA5C-B6C0-4896-966C-B2ECA2360B16}"/>
               </a:ext>
             </a:extLst>
           </p:cNvPr>
@@ -4767,7 +4996,7 @@
           <a:bodyPr/>
           <a:lstStyle/>
           <a:p>
-            <a:endParaRPr lang="zh-TW" altLang="en-US" dirty="0"/>
+            <a:endParaRPr lang="zh-TW" altLang="en-US"/>
           </a:p>
         </p:txBody>
       </p:sp>
@@ -4776,7 +5005,7 @@
           <p:cNvPr id="4" name="投影片編號版面配置區 3">
             <a:extLst>
               <a:ext uri="{FF2B5EF4-FFF2-40B4-BE49-F238E27FC236}">
-                <a16:creationId xmlns:a16="http://schemas.microsoft.com/office/drawing/2014/main" id="{DDCE5996-DAE0-457D-9664-54480BA07502}"/>
+                <a16:creationId xmlns:a16="http://schemas.microsoft.com/office/drawing/2014/main" id="{8162E762-BC1A-483D-93FD-2F19394A1B25}"/>
               </a:ext>
             </a:extLst>
           </p:cNvPr>
@@ -4803,7 +5032,7 @@
     </p:spTree>
     <p:extLst>
       <p:ext uri="{BB962C8B-B14F-4D97-AF65-F5344CB8AC3E}">
-        <p14:creationId xmlns:p14="http://schemas.microsoft.com/office/powerpoint/2010/main" val="1613753168"/>
+        <p14:creationId xmlns:p14="http://schemas.microsoft.com/office/powerpoint/2010/main" val="833761729"/>
       </p:ext>
     </p:extLst>
   </p:cSld>
@@ -4835,7 +5064,7 @@
           <p:cNvPr id="2" name="標題 1">
             <a:extLst>
               <a:ext uri="{FF2B5EF4-FFF2-40B4-BE49-F238E27FC236}">
-                <a16:creationId xmlns:a16="http://schemas.microsoft.com/office/drawing/2014/main" id="{32F124A0-DA31-4BCB-9672-10AD0FE6CBEE}"/>
+                <a16:creationId xmlns:a16="http://schemas.microsoft.com/office/drawing/2014/main" id="{7EDDE160-6A2C-4C3D-816F-96C9219D401F}"/>
               </a:ext>
             </a:extLst>
           </p:cNvPr>
@@ -4853,27 +5082,11 @@
           <a:p>
             <a:r>
               <a:rPr lang="zh-TW" altLang="en-US" dirty="0"/>
-              <a:t>從</a:t>
+              <a:t>從主觀壓力指數量表</a:t>
             </a:r>
             <a:r>
               <a:rPr lang="en-US" altLang="zh-TW" dirty="0"/>
-              <a:t>AHI</a:t>
-            </a:r>
-            <a:r>
-              <a:rPr lang="zh-TW" altLang="en-US" dirty="0"/>
-              <a:t>、</a:t>
-            </a:r>
-            <a:r>
-              <a:rPr lang="en-US" altLang="zh-TW" dirty="0"/>
-              <a:t>AI</a:t>
-            </a:r>
-            <a:r>
-              <a:rPr lang="zh-TW" altLang="en-US" dirty="0"/>
-              <a:t>、</a:t>
-            </a:r>
-            <a:r>
-              <a:rPr lang="en-US" altLang="zh-TW" dirty="0"/>
-              <a:t>HI</a:t>
+              <a:t>(VAS)</a:t>
             </a:r>
             <a:r>
               <a:rPr lang="zh-TW" altLang="en-US" dirty="0"/>
@@ -4887,7 +5100,7 @@
           <p:cNvPr id="3" name="內容版面配置區 2">
             <a:extLst>
               <a:ext uri="{FF2B5EF4-FFF2-40B4-BE49-F238E27FC236}">
-                <a16:creationId xmlns:a16="http://schemas.microsoft.com/office/drawing/2014/main" id="{A6F96C90-82C8-4A8C-A5F6-3AF0304642D2}"/>
+                <a16:creationId xmlns:a16="http://schemas.microsoft.com/office/drawing/2014/main" id="{65117D54-FB35-433E-B0FE-2F42F19FE266}"/>
               </a:ext>
             </a:extLst>
           </p:cNvPr>
@@ -4903,7 +5116,7 @@
           <a:bodyPr/>
           <a:lstStyle/>
           <a:p>
-            <a:endParaRPr lang="zh-TW" altLang="en-US"/>
+            <a:endParaRPr lang="zh-TW" altLang="en-US" dirty="0"/>
           </a:p>
         </p:txBody>
       </p:sp>
@@ -4912,7 +5125,7 @@
           <p:cNvPr id="4" name="投影片編號版面配置區 3">
             <a:extLst>
               <a:ext uri="{FF2B5EF4-FFF2-40B4-BE49-F238E27FC236}">
-                <a16:creationId xmlns:a16="http://schemas.microsoft.com/office/drawing/2014/main" id="{FE8D693E-C75B-4D60-9BF8-8D0B890ABCB0}"/>
+                <a16:creationId xmlns:a16="http://schemas.microsoft.com/office/drawing/2014/main" id="{DDCE5996-DAE0-457D-9664-54480BA07502}"/>
               </a:ext>
             </a:extLst>
           </p:cNvPr>
@@ -4939,7 +5152,7 @@
     </p:spTree>
     <p:extLst>
       <p:ext uri="{BB962C8B-B14F-4D97-AF65-F5344CB8AC3E}">
-        <p14:creationId xmlns:p14="http://schemas.microsoft.com/office/powerpoint/2010/main" val="2668467491"/>
+        <p14:creationId xmlns:p14="http://schemas.microsoft.com/office/powerpoint/2010/main" val="1613753168"/>
       </p:ext>
     </p:extLst>
   </p:cSld>
@@ -4971,7 +5184,7 @@
           <p:cNvPr id="2" name="標題 1">
             <a:extLst>
               <a:ext uri="{FF2B5EF4-FFF2-40B4-BE49-F238E27FC236}">
-                <a16:creationId xmlns:a16="http://schemas.microsoft.com/office/drawing/2014/main" id="{F63B3BB1-5746-464F-84F5-6A7A0B7B69C2}"/>
+                <a16:creationId xmlns:a16="http://schemas.microsoft.com/office/drawing/2014/main" id="{32F124A0-DA31-4BCB-9672-10AD0FE6CBEE}"/>
               </a:ext>
             </a:extLst>
           </p:cNvPr>
@@ -4989,15 +5202,31 @@
           <a:p>
             <a:r>
               <a:rPr lang="zh-TW" altLang="en-US" dirty="0"/>
-              <a:t>觀察除了</a:t>
+              <a:t>從</a:t>
             </a:r>
             <a:r>
               <a:rPr lang="en-US" altLang="zh-TW" dirty="0"/>
-              <a:t>REM</a:t>
+              <a:t>AHI</a:t>
             </a:r>
             <a:r>
               <a:rPr lang="zh-TW" altLang="en-US" dirty="0"/>
-              <a:t>以外有無明顯現象</a:t>
+              <a:t>、</a:t>
+            </a:r>
+            <a:r>
+              <a:rPr lang="en-US" altLang="zh-TW" dirty="0"/>
+              <a:t>AI</a:t>
+            </a:r>
+            <a:r>
+              <a:rPr lang="zh-TW" altLang="en-US" dirty="0"/>
+              <a:t>、</a:t>
+            </a:r>
+            <a:r>
+              <a:rPr lang="en-US" altLang="zh-TW" dirty="0"/>
+              <a:t>HI</a:t>
+            </a:r>
+            <a:r>
+              <a:rPr lang="zh-TW" altLang="en-US" dirty="0"/>
+              <a:t>來做分析</a:t>
             </a:r>
           </a:p>
         </p:txBody>
@@ -5007,7 +5236,7 @@
           <p:cNvPr id="3" name="內容版面配置區 2">
             <a:extLst>
               <a:ext uri="{FF2B5EF4-FFF2-40B4-BE49-F238E27FC236}">
-                <a16:creationId xmlns:a16="http://schemas.microsoft.com/office/drawing/2014/main" id="{E9C16385-8107-46A3-8EEB-EFCCACFE3F36}"/>
+                <a16:creationId xmlns:a16="http://schemas.microsoft.com/office/drawing/2014/main" id="{A6F96C90-82C8-4A8C-A5F6-3AF0304642D2}"/>
               </a:ext>
             </a:extLst>
           </p:cNvPr>
@@ -5032,7 +5261,7 @@
           <p:cNvPr id="4" name="投影片編號版面配置區 3">
             <a:extLst>
               <a:ext uri="{FF2B5EF4-FFF2-40B4-BE49-F238E27FC236}">
-                <a16:creationId xmlns:a16="http://schemas.microsoft.com/office/drawing/2014/main" id="{46DBC005-E8CA-4C0B-A4A5-E06647295AFC}"/>
+                <a16:creationId xmlns:a16="http://schemas.microsoft.com/office/drawing/2014/main" id="{FE8D693E-C75B-4D60-9BF8-8D0B890ABCB0}"/>
               </a:ext>
             </a:extLst>
           </p:cNvPr>
@@ -5059,7 +5288,7 @@
     </p:spTree>
     <p:extLst>
       <p:ext uri="{BB962C8B-B14F-4D97-AF65-F5344CB8AC3E}">
-        <p14:creationId xmlns:p14="http://schemas.microsoft.com/office/powerpoint/2010/main" val="1636704650"/>
+        <p14:creationId xmlns:p14="http://schemas.microsoft.com/office/powerpoint/2010/main" val="2668467491"/>
       </p:ext>
     </p:extLst>
   </p:cSld>

--- a/輪班工人暴露噪音下REM片斷化分析.pptx
+++ b/輪班工人暴露噪音下REM片斷化分析.pptx
@@ -5,19 +5,24 @@
     <p:sldMasterId id="2147483648" r:id="rId1"/>
   </p:sldMasterIdLst>
   <p:notesMasterIdLst>
-    <p:notesMasterId r:id="rId12"/>
+    <p:notesMasterId r:id="rId17"/>
   </p:notesMasterIdLst>
   <p:sldIdLst>
     <p:sldId id="258" r:id="rId2"/>
-    <p:sldId id="267" r:id="rId3"/>
-    <p:sldId id="259" r:id="rId4"/>
-    <p:sldId id="260" r:id="rId5"/>
-    <p:sldId id="261" r:id="rId6"/>
-    <p:sldId id="262" r:id="rId7"/>
-    <p:sldId id="263" r:id="rId8"/>
-    <p:sldId id="264" r:id="rId9"/>
-    <p:sldId id="266" r:id="rId10"/>
-    <p:sldId id="265" r:id="rId11"/>
+    <p:sldId id="268" r:id="rId3"/>
+    <p:sldId id="269" r:id="rId4"/>
+    <p:sldId id="267" r:id="rId5"/>
+    <p:sldId id="271" r:id="rId6"/>
+    <p:sldId id="270" r:id="rId7"/>
+    <p:sldId id="272" r:id="rId8"/>
+    <p:sldId id="259" r:id="rId9"/>
+    <p:sldId id="260" r:id="rId10"/>
+    <p:sldId id="261" r:id="rId11"/>
+    <p:sldId id="262" r:id="rId12"/>
+    <p:sldId id="263" r:id="rId13"/>
+    <p:sldId id="264" r:id="rId14"/>
+    <p:sldId id="266" r:id="rId15"/>
+    <p:sldId id="265" r:id="rId16"/>
   </p:sldIdLst>
   <p:sldSz cx="12192000" cy="6858000"/>
   <p:notesSz cx="6858000" cy="9144000"/>
@@ -4135,7 +4140,7 @@
           <p:cNvPr id="2" name="標題 1">
             <a:extLst>
               <a:ext uri="{FF2B5EF4-FFF2-40B4-BE49-F238E27FC236}">
-                <a16:creationId xmlns:a16="http://schemas.microsoft.com/office/drawing/2014/main" id="{F63B3BB1-5746-464F-84F5-6A7A0B7B69C2}"/>
+                <a16:creationId xmlns:a16="http://schemas.microsoft.com/office/drawing/2014/main" id="{CA6086DF-A47E-46D6-B08D-E2A9A78BB39C}"/>
               </a:ext>
             </a:extLst>
           </p:cNvPr>
@@ -4153,15 +4158,15 @@
           <a:p>
             <a:r>
               <a:rPr lang="zh-TW" altLang="en-US" dirty="0"/>
-              <a:t>觀察除了</a:t>
+              <a:t>從噪音環境下</a:t>
             </a:r>
             <a:r>
               <a:rPr lang="en-US" altLang="zh-TW" dirty="0"/>
-              <a:t>REM</a:t>
-            </a:r>
-            <a:r>
-              <a:rPr lang="zh-TW" altLang="en-US" dirty="0"/>
-              <a:t>以外有無明顯現象</a:t>
+              <a:t>cortisol</a:t>
+            </a:r>
+            <a:r>
+              <a:rPr lang="zh-TW" altLang="en-US" dirty="0"/>
+              <a:t>明顯上升的例子來做分析</a:t>
             </a:r>
           </a:p>
         </p:txBody>
@@ -4171,7 +4176,7 @@
           <p:cNvPr id="3" name="內容版面配置區 2">
             <a:extLst>
               <a:ext uri="{FF2B5EF4-FFF2-40B4-BE49-F238E27FC236}">
-                <a16:creationId xmlns:a16="http://schemas.microsoft.com/office/drawing/2014/main" id="{E9C16385-8107-46A3-8EEB-EFCCACFE3F36}"/>
+                <a16:creationId xmlns:a16="http://schemas.microsoft.com/office/drawing/2014/main" id="{2A4FB771-88F5-4F9D-8378-E7251F4E00C9}"/>
               </a:ext>
             </a:extLst>
           </p:cNvPr>
@@ -4196,7 +4201,7 @@
           <p:cNvPr id="4" name="投影片編號版面配置區 3">
             <a:extLst>
               <a:ext uri="{FF2B5EF4-FFF2-40B4-BE49-F238E27FC236}">
-                <a16:creationId xmlns:a16="http://schemas.microsoft.com/office/drawing/2014/main" id="{46DBC005-E8CA-4C0B-A4A5-E06647295AFC}"/>
+                <a16:creationId xmlns:a16="http://schemas.microsoft.com/office/drawing/2014/main" id="{D5ECCC40-5972-453B-8E7B-988A9286E275}"/>
               </a:ext>
             </a:extLst>
           </p:cNvPr>
@@ -4215,6 +4220,606 @@
             <a:fld id="{F230EE04-BD3A-40AA-92AC-647453D5DADF}" type="slidenum">
               <a:rPr lang="zh-TW" altLang="en-US" smtClean="0"/>
               <a:t>10</a:t>
+            </a:fld>
+            <a:endParaRPr lang="zh-TW" altLang="en-US"/>
+          </a:p>
+        </p:txBody>
+      </p:sp>
+    </p:spTree>
+    <p:extLst>
+      <p:ext uri="{BB962C8B-B14F-4D97-AF65-F5344CB8AC3E}">
+        <p14:creationId xmlns:p14="http://schemas.microsoft.com/office/powerpoint/2010/main" val="4092880650"/>
+      </p:ext>
+    </p:extLst>
+  </p:cSld>
+  <p:clrMapOvr>
+    <a:masterClrMapping/>
+  </p:clrMapOvr>
+</p:sld>
+</file>
+
+<file path=ppt/slides/slide11.xml><?xml version="1.0" encoding="utf-8"?>
+<p:sld xmlns:a="http://schemas.openxmlformats.org/drawingml/2006/main" xmlns:r="http://schemas.openxmlformats.org/officeDocument/2006/relationships" xmlns:p="http://schemas.openxmlformats.org/presentationml/2006/main">
+  <p:cSld>
+    <p:spTree>
+      <p:nvGrpSpPr>
+        <p:cNvPr id="1" name=""/>
+        <p:cNvGrpSpPr/>
+        <p:nvPr/>
+      </p:nvGrpSpPr>
+      <p:grpSpPr>
+        <a:xfrm>
+          <a:off x="0" y="0"/>
+          <a:ext cx="0" cy="0"/>
+          <a:chOff x="0" y="0"/>
+          <a:chExt cx="0" cy="0"/>
+        </a:xfrm>
+      </p:grpSpPr>
+      <p:sp>
+        <p:nvSpPr>
+          <p:cNvPr id="2" name="標題 1">
+            <a:extLst>
+              <a:ext uri="{FF2B5EF4-FFF2-40B4-BE49-F238E27FC236}">
+                <a16:creationId xmlns:a16="http://schemas.microsoft.com/office/drawing/2014/main" id="{A26468F2-9449-46CA-AD6F-2D00C6F3A45E}"/>
+              </a:ext>
+            </a:extLst>
+          </p:cNvPr>
+          <p:cNvSpPr>
+            <a:spLocks noGrp="1"/>
+          </p:cNvSpPr>
+          <p:nvPr>
+            <p:ph type="title"/>
+          </p:nvPr>
+        </p:nvSpPr>
+        <p:spPr/>
+        <p:txBody>
+          <a:bodyPr/>
+          <a:lstStyle/>
+          <a:p>
+            <a:r>
+              <a:rPr lang="zh-TW" altLang="en-US" dirty="0"/>
+              <a:t>從年齡來做分析</a:t>
+            </a:r>
+          </a:p>
+        </p:txBody>
+      </p:sp>
+      <p:sp>
+        <p:nvSpPr>
+          <p:cNvPr id="3" name="內容版面配置區 2">
+            <a:extLst>
+              <a:ext uri="{FF2B5EF4-FFF2-40B4-BE49-F238E27FC236}">
+                <a16:creationId xmlns:a16="http://schemas.microsoft.com/office/drawing/2014/main" id="{2566B70F-997D-41A1-A7A5-DCEB46ED72EB}"/>
+              </a:ext>
+            </a:extLst>
+          </p:cNvPr>
+          <p:cNvSpPr>
+            <a:spLocks noGrp="1"/>
+          </p:cNvSpPr>
+          <p:nvPr>
+            <p:ph idx="1"/>
+          </p:nvPr>
+        </p:nvSpPr>
+        <p:spPr/>
+        <p:txBody>
+          <a:bodyPr/>
+          <a:lstStyle/>
+          <a:p>
+            <a:endParaRPr lang="zh-TW" altLang="en-US"/>
+          </a:p>
+        </p:txBody>
+      </p:sp>
+      <p:sp>
+        <p:nvSpPr>
+          <p:cNvPr id="4" name="投影片編號版面配置區 3">
+            <a:extLst>
+              <a:ext uri="{FF2B5EF4-FFF2-40B4-BE49-F238E27FC236}">
+                <a16:creationId xmlns:a16="http://schemas.microsoft.com/office/drawing/2014/main" id="{2FDAD691-F2A5-4DC4-A2EE-CA438D5E1321}"/>
+              </a:ext>
+            </a:extLst>
+          </p:cNvPr>
+          <p:cNvSpPr>
+            <a:spLocks noGrp="1"/>
+          </p:cNvSpPr>
+          <p:nvPr>
+            <p:ph type="sldNum" sz="quarter" idx="12"/>
+          </p:nvPr>
+        </p:nvSpPr>
+        <p:spPr/>
+        <p:txBody>
+          <a:bodyPr/>
+          <a:lstStyle/>
+          <a:p>
+            <a:fld id="{F230EE04-BD3A-40AA-92AC-647453D5DADF}" type="slidenum">
+              <a:rPr lang="zh-TW" altLang="en-US" smtClean="0"/>
+              <a:t>11</a:t>
+            </a:fld>
+            <a:endParaRPr lang="zh-TW" altLang="en-US"/>
+          </a:p>
+        </p:txBody>
+      </p:sp>
+    </p:spTree>
+    <p:extLst>
+      <p:ext uri="{BB962C8B-B14F-4D97-AF65-F5344CB8AC3E}">
+        <p14:creationId xmlns:p14="http://schemas.microsoft.com/office/powerpoint/2010/main" val="1446192108"/>
+      </p:ext>
+    </p:extLst>
+  </p:cSld>
+  <p:clrMapOvr>
+    <a:masterClrMapping/>
+  </p:clrMapOvr>
+</p:sld>
+</file>
+
+<file path=ppt/slides/slide12.xml><?xml version="1.0" encoding="utf-8"?>
+<p:sld xmlns:a="http://schemas.openxmlformats.org/drawingml/2006/main" xmlns:r="http://schemas.openxmlformats.org/officeDocument/2006/relationships" xmlns:p="http://schemas.openxmlformats.org/presentationml/2006/main">
+  <p:cSld>
+    <p:spTree>
+      <p:nvGrpSpPr>
+        <p:cNvPr id="1" name=""/>
+        <p:cNvGrpSpPr/>
+        <p:nvPr/>
+      </p:nvGrpSpPr>
+      <p:grpSpPr>
+        <a:xfrm>
+          <a:off x="0" y="0"/>
+          <a:ext cx="0" cy="0"/>
+          <a:chOff x="0" y="0"/>
+          <a:chExt cx="0" cy="0"/>
+        </a:xfrm>
+      </p:grpSpPr>
+      <p:sp>
+        <p:nvSpPr>
+          <p:cNvPr id="2" name="標題 1">
+            <a:extLst>
+              <a:ext uri="{FF2B5EF4-FFF2-40B4-BE49-F238E27FC236}">
+                <a16:creationId xmlns:a16="http://schemas.microsoft.com/office/drawing/2014/main" id="{406DF550-CEF1-4501-B3F3-A8E81999EBB0}"/>
+              </a:ext>
+            </a:extLst>
+          </p:cNvPr>
+          <p:cNvSpPr>
+            <a:spLocks noGrp="1"/>
+          </p:cNvSpPr>
+          <p:nvPr>
+            <p:ph type="title"/>
+          </p:nvPr>
+        </p:nvSpPr>
+        <p:spPr/>
+        <p:txBody>
+          <a:bodyPr/>
+          <a:lstStyle/>
+          <a:p>
+            <a:r>
+              <a:rPr lang="zh-TW" altLang="en-US" dirty="0"/>
+              <a:t>從年資來做分析</a:t>
+            </a:r>
+          </a:p>
+        </p:txBody>
+      </p:sp>
+      <p:sp>
+        <p:nvSpPr>
+          <p:cNvPr id="3" name="內容版面配置區 2">
+            <a:extLst>
+              <a:ext uri="{FF2B5EF4-FFF2-40B4-BE49-F238E27FC236}">
+                <a16:creationId xmlns:a16="http://schemas.microsoft.com/office/drawing/2014/main" id="{4965CA5C-B6C0-4896-966C-B2ECA2360B16}"/>
+              </a:ext>
+            </a:extLst>
+          </p:cNvPr>
+          <p:cNvSpPr>
+            <a:spLocks noGrp="1"/>
+          </p:cNvSpPr>
+          <p:nvPr>
+            <p:ph idx="1"/>
+          </p:nvPr>
+        </p:nvSpPr>
+        <p:spPr/>
+        <p:txBody>
+          <a:bodyPr/>
+          <a:lstStyle/>
+          <a:p>
+            <a:endParaRPr lang="zh-TW" altLang="en-US"/>
+          </a:p>
+        </p:txBody>
+      </p:sp>
+      <p:sp>
+        <p:nvSpPr>
+          <p:cNvPr id="4" name="投影片編號版面配置區 3">
+            <a:extLst>
+              <a:ext uri="{FF2B5EF4-FFF2-40B4-BE49-F238E27FC236}">
+                <a16:creationId xmlns:a16="http://schemas.microsoft.com/office/drawing/2014/main" id="{8162E762-BC1A-483D-93FD-2F19394A1B25}"/>
+              </a:ext>
+            </a:extLst>
+          </p:cNvPr>
+          <p:cNvSpPr>
+            <a:spLocks noGrp="1"/>
+          </p:cNvSpPr>
+          <p:nvPr>
+            <p:ph type="sldNum" sz="quarter" idx="12"/>
+          </p:nvPr>
+        </p:nvSpPr>
+        <p:spPr/>
+        <p:txBody>
+          <a:bodyPr/>
+          <a:lstStyle/>
+          <a:p>
+            <a:fld id="{F230EE04-BD3A-40AA-92AC-647453D5DADF}" type="slidenum">
+              <a:rPr lang="zh-TW" altLang="en-US" smtClean="0"/>
+              <a:t>12</a:t>
+            </a:fld>
+            <a:endParaRPr lang="zh-TW" altLang="en-US"/>
+          </a:p>
+        </p:txBody>
+      </p:sp>
+    </p:spTree>
+    <p:extLst>
+      <p:ext uri="{BB962C8B-B14F-4D97-AF65-F5344CB8AC3E}">
+        <p14:creationId xmlns:p14="http://schemas.microsoft.com/office/powerpoint/2010/main" val="833761729"/>
+      </p:ext>
+    </p:extLst>
+  </p:cSld>
+  <p:clrMapOvr>
+    <a:masterClrMapping/>
+  </p:clrMapOvr>
+</p:sld>
+</file>
+
+<file path=ppt/slides/slide13.xml><?xml version="1.0" encoding="utf-8"?>
+<p:sld xmlns:a="http://schemas.openxmlformats.org/drawingml/2006/main" xmlns:r="http://schemas.openxmlformats.org/officeDocument/2006/relationships" xmlns:p="http://schemas.openxmlformats.org/presentationml/2006/main">
+  <p:cSld>
+    <p:spTree>
+      <p:nvGrpSpPr>
+        <p:cNvPr id="1" name=""/>
+        <p:cNvGrpSpPr/>
+        <p:nvPr/>
+      </p:nvGrpSpPr>
+      <p:grpSpPr>
+        <a:xfrm>
+          <a:off x="0" y="0"/>
+          <a:ext cx="0" cy="0"/>
+          <a:chOff x="0" y="0"/>
+          <a:chExt cx="0" cy="0"/>
+        </a:xfrm>
+      </p:grpSpPr>
+      <p:sp>
+        <p:nvSpPr>
+          <p:cNvPr id="2" name="標題 1">
+            <a:extLst>
+              <a:ext uri="{FF2B5EF4-FFF2-40B4-BE49-F238E27FC236}">
+                <a16:creationId xmlns:a16="http://schemas.microsoft.com/office/drawing/2014/main" id="{7EDDE160-6A2C-4C3D-816F-96C9219D401F}"/>
+              </a:ext>
+            </a:extLst>
+          </p:cNvPr>
+          <p:cNvSpPr>
+            <a:spLocks noGrp="1"/>
+          </p:cNvSpPr>
+          <p:nvPr>
+            <p:ph type="title"/>
+          </p:nvPr>
+        </p:nvSpPr>
+        <p:spPr/>
+        <p:txBody>
+          <a:bodyPr/>
+          <a:lstStyle/>
+          <a:p>
+            <a:r>
+              <a:rPr lang="zh-TW" altLang="en-US" dirty="0"/>
+              <a:t>從主觀壓力指數量表</a:t>
+            </a:r>
+            <a:r>
+              <a:rPr lang="en-US" altLang="zh-TW" dirty="0"/>
+              <a:t>(VAS)</a:t>
+            </a:r>
+            <a:r>
+              <a:rPr lang="zh-TW" altLang="en-US" dirty="0"/>
+              <a:t>來做分析</a:t>
+            </a:r>
+          </a:p>
+        </p:txBody>
+      </p:sp>
+      <p:sp>
+        <p:nvSpPr>
+          <p:cNvPr id="3" name="內容版面配置區 2">
+            <a:extLst>
+              <a:ext uri="{FF2B5EF4-FFF2-40B4-BE49-F238E27FC236}">
+                <a16:creationId xmlns:a16="http://schemas.microsoft.com/office/drawing/2014/main" id="{65117D54-FB35-433E-B0FE-2F42F19FE266}"/>
+              </a:ext>
+            </a:extLst>
+          </p:cNvPr>
+          <p:cNvSpPr>
+            <a:spLocks noGrp="1"/>
+          </p:cNvSpPr>
+          <p:nvPr>
+            <p:ph idx="1"/>
+          </p:nvPr>
+        </p:nvSpPr>
+        <p:spPr/>
+        <p:txBody>
+          <a:bodyPr/>
+          <a:lstStyle/>
+          <a:p>
+            <a:endParaRPr lang="zh-TW" altLang="en-US" dirty="0"/>
+          </a:p>
+        </p:txBody>
+      </p:sp>
+      <p:sp>
+        <p:nvSpPr>
+          <p:cNvPr id="4" name="投影片編號版面配置區 3">
+            <a:extLst>
+              <a:ext uri="{FF2B5EF4-FFF2-40B4-BE49-F238E27FC236}">
+                <a16:creationId xmlns:a16="http://schemas.microsoft.com/office/drawing/2014/main" id="{DDCE5996-DAE0-457D-9664-54480BA07502}"/>
+              </a:ext>
+            </a:extLst>
+          </p:cNvPr>
+          <p:cNvSpPr>
+            <a:spLocks noGrp="1"/>
+          </p:cNvSpPr>
+          <p:nvPr>
+            <p:ph type="sldNum" sz="quarter" idx="12"/>
+          </p:nvPr>
+        </p:nvSpPr>
+        <p:spPr/>
+        <p:txBody>
+          <a:bodyPr/>
+          <a:lstStyle/>
+          <a:p>
+            <a:fld id="{F230EE04-BD3A-40AA-92AC-647453D5DADF}" type="slidenum">
+              <a:rPr lang="zh-TW" altLang="en-US" smtClean="0"/>
+              <a:t>13</a:t>
+            </a:fld>
+            <a:endParaRPr lang="zh-TW" altLang="en-US"/>
+          </a:p>
+        </p:txBody>
+      </p:sp>
+    </p:spTree>
+    <p:extLst>
+      <p:ext uri="{BB962C8B-B14F-4D97-AF65-F5344CB8AC3E}">
+        <p14:creationId xmlns:p14="http://schemas.microsoft.com/office/powerpoint/2010/main" val="1613753168"/>
+      </p:ext>
+    </p:extLst>
+  </p:cSld>
+  <p:clrMapOvr>
+    <a:masterClrMapping/>
+  </p:clrMapOvr>
+</p:sld>
+</file>
+
+<file path=ppt/slides/slide14.xml><?xml version="1.0" encoding="utf-8"?>
+<p:sld xmlns:a="http://schemas.openxmlformats.org/drawingml/2006/main" xmlns:r="http://schemas.openxmlformats.org/officeDocument/2006/relationships" xmlns:p="http://schemas.openxmlformats.org/presentationml/2006/main">
+  <p:cSld>
+    <p:spTree>
+      <p:nvGrpSpPr>
+        <p:cNvPr id="1" name=""/>
+        <p:cNvGrpSpPr/>
+        <p:nvPr/>
+      </p:nvGrpSpPr>
+      <p:grpSpPr>
+        <a:xfrm>
+          <a:off x="0" y="0"/>
+          <a:ext cx="0" cy="0"/>
+          <a:chOff x="0" y="0"/>
+          <a:chExt cx="0" cy="0"/>
+        </a:xfrm>
+      </p:grpSpPr>
+      <p:sp>
+        <p:nvSpPr>
+          <p:cNvPr id="2" name="標題 1">
+            <a:extLst>
+              <a:ext uri="{FF2B5EF4-FFF2-40B4-BE49-F238E27FC236}">
+                <a16:creationId xmlns:a16="http://schemas.microsoft.com/office/drawing/2014/main" id="{32F124A0-DA31-4BCB-9672-10AD0FE6CBEE}"/>
+              </a:ext>
+            </a:extLst>
+          </p:cNvPr>
+          <p:cNvSpPr>
+            <a:spLocks noGrp="1"/>
+          </p:cNvSpPr>
+          <p:nvPr>
+            <p:ph type="title"/>
+          </p:nvPr>
+        </p:nvSpPr>
+        <p:spPr/>
+        <p:txBody>
+          <a:bodyPr/>
+          <a:lstStyle/>
+          <a:p>
+            <a:r>
+              <a:rPr lang="zh-TW" altLang="en-US" dirty="0"/>
+              <a:t>從</a:t>
+            </a:r>
+            <a:r>
+              <a:rPr lang="en-US" altLang="zh-TW" dirty="0"/>
+              <a:t>AHI</a:t>
+            </a:r>
+            <a:r>
+              <a:rPr lang="zh-TW" altLang="en-US" dirty="0"/>
+              <a:t>、</a:t>
+            </a:r>
+            <a:r>
+              <a:rPr lang="en-US" altLang="zh-TW" dirty="0"/>
+              <a:t>AI</a:t>
+            </a:r>
+            <a:r>
+              <a:rPr lang="zh-TW" altLang="en-US" dirty="0"/>
+              <a:t>、</a:t>
+            </a:r>
+            <a:r>
+              <a:rPr lang="en-US" altLang="zh-TW" dirty="0"/>
+              <a:t>HI</a:t>
+            </a:r>
+            <a:r>
+              <a:rPr lang="zh-TW" altLang="en-US" dirty="0"/>
+              <a:t>來做分析</a:t>
+            </a:r>
+          </a:p>
+        </p:txBody>
+      </p:sp>
+      <p:sp>
+        <p:nvSpPr>
+          <p:cNvPr id="3" name="內容版面配置區 2">
+            <a:extLst>
+              <a:ext uri="{FF2B5EF4-FFF2-40B4-BE49-F238E27FC236}">
+                <a16:creationId xmlns:a16="http://schemas.microsoft.com/office/drawing/2014/main" id="{A6F96C90-82C8-4A8C-A5F6-3AF0304642D2}"/>
+              </a:ext>
+            </a:extLst>
+          </p:cNvPr>
+          <p:cNvSpPr>
+            <a:spLocks noGrp="1"/>
+          </p:cNvSpPr>
+          <p:nvPr>
+            <p:ph idx="1"/>
+          </p:nvPr>
+        </p:nvSpPr>
+        <p:spPr/>
+        <p:txBody>
+          <a:bodyPr/>
+          <a:lstStyle/>
+          <a:p>
+            <a:endParaRPr lang="zh-TW" altLang="en-US"/>
+          </a:p>
+        </p:txBody>
+      </p:sp>
+      <p:sp>
+        <p:nvSpPr>
+          <p:cNvPr id="4" name="投影片編號版面配置區 3">
+            <a:extLst>
+              <a:ext uri="{FF2B5EF4-FFF2-40B4-BE49-F238E27FC236}">
+                <a16:creationId xmlns:a16="http://schemas.microsoft.com/office/drawing/2014/main" id="{FE8D693E-C75B-4D60-9BF8-8D0B890ABCB0}"/>
+              </a:ext>
+            </a:extLst>
+          </p:cNvPr>
+          <p:cNvSpPr>
+            <a:spLocks noGrp="1"/>
+          </p:cNvSpPr>
+          <p:nvPr>
+            <p:ph type="sldNum" sz="quarter" idx="12"/>
+          </p:nvPr>
+        </p:nvSpPr>
+        <p:spPr/>
+        <p:txBody>
+          <a:bodyPr/>
+          <a:lstStyle/>
+          <a:p>
+            <a:fld id="{F230EE04-BD3A-40AA-92AC-647453D5DADF}" type="slidenum">
+              <a:rPr lang="zh-TW" altLang="en-US" smtClean="0"/>
+              <a:t>14</a:t>
+            </a:fld>
+            <a:endParaRPr lang="zh-TW" altLang="en-US"/>
+          </a:p>
+        </p:txBody>
+      </p:sp>
+    </p:spTree>
+    <p:extLst>
+      <p:ext uri="{BB962C8B-B14F-4D97-AF65-F5344CB8AC3E}">
+        <p14:creationId xmlns:p14="http://schemas.microsoft.com/office/powerpoint/2010/main" val="2668467491"/>
+      </p:ext>
+    </p:extLst>
+  </p:cSld>
+  <p:clrMapOvr>
+    <a:masterClrMapping/>
+  </p:clrMapOvr>
+</p:sld>
+</file>
+
+<file path=ppt/slides/slide15.xml><?xml version="1.0" encoding="utf-8"?>
+<p:sld xmlns:a="http://schemas.openxmlformats.org/drawingml/2006/main" xmlns:r="http://schemas.openxmlformats.org/officeDocument/2006/relationships" xmlns:p="http://schemas.openxmlformats.org/presentationml/2006/main">
+  <p:cSld>
+    <p:spTree>
+      <p:nvGrpSpPr>
+        <p:cNvPr id="1" name=""/>
+        <p:cNvGrpSpPr/>
+        <p:nvPr/>
+      </p:nvGrpSpPr>
+      <p:grpSpPr>
+        <a:xfrm>
+          <a:off x="0" y="0"/>
+          <a:ext cx="0" cy="0"/>
+          <a:chOff x="0" y="0"/>
+          <a:chExt cx="0" cy="0"/>
+        </a:xfrm>
+      </p:grpSpPr>
+      <p:sp>
+        <p:nvSpPr>
+          <p:cNvPr id="2" name="標題 1">
+            <a:extLst>
+              <a:ext uri="{FF2B5EF4-FFF2-40B4-BE49-F238E27FC236}">
+                <a16:creationId xmlns:a16="http://schemas.microsoft.com/office/drawing/2014/main" id="{F63B3BB1-5746-464F-84F5-6A7A0B7B69C2}"/>
+              </a:ext>
+            </a:extLst>
+          </p:cNvPr>
+          <p:cNvSpPr>
+            <a:spLocks noGrp="1"/>
+          </p:cNvSpPr>
+          <p:nvPr>
+            <p:ph type="title"/>
+          </p:nvPr>
+        </p:nvSpPr>
+        <p:spPr/>
+        <p:txBody>
+          <a:bodyPr/>
+          <a:lstStyle/>
+          <a:p>
+            <a:r>
+              <a:rPr lang="zh-TW" altLang="en-US" dirty="0"/>
+              <a:t>觀察除了</a:t>
+            </a:r>
+            <a:r>
+              <a:rPr lang="en-US" altLang="zh-TW" dirty="0"/>
+              <a:t>REM</a:t>
+            </a:r>
+            <a:r>
+              <a:rPr lang="zh-TW" altLang="en-US" dirty="0"/>
+              <a:t>以外有無明顯現象</a:t>
+            </a:r>
+          </a:p>
+        </p:txBody>
+      </p:sp>
+      <p:sp>
+        <p:nvSpPr>
+          <p:cNvPr id="3" name="內容版面配置區 2">
+            <a:extLst>
+              <a:ext uri="{FF2B5EF4-FFF2-40B4-BE49-F238E27FC236}">
+                <a16:creationId xmlns:a16="http://schemas.microsoft.com/office/drawing/2014/main" id="{E9C16385-8107-46A3-8EEB-EFCCACFE3F36}"/>
+              </a:ext>
+            </a:extLst>
+          </p:cNvPr>
+          <p:cNvSpPr>
+            <a:spLocks noGrp="1"/>
+          </p:cNvSpPr>
+          <p:nvPr>
+            <p:ph idx="1"/>
+          </p:nvPr>
+        </p:nvSpPr>
+        <p:spPr/>
+        <p:txBody>
+          <a:bodyPr/>
+          <a:lstStyle/>
+          <a:p>
+            <a:endParaRPr lang="zh-TW" altLang="en-US"/>
+          </a:p>
+        </p:txBody>
+      </p:sp>
+      <p:sp>
+        <p:nvSpPr>
+          <p:cNvPr id="4" name="投影片編號版面配置區 3">
+            <a:extLst>
+              <a:ext uri="{FF2B5EF4-FFF2-40B4-BE49-F238E27FC236}">
+                <a16:creationId xmlns:a16="http://schemas.microsoft.com/office/drawing/2014/main" id="{46DBC005-E8CA-4C0B-A4A5-E06647295AFC}"/>
+              </a:ext>
+            </a:extLst>
+          </p:cNvPr>
+          <p:cNvSpPr>
+            <a:spLocks noGrp="1"/>
+          </p:cNvSpPr>
+          <p:nvPr>
+            <p:ph type="sldNum" sz="quarter" idx="12"/>
+          </p:nvPr>
+        </p:nvSpPr>
+        <p:spPr/>
+        <p:txBody>
+          <a:bodyPr/>
+          <a:lstStyle/>
+          <a:p>
+            <a:fld id="{F230EE04-BD3A-40AA-92AC-647453D5DADF}" type="slidenum">
+              <a:rPr lang="zh-TW" altLang="en-US" smtClean="0"/>
+              <a:t>15</a:t>
             </a:fld>
             <a:endParaRPr lang="zh-TW" altLang="en-US"/>
           </a:p>
@@ -4255,7 +4860,7 @@
           <p:cNvPr id="2" name="標題 1">
             <a:extLst>
               <a:ext uri="{FF2B5EF4-FFF2-40B4-BE49-F238E27FC236}">
-                <a16:creationId xmlns:a16="http://schemas.microsoft.com/office/drawing/2014/main" id="{892307EE-4044-49E1-842B-FE439589D235}"/>
+                <a16:creationId xmlns:a16="http://schemas.microsoft.com/office/drawing/2014/main" id="{A7898C7F-02A1-415E-B471-653F33B38225}"/>
               </a:ext>
             </a:extLst>
           </p:cNvPr>
@@ -4273,7 +4878,7 @@
           <a:p>
             <a:r>
               <a:rPr lang="zh-TW" altLang="en-US" dirty="0"/>
-              <a:t>抓取反向快速眼動</a:t>
+              <a:t>研究目的</a:t>
             </a:r>
           </a:p>
         </p:txBody>
@@ -4283,7 +4888,7 @@
           <p:cNvPr id="3" name="內容版面配置區 2">
             <a:extLst>
               <a:ext uri="{FF2B5EF4-FFF2-40B4-BE49-F238E27FC236}">
-                <a16:creationId xmlns:a16="http://schemas.microsoft.com/office/drawing/2014/main" id="{29B592FD-5A0B-4C41-A5F7-B16B06D18020}"/>
+                <a16:creationId xmlns:a16="http://schemas.microsoft.com/office/drawing/2014/main" id="{A03B71EC-37BF-425F-B480-E6B8EE367B94}"/>
               </a:ext>
             </a:extLst>
           </p:cNvPr>
@@ -4301,122 +4906,163 @@
           <a:p>
             <a:r>
               <a:rPr lang="zh-TW" altLang="en-US" dirty="0"/>
-              <a:t>左右</a:t>
-            </a:r>
+              <a:t>林政佑醫師</a:t>
+            </a:r>
+            <a:endParaRPr lang="en-US" altLang="zh-TW" dirty="0"/>
+          </a:p>
+          <a:p>
+            <a:pPr lvl="1"/>
             <a:r>
               <a:rPr lang="en-US" altLang="zh-TW" dirty="0"/>
-              <a:t>EOG</a:t>
-            </a:r>
-            <a:r>
-              <a:rPr lang="zh-TW" altLang="en-US" dirty="0"/>
-              <a:t>相減絕對值取出反向眼動特徵</a:t>
+              <a:t>REM</a:t>
+            </a:r>
+            <a:r>
+              <a:rPr lang="zh-TW" altLang="en-US" dirty="0"/>
+              <a:t>影響人們的情緒控管和鞏固情緒記憶</a:t>
             </a:r>
             <a:endParaRPr lang="en-US" altLang="zh-TW" dirty="0"/>
           </a:p>
           <a:p>
-            <a:r>
-              <a:rPr lang="zh-TW" altLang="en-US" dirty="0"/>
-              <a:t>左右</a:t>
+            <a:pPr lvl="1"/>
+            <a:r>
+              <a:rPr lang="zh-TW" altLang="en-US" dirty="0"/>
+              <a:t>在</a:t>
             </a:r>
             <a:r>
               <a:rPr lang="en-US" altLang="zh-TW" dirty="0"/>
-              <a:t>EOG</a:t>
-            </a:r>
-            <a:r>
-              <a:rPr lang="zh-TW" altLang="en-US" dirty="0"/>
-              <a:t>分別後項減前項取出眼動陡峭程度</a:t>
+              <a:t>PTSD</a:t>
+            </a:r>
+            <a:r>
+              <a:rPr lang="zh-TW" altLang="en-US" dirty="0"/>
+              <a:t>下</a:t>
             </a:r>
             <a:endParaRPr lang="en-US" altLang="zh-TW" dirty="0"/>
           </a:p>
           <a:p>
+            <a:pPr lvl="2"/>
+            <a:r>
+              <a:rPr lang="zh-TW" altLang="en-US" dirty="0"/>
+              <a:t>更多</a:t>
+            </a:r>
+            <a:r>
+              <a:rPr lang="en-US" altLang="zh-TW" dirty="0"/>
+              <a:t>REM</a:t>
+            </a:r>
+            <a:r>
+              <a:rPr lang="zh-TW" altLang="en-US" dirty="0"/>
+              <a:t> </a:t>
+            </a:r>
+            <a:r>
+              <a:rPr lang="en-US" altLang="zh-TW" dirty="0"/>
+              <a:t>density(REMs per REM sleep period)</a:t>
+            </a:r>
+          </a:p>
+          <a:p>
+            <a:pPr lvl="2"/>
+            <a:r>
+              <a:rPr lang="zh-TW" altLang="en-US" dirty="0"/>
+              <a:t>更多</a:t>
+            </a:r>
+            <a:r>
+              <a:rPr lang="en-US" altLang="zh-TW" dirty="0"/>
+              <a:t>REM</a:t>
+            </a:r>
+            <a:r>
+              <a:rPr lang="zh-TW" altLang="en-US" dirty="0"/>
+              <a:t> </a:t>
+            </a:r>
+            <a:r>
+              <a:rPr lang="en-US" altLang="zh-TW" dirty="0"/>
+              <a:t>sleep pressure(short REM latency</a:t>
+            </a:r>
+            <a:r>
+              <a:rPr lang="zh-TW" altLang="en-US" dirty="0"/>
+              <a:t>、</a:t>
+            </a:r>
+            <a:r>
+              <a:rPr lang="en-US" altLang="zh-TW" dirty="0"/>
+              <a:t>long average REM sleep episode)</a:t>
+            </a:r>
+          </a:p>
+          <a:p>
+            <a:pPr lvl="2"/>
+            <a:r>
+              <a:rPr lang="zh-TW" altLang="en-US" dirty="0"/>
+              <a:t>更多</a:t>
+            </a:r>
+            <a:r>
+              <a:rPr lang="en-US" altLang="zh-TW" dirty="0"/>
+              <a:t>REM</a:t>
+            </a:r>
+            <a:r>
+              <a:rPr lang="zh-TW" altLang="en-US" dirty="0"/>
+              <a:t> </a:t>
+            </a:r>
+            <a:r>
+              <a:rPr lang="en-US" altLang="zh-TW" dirty="0"/>
+              <a:t>fragmentation</a:t>
+            </a:r>
+          </a:p>
+          <a:p>
+            <a:pPr lvl="1"/>
+            <a:r>
+              <a:rPr lang="zh-TW" altLang="en-US" dirty="0"/>
+              <a:t>在憂鬱情況下</a:t>
+            </a:r>
             <a:endParaRPr lang="en-US" altLang="zh-TW" dirty="0"/>
           </a:p>
           <a:p>
-            <a:r>
-              <a:rPr lang="zh-TW" altLang="en-US" dirty="0"/>
-              <a:t>將兩值相加</a:t>
+            <a:pPr lvl="2"/>
+            <a:r>
+              <a:rPr lang="en-US" altLang="zh-TW" dirty="0"/>
+              <a:t>REM</a:t>
+            </a:r>
+            <a:r>
+              <a:rPr lang="zh-TW" altLang="en-US" dirty="0"/>
+              <a:t> </a:t>
+            </a:r>
+            <a:r>
+              <a:rPr lang="en-US" altLang="zh-TW" dirty="0"/>
+              <a:t>latency</a:t>
+            </a:r>
+            <a:r>
+              <a:rPr lang="zh-TW" altLang="en-US" dirty="0"/>
+              <a:t>減少</a:t>
             </a:r>
             <a:endParaRPr lang="en-US" altLang="zh-TW" dirty="0"/>
           </a:p>
           <a:p>
-            <a:r>
-              <a:rPr lang="zh-TW" altLang="en-US" dirty="0"/>
-              <a:t>設</a:t>
-            </a:r>
+            <a:pPr lvl="2"/>
             <a:r>
               <a:rPr lang="en-US" altLang="zh-TW" dirty="0"/>
-              <a:t>threshold1 &gt; 0.025 </a:t>
-            </a:r>
-            <a:r>
-              <a:rPr lang="zh-TW" altLang="en-US" dirty="0"/>
-              <a:t>超過則視為快速眼動</a:t>
+              <a:t>Total REM sleep duration</a:t>
+            </a:r>
+            <a:r>
+              <a:rPr lang="zh-TW" altLang="en-US" dirty="0"/>
+              <a:t>增加</a:t>
             </a:r>
             <a:endParaRPr lang="en-US" altLang="zh-TW" dirty="0"/>
           </a:p>
           <a:p>
-            <a:r>
-              <a:rPr lang="zh-TW" altLang="en-US" dirty="0"/>
-              <a:t>設</a:t>
-            </a:r>
+            <a:pPr lvl="2"/>
             <a:r>
               <a:rPr lang="en-US" altLang="zh-TW" dirty="0"/>
-              <a:t>threshold2 &lt; 1</a:t>
-            </a:r>
-            <a:r>
-              <a:rPr lang="zh-TW" altLang="en-US" dirty="0"/>
-              <a:t> 超過則視為受</a:t>
+              <a:t>REM</a:t>
+            </a:r>
+            <a:r>
+              <a:rPr lang="zh-TW" altLang="en-US" dirty="0"/>
+              <a:t> </a:t>
             </a:r>
             <a:r>
               <a:rPr lang="en-US" altLang="zh-TW" dirty="0"/>
-              <a:t>arousal</a:t>
-            </a:r>
-            <a:r>
-              <a:rPr lang="zh-TW" altLang="en-US" dirty="0"/>
-              <a:t>影響</a:t>
+              <a:t>density</a:t>
+            </a:r>
+            <a:r>
+              <a:rPr lang="zh-TW" altLang="en-US" dirty="0"/>
+              <a:t>增加</a:t>
             </a:r>
             <a:endParaRPr lang="en-US" altLang="zh-TW" dirty="0"/>
           </a:p>
-          <a:p>
-            <a:endParaRPr lang="en-US" altLang="zh-TW" dirty="0"/>
-          </a:p>
-          <a:p>
-            <a:r>
-              <a:rPr lang="zh-TW" altLang="en-US" dirty="0"/>
-              <a:t>找到第</a:t>
-            </a:r>
-            <a:r>
-              <a:rPr lang="en-US" altLang="zh-TW" dirty="0"/>
-              <a:t>1</a:t>
-            </a:r>
-            <a:r>
-              <a:rPr lang="zh-TW" altLang="en-US" dirty="0"/>
-              <a:t>個快速眼動後尋找後面</a:t>
-            </a:r>
-            <a:r>
-              <a:rPr lang="en-US" altLang="zh-TW" dirty="0"/>
-              <a:t>1</a:t>
-            </a:r>
-            <a:r>
-              <a:rPr lang="zh-TW" altLang="en-US" dirty="0"/>
-              <a:t>秒內有無快速眼動，有則視為連續</a:t>
-            </a:r>
-            <a:endParaRPr lang="en-US" altLang="zh-TW" dirty="0"/>
-          </a:p>
-          <a:p>
-            <a:r>
-              <a:rPr lang="zh-TW" altLang="en-US" dirty="0"/>
-              <a:t>小於</a:t>
-            </a:r>
-            <a:r>
-              <a:rPr lang="en-US" altLang="zh-TW" dirty="0"/>
-              <a:t>0.1</a:t>
-            </a:r>
-            <a:r>
-              <a:rPr lang="zh-TW" altLang="en-US"/>
-              <a:t>秒的區間不算</a:t>
-            </a:r>
-            <a:endParaRPr lang="en-US" altLang="zh-TW" dirty="0"/>
-          </a:p>
         </p:txBody>
       </p:sp>
       <p:sp>
@@ -4424,7 +5070,7 @@
           <p:cNvPr id="4" name="投影片編號版面配置區 3">
             <a:extLst>
               <a:ext uri="{FF2B5EF4-FFF2-40B4-BE49-F238E27FC236}">
-                <a16:creationId xmlns:a16="http://schemas.microsoft.com/office/drawing/2014/main" id="{5AC60BDE-80E8-479F-80C2-36C704E8F691}"/>
+                <a16:creationId xmlns:a16="http://schemas.microsoft.com/office/drawing/2014/main" id="{E4CAFF49-DD14-4876-8AC9-5C3B80A846C1}"/>
               </a:ext>
             </a:extLst>
           </p:cNvPr>
@@ -4451,7 +5097,7 @@
     </p:spTree>
     <p:extLst>
       <p:ext uri="{BB962C8B-B14F-4D97-AF65-F5344CB8AC3E}">
-        <p14:creationId xmlns:p14="http://schemas.microsoft.com/office/powerpoint/2010/main" val="3405144549"/>
+        <p14:creationId xmlns:p14="http://schemas.microsoft.com/office/powerpoint/2010/main" val="698856896"/>
       </p:ext>
     </p:extLst>
   </p:cSld>
@@ -4483,7 +5129,7 @@
           <p:cNvPr id="2" name="標題 1">
             <a:extLst>
               <a:ext uri="{FF2B5EF4-FFF2-40B4-BE49-F238E27FC236}">
-                <a16:creationId xmlns:a16="http://schemas.microsoft.com/office/drawing/2014/main" id="{FF07E4D6-4C3C-4421-9019-1A9A33A1A207}"/>
+                <a16:creationId xmlns:a16="http://schemas.microsoft.com/office/drawing/2014/main" id="{FB2BA45C-7191-4278-AF05-14C1AFD7A47B}"/>
               </a:ext>
             </a:extLst>
           </p:cNvPr>
@@ -4499,15 +5145,14 @@
           <a:bodyPr/>
           <a:lstStyle/>
           <a:p>
-            <a:r>
-              <a:rPr lang="zh-TW" altLang="en-US" dirty="0"/>
-              <a:t>從整體來觀察噪音暴露與非暴露環境下的</a:t>
-            </a:r>
             <a:r>
               <a:rPr lang="en-US" altLang="zh-TW" dirty="0"/>
               <a:t>REM</a:t>
             </a:r>
-            <a:endParaRPr lang="zh-TW" altLang="en-US" dirty="0"/>
+            <a:r>
+              <a:rPr lang="zh-TW" altLang="en-US" dirty="0"/>
+              <a:t>參數</a:t>
+            </a:r>
           </a:p>
         </p:txBody>
       </p:sp>
@@ -4516,7 +5161,7 @@
           <p:cNvPr id="3" name="內容版面配置區 2">
             <a:extLst>
               <a:ext uri="{FF2B5EF4-FFF2-40B4-BE49-F238E27FC236}">
-                <a16:creationId xmlns:a16="http://schemas.microsoft.com/office/drawing/2014/main" id="{E8D32412-85A2-4A93-B43B-C13165D7A297}"/>
+                <a16:creationId xmlns:a16="http://schemas.microsoft.com/office/drawing/2014/main" id="{71BE4C53-E848-4FA9-BA46-CF125F0CAE00}"/>
               </a:ext>
             </a:extLst>
           </p:cNvPr>
@@ -4532,7 +5177,88 @@
           <a:bodyPr/>
           <a:lstStyle/>
           <a:p>
-            <a:endParaRPr lang="zh-TW" altLang="en-US"/>
+            <a:r>
+              <a:rPr lang="en-US" altLang="zh-TW" dirty="0"/>
+              <a:t>REM</a:t>
+            </a:r>
+            <a:r>
+              <a:rPr lang="zh-TW" altLang="en-US" dirty="0"/>
+              <a:t> </a:t>
+            </a:r>
+            <a:r>
+              <a:rPr lang="en-US" altLang="zh-TW" dirty="0"/>
+              <a:t>fragmentation percent</a:t>
+            </a:r>
+          </a:p>
+          <a:p>
+            <a:pPr lvl="1"/>
+            <a:r>
+              <a:rPr lang="en-US" altLang="zh-TW" dirty="0"/>
+              <a:t>(sum of the duration of REM fragmentation epochs/the duration of REM sleep during the night)*100</a:t>
+            </a:r>
+          </a:p>
+          <a:p>
+            <a:r>
+              <a:rPr lang="en-US" altLang="zh-TW" dirty="0"/>
+              <a:t>REM latency</a:t>
+            </a:r>
+          </a:p>
+          <a:p>
+            <a:pPr lvl="1"/>
+            <a:r>
+              <a:rPr lang="en-US" altLang="zh-TW" dirty="0"/>
+              <a:t>latency from sleep onset to the first REM epoch</a:t>
+            </a:r>
+          </a:p>
+          <a:p>
+            <a:r>
+              <a:rPr lang="en-US" altLang="zh-TW" dirty="0"/>
+              <a:t>REM density</a:t>
+            </a:r>
+          </a:p>
+          <a:p>
+            <a:pPr lvl="1"/>
+            <a:r>
+              <a:rPr lang="en-US" altLang="zh-TW" dirty="0"/>
+              <a:t>percent of rapid eye movements in relation to REM sleep duration</a:t>
+            </a:r>
+          </a:p>
+          <a:p>
+            <a:r>
+              <a:rPr lang="en-US" altLang="zh-TW" dirty="0"/>
+              <a:t>REM</a:t>
+            </a:r>
+            <a:r>
+              <a:rPr lang="zh-TW" altLang="en-US" dirty="0"/>
+              <a:t>總次數</a:t>
+            </a:r>
+            <a:endParaRPr lang="en-US" altLang="zh-TW" dirty="0"/>
+          </a:p>
+          <a:p>
+            <a:r>
+              <a:rPr lang="en-US" altLang="zh-TW" dirty="0"/>
+              <a:t>REM</a:t>
+            </a:r>
+            <a:r>
+              <a:rPr lang="zh-TW" altLang="en-US" dirty="0"/>
+              <a:t>總時間</a:t>
+            </a:r>
+            <a:endParaRPr lang="en-US" altLang="zh-TW" dirty="0"/>
+          </a:p>
+          <a:p>
+            <a:r>
+              <a:rPr lang="zh-TW" altLang="en-US" dirty="0"/>
+              <a:t>每個</a:t>
+            </a:r>
+            <a:r>
+              <a:rPr lang="en-US" altLang="zh-TW" dirty="0"/>
+              <a:t>REM</a:t>
+            </a:r>
+            <a:r>
+              <a:rPr lang="zh-TW" altLang="en-US" dirty="0"/>
+              <a:t>平均長度</a:t>
+            </a:r>
+            <a:endParaRPr lang="en-US" altLang="zh-TW" dirty="0"/>
           </a:p>
         </p:txBody>
       </p:sp>
@@ -4541,7 +5267,7 @@
           <p:cNvPr id="4" name="投影片編號版面配置區 3">
             <a:extLst>
               <a:ext uri="{FF2B5EF4-FFF2-40B4-BE49-F238E27FC236}">
-                <a16:creationId xmlns:a16="http://schemas.microsoft.com/office/drawing/2014/main" id="{21943743-1D99-4716-AB64-C08A3B5CF749}"/>
+                <a16:creationId xmlns:a16="http://schemas.microsoft.com/office/drawing/2014/main" id="{71CCBE54-69FE-4D14-B734-909917013CCD}"/>
               </a:ext>
             </a:extLst>
           </p:cNvPr>
@@ -4568,7 +5294,7 @@
     </p:spTree>
     <p:extLst>
       <p:ext uri="{BB962C8B-B14F-4D97-AF65-F5344CB8AC3E}">
-        <p14:creationId xmlns:p14="http://schemas.microsoft.com/office/powerpoint/2010/main" val="2355560464"/>
+        <p14:creationId xmlns:p14="http://schemas.microsoft.com/office/powerpoint/2010/main" val="763783172"/>
       </p:ext>
     </p:extLst>
   </p:cSld>
@@ -4600,7 +5326,7 @@
           <p:cNvPr id="2" name="標題 1">
             <a:extLst>
               <a:ext uri="{FF2B5EF4-FFF2-40B4-BE49-F238E27FC236}">
-                <a16:creationId xmlns:a16="http://schemas.microsoft.com/office/drawing/2014/main" id="{3484939B-FFA5-421B-A3CF-62E507410721}"/>
+                <a16:creationId xmlns:a16="http://schemas.microsoft.com/office/drawing/2014/main" id="{892307EE-4044-49E1-842B-FE439589D235}"/>
               </a:ext>
             </a:extLst>
           </p:cNvPr>
@@ -4617,16 +5343,20 @@
           <a:lstStyle/>
           <a:p>
             <a:r>
-              <a:rPr lang="zh-TW" altLang="en-US" dirty="0"/>
-              <a:t>從正常狀態下的</a:t>
-            </a:r>
-            <a:r>
               <a:rPr lang="en-US" altLang="zh-TW" dirty="0"/>
-              <a:t>cortisol</a:t>
-            </a:r>
-            <a:r>
-              <a:rPr lang="zh-TW" altLang="en-US" dirty="0"/>
-              <a:t>來做分析</a:t>
+              <a:t>REM</a:t>
+            </a:r>
+            <a:r>
+              <a:rPr lang="zh-TW" altLang="en-US" dirty="0"/>
+              <a:t> </a:t>
+            </a:r>
+            <a:r>
+              <a:rPr lang="en-US" altLang="zh-TW" dirty="0"/>
+              <a:t>density</a:t>
+            </a:r>
+            <a:r>
+              <a:rPr lang="zh-TW" altLang="en-US" dirty="0"/>
+              <a:t>計算</a:t>
             </a:r>
           </a:p>
         </p:txBody>
@@ -4636,7 +5366,7 @@
           <p:cNvPr id="3" name="內容版面配置區 2">
             <a:extLst>
               <a:ext uri="{FF2B5EF4-FFF2-40B4-BE49-F238E27FC236}">
-                <a16:creationId xmlns:a16="http://schemas.microsoft.com/office/drawing/2014/main" id="{01697D29-E482-44CA-9367-80E0DD3EB3F5}"/>
+                <a16:creationId xmlns:a16="http://schemas.microsoft.com/office/drawing/2014/main" id="{29B592FD-5A0B-4C41-A5F7-B16B06D18020}"/>
               </a:ext>
             </a:extLst>
           </p:cNvPr>
@@ -4652,7 +5382,129 @@
           <a:bodyPr/>
           <a:lstStyle/>
           <a:p>
-            <a:endParaRPr lang="zh-TW" altLang="en-US"/>
+            <a:r>
+              <a:rPr lang="zh-TW" altLang="en-US" dirty="0"/>
+              <a:t>左右</a:t>
+            </a:r>
+            <a:r>
+              <a:rPr lang="en-US" altLang="zh-TW" dirty="0"/>
+              <a:t>EOG</a:t>
+            </a:r>
+            <a:r>
+              <a:rPr lang="zh-TW" altLang="en-US" dirty="0"/>
+              <a:t>相減絕對值取出反向眼動特徵 </a:t>
+            </a:r>
+            <a:r>
+              <a:rPr lang="en-US" altLang="zh-TW" dirty="0"/>
+              <a:t>* 0.5</a:t>
+            </a:r>
+          </a:p>
+          <a:p>
+            <a:r>
+              <a:rPr lang="zh-TW" altLang="en-US" dirty="0"/>
+              <a:t>左右</a:t>
+            </a:r>
+            <a:r>
+              <a:rPr lang="en-US" altLang="zh-TW" dirty="0"/>
+              <a:t>EOG</a:t>
+            </a:r>
+            <a:r>
+              <a:rPr lang="zh-TW" altLang="en-US" dirty="0"/>
+              <a:t>分別後項減前項取出眼動陡峭程度 * </a:t>
+            </a:r>
+            <a:r>
+              <a:rPr lang="en-US" altLang="zh-TW" dirty="0"/>
+              <a:t>sampling rate</a:t>
+            </a:r>
+          </a:p>
+          <a:p>
+            <a:endParaRPr lang="en-US" altLang="zh-TW" dirty="0"/>
+          </a:p>
+          <a:p>
+            <a:r>
+              <a:rPr lang="zh-TW" altLang="en-US" dirty="0"/>
+              <a:t>將兩值相加</a:t>
+            </a:r>
+            <a:endParaRPr lang="en-US" altLang="zh-TW" dirty="0"/>
+          </a:p>
+          <a:p>
+            <a:r>
+              <a:rPr lang="zh-TW" altLang="en-US" dirty="0"/>
+              <a:t>設</a:t>
+            </a:r>
+            <a:r>
+              <a:rPr lang="en-US" altLang="zh-TW" dirty="0"/>
+              <a:t>threshold1 &gt; 0.025 </a:t>
+            </a:r>
+            <a:r>
+              <a:rPr lang="zh-TW" altLang="en-US" dirty="0"/>
+              <a:t>超過則視為快速眼動</a:t>
+            </a:r>
+            <a:endParaRPr lang="en-US" altLang="zh-TW" dirty="0"/>
+          </a:p>
+          <a:p>
+            <a:r>
+              <a:rPr lang="zh-TW" altLang="en-US" dirty="0"/>
+              <a:t>設</a:t>
+            </a:r>
+            <a:r>
+              <a:rPr lang="en-US" altLang="zh-TW" dirty="0"/>
+              <a:t>threshold2 &lt; 1</a:t>
+            </a:r>
+            <a:r>
+              <a:rPr lang="zh-TW" altLang="en-US" dirty="0"/>
+              <a:t> 超過則視為受</a:t>
+            </a:r>
+            <a:r>
+              <a:rPr lang="en-US" altLang="zh-TW" dirty="0"/>
+              <a:t>arousal</a:t>
+            </a:r>
+            <a:r>
+              <a:rPr lang="zh-TW" altLang="en-US" dirty="0"/>
+              <a:t>影響</a:t>
+            </a:r>
+            <a:endParaRPr lang="en-US" altLang="zh-TW" dirty="0"/>
+          </a:p>
+          <a:p>
+            <a:endParaRPr lang="en-US" altLang="zh-TW" dirty="0"/>
+          </a:p>
+          <a:p>
+            <a:r>
+              <a:rPr lang="zh-TW" altLang="en-US" dirty="0"/>
+              <a:t>找到第</a:t>
+            </a:r>
+            <a:r>
+              <a:rPr lang="en-US" altLang="zh-TW" dirty="0"/>
+              <a:t>1</a:t>
+            </a:r>
+            <a:r>
+              <a:rPr lang="zh-TW" altLang="en-US" dirty="0"/>
+              <a:t>個快速眼動後尋找後面</a:t>
+            </a:r>
+            <a:r>
+              <a:rPr lang="en-US" altLang="zh-TW" dirty="0"/>
+              <a:t>1</a:t>
+            </a:r>
+            <a:r>
+              <a:rPr lang="zh-TW" altLang="en-US" dirty="0"/>
+              <a:t>秒內有無快速眼動，有則視為連續</a:t>
+            </a:r>
+            <a:endParaRPr lang="en-US" altLang="zh-TW" dirty="0"/>
+          </a:p>
+          <a:p>
+            <a:r>
+              <a:rPr lang="zh-TW" altLang="en-US" dirty="0"/>
+              <a:t>小於</a:t>
+            </a:r>
+            <a:r>
+              <a:rPr lang="en-US" altLang="zh-TW" dirty="0"/>
+              <a:t>0.1</a:t>
+            </a:r>
+            <a:r>
+              <a:rPr lang="zh-TW" altLang="en-US" dirty="0"/>
+              <a:t>秒的區間不算</a:t>
+            </a:r>
+            <a:endParaRPr lang="en-US" altLang="zh-TW" dirty="0"/>
           </a:p>
         </p:txBody>
       </p:sp>
@@ -4661,7 +5513,7 @@
           <p:cNvPr id="4" name="投影片編號版面配置區 3">
             <a:extLst>
               <a:ext uri="{FF2B5EF4-FFF2-40B4-BE49-F238E27FC236}">
-                <a16:creationId xmlns:a16="http://schemas.microsoft.com/office/drawing/2014/main" id="{8D7AD20E-B6E8-43F0-A3C8-32C57EECF4D4}"/>
+                <a16:creationId xmlns:a16="http://schemas.microsoft.com/office/drawing/2014/main" id="{5AC60BDE-80E8-479F-80C2-36C704E8F691}"/>
               </a:ext>
             </a:extLst>
           </p:cNvPr>
@@ -4688,7 +5540,7 @@
     </p:spTree>
     <p:extLst>
       <p:ext uri="{BB962C8B-B14F-4D97-AF65-F5344CB8AC3E}">
-        <p14:creationId xmlns:p14="http://schemas.microsoft.com/office/powerpoint/2010/main" val="1114412947"/>
+        <p14:creationId xmlns:p14="http://schemas.microsoft.com/office/powerpoint/2010/main" val="3405144549"/>
       </p:ext>
     </p:extLst>
   </p:cSld>
@@ -4720,7 +5572,7 @@
           <p:cNvPr id="2" name="標題 1">
             <a:extLst>
               <a:ext uri="{FF2B5EF4-FFF2-40B4-BE49-F238E27FC236}">
-                <a16:creationId xmlns:a16="http://schemas.microsoft.com/office/drawing/2014/main" id="{CA6086DF-A47E-46D6-B08D-E2A9A78BB39C}"/>
+                <a16:creationId xmlns:a16="http://schemas.microsoft.com/office/drawing/2014/main" id="{2E9964E3-328A-47B8-89CF-A1216860072C}"/>
               </a:ext>
             </a:extLst>
           </p:cNvPr>
@@ -4737,16 +5589,20 @@
           <a:lstStyle/>
           <a:p>
             <a:r>
-              <a:rPr lang="zh-TW" altLang="en-US" dirty="0"/>
-              <a:t>從噪音環境下</a:t>
-            </a:r>
-            <a:r>
               <a:rPr lang="en-US" altLang="zh-TW" dirty="0"/>
-              <a:t>cortisol</a:t>
-            </a:r>
-            <a:r>
-              <a:rPr lang="zh-TW" altLang="en-US" dirty="0"/>
-              <a:t>明顯上升的例子來做分析</a:t>
+              <a:t>REM</a:t>
+            </a:r>
+            <a:r>
+              <a:rPr lang="zh-TW" altLang="en-US" dirty="0"/>
+              <a:t> </a:t>
+            </a:r>
+            <a:r>
+              <a:rPr lang="en-US" altLang="zh-TW" dirty="0"/>
+              <a:t>density</a:t>
+            </a:r>
+            <a:r>
+              <a:rPr lang="zh-TW" altLang="en-US" dirty="0"/>
+              <a:t>計算</a:t>
             </a:r>
           </a:p>
         </p:txBody>
@@ -4756,7 +5612,7 @@
           <p:cNvPr id="3" name="內容版面配置區 2">
             <a:extLst>
               <a:ext uri="{FF2B5EF4-FFF2-40B4-BE49-F238E27FC236}">
-                <a16:creationId xmlns:a16="http://schemas.microsoft.com/office/drawing/2014/main" id="{2A4FB771-88F5-4F9D-8378-E7251F4E00C9}"/>
+                <a16:creationId xmlns:a16="http://schemas.microsoft.com/office/drawing/2014/main" id="{6029A1EC-BDB8-4165-A05F-BC24046B5EB3}"/>
               </a:ext>
             </a:extLst>
           </p:cNvPr>
@@ -4772,7 +5628,7 @@
           <a:bodyPr/>
           <a:lstStyle/>
           <a:p>
-            <a:endParaRPr lang="zh-TW" altLang="en-US"/>
+            <a:endParaRPr lang="zh-TW" altLang="en-US" dirty="0"/>
           </a:p>
         </p:txBody>
       </p:sp>
@@ -4781,7 +5637,7 @@
           <p:cNvPr id="4" name="投影片編號版面配置區 3">
             <a:extLst>
               <a:ext uri="{FF2B5EF4-FFF2-40B4-BE49-F238E27FC236}">
-                <a16:creationId xmlns:a16="http://schemas.microsoft.com/office/drawing/2014/main" id="{D5ECCC40-5972-453B-8E7B-988A9286E275}"/>
+                <a16:creationId xmlns:a16="http://schemas.microsoft.com/office/drawing/2014/main" id="{AA234EAA-BBFA-4F45-B812-789E51BF47DF}"/>
               </a:ext>
             </a:extLst>
           </p:cNvPr>
@@ -4808,7 +5664,7 @@
     </p:spTree>
     <p:extLst>
       <p:ext uri="{BB962C8B-B14F-4D97-AF65-F5344CB8AC3E}">
-        <p14:creationId xmlns:p14="http://schemas.microsoft.com/office/powerpoint/2010/main" val="4092880650"/>
+        <p14:creationId xmlns:p14="http://schemas.microsoft.com/office/powerpoint/2010/main" val="616825356"/>
       </p:ext>
     </p:extLst>
   </p:cSld>
@@ -4840,7 +5696,7 @@
           <p:cNvPr id="2" name="標題 1">
             <a:extLst>
               <a:ext uri="{FF2B5EF4-FFF2-40B4-BE49-F238E27FC236}">
-                <a16:creationId xmlns:a16="http://schemas.microsoft.com/office/drawing/2014/main" id="{A26468F2-9449-46CA-AD6F-2D00C6F3A45E}"/>
+                <a16:creationId xmlns:a16="http://schemas.microsoft.com/office/drawing/2014/main" id="{0E886FCF-38F7-45F6-BAB5-315DD278617C}"/>
               </a:ext>
             </a:extLst>
           </p:cNvPr>
@@ -4857,8 +5713,20 @@
           <a:lstStyle/>
           <a:p>
             <a:r>
-              <a:rPr lang="zh-TW" altLang="en-US" dirty="0"/>
-              <a:t>從年齡來做分析</a:t>
+              <a:rPr lang="en-US" altLang="zh-TW" dirty="0"/>
+              <a:t>REM</a:t>
+            </a:r>
+            <a:r>
+              <a:rPr lang="zh-TW" altLang="en-US" dirty="0"/>
+              <a:t> </a:t>
+            </a:r>
+            <a:r>
+              <a:rPr lang="en-US" altLang="zh-TW" dirty="0"/>
+              <a:t>fragmentation</a:t>
+            </a:r>
+            <a:r>
+              <a:rPr lang="zh-TW" altLang="en-US" dirty="0"/>
+              <a:t>計算</a:t>
             </a:r>
           </a:p>
         </p:txBody>
@@ -4868,7 +5736,7 @@
           <p:cNvPr id="3" name="內容版面配置區 2">
             <a:extLst>
               <a:ext uri="{FF2B5EF4-FFF2-40B4-BE49-F238E27FC236}">
-                <a16:creationId xmlns:a16="http://schemas.microsoft.com/office/drawing/2014/main" id="{2566B70F-997D-41A1-A7A5-DCEB46ED72EB}"/>
+                <a16:creationId xmlns:a16="http://schemas.microsoft.com/office/drawing/2014/main" id="{8E60F1BA-6823-455B-AEE4-3ADECBC0FD22}"/>
               </a:ext>
             </a:extLst>
           </p:cNvPr>
@@ -4884,7 +5752,112 @@
           <a:bodyPr/>
           <a:lstStyle/>
           <a:p>
-            <a:endParaRPr lang="zh-TW" altLang="en-US"/>
+            <a:r>
+              <a:rPr lang="en-US" altLang="zh-TW" dirty="0"/>
+              <a:t>REM</a:t>
+            </a:r>
+            <a:r>
+              <a:rPr lang="zh-TW" altLang="en-US" dirty="0"/>
+              <a:t>大區段中被</a:t>
+            </a:r>
+            <a:r>
+              <a:rPr lang="en-US" altLang="zh-TW" dirty="0"/>
+              <a:t>Arousal</a:t>
+            </a:r>
+            <a:r>
+              <a:rPr lang="zh-TW" altLang="en-US" dirty="0"/>
+              <a:t>影響的小區段</a:t>
+            </a:r>
+            <a:endParaRPr lang="en-US" altLang="zh-TW" dirty="0"/>
+          </a:p>
+          <a:p>
+            <a:endParaRPr lang="en-US" altLang="zh-TW" dirty="0"/>
+          </a:p>
+          <a:p>
+            <a:r>
+              <a:rPr lang="zh-TW" altLang="en-US" dirty="0"/>
+              <a:t>在睡眠階段圖中找出</a:t>
+            </a:r>
+            <a:r>
+              <a:rPr lang="en-US" altLang="zh-TW" dirty="0"/>
+              <a:t>REM</a:t>
+            </a:r>
+            <a:r>
+              <a:rPr lang="zh-TW" altLang="en-US" dirty="0"/>
+              <a:t> </a:t>
+            </a:r>
+            <a:r>
+              <a:rPr lang="en-US" altLang="zh-TW" dirty="0"/>
+              <a:t>period</a:t>
+            </a:r>
+            <a:r>
+              <a:rPr lang="zh-TW" altLang="en-US" dirty="0"/>
+              <a:t>，每個區段中若有 </a:t>
+            </a:r>
+            <a:r>
+              <a:rPr lang="en-US" altLang="zh-TW" dirty="0"/>
+              <a:t>&lt;</a:t>
+            </a:r>
+            <a:r>
+              <a:rPr lang="zh-TW" altLang="en-US" dirty="0"/>
+              <a:t> </a:t>
+            </a:r>
+            <a:r>
+              <a:rPr lang="en-US" altLang="zh-TW" dirty="0"/>
+              <a:t>5</a:t>
+            </a:r>
+            <a:r>
+              <a:rPr lang="zh-TW" altLang="en-US" dirty="0"/>
+              <a:t> 因</a:t>
+            </a:r>
+            <a:r>
+              <a:rPr lang="en-US" altLang="zh-TW" dirty="0"/>
+              <a:t>Arousal</a:t>
+            </a:r>
+            <a:r>
+              <a:rPr lang="zh-TW" altLang="en-US" dirty="0"/>
+              <a:t>產生的</a:t>
+            </a:r>
+            <a:r>
+              <a:rPr lang="en-US" altLang="zh-TW" dirty="0"/>
+              <a:t>NREM</a:t>
+            </a:r>
+            <a:r>
+              <a:rPr lang="zh-TW" altLang="en-US" dirty="0"/>
+              <a:t> </a:t>
+            </a:r>
+            <a:r>
+              <a:rPr lang="en-US" altLang="zh-TW" dirty="0"/>
+              <a:t>period</a:t>
+            </a:r>
+            <a:r>
+              <a:rPr lang="zh-TW" altLang="en-US" dirty="0"/>
+              <a:t>，則視為</a:t>
+            </a:r>
+            <a:r>
+              <a:rPr lang="en-US" altLang="zh-TW" dirty="0"/>
+              <a:t>fragmentation</a:t>
+            </a:r>
+            <a:r>
+              <a:rPr lang="zh-TW" altLang="en-US" dirty="0"/>
+              <a:t>，否則視為新的</a:t>
+            </a:r>
+            <a:r>
+              <a:rPr lang="en-US" altLang="zh-TW" dirty="0"/>
+              <a:t>REM</a:t>
+            </a:r>
+            <a:r>
+              <a:rPr lang="zh-TW" altLang="en-US" dirty="0"/>
+              <a:t> </a:t>
+            </a:r>
+            <a:r>
+              <a:rPr lang="en-US" altLang="zh-TW"/>
+              <a:t>period</a:t>
+            </a:r>
+            <a:endParaRPr lang="en-US" altLang="zh-TW" dirty="0"/>
+          </a:p>
+          <a:p>
+            <a:endParaRPr lang="zh-TW" altLang="en-US" dirty="0"/>
           </a:p>
         </p:txBody>
       </p:sp>
@@ -4893,7 +5866,7 @@
           <p:cNvPr id="4" name="投影片編號版面配置區 3">
             <a:extLst>
               <a:ext uri="{FF2B5EF4-FFF2-40B4-BE49-F238E27FC236}">
-                <a16:creationId xmlns:a16="http://schemas.microsoft.com/office/drawing/2014/main" id="{2FDAD691-F2A5-4DC4-A2EE-CA438D5E1321}"/>
+                <a16:creationId xmlns:a16="http://schemas.microsoft.com/office/drawing/2014/main" id="{ABF53958-B17F-411F-8BE2-4884AA0F54E7}"/>
               </a:ext>
             </a:extLst>
           </p:cNvPr>
@@ -4920,7 +5893,7 @@
     </p:spTree>
     <p:extLst>
       <p:ext uri="{BB962C8B-B14F-4D97-AF65-F5344CB8AC3E}">
-        <p14:creationId xmlns:p14="http://schemas.microsoft.com/office/powerpoint/2010/main" val="1446192108"/>
+        <p14:creationId xmlns:p14="http://schemas.microsoft.com/office/powerpoint/2010/main" val="1369127256"/>
       </p:ext>
     </p:extLst>
   </p:cSld>
@@ -4952,7 +5925,7 @@
           <p:cNvPr id="2" name="標題 1">
             <a:extLst>
               <a:ext uri="{FF2B5EF4-FFF2-40B4-BE49-F238E27FC236}">
-                <a16:creationId xmlns:a16="http://schemas.microsoft.com/office/drawing/2014/main" id="{406DF550-CEF1-4501-B3F3-A8E81999EBB0}"/>
+                <a16:creationId xmlns:a16="http://schemas.microsoft.com/office/drawing/2014/main" id="{0E886FCF-38F7-45F6-BAB5-315DD278617C}"/>
               </a:ext>
             </a:extLst>
           </p:cNvPr>
@@ -4969,8 +5942,20 @@
           <a:lstStyle/>
           <a:p>
             <a:r>
-              <a:rPr lang="zh-TW" altLang="en-US" dirty="0"/>
-              <a:t>從年資來做分析</a:t>
+              <a:rPr lang="en-US" altLang="zh-TW" dirty="0"/>
+              <a:t>REM</a:t>
+            </a:r>
+            <a:r>
+              <a:rPr lang="zh-TW" altLang="en-US" dirty="0"/>
+              <a:t> </a:t>
+            </a:r>
+            <a:r>
+              <a:rPr lang="en-US" altLang="zh-TW" dirty="0"/>
+              <a:t>fragmentation</a:t>
+            </a:r>
+            <a:r>
+              <a:rPr lang="zh-TW" altLang="en-US" dirty="0"/>
+              <a:t>計算</a:t>
             </a:r>
           </a:p>
         </p:txBody>
@@ -4980,7 +5965,7 @@
           <p:cNvPr id="3" name="內容版面配置區 2">
             <a:extLst>
               <a:ext uri="{FF2B5EF4-FFF2-40B4-BE49-F238E27FC236}">
-                <a16:creationId xmlns:a16="http://schemas.microsoft.com/office/drawing/2014/main" id="{4965CA5C-B6C0-4896-966C-B2ECA2360B16}"/>
+                <a16:creationId xmlns:a16="http://schemas.microsoft.com/office/drawing/2014/main" id="{8E60F1BA-6823-455B-AEE4-3ADECBC0FD22}"/>
               </a:ext>
             </a:extLst>
           </p:cNvPr>
@@ -5005,7 +5990,7 @@
           <p:cNvPr id="4" name="投影片編號版面配置區 3">
             <a:extLst>
               <a:ext uri="{FF2B5EF4-FFF2-40B4-BE49-F238E27FC236}">
-                <a16:creationId xmlns:a16="http://schemas.microsoft.com/office/drawing/2014/main" id="{8162E762-BC1A-483D-93FD-2F19394A1B25}"/>
+                <a16:creationId xmlns:a16="http://schemas.microsoft.com/office/drawing/2014/main" id="{ABF53958-B17F-411F-8BE2-4884AA0F54E7}"/>
               </a:ext>
             </a:extLst>
           </p:cNvPr>
@@ -5032,7 +6017,7 @@
     </p:spTree>
     <p:extLst>
       <p:ext uri="{BB962C8B-B14F-4D97-AF65-F5344CB8AC3E}">
-        <p14:creationId xmlns:p14="http://schemas.microsoft.com/office/powerpoint/2010/main" val="833761729"/>
+        <p14:creationId xmlns:p14="http://schemas.microsoft.com/office/powerpoint/2010/main" val="84605786"/>
       </p:ext>
     </p:extLst>
   </p:cSld>
@@ -5064,7 +6049,7 @@
           <p:cNvPr id="2" name="標題 1">
             <a:extLst>
               <a:ext uri="{FF2B5EF4-FFF2-40B4-BE49-F238E27FC236}">
-                <a16:creationId xmlns:a16="http://schemas.microsoft.com/office/drawing/2014/main" id="{7EDDE160-6A2C-4C3D-816F-96C9219D401F}"/>
+                <a16:creationId xmlns:a16="http://schemas.microsoft.com/office/drawing/2014/main" id="{FF07E4D6-4C3C-4421-9019-1A9A33A1A207}"/>
               </a:ext>
             </a:extLst>
           </p:cNvPr>
@@ -5082,16 +6067,13 @@
           <a:p>
             <a:r>
               <a:rPr lang="zh-TW" altLang="en-US" dirty="0"/>
-              <a:t>從主觀壓力指數量表</a:t>
+              <a:t>從整體來觀察噪音暴露與非暴露環境下的</a:t>
             </a:r>
             <a:r>
               <a:rPr lang="en-US" altLang="zh-TW" dirty="0"/>
-              <a:t>(VAS)</a:t>
-            </a:r>
-            <a:r>
-              <a:rPr lang="zh-TW" altLang="en-US" dirty="0"/>
-              <a:t>來做分析</a:t>
-            </a:r>
+              <a:t>REM</a:t>
+            </a:r>
+            <a:endParaRPr lang="zh-TW" altLang="en-US" dirty="0"/>
           </a:p>
         </p:txBody>
       </p:sp>
@@ -5100,7 +6082,7 @@
           <p:cNvPr id="3" name="內容版面配置區 2">
             <a:extLst>
               <a:ext uri="{FF2B5EF4-FFF2-40B4-BE49-F238E27FC236}">
-                <a16:creationId xmlns:a16="http://schemas.microsoft.com/office/drawing/2014/main" id="{65117D54-FB35-433E-B0FE-2F42F19FE266}"/>
+                <a16:creationId xmlns:a16="http://schemas.microsoft.com/office/drawing/2014/main" id="{E8D32412-85A2-4A93-B43B-C13165D7A297}"/>
               </a:ext>
             </a:extLst>
           </p:cNvPr>
@@ -5116,7 +6098,7 @@
           <a:bodyPr/>
           <a:lstStyle/>
           <a:p>
-            <a:endParaRPr lang="zh-TW" altLang="en-US" dirty="0"/>
+            <a:endParaRPr lang="zh-TW" altLang="en-US"/>
           </a:p>
         </p:txBody>
       </p:sp>
@@ -5125,7 +6107,7 @@
           <p:cNvPr id="4" name="投影片編號版面配置區 3">
             <a:extLst>
               <a:ext uri="{FF2B5EF4-FFF2-40B4-BE49-F238E27FC236}">
-                <a16:creationId xmlns:a16="http://schemas.microsoft.com/office/drawing/2014/main" id="{DDCE5996-DAE0-457D-9664-54480BA07502}"/>
+                <a16:creationId xmlns:a16="http://schemas.microsoft.com/office/drawing/2014/main" id="{21943743-1D99-4716-AB64-C08A3B5CF749}"/>
               </a:ext>
             </a:extLst>
           </p:cNvPr>
@@ -5152,7 +6134,7 @@
     </p:spTree>
     <p:extLst>
       <p:ext uri="{BB962C8B-B14F-4D97-AF65-F5344CB8AC3E}">
-        <p14:creationId xmlns:p14="http://schemas.microsoft.com/office/powerpoint/2010/main" val="1613753168"/>
+        <p14:creationId xmlns:p14="http://schemas.microsoft.com/office/powerpoint/2010/main" val="2355560464"/>
       </p:ext>
     </p:extLst>
   </p:cSld>
@@ -5184,7 +6166,7 @@
           <p:cNvPr id="2" name="標題 1">
             <a:extLst>
               <a:ext uri="{FF2B5EF4-FFF2-40B4-BE49-F238E27FC236}">
-                <a16:creationId xmlns:a16="http://schemas.microsoft.com/office/drawing/2014/main" id="{32F124A0-DA31-4BCB-9672-10AD0FE6CBEE}"/>
+                <a16:creationId xmlns:a16="http://schemas.microsoft.com/office/drawing/2014/main" id="{3484939B-FFA5-421B-A3CF-62E507410721}"/>
               </a:ext>
             </a:extLst>
           </p:cNvPr>
@@ -5202,27 +6184,11 @@
           <a:p>
             <a:r>
               <a:rPr lang="zh-TW" altLang="en-US" dirty="0"/>
-              <a:t>從</a:t>
+              <a:t>從正常狀態下的</a:t>
             </a:r>
             <a:r>
               <a:rPr lang="en-US" altLang="zh-TW" dirty="0"/>
-              <a:t>AHI</a:t>
-            </a:r>
-            <a:r>
-              <a:rPr lang="zh-TW" altLang="en-US" dirty="0"/>
-              <a:t>、</a:t>
-            </a:r>
-            <a:r>
-              <a:rPr lang="en-US" altLang="zh-TW" dirty="0"/>
-              <a:t>AI</a:t>
-            </a:r>
-            <a:r>
-              <a:rPr lang="zh-TW" altLang="en-US" dirty="0"/>
-              <a:t>、</a:t>
-            </a:r>
-            <a:r>
-              <a:rPr lang="en-US" altLang="zh-TW" dirty="0"/>
-              <a:t>HI</a:t>
+              <a:t>cortisol</a:t>
             </a:r>
             <a:r>
               <a:rPr lang="zh-TW" altLang="en-US" dirty="0"/>
@@ -5236,7 +6202,7 @@
           <p:cNvPr id="3" name="內容版面配置區 2">
             <a:extLst>
               <a:ext uri="{FF2B5EF4-FFF2-40B4-BE49-F238E27FC236}">
-                <a16:creationId xmlns:a16="http://schemas.microsoft.com/office/drawing/2014/main" id="{A6F96C90-82C8-4A8C-A5F6-3AF0304642D2}"/>
+                <a16:creationId xmlns:a16="http://schemas.microsoft.com/office/drawing/2014/main" id="{01697D29-E482-44CA-9367-80E0DD3EB3F5}"/>
               </a:ext>
             </a:extLst>
           </p:cNvPr>
@@ -5261,7 +6227,7 @@
           <p:cNvPr id="4" name="投影片編號版面配置區 3">
             <a:extLst>
               <a:ext uri="{FF2B5EF4-FFF2-40B4-BE49-F238E27FC236}">
-                <a16:creationId xmlns:a16="http://schemas.microsoft.com/office/drawing/2014/main" id="{FE8D693E-C75B-4D60-9BF8-8D0B890ABCB0}"/>
+                <a16:creationId xmlns:a16="http://schemas.microsoft.com/office/drawing/2014/main" id="{8D7AD20E-B6E8-43F0-A3C8-32C57EECF4D4}"/>
               </a:ext>
             </a:extLst>
           </p:cNvPr>
@@ -5288,7 +6254,7 @@
     </p:spTree>
     <p:extLst>
       <p:ext uri="{BB962C8B-B14F-4D97-AF65-F5344CB8AC3E}">
-        <p14:creationId xmlns:p14="http://schemas.microsoft.com/office/powerpoint/2010/main" val="2668467491"/>
+        <p14:creationId xmlns:p14="http://schemas.microsoft.com/office/powerpoint/2010/main" val="1114412947"/>
       </p:ext>
     </p:extLst>
   </p:cSld>

--- a/輪班工人暴露噪音下REM片斷化分析.pptx
+++ b/輪班工人暴露噪音下REM片斷化分析.pptx
@@ -5,24 +5,26 @@
     <p:sldMasterId id="2147483648" r:id="rId1"/>
   </p:sldMasterIdLst>
   <p:notesMasterIdLst>
-    <p:notesMasterId r:id="rId17"/>
+    <p:notesMasterId r:id="rId19"/>
   </p:notesMasterIdLst>
   <p:sldIdLst>
     <p:sldId id="258" r:id="rId2"/>
     <p:sldId id="268" r:id="rId3"/>
     <p:sldId id="269" r:id="rId4"/>
-    <p:sldId id="267" r:id="rId5"/>
-    <p:sldId id="271" r:id="rId6"/>
-    <p:sldId id="270" r:id="rId7"/>
+    <p:sldId id="270" r:id="rId5"/>
+    <p:sldId id="267" r:id="rId6"/>
+    <p:sldId id="271" r:id="rId7"/>
     <p:sldId id="272" r:id="rId8"/>
-    <p:sldId id="259" r:id="rId9"/>
-    <p:sldId id="260" r:id="rId10"/>
-    <p:sldId id="261" r:id="rId11"/>
-    <p:sldId id="262" r:id="rId12"/>
-    <p:sldId id="263" r:id="rId13"/>
-    <p:sldId id="264" r:id="rId14"/>
-    <p:sldId id="266" r:id="rId15"/>
-    <p:sldId id="265" r:id="rId16"/>
+    <p:sldId id="274" r:id="rId9"/>
+    <p:sldId id="275" r:id="rId10"/>
+    <p:sldId id="276" r:id="rId11"/>
+    <p:sldId id="259" r:id="rId12"/>
+    <p:sldId id="260" r:id="rId13"/>
+    <p:sldId id="261" r:id="rId14"/>
+    <p:sldId id="262" r:id="rId15"/>
+    <p:sldId id="263" r:id="rId16"/>
+    <p:sldId id="264" r:id="rId17"/>
+    <p:sldId id="266" r:id="rId18"/>
   </p:sldIdLst>
   <p:sldSz cx="12192000" cy="6858000"/>
   <p:notesSz cx="6858000" cy="9144000"/>
@@ -211,7 +213,7 @@
           <a:p>
             <a:fld id="{61C76E1B-E228-429A-ABE7-09AA4AD7327C}" type="datetimeFigureOut">
               <a:rPr lang="zh-TW" altLang="en-US" smtClean="0"/>
-              <a:t>2021/7/26</a:t>
+              <a:t>2021/7/31</a:t>
             </a:fld>
             <a:endParaRPr lang="zh-TW" altLang="en-US"/>
           </a:p>
@@ -663,7 +665,7 @@
           <a:p>
             <a:fld id="{FCF6783C-4B54-4D72-A1A7-A087B316A3B8}" type="datetime1">
               <a:rPr lang="zh-TW" altLang="en-US" smtClean="0"/>
-              <a:t>2021/7/26</a:t>
+              <a:t>2021/7/31</a:t>
             </a:fld>
             <a:endParaRPr lang="zh-TW" altLang="en-US"/>
           </a:p>
@@ -931,7 +933,7 @@
           <a:p>
             <a:fld id="{D1ED406B-07A6-44BF-906E-0E6F2225B991}" type="datetime1">
               <a:rPr lang="zh-TW" altLang="en-US" smtClean="0"/>
-              <a:t>2021/7/26</a:t>
+              <a:t>2021/7/31</a:t>
             </a:fld>
             <a:endParaRPr lang="zh-TW" altLang="en-US"/>
           </a:p>
@@ -1139,7 +1141,7 @@
           <a:p>
             <a:fld id="{4855A211-7B8B-40E6-8051-77D0F92598CB}" type="datetime1">
               <a:rPr lang="zh-TW" altLang="en-US" smtClean="0"/>
-              <a:t>2021/7/26</a:t>
+              <a:t>2021/7/31</a:t>
             </a:fld>
             <a:endParaRPr lang="zh-TW" altLang="en-US"/>
           </a:p>
@@ -1336,7 +1338,7 @@
           <a:p>
             <a:fld id="{607AB6BC-4133-47A1-955B-86DB465411C3}" type="datetime1">
               <a:rPr lang="zh-TW" altLang="en-US" smtClean="0"/>
-              <a:t>2021/7/26</a:t>
+              <a:t>2021/7/31</a:t>
             </a:fld>
             <a:endParaRPr lang="zh-TW" altLang="en-US"/>
           </a:p>
@@ -1821,7 +1823,7 @@
           <a:p>
             <a:fld id="{063DD569-35D5-40ED-99FD-76D2F54A9038}" type="datetime1">
               <a:rPr lang="zh-TW" altLang="en-US" smtClean="0"/>
-              <a:t>2021/7/26</a:t>
+              <a:t>2021/7/31</a:t>
             </a:fld>
             <a:endParaRPr lang="zh-TW" altLang="en-US"/>
           </a:p>
@@ -2086,7 +2088,7 @@
           <a:p>
             <a:fld id="{753AB039-4F1A-4616-B8B5-F977F76AB712}" type="datetime1">
               <a:rPr lang="zh-TW" altLang="en-US" smtClean="0"/>
-              <a:t>2021/7/26</a:t>
+              <a:t>2021/7/31</a:t>
             </a:fld>
             <a:endParaRPr lang="zh-TW" altLang="en-US"/>
           </a:p>
@@ -2498,7 +2500,7 @@
           <a:p>
             <a:fld id="{AEEA35C1-5758-4143-A641-B2D8C25FD431}" type="datetime1">
               <a:rPr lang="zh-TW" altLang="en-US" smtClean="0"/>
-              <a:t>2021/7/26</a:t>
+              <a:t>2021/7/31</a:t>
             </a:fld>
             <a:endParaRPr lang="zh-TW" altLang="en-US"/>
           </a:p>
@@ -2639,7 +2641,7 @@
           <a:p>
             <a:fld id="{60EC041C-EC38-4789-9350-644DCCF8A061}" type="datetime1">
               <a:rPr lang="zh-TW" altLang="en-US" smtClean="0"/>
-              <a:t>2021/7/26</a:t>
+              <a:t>2021/7/31</a:t>
             </a:fld>
             <a:endParaRPr lang="zh-TW" altLang="en-US"/>
           </a:p>
@@ -2752,7 +2754,7 @@
           <a:p>
             <a:fld id="{7223D8F3-4ECC-4891-A5C4-0D72C29D1563}" type="datetime1">
               <a:rPr lang="zh-TW" altLang="en-US" smtClean="0"/>
-              <a:t>2021/7/26</a:t>
+              <a:t>2021/7/31</a:t>
             </a:fld>
             <a:endParaRPr lang="zh-TW" altLang="en-US"/>
           </a:p>
@@ -3063,7 +3065,7 @@
           <a:p>
             <a:fld id="{F2649D45-65D8-4A22-BC50-ED872CAB048D}" type="datetime1">
               <a:rPr lang="zh-TW" altLang="en-US" smtClean="0"/>
-              <a:t>2021/7/26</a:t>
+              <a:t>2021/7/31</a:t>
             </a:fld>
             <a:endParaRPr lang="zh-TW" altLang="en-US"/>
           </a:p>
@@ -3351,7 +3353,7 @@
           <a:p>
             <a:fld id="{0ABBE3BD-5EE8-423F-AC10-4B07DD1F877C}" type="datetime1">
               <a:rPr lang="zh-TW" altLang="en-US" smtClean="0"/>
-              <a:t>2021/7/26</a:t>
+              <a:t>2021/7/31</a:t>
             </a:fld>
             <a:endParaRPr lang="zh-TW" altLang="en-US"/>
           </a:p>
@@ -3592,7 +3594,7 @@
           <a:p>
             <a:fld id="{DCE92120-7A61-4EBE-8DC9-30D2102A9B6B}" type="datetime1">
               <a:rPr lang="zh-TW" altLang="en-US" smtClean="0"/>
-              <a:t>2021/7/26</a:t>
+              <a:t>2021/7/31</a:t>
             </a:fld>
             <a:endParaRPr lang="zh-TW" altLang="en-US"/>
           </a:p>
@@ -4140,7 +4142,7 @@
           <p:cNvPr id="2" name="標題 1">
             <a:extLst>
               <a:ext uri="{FF2B5EF4-FFF2-40B4-BE49-F238E27FC236}">
-                <a16:creationId xmlns:a16="http://schemas.microsoft.com/office/drawing/2014/main" id="{CA6086DF-A47E-46D6-B08D-E2A9A78BB39C}"/>
+                <a16:creationId xmlns:a16="http://schemas.microsoft.com/office/drawing/2014/main" id="{89392371-58D5-4353-94A4-C3DFB62C4CC9}"/>
               </a:ext>
             </a:extLst>
           </p:cNvPr>
@@ -4158,41 +4160,103 @@
           <a:p>
             <a:r>
               <a:rPr lang="zh-TW" altLang="en-US" dirty="0"/>
-              <a:t>從噪音環境下</a:t>
-            </a:r>
+              <a:t>資料數量</a:t>
+            </a:r>
+          </a:p>
+        </p:txBody>
+      </p:sp>
+      <p:sp>
+        <p:nvSpPr>
+          <p:cNvPr id="3" name="內容版面配置區 2">
+            <a:extLst>
+              <a:ext uri="{FF2B5EF4-FFF2-40B4-BE49-F238E27FC236}">
+                <a16:creationId xmlns:a16="http://schemas.microsoft.com/office/drawing/2014/main" id="{53CCADD7-06E4-4FF9-A05D-E561F3558FEA}"/>
+              </a:ext>
+            </a:extLst>
+          </p:cNvPr>
+          <p:cNvSpPr>
+            <a:spLocks noGrp="1"/>
+          </p:cNvSpPr>
+          <p:nvPr>
+            <p:ph idx="1"/>
+          </p:nvPr>
+        </p:nvSpPr>
+        <p:spPr/>
+        <p:txBody>
+          <a:bodyPr/>
+          <a:lstStyle/>
+          <a:p>
             <a:r>
               <a:rPr lang="en-US" altLang="zh-TW" dirty="0"/>
-              <a:t>cortisol</a:t>
-            </a:r>
-            <a:r>
-              <a:rPr lang="zh-TW" altLang="en-US" dirty="0"/>
-              <a:t>明顯上升的例子來做分析</a:t>
-            </a:r>
-          </a:p>
-        </p:txBody>
-      </p:sp>
-      <p:sp>
-        <p:nvSpPr>
-          <p:cNvPr id="3" name="內容版面配置區 2">
-            <a:extLst>
-              <a:ext uri="{FF2B5EF4-FFF2-40B4-BE49-F238E27FC236}">
-                <a16:creationId xmlns:a16="http://schemas.microsoft.com/office/drawing/2014/main" id="{2A4FB771-88F5-4F9D-8378-E7251F4E00C9}"/>
-              </a:ext>
-            </a:extLst>
-          </p:cNvPr>
-          <p:cNvSpPr>
-            <a:spLocks noGrp="1"/>
-          </p:cNvSpPr>
-          <p:nvPr>
-            <p:ph idx="1"/>
-          </p:nvPr>
-        </p:nvSpPr>
-        <p:spPr/>
-        <p:txBody>
-          <a:bodyPr/>
-          <a:lstStyle/>
-          <a:p>
-            <a:endParaRPr lang="zh-TW" altLang="en-US"/>
+              <a:t>40</a:t>
+            </a:r>
+            <a:r>
+              <a:rPr lang="zh-TW" altLang="en-US" dirty="0"/>
+              <a:t>筆中使用</a:t>
+            </a:r>
+            <a:r>
+              <a:rPr lang="en-US" altLang="zh-TW" dirty="0"/>
+              <a:t>27</a:t>
+            </a:r>
+            <a:r>
+              <a:rPr lang="zh-TW" altLang="en-US" dirty="0"/>
+              <a:t>筆</a:t>
+            </a:r>
+            <a:endParaRPr lang="en-US" altLang="zh-TW" dirty="0"/>
+          </a:p>
+          <a:p>
+            <a:r>
+              <a:rPr lang="zh-TW" altLang="en-US" dirty="0"/>
+              <a:t>排除</a:t>
+            </a:r>
+            <a:r>
+              <a:rPr lang="en-US" altLang="zh-TW" dirty="0"/>
+              <a:t>13</a:t>
+            </a:r>
+            <a:r>
+              <a:rPr lang="zh-TW" altLang="en-US" dirty="0"/>
+              <a:t>筆</a:t>
+            </a:r>
+            <a:endParaRPr lang="en-US" altLang="zh-TW" dirty="0"/>
+          </a:p>
+          <a:p>
+            <a:pPr lvl="1"/>
+            <a:r>
+              <a:rPr lang="en-US" altLang="zh-TW" dirty="0"/>
+              <a:t>Sampling rate</a:t>
+            </a:r>
+            <a:r>
+              <a:rPr lang="zh-TW" altLang="en-US" dirty="0"/>
+              <a:t>和訊號數值範圍不同</a:t>
+            </a:r>
+            <a:endParaRPr lang="en-US" altLang="zh-TW" dirty="0"/>
+          </a:p>
+          <a:p>
+            <a:pPr lvl="1"/>
+            <a:r>
+              <a:rPr lang="en-US" altLang="zh-TW" dirty="0"/>
+              <a:t>stage</a:t>
+            </a:r>
+            <a:r>
+              <a:rPr lang="zh-TW" altLang="en-US" dirty="0"/>
+              <a:t>資料遺失</a:t>
+            </a:r>
+            <a:endParaRPr lang="en-US" altLang="zh-TW" dirty="0"/>
+          </a:p>
+          <a:p>
+            <a:pPr lvl="1"/>
+            <a:r>
+              <a:rPr lang="zh-TW" altLang="en-US" dirty="0"/>
+              <a:t>訊號異常</a:t>
+            </a:r>
+            <a:endParaRPr lang="en-US" altLang="zh-TW" dirty="0"/>
+          </a:p>
+          <a:p>
+            <a:pPr lvl="1"/>
+            <a:r>
+              <a:rPr lang="zh-TW" altLang="en-US"/>
+              <a:t>訊號受到強烈干擾</a:t>
+            </a:r>
           </a:p>
         </p:txBody>
       </p:sp>
@@ -4201,7 +4265,7 @@
           <p:cNvPr id="4" name="投影片編號版面配置區 3">
             <a:extLst>
               <a:ext uri="{FF2B5EF4-FFF2-40B4-BE49-F238E27FC236}">
-                <a16:creationId xmlns:a16="http://schemas.microsoft.com/office/drawing/2014/main" id="{D5ECCC40-5972-453B-8E7B-988A9286E275}"/>
+                <a16:creationId xmlns:a16="http://schemas.microsoft.com/office/drawing/2014/main" id="{968091B9-2736-41F0-922F-228C44CCC5A9}"/>
               </a:ext>
             </a:extLst>
           </p:cNvPr>
@@ -4228,7 +4292,7 @@
     </p:spTree>
     <p:extLst>
       <p:ext uri="{BB962C8B-B14F-4D97-AF65-F5344CB8AC3E}">
-        <p14:creationId xmlns:p14="http://schemas.microsoft.com/office/powerpoint/2010/main" val="4092880650"/>
+        <p14:creationId xmlns:p14="http://schemas.microsoft.com/office/powerpoint/2010/main" val="1227396909"/>
       </p:ext>
     </p:extLst>
   </p:cSld>
@@ -4260,7 +4324,7 @@
           <p:cNvPr id="2" name="標題 1">
             <a:extLst>
               <a:ext uri="{FF2B5EF4-FFF2-40B4-BE49-F238E27FC236}">
-                <a16:creationId xmlns:a16="http://schemas.microsoft.com/office/drawing/2014/main" id="{A26468F2-9449-46CA-AD6F-2D00C6F3A45E}"/>
+                <a16:creationId xmlns:a16="http://schemas.microsoft.com/office/drawing/2014/main" id="{FF07E4D6-4C3C-4421-9019-1A9A33A1A207}"/>
               </a:ext>
             </a:extLst>
           </p:cNvPr>
@@ -4278,8 +4342,13 @@
           <a:p>
             <a:r>
               <a:rPr lang="zh-TW" altLang="en-US" dirty="0"/>
-              <a:t>從年齡來做分析</a:t>
-            </a:r>
+              <a:t>從整體來觀察噪音暴露與非暴露環境下的</a:t>
+            </a:r>
+            <a:r>
+              <a:rPr lang="en-US" altLang="zh-TW" dirty="0"/>
+              <a:t>REM</a:t>
+            </a:r>
+            <a:endParaRPr lang="zh-TW" altLang="en-US" dirty="0"/>
           </a:p>
         </p:txBody>
       </p:sp>
@@ -4288,7 +4357,7 @@
           <p:cNvPr id="3" name="內容版面配置區 2">
             <a:extLst>
               <a:ext uri="{FF2B5EF4-FFF2-40B4-BE49-F238E27FC236}">
-                <a16:creationId xmlns:a16="http://schemas.microsoft.com/office/drawing/2014/main" id="{2566B70F-997D-41A1-A7A5-DCEB46ED72EB}"/>
+                <a16:creationId xmlns:a16="http://schemas.microsoft.com/office/drawing/2014/main" id="{E8D32412-85A2-4A93-B43B-C13165D7A297}"/>
               </a:ext>
             </a:extLst>
           </p:cNvPr>
@@ -4313,7 +4382,7 @@
           <p:cNvPr id="4" name="投影片編號版面配置區 3">
             <a:extLst>
               <a:ext uri="{FF2B5EF4-FFF2-40B4-BE49-F238E27FC236}">
-                <a16:creationId xmlns:a16="http://schemas.microsoft.com/office/drawing/2014/main" id="{2FDAD691-F2A5-4DC4-A2EE-CA438D5E1321}"/>
+                <a16:creationId xmlns:a16="http://schemas.microsoft.com/office/drawing/2014/main" id="{21943743-1D99-4716-AB64-C08A3B5CF749}"/>
               </a:ext>
             </a:extLst>
           </p:cNvPr>
@@ -4340,7 +4409,7 @@
     </p:spTree>
     <p:extLst>
       <p:ext uri="{BB962C8B-B14F-4D97-AF65-F5344CB8AC3E}">
-        <p14:creationId xmlns:p14="http://schemas.microsoft.com/office/powerpoint/2010/main" val="1446192108"/>
+        <p14:creationId xmlns:p14="http://schemas.microsoft.com/office/powerpoint/2010/main" val="2355560464"/>
       </p:ext>
     </p:extLst>
   </p:cSld>
@@ -4372,7 +4441,7 @@
           <p:cNvPr id="2" name="標題 1">
             <a:extLst>
               <a:ext uri="{FF2B5EF4-FFF2-40B4-BE49-F238E27FC236}">
-                <a16:creationId xmlns:a16="http://schemas.microsoft.com/office/drawing/2014/main" id="{406DF550-CEF1-4501-B3F3-A8E81999EBB0}"/>
+                <a16:creationId xmlns:a16="http://schemas.microsoft.com/office/drawing/2014/main" id="{3484939B-FFA5-421B-A3CF-62E507410721}"/>
               </a:ext>
             </a:extLst>
           </p:cNvPr>
@@ -4390,7 +4459,15 @@
           <a:p>
             <a:r>
               <a:rPr lang="zh-TW" altLang="en-US" dirty="0"/>
-              <a:t>從年資來做分析</a:t>
+              <a:t>從正常狀態下的</a:t>
+            </a:r>
+            <a:r>
+              <a:rPr lang="en-US" altLang="zh-TW" dirty="0"/>
+              <a:t>cortisol</a:t>
+            </a:r>
+            <a:r>
+              <a:rPr lang="zh-TW" altLang="en-US" dirty="0"/>
+              <a:t>來做分析</a:t>
             </a:r>
           </a:p>
         </p:txBody>
@@ -4400,7 +4477,7 @@
           <p:cNvPr id="3" name="內容版面配置區 2">
             <a:extLst>
               <a:ext uri="{FF2B5EF4-FFF2-40B4-BE49-F238E27FC236}">
-                <a16:creationId xmlns:a16="http://schemas.microsoft.com/office/drawing/2014/main" id="{4965CA5C-B6C0-4896-966C-B2ECA2360B16}"/>
+                <a16:creationId xmlns:a16="http://schemas.microsoft.com/office/drawing/2014/main" id="{01697D29-E482-44CA-9367-80E0DD3EB3F5}"/>
               </a:ext>
             </a:extLst>
           </p:cNvPr>
@@ -4425,7 +4502,7 @@
           <p:cNvPr id="4" name="投影片編號版面配置區 3">
             <a:extLst>
               <a:ext uri="{FF2B5EF4-FFF2-40B4-BE49-F238E27FC236}">
-                <a16:creationId xmlns:a16="http://schemas.microsoft.com/office/drawing/2014/main" id="{8162E762-BC1A-483D-93FD-2F19394A1B25}"/>
+                <a16:creationId xmlns:a16="http://schemas.microsoft.com/office/drawing/2014/main" id="{8D7AD20E-B6E8-43F0-A3C8-32C57EECF4D4}"/>
               </a:ext>
             </a:extLst>
           </p:cNvPr>
@@ -4452,7 +4529,7 @@
     </p:spTree>
     <p:extLst>
       <p:ext uri="{BB962C8B-B14F-4D97-AF65-F5344CB8AC3E}">
-        <p14:creationId xmlns:p14="http://schemas.microsoft.com/office/powerpoint/2010/main" val="833761729"/>
+        <p14:creationId xmlns:p14="http://schemas.microsoft.com/office/powerpoint/2010/main" val="1114412947"/>
       </p:ext>
     </p:extLst>
   </p:cSld>
@@ -4484,7 +4561,7 @@
           <p:cNvPr id="2" name="標題 1">
             <a:extLst>
               <a:ext uri="{FF2B5EF4-FFF2-40B4-BE49-F238E27FC236}">
-                <a16:creationId xmlns:a16="http://schemas.microsoft.com/office/drawing/2014/main" id="{7EDDE160-6A2C-4C3D-816F-96C9219D401F}"/>
+                <a16:creationId xmlns:a16="http://schemas.microsoft.com/office/drawing/2014/main" id="{CA6086DF-A47E-46D6-B08D-E2A9A78BB39C}"/>
               </a:ext>
             </a:extLst>
           </p:cNvPr>
@@ -4502,15 +4579,15 @@
           <a:p>
             <a:r>
               <a:rPr lang="zh-TW" altLang="en-US" dirty="0"/>
-              <a:t>從主觀壓力指數量表</a:t>
+              <a:t>從噪音環境下</a:t>
             </a:r>
             <a:r>
               <a:rPr lang="en-US" altLang="zh-TW" dirty="0"/>
-              <a:t>(VAS)</a:t>
-            </a:r>
-            <a:r>
-              <a:rPr lang="zh-TW" altLang="en-US" dirty="0"/>
-              <a:t>來做分析</a:t>
+              <a:t>cortisol</a:t>
+            </a:r>
+            <a:r>
+              <a:rPr lang="zh-TW" altLang="en-US" dirty="0"/>
+              <a:t>明顯上升的例子來做分析</a:t>
             </a:r>
           </a:p>
         </p:txBody>
@@ -4520,7 +4597,7 @@
           <p:cNvPr id="3" name="內容版面配置區 2">
             <a:extLst>
               <a:ext uri="{FF2B5EF4-FFF2-40B4-BE49-F238E27FC236}">
-                <a16:creationId xmlns:a16="http://schemas.microsoft.com/office/drawing/2014/main" id="{65117D54-FB35-433E-B0FE-2F42F19FE266}"/>
+                <a16:creationId xmlns:a16="http://schemas.microsoft.com/office/drawing/2014/main" id="{2A4FB771-88F5-4F9D-8378-E7251F4E00C9}"/>
               </a:ext>
             </a:extLst>
           </p:cNvPr>
@@ -4536,7 +4613,7 @@
           <a:bodyPr/>
           <a:lstStyle/>
           <a:p>
-            <a:endParaRPr lang="zh-TW" altLang="en-US" dirty="0"/>
+            <a:endParaRPr lang="zh-TW" altLang="en-US"/>
           </a:p>
         </p:txBody>
       </p:sp>
@@ -4545,7 +4622,7 @@
           <p:cNvPr id="4" name="投影片編號版面配置區 3">
             <a:extLst>
               <a:ext uri="{FF2B5EF4-FFF2-40B4-BE49-F238E27FC236}">
-                <a16:creationId xmlns:a16="http://schemas.microsoft.com/office/drawing/2014/main" id="{DDCE5996-DAE0-457D-9664-54480BA07502}"/>
+                <a16:creationId xmlns:a16="http://schemas.microsoft.com/office/drawing/2014/main" id="{D5ECCC40-5972-453B-8E7B-988A9286E275}"/>
               </a:ext>
             </a:extLst>
           </p:cNvPr>
@@ -4572,7 +4649,7 @@
     </p:spTree>
     <p:extLst>
       <p:ext uri="{BB962C8B-B14F-4D97-AF65-F5344CB8AC3E}">
-        <p14:creationId xmlns:p14="http://schemas.microsoft.com/office/powerpoint/2010/main" val="1613753168"/>
+        <p14:creationId xmlns:p14="http://schemas.microsoft.com/office/powerpoint/2010/main" val="4092880650"/>
       </p:ext>
     </p:extLst>
   </p:cSld>
@@ -4604,7 +4681,7 @@
           <p:cNvPr id="2" name="標題 1">
             <a:extLst>
               <a:ext uri="{FF2B5EF4-FFF2-40B4-BE49-F238E27FC236}">
-                <a16:creationId xmlns:a16="http://schemas.microsoft.com/office/drawing/2014/main" id="{32F124A0-DA31-4BCB-9672-10AD0FE6CBEE}"/>
+                <a16:creationId xmlns:a16="http://schemas.microsoft.com/office/drawing/2014/main" id="{A26468F2-9449-46CA-AD6F-2D00C6F3A45E}"/>
               </a:ext>
             </a:extLst>
           </p:cNvPr>
@@ -4622,31 +4699,7 @@
           <a:p>
             <a:r>
               <a:rPr lang="zh-TW" altLang="en-US" dirty="0"/>
-              <a:t>從</a:t>
-            </a:r>
-            <a:r>
-              <a:rPr lang="en-US" altLang="zh-TW" dirty="0"/>
-              <a:t>AHI</a:t>
-            </a:r>
-            <a:r>
-              <a:rPr lang="zh-TW" altLang="en-US" dirty="0"/>
-              <a:t>、</a:t>
-            </a:r>
-            <a:r>
-              <a:rPr lang="en-US" altLang="zh-TW" dirty="0"/>
-              <a:t>AI</a:t>
-            </a:r>
-            <a:r>
-              <a:rPr lang="zh-TW" altLang="en-US" dirty="0"/>
-              <a:t>、</a:t>
-            </a:r>
-            <a:r>
-              <a:rPr lang="en-US" altLang="zh-TW" dirty="0"/>
-              <a:t>HI</a:t>
-            </a:r>
-            <a:r>
-              <a:rPr lang="zh-TW" altLang="en-US" dirty="0"/>
-              <a:t>來做分析</a:t>
+              <a:t>從年齡來做分析</a:t>
             </a:r>
           </a:p>
         </p:txBody>
@@ -4656,7 +4709,7 @@
           <p:cNvPr id="3" name="內容版面配置區 2">
             <a:extLst>
               <a:ext uri="{FF2B5EF4-FFF2-40B4-BE49-F238E27FC236}">
-                <a16:creationId xmlns:a16="http://schemas.microsoft.com/office/drawing/2014/main" id="{A6F96C90-82C8-4A8C-A5F6-3AF0304642D2}"/>
+                <a16:creationId xmlns:a16="http://schemas.microsoft.com/office/drawing/2014/main" id="{2566B70F-997D-41A1-A7A5-DCEB46ED72EB}"/>
               </a:ext>
             </a:extLst>
           </p:cNvPr>
@@ -4681,7 +4734,7 @@
           <p:cNvPr id="4" name="投影片編號版面配置區 3">
             <a:extLst>
               <a:ext uri="{FF2B5EF4-FFF2-40B4-BE49-F238E27FC236}">
-                <a16:creationId xmlns:a16="http://schemas.microsoft.com/office/drawing/2014/main" id="{FE8D693E-C75B-4D60-9BF8-8D0B890ABCB0}"/>
+                <a16:creationId xmlns:a16="http://schemas.microsoft.com/office/drawing/2014/main" id="{2FDAD691-F2A5-4DC4-A2EE-CA438D5E1321}"/>
               </a:ext>
             </a:extLst>
           </p:cNvPr>
@@ -4708,7 +4761,7 @@
     </p:spTree>
     <p:extLst>
       <p:ext uri="{BB962C8B-B14F-4D97-AF65-F5344CB8AC3E}">
-        <p14:creationId xmlns:p14="http://schemas.microsoft.com/office/powerpoint/2010/main" val="2668467491"/>
+        <p14:creationId xmlns:p14="http://schemas.microsoft.com/office/powerpoint/2010/main" val="1446192108"/>
       </p:ext>
     </p:extLst>
   </p:cSld>
@@ -4740,7 +4793,7 @@
           <p:cNvPr id="2" name="標題 1">
             <a:extLst>
               <a:ext uri="{FF2B5EF4-FFF2-40B4-BE49-F238E27FC236}">
-                <a16:creationId xmlns:a16="http://schemas.microsoft.com/office/drawing/2014/main" id="{F63B3BB1-5746-464F-84F5-6A7A0B7B69C2}"/>
+                <a16:creationId xmlns:a16="http://schemas.microsoft.com/office/drawing/2014/main" id="{406DF550-CEF1-4501-B3F3-A8E81999EBB0}"/>
               </a:ext>
             </a:extLst>
           </p:cNvPr>
@@ -4758,15 +4811,7 @@
           <a:p>
             <a:r>
               <a:rPr lang="zh-TW" altLang="en-US" dirty="0"/>
-              <a:t>觀察除了</a:t>
-            </a:r>
-            <a:r>
-              <a:rPr lang="en-US" altLang="zh-TW" dirty="0"/>
-              <a:t>REM</a:t>
-            </a:r>
-            <a:r>
-              <a:rPr lang="zh-TW" altLang="en-US" dirty="0"/>
-              <a:t>以外有無明顯現象</a:t>
+              <a:t>從年資來做分析</a:t>
             </a:r>
           </a:p>
         </p:txBody>
@@ -4776,7 +4821,7 @@
           <p:cNvPr id="3" name="內容版面配置區 2">
             <a:extLst>
               <a:ext uri="{FF2B5EF4-FFF2-40B4-BE49-F238E27FC236}">
-                <a16:creationId xmlns:a16="http://schemas.microsoft.com/office/drawing/2014/main" id="{E9C16385-8107-46A3-8EEB-EFCCACFE3F36}"/>
+                <a16:creationId xmlns:a16="http://schemas.microsoft.com/office/drawing/2014/main" id="{4965CA5C-B6C0-4896-966C-B2ECA2360B16}"/>
               </a:ext>
             </a:extLst>
           </p:cNvPr>
@@ -4801,7 +4846,7 @@
           <p:cNvPr id="4" name="投影片編號版面配置區 3">
             <a:extLst>
               <a:ext uri="{FF2B5EF4-FFF2-40B4-BE49-F238E27FC236}">
-                <a16:creationId xmlns:a16="http://schemas.microsoft.com/office/drawing/2014/main" id="{46DBC005-E8CA-4C0B-A4A5-E06647295AFC}"/>
+                <a16:creationId xmlns:a16="http://schemas.microsoft.com/office/drawing/2014/main" id="{8162E762-BC1A-483D-93FD-2F19394A1B25}"/>
               </a:ext>
             </a:extLst>
           </p:cNvPr>
@@ -4828,7 +4873,263 @@
     </p:spTree>
     <p:extLst>
       <p:ext uri="{BB962C8B-B14F-4D97-AF65-F5344CB8AC3E}">
-        <p14:creationId xmlns:p14="http://schemas.microsoft.com/office/powerpoint/2010/main" val="1636704650"/>
+        <p14:creationId xmlns:p14="http://schemas.microsoft.com/office/powerpoint/2010/main" val="833761729"/>
+      </p:ext>
+    </p:extLst>
+  </p:cSld>
+  <p:clrMapOvr>
+    <a:masterClrMapping/>
+  </p:clrMapOvr>
+</p:sld>
+</file>
+
+<file path=ppt/slides/slide16.xml><?xml version="1.0" encoding="utf-8"?>
+<p:sld xmlns:a="http://schemas.openxmlformats.org/drawingml/2006/main" xmlns:r="http://schemas.openxmlformats.org/officeDocument/2006/relationships" xmlns:p="http://schemas.openxmlformats.org/presentationml/2006/main">
+  <p:cSld>
+    <p:spTree>
+      <p:nvGrpSpPr>
+        <p:cNvPr id="1" name=""/>
+        <p:cNvGrpSpPr/>
+        <p:nvPr/>
+      </p:nvGrpSpPr>
+      <p:grpSpPr>
+        <a:xfrm>
+          <a:off x="0" y="0"/>
+          <a:ext cx="0" cy="0"/>
+          <a:chOff x="0" y="0"/>
+          <a:chExt cx="0" cy="0"/>
+        </a:xfrm>
+      </p:grpSpPr>
+      <p:sp>
+        <p:nvSpPr>
+          <p:cNvPr id="2" name="標題 1">
+            <a:extLst>
+              <a:ext uri="{FF2B5EF4-FFF2-40B4-BE49-F238E27FC236}">
+                <a16:creationId xmlns:a16="http://schemas.microsoft.com/office/drawing/2014/main" id="{7EDDE160-6A2C-4C3D-816F-96C9219D401F}"/>
+              </a:ext>
+            </a:extLst>
+          </p:cNvPr>
+          <p:cNvSpPr>
+            <a:spLocks noGrp="1"/>
+          </p:cNvSpPr>
+          <p:nvPr>
+            <p:ph type="title"/>
+          </p:nvPr>
+        </p:nvSpPr>
+        <p:spPr/>
+        <p:txBody>
+          <a:bodyPr/>
+          <a:lstStyle/>
+          <a:p>
+            <a:r>
+              <a:rPr lang="zh-TW" altLang="en-US" dirty="0"/>
+              <a:t>從主觀壓力指數量表</a:t>
+            </a:r>
+            <a:r>
+              <a:rPr lang="en-US" altLang="zh-TW" dirty="0"/>
+              <a:t>(VAS)</a:t>
+            </a:r>
+            <a:r>
+              <a:rPr lang="zh-TW" altLang="en-US" dirty="0"/>
+              <a:t>來做分析</a:t>
+            </a:r>
+          </a:p>
+        </p:txBody>
+      </p:sp>
+      <p:sp>
+        <p:nvSpPr>
+          <p:cNvPr id="3" name="內容版面配置區 2">
+            <a:extLst>
+              <a:ext uri="{FF2B5EF4-FFF2-40B4-BE49-F238E27FC236}">
+                <a16:creationId xmlns:a16="http://schemas.microsoft.com/office/drawing/2014/main" id="{65117D54-FB35-433E-B0FE-2F42F19FE266}"/>
+              </a:ext>
+            </a:extLst>
+          </p:cNvPr>
+          <p:cNvSpPr>
+            <a:spLocks noGrp="1"/>
+          </p:cNvSpPr>
+          <p:nvPr>
+            <p:ph idx="1"/>
+          </p:nvPr>
+        </p:nvSpPr>
+        <p:spPr/>
+        <p:txBody>
+          <a:bodyPr/>
+          <a:lstStyle/>
+          <a:p>
+            <a:endParaRPr lang="zh-TW" altLang="en-US" dirty="0"/>
+          </a:p>
+        </p:txBody>
+      </p:sp>
+      <p:sp>
+        <p:nvSpPr>
+          <p:cNvPr id="4" name="投影片編號版面配置區 3">
+            <a:extLst>
+              <a:ext uri="{FF2B5EF4-FFF2-40B4-BE49-F238E27FC236}">
+                <a16:creationId xmlns:a16="http://schemas.microsoft.com/office/drawing/2014/main" id="{DDCE5996-DAE0-457D-9664-54480BA07502}"/>
+              </a:ext>
+            </a:extLst>
+          </p:cNvPr>
+          <p:cNvSpPr>
+            <a:spLocks noGrp="1"/>
+          </p:cNvSpPr>
+          <p:nvPr>
+            <p:ph type="sldNum" sz="quarter" idx="12"/>
+          </p:nvPr>
+        </p:nvSpPr>
+        <p:spPr/>
+        <p:txBody>
+          <a:bodyPr/>
+          <a:lstStyle/>
+          <a:p>
+            <a:fld id="{F230EE04-BD3A-40AA-92AC-647453D5DADF}" type="slidenum">
+              <a:rPr lang="zh-TW" altLang="en-US" smtClean="0"/>
+              <a:t>16</a:t>
+            </a:fld>
+            <a:endParaRPr lang="zh-TW" altLang="en-US"/>
+          </a:p>
+        </p:txBody>
+      </p:sp>
+    </p:spTree>
+    <p:extLst>
+      <p:ext uri="{BB962C8B-B14F-4D97-AF65-F5344CB8AC3E}">
+        <p14:creationId xmlns:p14="http://schemas.microsoft.com/office/powerpoint/2010/main" val="1613753168"/>
+      </p:ext>
+    </p:extLst>
+  </p:cSld>
+  <p:clrMapOvr>
+    <a:masterClrMapping/>
+  </p:clrMapOvr>
+</p:sld>
+</file>
+
+<file path=ppt/slides/slide17.xml><?xml version="1.0" encoding="utf-8"?>
+<p:sld xmlns:a="http://schemas.openxmlformats.org/drawingml/2006/main" xmlns:r="http://schemas.openxmlformats.org/officeDocument/2006/relationships" xmlns:p="http://schemas.openxmlformats.org/presentationml/2006/main">
+  <p:cSld>
+    <p:spTree>
+      <p:nvGrpSpPr>
+        <p:cNvPr id="1" name=""/>
+        <p:cNvGrpSpPr/>
+        <p:nvPr/>
+      </p:nvGrpSpPr>
+      <p:grpSpPr>
+        <a:xfrm>
+          <a:off x="0" y="0"/>
+          <a:ext cx="0" cy="0"/>
+          <a:chOff x="0" y="0"/>
+          <a:chExt cx="0" cy="0"/>
+        </a:xfrm>
+      </p:grpSpPr>
+      <p:sp>
+        <p:nvSpPr>
+          <p:cNvPr id="2" name="標題 1">
+            <a:extLst>
+              <a:ext uri="{FF2B5EF4-FFF2-40B4-BE49-F238E27FC236}">
+                <a16:creationId xmlns:a16="http://schemas.microsoft.com/office/drawing/2014/main" id="{32F124A0-DA31-4BCB-9672-10AD0FE6CBEE}"/>
+              </a:ext>
+            </a:extLst>
+          </p:cNvPr>
+          <p:cNvSpPr>
+            <a:spLocks noGrp="1"/>
+          </p:cNvSpPr>
+          <p:nvPr>
+            <p:ph type="title"/>
+          </p:nvPr>
+        </p:nvSpPr>
+        <p:spPr/>
+        <p:txBody>
+          <a:bodyPr/>
+          <a:lstStyle/>
+          <a:p>
+            <a:r>
+              <a:rPr lang="zh-TW" altLang="en-US" dirty="0"/>
+              <a:t>從</a:t>
+            </a:r>
+            <a:r>
+              <a:rPr lang="en-US" altLang="zh-TW" dirty="0"/>
+              <a:t>AHI</a:t>
+            </a:r>
+            <a:r>
+              <a:rPr lang="zh-TW" altLang="en-US" dirty="0"/>
+              <a:t>、</a:t>
+            </a:r>
+            <a:r>
+              <a:rPr lang="en-US" altLang="zh-TW" dirty="0"/>
+              <a:t>AI</a:t>
+            </a:r>
+            <a:r>
+              <a:rPr lang="zh-TW" altLang="en-US" dirty="0"/>
+              <a:t>、</a:t>
+            </a:r>
+            <a:r>
+              <a:rPr lang="en-US" altLang="zh-TW" dirty="0"/>
+              <a:t>HI</a:t>
+            </a:r>
+            <a:r>
+              <a:rPr lang="zh-TW" altLang="en-US" dirty="0"/>
+              <a:t>來做分析</a:t>
+            </a:r>
+          </a:p>
+        </p:txBody>
+      </p:sp>
+      <p:sp>
+        <p:nvSpPr>
+          <p:cNvPr id="3" name="內容版面配置區 2">
+            <a:extLst>
+              <a:ext uri="{FF2B5EF4-FFF2-40B4-BE49-F238E27FC236}">
+                <a16:creationId xmlns:a16="http://schemas.microsoft.com/office/drawing/2014/main" id="{A6F96C90-82C8-4A8C-A5F6-3AF0304642D2}"/>
+              </a:ext>
+            </a:extLst>
+          </p:cNvPr>
+          <p:cNvSpPr>
+            <a:spLocks noGrp="1"/>
+          </p:cNvSpPr>
+          <p:nvPr>
+            <p:ph idx="1"/>
+          </p:nvPr>
+        </p:nvSpPr>
+        <p:spPr/>
+        <p:txBody>
+          <a:bodyPr/>
+          <a:lstStyle/>
+          <a:p>
+            <a:endParaRPr lang="zh-TW" altLang="en-US"/>
+          </a:p>
+        </p:txBody>
+      </p:sp>
+      <p:sp>
+        <p:nvSpPr>
+          <p:cNvPr id="4" name="投影片編號版面配置區 3">
+            <a:extLst>
+              <a:ext uri="{FF2B5EF4-FFF2-40B4-BE49-F238E27FC236}">
+                <a16:creationId xmlns:a16="http://schemas.microsoft.com/office/drawing/2014/main" id="{FE8D693E-C75B-4D60-9BF8-8D0B890ABCB0}"/>
+              </a:ext>
+            </a:extLst>
+          </p:cNvPr>
+          <p:cNvSpPr>
+            <a:spLocks noGrp="1"/>
+          </p:cNvSpPr>
+          <p:nvPr>
+            <p:ph type="sldNum" sz="quarter" idx="12"/>
+          </p:nvPr>
+        </p:nvSpPr>
+        <p:spPr/>
+        <p:txBody>
+          <a:bodyPr/>
+          <a:lstStyle/>
+          <a:p>
+            <a:fld id="{F230EE04-BD3A-40AA-92AC-647453D5DADF}" type="slidenum">
+              <a:rPr lang="zh-TW" altLang="en-US" smtClean="0"/>
+              <a:t>17</a:t>
+            </a:fld>
+            <a:endParaRPr lang="zh-TW" altLang="en-US"/>
+          </a:p>
+        </p:txBody>
+      </p:sp>
+    </p:spTree>
+    <p:extLst>
+      <p:ext uri="{BB962C8B-B14F-4D97-AF65-F5344CB8AC3E}">
+        <p14:creationId xmlns:p14="http://schemas.microsoft.com/office/powerpoint/2010/main" val="2668467491"/>
       </p:ext>
     </p:extLst>
   </p:cSld>
@@ -5326,7 +5627,7 @@
           <p:cNvPr id="2" name="標題 1">
             <a:extLst>
               <a:ext uri="{FF2B5EF4-FFF2-40B4-BE49-F238E27FC236}">
-                <a16:creationId xmlns:a16="http://schemas.microsoft.com/office/drawing/2014/main" id="{892307EE-4044-49E1-842B-FE439589D235}"/>
+                <a16:creationId xmlns:a16="http://schemas.microsoft.com/office/drawing/2014/main" id="{0E886FCF-38F7-45F6-BAB5-315DD278617C}"/>
               </a:ext>
             </a:extLst>
           </p:cNvPr>
@@ -5352,7 +5653,7 @@
             </a:r>
             <a:r>
               <a:rPr lang="en-US" altLang="zh-TW" dirty="0"/>
-              <a:t>density</a:t>
+              <a:t>fragmentation</a:t>
             </a:r>
             <a:r>
               <a:rPr lang="zh-TW" altLang="en-US" dirty="0"/>
@@ -5366,7 +5667,7 @@
           <p:cNvPr id="3" name="內容版面配置區 2">
             <a:extLst>
               <a:ext uri="{FF2B5EF4-FFF2-40B4-BE49-F238E27FC236}">
-                <a16:creationId xmlns:a16="http://schemas.microsoft.com/office/drawing/2014/main" id="{29B592FD-5A0B-4C41-A5F7-B16B06D18020}"/>
+                <a16:creationId xmlns:a16="http://schemas.microsoft.com/office/drawing/2014/main" id="{8E60F1BA-6823-455B-AEE4-3ADECBC0FD22}"/>
               </a:ext>
             </a:extLst>
           </p:cNvPr>
@@ -5383,129 +5684,33 @@
           <a:lstStyle/>
           <a:p>
             <a:r>
-              <a:rPr lang="zh-TW" altLang="en-US" dirty="0"/>
-              <a:t>左右</a:t>
-            </a:r>
-            <a:r>
               <a:rPr lang="en-US" altLang="zh-TW" dirty="0"/>
-              <a:t>EOG</a:t>
-            </a:r>
-            <a:r>
-              <a:rPr lang="zh-TW" altLang="en-US" dirty="0"/>
-              <a:t>相減絕對值取出反向眼動特徵 </a:t>
-            </a:r>
+              <a:t>Definition: the number and duration of short arousals that disrupt the continuity of the REM period</a:t>
+            </a:r>
+          </a:p>
+          <a:p>
+            <a:endParaRPr lang="en-US" altLang="zh-TW" dirty="0"/>
+          </a:p>
+          <a:p>
+            <a:pPr lvl="1"/>
             <a:r>
               <a:rPr lang="en-US" altLang="zh-TW" dirty="0"/>
-              <a:t>* 0.5</a:t>
-            </a:r>
-          </a:p>
-          <a:p>
-            <a:r>
-              <a:rPr lang="zh-TW" altLang="en-US" dirty="0"/>
-              <a:t>左右</a:t>
+              <a:t>REM</a:t>
+            </a:r>
+            <a:r>
+              <a:rPr lang="zh-TW" altLang="en-US" dirty="0"/>
+              <a:t>中</a:t>
             </a:r>
             <a:r>
               <a:rPr lang="en-US" altLang="zh-TW" dirty="0"/>
-              <a:t>EOG</a:t>
-            </a:r>
-            <a:r>
-              <a:rPr lang="zh-TW" altLang="en-US" dirty="0"/>
-              <a:t>分別後項減前項取出眼動陡峭程度 * </a:t>
-            </a:r>
-            <a:r>
-              <a:rPr lang="en-US" altLang="zh-TW" dirty="0"/>
-              <a:t>sampling rate</a:t>
-            </a:r>
-          </a:p>
-          <a:p>
+              <a:t>Arousal event duration</a:t>
+            </a:r>
+            <a:r>
+              <a:rPr lang="zh-TW" altLang="en-US" dirty="0"/>
+              <a:t>相加</a:t>
+            </a:r>
             <a:endParaRPr lang="en-US" altLang="zh-TW" dirty="0"/>
           </a:p>
-          <a:p>
-            <a:r>
-              <a:rPr lang="zh-TW" altLang="en-US" dirty="0"/>
-              <a:t>將兩值相加</a:t>
-            </a:r>
-            <a:endParaRPr lang="en-US" altLang="zh-TW" dirty="0"/>
-          </a:p>
-          <a:p>
-            <a:r>
-              <a:rPr lang="zh-TW" altLang="en-US" dirty="0"/>
-              <a:t>設</a:t>
-            </a:r>
-            <a:r>
-              <a:rPr lang="en-US" altLang="zh-TW" dirty="0"/>
-              <a:t>threshold1 &gt; 0.025 </a:t>
-            </a:r>
-            <a:r>
-              <a:rPr lang="zh-TW" altLang="en-US" dirty="0"/>
-              <a:t>超過則視為快速眼動</a:t>
-            </a:r>
-            <a:endParaRPr lang="en-US" altLang="zh-TW" dirty="0"/>
-          </a:p>
-          <a:p>
-            <a:r>
-              <a:rPr lang="zh-TW" altLang="en-US" dirty="0"/>
-              <a:t>設</a:t>
-            </a:r>
-            <a:r>
-              <a:rPr lang="en-US" altLang="zh-TW" dirty="0"/>
-              <a:t>threshold2 &lt; 1</a:t>
-            </a:r>
-            <a:r>
-              <a:rPr lang="zh-TW" altLang="en-US" dirty="0"/>
-              <a:t> 超過則視為受</a:t>
-            </a:r>
-            <a:r>
-              <a:rPr lang="en-US" altLang="zh-TW" dirty="0"/>
-              <a:t>arousal</a:t>
-            </a:r>
-            <a:r>
-              <a:rPr lang="zh-TW" altLang="en-US" dirty="0"/>
-              <a:t>影響</a:t>
-            </a:r>
-            <a:endParaRPr lang="en-US" altLang="zh-TW" dirty="0"/>
-          </a:p>
-          <a:p>
-            <a:endParaRPr lang="en-US" altLang="zh-TW" dirty="0"/>
-          </a:p>
-          <a:p>
-            <a:r>
-              <a:rPr lang="zh-TW" altLang="en-US" dirty="0"/>
-              <a:t>找到第</a:t>
-            </a:r>
-            <a:r>
-              <a:rPr lang="en-US" altLang="zh-TW" dirty="0"/>
-              <a:t>1</a:t>
-            </a:r>
-            <a:r>
-              <a:rPr lang="zh-TW" altLang="en-US" dirty="0"/>
-              <a:t>個快速眼動後尋找後面</a:t>
-            </a:r>
-            <a:r>
-              <a:rPr lang="en-US" altLang="zh-TW" dirty="0"/>
-              <a:t>1</a:t>
-            </a:r>
-            <a:r>
-              <a:rPr lang="zh-TW" altLang="en-US" dirty="0"/>
-              <a:t>秒內有無快速眼動，有則視為連續</a:t>
-            </a:r>
-            <a:endParaRPr lang="en-US" altLang="zh-TW" dirty="0"/>
-          </a:p>
-          <a:p>
-            <a:r>
-              <a:rPr lang="zh-TW" altLang="en-US" dirty="0"/>
-              <a:t>小於</a:t>
-            </a:r>
-            <a:r>
-              <a:rPr lang="en-US" altLang="zh-TW" dirty="0"/>
-              <a:t>0.1</a:t>
-            </a:r>
-            <a:r>
-              <a:rPr lang="zh-TW" altLang="en-US" dirty="0"/>
-              <a:t>秒的區間不算</a:t>
-            </a:r>
-            <a:endParaRPr lang="en-US" altLang="zh-TW" dirty="0"/>
-          </a:p>
         </p:txBody>
       </p:sp>
       <p:sp>
@@ -5513,7 +5718,7 @@
           <p:cNvPr id="4" name="投影片編號版面配置區 3">
             <a:extLst>
               <a:ext uri="{FF2B5EF4-FFF2-40B4-BE49-F238E27FC236}">
-                <a16:creationId xmlns:a16="http://schemas.microsoft.com/office/drawing/2014/main" id="{5AC60BDE-80E8-479F-80C2-36C704E8F691}"/>
+                <a16:creationId xmlns:a16="http://schemas.microsoft.com/office/drawing/2014/main" id="{ABF53958-B17F-411F-8BE2-4884AA0F54E7}"/>
               </a:ext>
             </a:extLst>
           </p:cNvPr>
@@ -5540,7 +5745,7 @@
     </p:spTree>
     <p:extLst>
       <p:ext uri="{BB962C8B-B14F-4D97-AF65-F5344CB8AC3E}">
-        <p14:creationId xmlns:p14="http://schemas.microsoft.com/office/powerpoint/2010/main" val="3405144549"/>
+        <p14:creationId xmlns:p14="http://schemas.microsoft.com/office/powerpoint/2010/main" val="1369127256"/>
       </p:ext>
     </p:extLst>
   </p:cSld>
@@ -5572,7 +5777,7 @@
           <p:cNvPr id="2" name="標題 1">
             <a:extLst>
               <a:ext uri="{FF2B5EF4-FFF2-40B4-BE49-F238E27FC236}">
-                <a16:creationId xmlns:a16="http://schemas.microsoft.com/office/drawing/2014/main" id="{2E9964E3-328A-47B8-89CF-A1216860072C}"/>
+                <a16:creationId xmlns:a16="http://schemas.microsoft.com/office/drawing/2014/main" id="{892307EE-4044-49E1-842B-FE439589D235}"/>
               </a:ext>
             </a:extLst>
           </p:cNvPr>
@@ -5612,7 +5817,7 @@
           <p:cNvPr id="3" name="內容版面配置區 2">
             <a:extLst>
               <a:ext uri="{FF2B5EF4-FFF2-40B4-BE49-F238E27FC236}">
-                <a16:creationId xmlns:a16="http://schemas.microsoft.com/office/drawing/2014/main" id="{6029A1EC-BDB8-4165-A05F-BC24046B5EB3}"/>
+                <a16:creationId xmlns:a16="http://schemas.microsoft.com/office/drawing/2014/main" id="{29B592FD-5A0B-4C41-A5F7-B16B06D18020}"/>
               </a:ext>
             </a:extLst>
           </p:cNvPr>
@@ -5628,7 +5833,129 @@
           <a:bodyPr/>
           <a:lstStyle/>
           <a:p>
-            <a:endParaRPr lang="zh-TW" altLang="en-US" dirty="0"/>
+            <a:r>
+              <a:rPr lang="zh-TW" altLang="en-US" dirty="0"/>
+              <a:t>左右</a:t>
+            </a:r>
+            <a:r>
+              <a:rPr lang="en-US" altLang="zh-TW" dirty="0"/>
+              <a:t>EOG</a:t>
+            </a:r>
+            <a:r>
+              <a:rPr lang="zh-TW" altLang="en-US" dirty="0"/>
+              <a:t>相減絕對值取出反向眼動特徵 </a:t>
+            </a:r>
+            <a:r>
+              <a:rPr lang="en-US" altLang="zh-TW" dirty="0"/>
+              <a:t>* 0.5</a:t>
+            </a:r>
+          </a:p>
+          <a:p>
+            <a:r>
+              <a:rPr lang="zh-TW" altLang="en-US" dirty="0"/>
+              <a:t>左右</a:t>
+            </a:r>
+            <a:r>
+              <a:rPr lang="en-US" altLang="zh-TW" dirty="0"/>
+              <a:t>EOG</a:t>
+            </a:r>
+            <a:r>
+              <a:rPr lang="zh-TW" altLang="en-US" dirty="0"/>
+              <a:t>分別後項減前項取出眼動陡峭程度 * </a:t>
+            </a:r>
+            <a:r>
+              <a:rPr lang="en-US" altLang="zh-TW" dirty="0"/>
+              <a:t>sampling rate</a:t>
+            </a:r>
+          </a:p>
+          <a:p>
+            <a:endParaRPr lang="en-US" altLang="zh-TW" dirty="0"/>
+          </a:p>
+          <a:p>
+            <a:r>
+              <a:rPr lang="zh-TW" altLang="en-US" dirty="0"/>
+              <a:t>將兩值相加</a:t>
+            </a:r>
+            <a:endParaRPr lang="en-US" altLang="zh-TW" dirty="0"/>
+          </a:p>
+          <a:p>
+            <a:r>
+              <a:rPr lang="zh-TW" altLang="en-US" dirty="0"/>
+              <a:t>設</a:t>
+            </a:r>
+            <a:r>
+              <a:rPr lang="en-US" altLang="zh-TW" dirty="0"/>
+              <a:t>threshold1 &gt; 0.025 </a:t>
+            </a:r>
+            <a:r>
+              <a:rPr lang="zh-TW" altLang="en-US" dirty="0"/>
+              <a:t>超過則視為快速眼動</a:t>
+            </a:r>
+            <a:endParaRPr lang="en-US" altLang="zh-TW" dirty="0"/>
+          </a:p>
+          <a:p>
+            <a:r>
+              <a:rPr lang="zh-TW" altLang="en-US" dirty="0"/>
+              <a:t>設</a:t>
+            </a:r>
+            <a:r>
+              <a:rPr lang="en-US" altLang="zh-TW" dirty="0"/>
+              <a:t>threshold2 &lt; 1</a:t>
+            </a:r>
+            <a:r>
+              <a:rPr lang="zh-TW" altLang="en-US" dirty="0"/>
+              <a:t> 超過則視為受</a:t>
+            </a:r>
+            <a:r>
+              <a:rPr lang="en-US" altLang="zh-TW" dirty="0"/>
+              <a:t>arousal</a:t>
+            </a:r>
+            <a:r>
+              <a:rPr lang="zh-TW" altLang="en-US" dirty="0"/>
+              <a:t>影響</a:t>
+            </a:r>
+            <a:endParaRPr lang="en-US" altLang="zh-TW" dirty="0"/>
+          </a:p>
+          <a:p>
+            <a:endParaRPr lang="en-US" altLang="zh-TW" dirty="0"/>
+          </a:p>
+          <a:p>
+            <a:r>
+              <a:rPr lang="zh-TW" altLang="en-US" dirty="0"/>
+              <a:t>找到第</a:t>
+            </a:r>
+            <a:r>
+              <a:rPr lang="en-US" altLang="zh-TW" dirty="0"/>
+              <a:t>1</a:t>
+            </a:r>
+            <a:r>
+              <a:rPr lang="zh-TW" altLang="en-US" dirty="0"/>
+              <a:t>個快速眼動後尋找後面</a:t>
+            </a:r>
+            <a:r>
+              <a:rPr lang="en-US" altLang="zh-TW" dirty="0"/>
+              <a:t>1</a:t>
+            </a:r>
+            <a:r>
+              <a:rPr lang="zh-TW" altLang="en-US" dirty="0"/>
+              <a:t>秒內有無快速眼動，有則視為連續</a:t>
+            </a:r>
+            <a:endParaRPr lang="en-US" altLang="zh-TW" dirty="0"/>
+          </a:p>
+          <a:p>
+            <a:r>
+              <a:rPr lang="zh-TW" altLang="en-US" dirty="0"/>
+              <a:t>小於</a:t>
+            </a:r>
+            <a:r>
+              <a:rPr lang="en-US" altLang="zh-TW" dirty="0"/>
+              <a:t>0.1</a:t>
+            </a:r>
+            <a:r>
+              <a:rPr lang="zh-TW" altLang="en-US" dirty="0"/>
+              <a:t>秒的區間不算</a:t>
+            </a:r>
+            <a:endParaRPr lang="en-US" altLang="zh-TW" dirty="0"/>
           </a:p>
         </p:txBody>
       </p:sp>
@@ -5637,7 +5964,7 @@
           <p:cNvPr id="4" name="投影片編號版面配置區 3">
             <a:extLst>
               <a:ext uri="{FF2B5EF4-FFF2-40B4-BE49-F238E27FC236}">
-                <a16:creationId xmlns:a16="http://schemas.microsoft.com/office/drawing/2014/main" id="{AA234EAA-BBFA-4F45-B812-789E51BF47DF}"/>
+                <a16:creationId xmlns:a16="http://schemas.microsoft.com/office/drawing/2014/main" id="{5AC60BDE-80E8-479F-80C2-36C704E8F691}"/>
               </a:ext>
             </a:extLst>
           </p:cNvPr>
@@ -5664,7 +5991,7 @@
     </p:spTree>
     <p:extLst>
       <p:ext uri="{BB962C8B-B14F-4D97-AF65-F5344CB8AC3E}">
-        <p14:creationId xmlns:p14="http://schemas.microsoft.com/office/powerpoint/2010/main" val="616825356"/>
+        <p14:creationId xmlns:p14="http://schemas.microsoft.com/office/powerpoint/2010/main" val="3405144549"/>
       </p:ext>
     </p:extLst>
   </p:cSld>
@@ -5696,7 +6023,7 @@
           <p:cNvPr id="2" name="標題 1">
             <a:extLst>
               <a:ext uri="{FF2B5EF4-FFF2-40B4-BE49-F238E27FC236}">
-                <a16:creationId xmlns:a16="http://schemas.microsoft.com/office/drawing/2014/main" id="{0E886FCF-38F7-45F6-BAB5-315DD278617C}"/>
+                <a16:creationId xmlns:a16="http://schemas.microsoft.com/office/drawing/2014/main" id="{2E9964E3-328A-47B8-89CF-A1216860072C}"/>
               </a:ext>
             </a:extLst>
           </p:cNvPr>
@@ -5722,7 +6049,7 @@
             </a:r>
             <a:r>
               <a:rPr lang="en-US" altLang="zh-TW" dirty="0"/>
-              <a:t>fragmentation</a:t>
+              <a:t>density</a:t>
             </a:r>
             <a:r>
               <a:rPr lang="zh-TW" altLang="en-US" dirty="0"/>
@@ -5733,140 +6060,10 @@
       </p:sp>
       <p:sp>
         <p:nvSpPr>
-          <p:cNvPr id="3" name="內容版面配置區 2">
-            <a:extLst>
-              <a:ext uri="{FF2B5EF4-FFF2-40B4-BE49-F238E27FC236}">
-                <a16:creationId xmlns:a16="http://schemas.microsoft.com/office/drawing/2014/main" id="{8E60F1BA-6823-455B-AEE4-3ADECBC0FD22}"/>
-              </a:ext>
-            </a:extLst>
-          </p:cNvPr>
-          <p:cNvSpPr>
-            <a:spLocks noGrp="1"/>
-          </p:cNvSpPr>
-          <p:nvPr>
-            <p:ph idx="1"/>
-          </p:nvPr>
-        </p:nvSpPr>
-        <p:spPr/>
-        <p:txBody>
-          <a:bodyPr/>
-          <a:lstStyle/>
-          <a:p>
-            <a:r>
-              <a:rPr lang="en-US" altLang="zh-TW" dirty="0"/>
-              <a:t>REM</a:t>
-            </a:r>
-            <a:r>
-              <a:rPr lang="zh-TW" altLang="en-US" dirty="0"/>
-              <a:t>大區段中被</a:t>
-            </a:r>
-            <a:r>
-              <a:rPr lang="en-US" altLang="zh-TW" dirty="0"/>
-              <a:t>Arousal</a:t>
-            </a:r>
-            <a:r>
-              <a:rPr lang="zh-TW" altLang="en-US" dirty="0"/>
-              <a:t>影響的小區段</a:t>
-            </a:r>
-            <a:endParaRPr lang="en-US" altLang="zh-TW" dirty="0"/>
-          </a:p>
-          <a:p>
-            <a:endParaRPr lang="en-US" altLang="zh-TW" dirty="0"/>
-          </a:p>
-          <a:p>
-            <a:r>
-              <a:rPr lang="zh-TW" altLang="en-US" dirty="0"/>
-              <a:t>在睡眠階段圖中找出</a:t>
-            </a:r>
-            <a:r>
-              <a:rPr lang="en-US" altLang="zh-TW" dirty="0"/>
-              <a:t>REM</a:t>
-            </a:r>
-            <a:r>
-              <a:rPr lang="zh-TW" altLang="en-US" dirty="0"/>
-              <a:t> </a:t>
-            </a:r>
-            <a:r>
-              <a:rPr lang="en-US" altLang="zh-TW" dirty="0"/>
-              <a:t>period</a:t>
-            </a:r>
-            <a:r>
-              <a:rPr lang="zh-TW" altLang="en-US" dirty="0"/>
-              <a:t>，每個區段中若有 </a:t>
-            </a:r>
-            <a:r>
-              <a:rPr lang="en-US" altLang="zh-TW" dirty="0"/>
-              <a:t>&lt;</a:t>
-            </a:r>
-            <a:r>
-              <a:rPr lang="zh-TW" altLang="en-US" dirty="0"/>
-              <a:t> </a:t>
-            </a:r>
-            <a:r>
-              <a:rPr lang="en-US" altLang="zh-TW" dirty="0"/>
-              <a:t>5</a:t>
-            </a:r>
-            <a:r>
-              <a:rPr lang="zh-TW" altLang="en-US" dirty="0"/>
-              <a:t> 因</a:t>
-            </a:r>
-            <a:r>
-              <a:rPr lang="en-US" altLang="zh-TW" dirty="0"/>
-              <a:t>Arousal</a:t>
-            </a:r>
-            <a:r>
-              <a:rPr lang="zh-TW" altLang="en-US" dirty="0"/>
-              <a:t>產生的</a:t>
-            </a:r>
-            <a:r>
-              <a:rPr lang="en-US" altLang="zh-TW" dirty="0"/>
-              <a:t>NREM</a:t>
-            </a:r>
-            <a:r>
-              <a:rPr lang="zh-TW" altLang="en-US" dirty="0"/>
-              <a:t> </a:t>
-            </a:r>
-            <a:r>
-              <a:rPr lang="en-US" altLang="zh-TW" dirty="0"/>
-              <a:t>period</a:t>
-            </a:r>
-            <a:r>
-              <a:rPr lang="zh-TW" altLang="en-US" dirty="0"/>
-              <a:t>，則視為</a:t>
-            </a:r>
-            <a:r>
-              <a:rPr lang="en-US" altLang="zh-TW" dirty="0"/>
-              <a:t>fragmentation</a:t>
-            </a:r>
-            <a:r>
-              <a:rPr lang="zh-TW" altLang="en-US" dirty="0"/>
-              <a:t>，否則視為新的</a:t>
-            </a:r>
-            <a:r>
-              <a:rPr lang="en-US" altLang="zh-TW" dirty="0"/>
-              <a:t>REM</a:t>
-            </a:r>
-            <a:r>
-              <a:rPr lang="zh-TW" altLang="en-US" dirty="0"/>
-              <a:t> </a:t>
-            </a:r>
-            <a:r>
-              <a:rPr lang="en-US" altLang="zh-TW"/>
-              <a:t>period</a:t>
-            </a:r>
-            <a:endParaRPr lang="en-US" altLang="zh-TW" dirty="0"/>
-          </a:p>
-          <a:p>
-            <a:endParaRPr lang="zh-TW" altLang="en-US" dirty="0"/>
-          </a:p>
-        </p:txBody>
-      </p:sp>
-      <p:sp>
-        <p:nvSpPr>
           <p:cNvPr id="4" name="投影片編號版面配置區 3">
             <a:extLst>
               <a:ext uri="{FF2B5EF4-FFF2-40B4-BE49-F238E27FC236}">
-                <a16:creationId xmlns:a16="http://schemas.microsoft.com/office/drawing/2014/main" id="{ABF53958-B17F-411F-8BE2-4884AA0F54E7}"/>
+                <a16:creationId xmlns:a16="http://schemas.microsoft.com/office/drawing/2014/main" id="{AA234EAA-BBFA-4F45-B812-789E51BF47DF}"/>
               </a:ext>
             </a:extLst>
           </p:cNvPr>
@@ -5890,10 +6087,40 @@
           </a:p>
         </p:txBody>
       </p:sp>
+      <p:pic>
+        <p:nvPicPr>
+          <p:cNvPr id="6" name="圖片 5">
+            <a:extLst>
+              <a:ext uri="{FF2B5EF4-FFF2-40B4-BE49-F238E27FC236}">
+                <a16:creationId xmlns:a16="http://schemas.microsoft.com/office/drawing/2014/main" id="{21E25868-60EB-416D-B984-BE4A169F0037}"/>
+              </a:ext>
+            </a:extLst>
+          </p:cNvPr>
+          <p:cNvPicPr>
+            <a:picLocks noChangeAspect="1"/>
+          </p:cNvPicPr>
+          <p:nvPr/>
+        </p:nvPicPr>
+        <p:blipFill>
+          <a:blip r:embed="rId2"/>
+          <a:stretch>
+            <a:fillRect/>
+          </a:stretch>
+        </p:blipFill>
+        <p:spPr>
+          <a:xfrm>
+            <a:off x="844724" y="1192147"/>
+            <a:ext cx="10163587" cy="5524412"/>
+          </a:xfrm>
+          <a:prstGeom prst="rect">
+            <a:avLst/>
+          </a:prstGeom>
+        </p:spPr>
+      </p:pic>
     </p:spTree>
     <p:extLst>
       <p:ext uri="{BB962C8B-B14F-4D97-AF65-F5344CB8AC3E}">
-        <p14:creationId xmlns:p14="http://schemas.microsoft.com/office/powerpoint/2010/main" val="1369127256"/>
+        <p14:creationId xmlns:p14="http://schemas.microsoft.com/office/powerpoint/2010/main" val="616825356"/>
       </p:ext>
     </p:extLst>
   </p:cSld>
@@ -5925,7 +6152,7 @@
           <p:cNvPr id="2" name="標題 1">
             <a:extLst>
               <a:ext uri="{FF2B5EF4-FFF2-40B4-BE49-F238E27FC236}">
-                <a16:creationId xmlns:a16="http://schemas.microsoft.com/office/drawing/2014/main" id="{0E886FCF-38F7-45F6-BAB5-315DD278617C}"/>
+                <a16:creationId xmlns:a16="http://schemas.microsoft.com/office/drawing/2014/main" id="{2E9964E3-328A-47B8-89CF-A1216860072C}"/>
               </a:ext>
             </a:extLst>
           </p:cNvPr>
@@ -5951,7 +6178,7 @@
             </a:r>
             <a:r>
               <a:rPr lang="en-US" altLang="zh-TW" dirty="0"/>
-              <a:t>fragmentation</a:t>
+              <a:t>density</a:t>
             </a:r>
             <a:r>
               <a:rPr lang="zh-TW" altLang="en-US" dirty="0"/>
@@ -5962,35 +6189,10 @@
       </p:sp>
       <p:sp>
         <p:nvSpPr>
-          <p:cNvPr id="3" name="內容版面配置區 2">
-            <a:extLst>
-              <a:ext uri="{FF2B5EF4-FFF2-40B4-BE49-F238E27FC236}">
-                <a16:creationId xmlns:a16="http://schemas.microsoft.com/office/drawing/2014/main" id="{8E60F1BA-6823-455B-AEE4-3ADECBC0FD22}"/>
-              </a:ext>
-            </a:extLst>
-          </p:cNvPr>
-          <p:cNvSpPr>
-            <a:spLocks noGrp="1"/>
-          </p:cNvSpPr>
-          <p:nvPr>
-            <p:ph idx="1"/>
-          </p:nvPr>
-        </p:nvSpPr>
-        <p:spPr/>
-        <p:txBody>
-          <a:bodyPr/>
-          <a:lstStyle/>
-          <a:p>
-            <a:endParaRPr lang="zh-TW" altLang="en-US"/>
-          </a:p>
-        </p:txBody>
-      </p:sp>
-      <p:sp>
-        <p:nvSpPr>
           <p:cNvPr id="4" name="投影片編號版面配置區 3">
             <a:extLst>
               <a:ext uri="{FF2B5EF4-FFF2-40B4-BE49-F238E27FC236}">
-                <a16:creationId xmlns:a16="http://schemas.microsoft.com/office/drawing/2014/main" id="{ABF53958-B17F-411F-8BE2-4884AA0F54E7}"/>
+                <a16:creationId xmlns:a16="http://schemas.microsoft.com/office/drawing/2014/main" id="{AA234EAA-BBFA-4F45-B812-789E51BF47DF}"/>
               </a:ext>
             </a:extLst>
           </p:cNvPr>
@@ -6014,10 +6216,40 @@
           </a:p>
         </p:txBody>
       </p:sp>
+      <p:pic>
+        <p:nvPicPr>
+          <p:cNvPr id="5" name="圖片 4">
+            <a:extLst>
+              <a:ext uri="{FF2B5EF4-FFF2-40B4-BE49-F238E27FC236}">
+                <a16:creationId xmlns:a16="http://schemas.microsoft.com/office/drawing/2014/main" id="{79662884-D9A1-4D70-87FF-677916160829}"/>
+              </a:ext>
+            </a:extLst>
+          </p:cNvPr>
+          <p:cNvPicPr>
+            <a:picLocks noChangeAspect="1"/>
+          </p:cNvPicPr>
+          <p:nvPr/>
+        </p:nvPicPr>
+        <p:blipFill>
+          <a:blip r:embed="rId2"/>
+          <a:stretch>
+            <a:fillRect/>
+          </a:stretch>
+        </p:blipFill>
+        <p:spPr>
+          <a:xfrm>
+            <a:off x="838200" y="1193110"/>
+            <a:ext cx="10293220" cy="5499210"/>
+          </a:xfrm>
+          <a:prstGeom prst="rect">
+            <a:avLst/>
+          </a:prstGeom>
+        </p:spPr>
+      </p:pic>
     </p:spTree>
     <p:extLst>
       <p:ext uri="{BB962C8B-B14F-4D97-AF65-F5344CB8AC3E}">
-        <p14:creationId xmlns:p14="http://schemas.microsoft.com/office/powerpoint/2010/main" val="84605786"/>
+        <p14:creationId xmlns:p14="http://schemas.microsoft.com/office/powerpoint/2010/main" val="2793832967"/>
       </p:ext>
     </p:extLst>
   </p:cSld>
@@ -6049,7 +6281,7 @@
           <p:cNvPr id="2" name="標題 1">
             <a:extLst>
               <a:ext uri="{FF2B5EF4-FFF2-40B4-BE49-F238E27FC236}">
-                <a16:creationId xmlns:a16="http://schemas.microsoft.com/office/drawing/2014/main" id="{FF07E4D6-4C3C-4421-9019-1A9A33A1A207}"/>
+                <a16:creationId xmlns:a16="http://schemas.microsoft.com/office/drawing/2014/main" id="{2E9964E3-328A-47B8-89CF-A1216860072C}"/>
               </a:ext>
             </a:extLst>
           </p:cNvPr>
@@ -6065,40 +6297,22 @@
           <a:bodyPr/>
           <a:lstStyle/>
           <a:p>
-            <a:r>
-              <a:rPr lang="zh-TW" altLang="en-US" dirty="0"/>
-              <a:t>從整體來觀察噪音暴露與非暴露環境下的</a:t>
-            </a:r>
             <a:r>
               <a:rPr lang="en-US" altLang="zh-TW" dirty="0"/>
               <a:t>REM</a:t>
             </a:r>
-            <a:endParaRPr lang="zh-TW" altLang="en-US" dirty="0"/>
-          </a:p>
-        </p:txBody>
-      </p:sp>
-      <p:sp>
-        <p:nvSpPr>
-          <p:cNvPr id="3" name="內容版面配置區 2">
-            <a:extLst>
-              <a:ext uri="{FF2B5EF4-FFF2-40B4-BE49-F238E27FC236}">
-                <a16:creationId xmlns:a16="http://schemas.microsoft.com/office/drawing/2014/main" id="{E8D32412-85A2-4A93-B43B-C13165D7A297}"/>
-              </a:ext>
-            </a:extLst>
-          </p:cNvPr>
-          <p:cNvSpPr>
-            <a:spLocks noGrp="1"/>
-          </p:cNvSpPr>
-          <p:nvPr>
-            <p:ph idx="1"/>
-          </p:nvPr>
-        </p:nvSpPr>
-        <p:spPr/>
-        <p:txBody>
-          <a:bodyPr/>
-          <a:lstStyle/>
-          <a:p>
-            <a:endParaRPr lang="zh-TW" altLang="en-US"/>
+            <a:r>
+              <a:rPr lang="zh-TW" altLang="en-US" dirty="0"/>
+              <a:t> </a:t>
+            </a:r>
+            <a:r>
+              <a:rPr lang="en-US" altLang="zh-TW" dirty="0"/>
+              <a:t>density</a:t>
+            </a:r>
+            <a:r>
+              <a:rPr lang="zh-TW" altLang="en-US" dirty="0"/>
+              <a:t>計算</a:t>
+            </a:r>
           </a:p>
         </p:txBody>
       </p:sp>
@@ -6107,7 +6321,7 @@
           <p:cNvPr id="4" name="投影片編號版面配置區 3">
             <a:extLst>
               <a:ext uri="{FF2B5EF4-FFF2-40B4-BE49-F238E27FC236}">
-                <a16:creationId xmlns:a16="http://schemas.microsoft.com/office/drawing/2014/main" id="{21943743-1D99-4716-AB64-C08A3B5CF749}"/>
+                <a16:creationId xmlns:a16="http://schemas.microsoft.com/office/drawing/2014/main" id="{AA234EAA-BBFA-4F45-B812-789E51BF47DF}"/>
               </a:ext>
             </a:extLst>
           </p:cNvPr>
@@ -6131,10 +6345,40 @@
           </a:p>
         </p:txBody>
       </p:sp>
+      <p:pic>
+        <p:nvPicPr>
+          <p:cNvPr id="5" name="圖片 4">
+            <a:extLst>
+              <a:ext uri="{FF2B5EF4-FFF2-40B4-BE49-F238E27FC236}">
+                <a16:creationId xmlns:a16="http://schemas.microsoft.com/office/drawing/2014/main" id="{4BA66B1B-CB59-459E-BFD6-6CA41DCB65C1}"/>
+              </a:ext>
+            </a:extLst>
+          </p:cNvPr>
+          <p:cNvPicPr>
+            <a:picLocks noChangeAspect="1"/>
+          </p:cNvPicPr>
+          <p:nvPr/>
+        </p:nvPicPr>
+        <p:blipFill>
+          <a:blip r:embed="rId2"/>
+          <a:stretch>
+            <a:fillRect/>
+          </a:stretch>
+        </p:blipFill>
+        <p:spPr>
+          <a:xfrm>
+            <a:off x="834501" y="1186046"/>
+            <a:ext cx="10280342" cy="5474299"/>
+          </a:xfrm>
+          <a:prstGeom prst="rect">
+            <a:avLst/>
+          </a:prstGeom>
+        </p:spPr>
+      </p:pic>
     </p:spTree>
     <p:extLst>
       <p:ext uri="{BB962C8B-B14F-4D97-AF65-F5344CB8AC3E}">
-        <p14:creationId xmlns:p14="http://schemas.microsoft.com/office/powerpoint/2010/main" val="2355560464"/>
+        <p14:creationId xmlns:p14="http://schemas.microsoft.com/office/powerpoint/2010/main" val="2351657692"/>
       </p:ext>
     </p:extLst>
   </p:cSld>
@@ -6166,7 +6410,7 @@
           <p:cNvPr id="2" name="標題 1">
             <a:extLst>
               <a:ext uri="{FF2B5EF4-FFF2-40B4-BE49-F238E27FC236}">
-                <a16:creationId xmlns:a16="http://schemas.microsoft.com/office/drawing/2014/main" id="{3484939B-FFA5-421B-A3CF-62E507410721}"/>
+                <a16:creationId xmlns:a16="http://schemas.microsoft.com/office/drawing/2014/main" id="{2E9964E3-328A-47B8-89CF-A1216860072C}"/>
               </a:ext>
             </a:extLst>
           </p:cNvPr>
@@ -6183,42 +6427,21 @@
           <a:lstStyle/>
           <a:p>
             <a:r>
-              <a:rPr lang="zh-TW" altLang="en-US" dirty="0"/>
-              <a:t>從正常狀態下的</a:t>
-            </a:r>
-            <a:r>
               <a:rPr lang="en-US" altLang="zh-TW" dirty="0"/>
-              <a:t>cortisol</a:t>
-            </a:r>
-            <a:r>
-              <a:rPr lang="zh-TW" altLang="en-US" dirty="0"/>
-              <a:t>來做分析</a:t>
-            </a:r>
-          </a:p>
-        </p:txBody>
-      </p:sp>
-      <p:sp>
-        <p:nvSpPr>
-          <p:cNvPr id="3" name="內容版面配置區 2">
-            <a:extLst>
-              <a:ext uri="{FF2B5EF4-FFF2-40B4-BE49-F238E27FC236}">
-                <a16:creationId xmlns:a16="http://schemas.microsoft.com/office/drawing/2014/main" id="{01697D29-E482-44CA-9367-80E0DD3EB3F5}"/>
-              </a:ext>
-            </a:extLst>
-          </p:cNvPr>
-          <p:cNvSpPr>
-            <a:spLocks noGrp="1"/>
-          </p:cNvSpPr>
-          <p:nvPr>
-            <p:ph idx="1"/>
-          </p:nvPr>
-        </p:nvSpPr>
-        <p:spPr/>
-        <p:txBody>
-          <a:bodyPr/>
-          <a:lstStyle/>
-          <a:p>
-            <a:endParaRPr lang="zh-TW" altLang="en-US"/>
+              <a:t>REM</a:t>
+            </a:r>
+            <a:r>
+              <a:rPr lang="zh-TW" altLang="en-US" dirty="0"/>
+              <a:t> </a:t>
+            </a:r>
+            <a:r>
+              <a:rPr lang="en-US" altLang="zh-TW" dirty="0"/>
+              <a:t>density</a:t>
+            </a:r>
+            <a:r>
+              <a:rPr lang="zh-TW" altLang="en-US" dirty="0"/>
+              <a:t>計算</a:t>
+            </a:r>
           </a:p>
         </p:txBody>
       </p:sp>
@@ -6227,7 +6450,7 @@
           <p:cNvPr id="4" name="投影片編號版面配置區 3">
             <a:extLst>
               <a:ext uri="{FF2B5EF4-FFF2-40B4-BE49-F238E27FC236}">
-                <a16:creationId xmlns:a16="http://schemas.microsoft.com/office/drawing/2014/main" id="{8D7AD20E-B6E8-43F0-A3C8-32C57EECF4D4}"/>
+                <a16:creationId xmlns:a16="http://schemas.microsoft.com/office/drawing/2014/main" id="{AA234EAA-BBFA-4F45-B812-789E51BF47DF}"/>
               </a:ext>
             </a:extLst>
           </p:cNvPr>
@@ -6251,10 +6474,40 @@
           </a:p>
         </p:txBody>
       </p:sp>
+      <p:pic>
+        <p:nvPicPr>
+          <p:cNvPr id="5" name="圖片 4">
+            <a:extLst>
+              <a:ext uri="{FF2B5EF4-FFF2-40B4-BE49-F238E27FC236}">
+                <a16:creationId xmlns:a16="http://schemas.microsoft.com/office/drawing/2014/main" id="{EEEE8120-F17B-4CD6-9CF9-BBF6E482EEC8}"/>
+              </a:ext>
+            </a:extLst>
+          </p:cNvPr>
+          <p:cNvPicPr>
+            <a:picLocks noChangeAspect="1"/>
+          </p:cNvPicPr>
+          <p:nvPr/>
+        </p:nvPicPr>
+        <p:blipFill>
+          <a:blip r:embed="rId2"/>
+          <a:stretch>
+            <a:fillRect/>
+          </a:stretch>
+        </p:blipFill>
+        <p:spPr>
+          <a:xfrm>
+            <a:off x="838200" y="1198485"/>
+            <a:ext cx="10196744" cy="5452055"/>
+          </a:xfrm>
+          <a:prstGeom prst="rect">
+            <a:avLst/>
+          </a:prstGeom>
+        </p:spPr>
+      </p:pic>
     </p:spTree>
     <p:extLst>
       <p:ext uri="{BB962C8B-B14F-4D97-AF65-F5344CB8AC3E}">
-        <p14:creationId xmlns:p14="http://schemas.microsoft.com/office/powerpoint/2010/main" val="1114412947"/>
+        <p14:creationId xmlns:p14="http://schemas.microsoft.com/office/powerpoint/2010/main" val="517873250"/>
       </p:ext>
     </p:extLst>
   </p:cSld>

--- a/輪班工人暴露噪音下REM片斷化分析.pptx
+++ b/輪班工人暴露噪音下REM片斷化分析.pptx
@@ -5,7 +5,7 @@
     <p:sldMasterId id="2147483648" r:id="rId1"/>
   </p:sldMasterIdLst>
   <p:notesMasterIdLst>
-    <p:notesMasterId r:id="rId49"/>
+    <p:notesMasterId r:id="rId61"/>
   </p:notesMasterIdLst>
   <p:sldIdLst>
     <p:sldId id="258" r:id="rId2"/>
@@ -48,13 +48,25 @@
     <p:sldId id="305" r:id="rId39"/>
     <p:sldId id="306" r:id="rId40"/>
     <p:sldId id="286" r:id="rId41"/>
-    <p:sldId id="287" r:id="rId42"/>
-    <p:sldId id="288" r:id="rId43"/>
-    <p:sldId id="289" r:id="rId44"/>
-    <p:sldId id="262" r:id="rId45"/>
-    <p:sldId id="263" r:id="rId46"/>
-    <p:sldId id="264" r:id="rId47"/>
-    <p:sldId id="266" r:id="rId48"/>
+    <p:sldId id="308" r:id="rId42"/>
+    <p:sldId id="309" r:id="rId43"/>
+    <p:sldId id="310" r:id="rId44"/>
+    <p:sldId id="311" r:id="rId45"/>
+    <p:sldId id="312" r:id="rId46"/>
+    <p:sldId id="313" r:id="rId47"/>
+    <p:sldId id="287" r:id="rId48"/>
+    <p:sldId id="288" r:id="rId49"/>
+    <p:sldId id="289" r:id="rId50"/>
+    <p:sldId id="262" r:id="rId51"/>
+    <p:sldId id="263" r:id="rId52"/>
+    <p:sldId id="264" r:id="rId53"/>
+    <p:sldId id="266" r:id="rId54"/>
+    <p:sldId id="314" r:id="rId55"/>
+    <p:sldId id="315" r:id="rId56"/>
+    <p:sldId id="316" r:id="rId57"/>
+    <p:sldId id="317" r:id="rId58"/>
+    <p:sldId id="319" r:id="rId59"/>
+    <p:sldId id="318" r:id="rId60"/>
   </p:sldIdLst>
   <p:sldSz cx="12192000" cy="6858000"/>
   <p:notesSz cx="6858000" cy="9144000"/>
@@ -243,7 +255,7 @@
           <a:p>
             <a:fld id="{61C76E1B-E228-429A-ABE7-09AA4AD7327C}" type="datetimeFigureOut">
               <a:rPr lang="zh-TW" altLang="en-US" smtClean="0"/>
-              <a:t>2021/7/31</a:t>
+              <a:t>2021/8/1</a:t>
             </a:fld>
             <a:endParaRPr lang="zh-TW" altLang="en-US"/>
           </a:p>
@@ -695,7 +707,7 @@
           <a:p>
             <a:fld id="{FCF6783C-4B54-4D72-A1A7-A087B316A3B8}" type="datetime1">
               <a:rPr lang="zh-TW" altLang="en-US" smtClean="0"/>
-              <a:t>2021/7/31</a:t>
+              <a:t>2021/8/1</a:t>
             </a:fld>
             <a:endParaRPr lang="zh-TW" altLang="en-US"/>
           </a:p>
@@ -963,7 +975,7 @@
           <a:p>
             <a:fld id="{D1ED406B-07A6-44BF-906E-0E6F2225B991}" type="datetime1">
               <a:rPr lang="zh-TW" altLang="en-US" smtClean="0"/>
-              <a:t>2021/7/31</a:t>
+              <a:t>2021/8/1</a:t>
             </a:fld>
             <a:endParaRPr lang="zh-TW" altLang="en-US"/>
           </a:p>
@@ -1171,7 +1183,7 @@
           <a:p>
             <a:fld id="{4855A211-7B8B-40E6-8051-77D0F92598CB}" type="datetime1">
               <a:rPr lang="zh-TW" altLang="en-US" smtClean="0"/>
-              <a:t>2021/7/31</a:t>
+              <a:t>2021/8/1</a:t>
             </a:fld>
             <a:endParaRPr lang="zh-TW" altLang="en-US"/>
           </a:p>
@@ -1368,7 +1380,7 @@
           <a:p>
             <a:fld id="{607AB6BC-4133-47A1-955B-86DB465411C3}" type="datetime1">
               <a:rPr lang="zh-TW" altLang="en-US" smtClean="0"/>
-              <a:t>2021/7/31</a:t>
+              <a:t>2021/8/1</a:t>
             </a:fld>
             <a:endParaRPr lang="zh-TW" altLang="en-US"/>
           </a:p>
@@ -1853,7 +1865,7 @@
           <a:p>
             <a:fld id="{063DD569-35D5-40ED-99FD-76D2F54A9038}" type="datetime1">
               <a:rPr lang="zh-TW" altLang="en-US" smtClean="0"/>
-              <a:t>2021/7/31</a:t>
+              <a:t>2021/8/1</a:t>
             </a:fld>
             <a:endParaRPr lang="zh-TW" altLang="en-US"/>
           </a:p>
@@ -2118,7 +2130,7 @@
           <a:p>
             <a:fld id="{753AB039-4F1A-4616-B8B5-F977F76AB712}" type="datetime1">
               <a:rPr lang="zh-TW" altLang="en-US" smtClean="0"/>
-              <a:t>2021/7/31</a:t>
+              <a:t>2021/8/1</a:t>
             </a:fld>
             <a:endParaRPr lang="zh-TW" altLang="en-US"/>
           </a:p>
@@ -2530,7 +2542,7 @@
           <a:p>
             <a:fld id="{AEEA35C1-5758-4143-A641-B2D8C25FD431}" type="datetime1">
               <a:rPr lang="zh-TW" altLang="en-US" smtClean="0"/>
-              <a:t>2021/7/31</a:t>
+              <a:t>2021/8/1</a:t>
             </a:fld>
             <a:endParaRPr lang="zh-TW" altLang="en-US"/>
           </a:p>
@@ -2671,7 +2683,7 @@
           <a:p>
             <a:fld id="{60EC041C-EC38-4789-9350-644DCCF8A061}" type="datetime1">
               <a:rPr lang="zh-TW" altLang="en-US" smtClean="0"/>
-              <a:t>2021/7/31</a:t>
+              <a:t>2021/8/1</a:t>
             </a:fld>
             <a:endParaRPr lang="zh-TW" altLang="en-US"/>
           </a:p>
@@ -2784,7 +2796,7 @@
           <a:p>
             <a:fld id="{7223D8F3-4ECC-4891-A5C4-0D72C29D1563}" type="datetime1">
               <a:rPr lang="zh-TW" altLang="en-US" smtClean="0"/>
-              <a:t>2021/7/31</a:t>
+              <a:t>2021/8/1</a:t>
             </a:fld>
             <a:endParaRPr lang="zh-TW" altLang="en-US"/>
           </a:p>
@@ -3095,7 +3107,7 @@
           <a:p>
             <a:fld id="{F2649D45-65D8-4A22-BC50-ED872CAB048D}" type="datetime1">
               <a:rPr lang="zh-TW" altLang="en-US" smtClean="0"/>
-              <a:t>2021/7/31</a:t>
+              <a:t>2021/8/1</a:t>
             </a:fld>
             <a:endParaRPr lang="zh-TW" altLang="en-US"/>
           </a:p>
@@ -3383,7 +3395,7 @@
           <a:p>
             <a:fld id="{0ABBE3BD-5EE8-423F-AC10-4B07DD1F877C}" type="datetime1">
               <a:rPr lang="zh-TW" altLang="en-US" smtClean="0"/>
-              <a:t>2021/7/31</a:t>
+              <a:t>2021/8/1</a:t>
             </a:fld>
             <a:endParaRPr lang="zh-TW" altLang="en-US"/>
           </a:p>
@@ -3624,7 +3636,7 @@
           <a:p>
             <a:fld id="{DCE92120-7A61-4EBE-8DC9-30D2102A9B6B}" type="datetime1">
               <a:rPr lang="zh-TW" altLang="en-US" smtClean="0"/>
-              <a:t>2021/7/31</a:t>
+              <a:t>2021/8/1</a:t>
             </a:fld>
             <a:endParaRPr lang="zh-TW" altLang="en-US"/>
           </a:p>
@@ -14470,13 +14482,23 @@
             <p:ph idx="1"/>
           </p:nvPr>
         </p:nvSpPr>
-        <p:spPr/>
+        <p:spPr>
+          <a:xfrm>
+            <a:off x="720436" y="1321724"/>
+            <a:ext cx="10633364" cy="5098741"/>
+          </a:xfrm>
+        </p:spPr>
         <p:txBody>
           <a:bodyPr>
             <a:normAutofit fontScale="92500" lnSpcReduction="20000"/>
           </a:bodyPr>
           <a:lstStyle/>
           <a:p>
+            <a:pPr>
+              <a:lnSpc>
+                <a:spcPct val="120000"/>
+              </a:lnSpc>
+            </a:pPr>
             <a:r>
               <a:rPr lang="zh-TW" altLang="en-US" dirty="0"/>
               <a:t>林政佑醫師的參考資料中提到</a:t>
@@ -14798,6 +14820,43 @@
               <a:rPr lang="zh-TW" altLang="en-US" dirty="0"/>
               <a:t>總次數：</a:t>
             </a:r>
+            <a:r>
+              <a:rPr lang="zh-TW" altLang="en-US" dirty="0">
+                <a:solidFill>
+                  <a:srgbClr val="FF0000"/>
+                </a:solidFill>
+              </a:rPr>
+              <a:t>提高</a:t>
+            </a:r>
+            <a:r>
+              <a:rPr lang="en-US" altLang="zh-TW" dirty="0">
+                <a:solidFill>
+                  <a:srgbClr val="FF0000"/>
+                </a:solidFill>
+              </a:rPr>
+              <a:t>5</a:t>
+            </a:r>
+            <a:r>
+              <a:rPr lang="en-US" altLang="zh-TW" dirty="0"/>
+              <a:t> </a:t>
+            </a:r>
+            <a:r>
+              <a:rPr lang="zh-TW" altLang="en-US" dirty="0">
+                <a:solidFill>
+                  <a:srgbClr val="0070C0"/>
+                </a:solidFill>
+              </a:rPr>
+              <a:t>降低</a:t>
+            </a:r>
+            <a:r>
+              <a:rPr lang="en-US" altLang="zh-TW" dirty="0">
+                <a:solidFill>
+                  <a:srgbClr val="0070C0"/>
+                </a:solidFill>
+              </a:rPr>
+              <a:t>8</a:t>
+            </a:r>
+            <a:endParaRPr lang="zh-TW" altLang="en-US" dirty="0"/>
           </a:p>
         </p:txBody>
       </p:sp>
@@ -14952,6 +15011,43 @@
               <a:rPr lang="zh-TW" altLang="en-US" dirty="0"/>
               <a:t>總秒數：</a:t>
             </a:r>
+            <a:r>
+              <a:rPr lang="zh-TW" altLang="en-US" dirty="0">
+                <a:solidFill>
+                  <a:srgbClr val="FF0000"/>
+                </a:solidFill>
+              </a:rPr>
+              <a:t>提高</a:t>
+            </a:r>
+            <a:r>
+              <a:rPr lang="en-US" altLang="zh-TW" dirty="0">
+                <a:solidFill>
+                  <a:srgbClr val="FF0000"/>
+                </a:solidFill>
+              </a:rPr>
+              <a:t>6</a:t>
+            </a:r>
+            <a:r>
+              <a:rPr lang="en-US" altLang="zh-TW" dirty="0"/>
+              <a:t> </a:t>
+            </a:r>
+            <a:r>
+              <a:rPr lang="zh-TW" altLang="en-US" dirty="0">
+                <a:solidFill>
+                  <a:srgbClr val="0070C0"/>
+                </a:solidFill>
+              </a:rPr>
+              <a:t>降低</a:t>
+            </a:r>
+            <a:r>
+              <a:rPr lang="en-US" altLang="zh-TW" dirty="0">
+                <a:solidFill>
+                  <a:srgbClr val="0070C0"/>
+                </a:solidFill>
+              </a:rPr>
+              <a:t>8</a:t>
+            </a:r>
+            <a:endParaRPr lang="zh-TW" altLang="en-US" dirty="0"/>
           </a:p>
         </p:txBody>
       </p:sp>
@@ -15106,6 +15202,43 @@
               <a:rPr lang="zh-TW" altLang="en-US" dirty="0"/>
               <a:t>片段平均秒數：</a:t>
             </a:r>
+            <a:r>
+              <a:rPr lang="zh-TW" altLang="en-US" dirty="0">
+                <a:solidFill>
+                  <a:srgbClr val="FF0000"/>
+                </a:solidFill>
+              </a:rPr>
+              <a:t>提高</a:t>
+            </a:r>
+            <a:r>
+              <a:rPr lang="en-US" altLang="zh-TW" dirty="0">
+                <a:solidFill>
+                  <a:srgbClr val="FF0000"/>
+                </a:solidFill>
+              </a:rPr>
+              <a:t>7</a:t>
+            </a:r>
+            <a:r>
+              <a:rPr lang="en-US" altLang="zh-TW" dirty="0"/>
+              <a:t> </a:t>
+            </a:r>
+            <a:r>
+              <a:rPr lang="zh-TW" altLang="en-US" dirty="0">
+                <a:solidFill>
+                  <a:srgbClr val="0070C0"/>
+                </a:solidFill>
+              </a:rPr>
+              <a:t>降低</a:t>
+            </a:r>
+            <a:r>
+              <a:rPr lang="en-US" altLang="zh-TW" dirty="0">
+                <a:solidFill>
+                  <a:srgbClr val="0070C0"/>
+                </a:solidFill>
+              </a:rPr>
+              <a:t>7</a:t>
+            </a:r>
+            <a:endParaRPr lang="zh-TW" altLang="en-US" dirty="0"/>
           </a:p>
         </p:txBody>
       </p:sp>
@@ -15276,6 +15409,43 @@
               <a:rPr lang="zh-TW" altLang="en-US" dirty="0"/>
               <a:t>：</a:t>
             </a:r>
+            <a:r>
+              <a:rPr lang="zh-TW" altLang="en-US" dirty="0">
+                <a:solidFill>
+                  <a:srgbClr val="FF0000"/>
+                </a:solidFill>
+              </a:rPr>
+              <a:t>提高</a:t>
+            </a:r>
+            <a:r>
+              <a:rPr lang="en-US" altLang="zh-TW" dirty="0">
+                <a:solidFill>
+                  <a:srgbClr val="FF0000"/>
+                </a:solidFill>
+              </a:rPr>
+              <a:t>8</a:t>
+            </a:r>
+            <a:r>
+              <a:rPr lang="en-US" altLang="zh-TW" dirty="0"/>
+              <a:t> </a:t>
+            </a:r>
+            <a:r>
+              <a:rPr lang="zh-TW" altLang="en-US" dirty="0">
+                <a:solidFill>
+                  <a:srgbClr val="0070C0"/>
+                </a:solidFill>
+              </a:rPr>
+              <a:t>降低</a:t>
+            </a:r>
+            <a:r>
+              <a:rPr lang="en-US" altLang="zh-TW" dirty="0">
+                <a:solidFill>
+                  <a:srgbClr val="0070C0"/>
+                </a:solidFill>
+              </a:rPr>
+              <a:t>7</a:t>
+            </a:r>
+            <a:endParaRPr lang="zh-TW" altLang="en-US" dirty="0"/>
           </a:p>
         </p:txBody>
       </p:sp>
@@ -15438,6 +15608,43 @@
               <a:rPr lang="zh-TW" altLang="en-US" dirty="0"/>
               <a:t>：</a:t>
             </a:r>
+            <a:r>
+              <a:rPr lang="zh-TW" altLang="en-US" dirty="0">
+                <a:solidFill>
+                  <a:srgbClr val="FF0000"/>
+                </a:solidFill>
+              </a:rPr>
+              <a:t>提高</a:t>
+            </a:r>
+            <a:r>
+              <a:rPr lang="en-US" altLang="zh-TW" dirty="0">
+                <a:solidFill>
+                  <a:srgbClr val="FF0000"/>
+                </a:solidFill>
+              </a:rPr>
+              <a:t>7</a:t>
+            </a:r>
+            <a:r>
+              <a:rPr lang="en-US" altLang="zh-TW" dirty="0"/>
+              <a:t> </a:t>
+            </a:r>
+            <a:r>
+              <a:rPr lang="zh-TW" altLang="en-US" dirty="0">
+                <a:solidFill>
+                  <a:srgbClr val="0070C0"/>
+                </a:solidFill>
+              </a:rPr>
+              <a:t>降低</a:t>
+            </a:r>
+            <a:r>
+              <a:rPr lang="en-US" altLang="zh-TW" dirty="0">
+                <a:solidFill>
+                  <a:srgbClr val="0070C0"/>
+                </a:solidFill>
+              </a:rPr>
+              <a:t>8</a:t>
+            </a:r>
+            <a:endParaRPr lang="zh-TW" altLang="en-US" dirty="0"/>
           </a:p>
         </p:txBody>
       </p:sp>
@@ -15600,6 +15807,43 @@
               <a:rPr lang="zh-TW" altLang="en-US" dirty="0"/>
               <a:t>：</a:t>
             </a:r>
+            <a:r>
+              <a:rPr lang="zh-TW" altLang="en-US" dirty="0">
+                <a:solidFill>
+                  <a:srgbClr val="FF0000"/>
+                </a:solidFill>
+              </a:rPr>
+              <a:t>提高</a:t>
+            </a:r>
+            <a:r>
+              <a:rPr lang="en-US" altLang="zh-TW" dirty="0">
+                <a:solidFill>
+                  <a:srgbClr val="FF0000"/>
+                </a:solidFill>
+              </a:rPr>
+              <a:t>7</a:t>
+            </a:r>
+            <a:r>
+              <a:rPr lang="en-US" altLang="zh-TW" dirty="0"/>
+              <a:t> </a:t>
+            </a:r>
+            <a:r>
+              <a:rPr lang="zh-TW" altLang="en-US" dirty="0">
+                <a:solidFill>
+                  <a:srgbClr val="0070C0"/>
+                </a:solidFill>
+              </a:rPr>
+              <a:t>降低</a:t>
+            </a:r>
+            <a:r>
+              <a:rPr lang="en-US" altLang="zh-TW" dirty="0">
+                <a:solidFill>
+                  <a:srgbClr val="0070C0"/>
+                </a:solidFill>
+              </a:rPr>
+              <a:t>8</a:t>
+            </a:r>
+            <a:endParaRPr lang="zh-TW" altLang="en-US" dirty="0"/>
           </a:p>
         </p:txBody>
       </p:sp>
@@ -15877,6 +16121,43 @@
               <a:rPr lang="zh-TW" altLang="en-US" dirty="0"/>
               <a:t>總次數：</a:t>
             </a:r>
+            <a:r>
+              <a:rPr lang="zh-TW" altLang="en-US" dirty="0">
+                <a:solidFill>
+                  <a:srgbClr val="FF0000"/>
+                </a:solidFill>
+              </a:rPr>
+              <a:t>提高</a:t>
+            </a:r>
+            <a:r>
+              <a:rPr lang="en-US" altLang="zh-TW" dirty="0">
+                <a:solidFill>
+                  <a:srgbClr val="FF0000"/>
+                </a:solidFill>
+              </a:rPr>
+              <a:t>5</a:t>
+            </a:r>
+            <a:r>
+              <a:rPr lang="en-US" altLang="zh-TW" dirty="0"/>
+              <a:t> </a:t>
+            </a:r>
+            <a:r>
+              <a:rPr lang="zh-TW" altLang="en-US" dirty="0">
+                <a:solidFill>
+                  <a:srgbClr val="0070C0"/>
+                </a:solidFill>
+              </a:rPr>
+              <a:t>降低</a:t>
+            </a:r>
+            <a:r>
+              <a:rPr lang="en-US" altLang="zh-TW" dirty="0">
+                <a:solidFill>
+                  <a:srgbClr val="0070C0"/>
+                </a:solidFill>
+              </a:rPr>
+              <a:t>6</a:t>
+            </a:r>
+            <a:endParaRPr lang="zh-TW" altLang="en-US" dirty="0"/>
           </a:p>
         </p:txBody>
       </p:sp>
@@ -16031,6 +16312,43 @@
               <a:rPr lang="zh-TW" altLang="en-US" dirty="0"/>
               <a:t>總秒數：</a:t>
             </a:r>
+            <a:r>
+              <a:rPr lang="zh-TW" altLang="en-US" dirty="0">
+                <a:solidFill>
+                  <a:srgbClr val="FF0000"/>
+                </a:solidFill>
+              </a:rPr>
+              <a:t>提高</a:t>
+            </a:r>
+            <a:r>
+              <a:rPr lang="en-US" altLang="zh-TW" dirty="0">
+                <a:solidFill>
+                  <a:srgbClr val="FF0000"/>
+                </a:solidFill>
+              </a:rPr>
+              <a:t>4</a:t>
+            </a:r>
+            <a:r>
+              <a:rPr lang="en-US" altLang="zh-TW" dirty="0"/>
+              <a:t> </a:t>
+            </a:r>
+            <a:r>
+              <a:rPr lang="zh-TW" altLang="en-US" dirty="0">
+                <a:solidFill>
+                  <a:srgbClr val="0070C0"/>
+                </a:solidFill>
+              </a:rPr>
+              <a:t>降低</a:t>
+            </a:r>
+            <a:r>
+              <a:rPr lang="en-US" altLang="zh-TW" dirty="0">
+                <a:solidFill>
+                  <a:srgbClr val="0070C0"/>
+                </a:solidFill>
+              </a:rPr>
+              <a:t>8</a:t>
+            </a:r>
+            <a:endParaRPr lang="zh-TW" altLang="en-US" dirty="0"/>
           </a:p>
         </p:txBody>
       </p:sp>
@@ -16185,6 +16503,43 @@
               <a:rPr lang="zh-TW" altLang="en-US" dirty="0"/>
               <a:t>片段平均秒數：</a:t>
             </a:r>
+            <a:r>
+              <a:rPr lang="zh-TW" altLang="en-US" dirty="0">
+                <a:solidFill>
+                  <a:srgbClr val="FF0000"/>
+                </a:solidFill>
+              </a:rPr>
+              <a:t>提高</a:t>
+            </a:r>
+            <a:r>
+              <a:rPr lang="en-US" altLang="zh-TW" dirty="0">
+                <a:solidFill>
+                  <a:srgbClr val="FF0000"/>
+                </a:solidFill>
+              </a:rPr>
+              <a:t>6</a:t>
+            </a:r>
+            <a:r>
+              <a:rPr lang="en-US" altLang="zh-TW" dirty="0"/>
+              <a:t> </a:t>
+            </a:r>
+            <a:r>
+              <a:rPr lang="zh-TW" altLang="en-US" dirty="0">
+                <a:solidFill>
+                  <a:srgbClr val="0070C0"/>
+                </a:solidFill>
+              </a:rPr>
+              <a:t>降低</a:t>
+            </a:r>
+            <a:r>
+              <a:rPr lang="en-US" altLang="zh-TW" dirty="0">
+                <a:solidFill>
+                  <a:srgbClr val="0070C0"/>
+                </a:solidFill>
+              </a:rPr>
+              <a:t>5</a:t>
+            </a:r>
+            <a:endParaRPr lang="zh-TW" altLang="en-US" dirty="0"/>
           </a:p>
         </p:txBody>
       </p:sp>
@@ -16552,6 +16907,43 @@
               <a:rPr lang="zh-TW" altLang="en-US" dirty="0"/>
               <a:t>：</a:t>
             </a:r>
+            <a:r>
+              <a:rPr lang="zh-TW" altLang="en-US" dirty="0">
+                <a:solidFill>
+                  <a:srgbClr val="FF0000"/>
+                </a:solidFill>
+              </a:rPr>
+              <a:t>提高</a:t>
+            </a:r>
+            <a:r>
+              <a:rPr lang="en-US" altLang="zh-TW" dirty="0">
+                <a:solidFill>
+                  <a:srgbClr val="FF0000"/>
+                </a:solidFill>
+              </a:rPr>
+              <a:t>3</a:t>
+            </a:r>
+            <a:r>
+              <a:rPr lang="en-US" altLang="zh-TW" dirty="0"/>
+              <a:t> </a:t>
+            </a:r>
+            <a:r>
+              <a:rPr lang="zh-TW" altLang="en-US" dirty="0">
+                <a:solidFill>
+                  <a:srgbClr val="0070C0"/>
+                </a:solidFill>
+              </a:rPr>
+              <a:t>降低</a:t>
+            </a:r>
+            <a:r>
+              <a:rPr lang="en-US" altLang="zh-TW" dirty="0">
+                <a:solidFill>
+                  <a:srgbClr val="0070C0"/>
+                </a:solidFill>
+              </a:rPr>
+              <a:t>8</a:t>
+            </a:r>
+            <a:endParaRPr lang="zh-TW" altLang="en-US" dirty="0"/>
           </a:p>
         </p:txBody>
       </p:sp>
@@ -16714,6 +17106,43 @@
               <a:rPr lang="zh-TW" altLang="en-US" dirty="0"/>
               <a:t>：</a:t>
             </a:r>
+            <a:r>
+              <a:rPr lang="zh-TW" altLang="en-US" dirty="0">
+                <a:solidFill>
+                  <a:srgbClr val="FF0000"/>
+                </a:solidFill>
+              </a:rPr>
+              <a:t>提高</a:t>
+            </a:r>
+            <a:r>
+              <a:rPr lang="en-US" altLang="zh-TW" dirty="0">
+                <a:solidFill>
+                  <a:srgbClr val="FF0000"/>
+                </a:solidFill>
+              </a:rPr>
+              <a:t>6</a:t>
+            </a:r>
+            <a:r>
+              <a:rPr lang="en-US" altLang="zh-TW" dirty="0"/>
+              <a:t> </a:t>
+            </a:r>
+            <a:r>
+              <a:rPr lang="zh-TW" altLang="en-US" dirty="0">
+                <a:solidFill>
+                  <a:srgbClr val="0070C0"/>
+                </a:solidFill>
+              </a:rPr>
+              <a:t>降低</a:t>
+            </a:r>
+            <a:r>
+              <a:rPr lang="en-US" altLang="zh-TW" dirty="0">
+                <a:solidFill>
+                  <a:srgbClr val="0070C0"/>
+                </a:solidFill>
+              </a:rPr>
+              <a:t>6</a:t>
+            </a:r>
+            <a:endParaRPr lang="zh-TW" altLang="en-US" dirty="0"/>
           </a:p>
         </p:txBody>
       </p:sp>
@@ -16876,6 +17305,43 @@
               <a:rPr lang="zh-TW" altLang="en-US" dirty="0"/>
               <a:t>：</a:t>
             </a:r>
+            <a:r>
+              <a:rPr lang="zh-TW" altLang="en-US" dirty="0">
+                <a:solidFill>
+                  <a:srgbClr val="FF0000"/>
+                </a:solidFill>
+              </a:rPr>
+              <a:t>提高</a:t>
+            </a:r>
+            <a:r>
+              <a:rPr lang="en-US" altLang="zh-TW" dirty="0">
+                <a:solidFill>
+                  <a:srgbClr val="FF0000"/>
+                </a:solidFill>
+              </a:rPr>
+              <a:t>6</a:t>
+            </a:r>
+            <a:r>
+              <a:rPr lang="en-US" altLang="zh-TW" dirty="0"/>
+              <a:t> </a:t>
+            </a:r>
+            <a:r>
+              <a:rPr lang="zh-TW" altLang="en-US" dirty="0">
+                <a:solidFill>
+                  <a:srgbClr val="0070C0"/>
+                </a:solidFill>
+              </a:rPr>
+              <a:t>降低</a:t>
+            </a:r>
+            <a:r>
+              <a:rPr lang="en-US" altLang="zh-TW" dirty="0">
+                <a:solidFill>
+                  <a:srgbClr val="0070C0"/>
+                </a:solidFill>
+              </a:rPr>
+              <a:t>6</a:t>
+            </a:r>
+            <a:endParaRPr lang="zh-TW" altLang="en-US" dirty="0"/>
           </a:p>
         </p:txBody>
       </p:sp>
@@ -17176,6 +17642,43 @@
               <a:rPr lang="zh-TW" altLang="en-US" dirty="0"/>
               <a:t>總次數：</a:t>
             </a:r>
+            <a:r>
+              <a:rPr lang="zh-TW" altLang="en-US" dirty="0">
+                <a:solidFill>
+                  <a:srgbClr val="FF0000"/>
+                </a:solidFill>
+              </a:rPr>
+              <a:t>提高</a:t>
+            </a:r>
+            <a:r>
+              <a:rPr lang="en-US" altLang="zh-TW" dirty="0">
+                <a:solidFill>
+                  <a:srgbClr val="FF0000"/>
+                </a:solidFill>
+              </a:rPr>
+              <a:t>5</a:t>
+            </a:r>
+            <a:r>
+              <a:rPr lang="en-US" altLang="zh-TW" dirty="0"/>
+              <a:t> </a:t>
+            </a:r>
+            <a:r>
+              <a:rPr lang="zh-TW" altLang="en-US" dirty="0">
+                <a:solidFill>
+                  <a:srgbClr val="0070C0"/>
+                </a:solidFill>
+              </a:rPr>
+              <a:t>降低</a:t>
+            </a:r>
+            <a:r>
+              <a:rPr lang="en-US" altLang="zh-TW" dirty="0">
+                <a:solidFill>
+                  <a:srgbClr val="0070C0"/>
+                </a:solidFill>
+              </a:rPr>
+              <a:t>7</a:t>
+            </a:r>
+            <a:endParaRPr lang="zh-TW" altLang="en-US" dirty="0"/>
           </a:p>
         </p:txBody>
       </p:sp>
@@ -17335,6 +17838,43 @@
               <a:rPr lang="zh-TW" altLang="en-US" dirty="0"/>
               <a:t>總秒數：</a:t>
             </a:r>
+            <a:r>
+              <a:rPr lang="zh-TW" altLang="en-US" dirty="0">
+                <a:solidFill>
+                  <a:srgbClr val="FF0000"/>
+                </a:solidFill>
+              </a:rPr>
+              <a:t>提高</a:t>
+            </a:r>
+            <a:r>
+              <a:rPr lang="en-US" altLang="zh-TW" dirty="0">
+                <a:solidFill>
+                  <a:srgbClr val="FF0000"/>
+                </a:solidFill>
+              </a:rPr>
+              <a:t>4</a:t>
+            </a:r>
+            <a:r>
+              <a:rPr lang="en-US" altLang="zh-TW" dirty="0"/>
+              <a:t> </a:t>
+            </a:r>
+            <a:r>
+              <a:rPr lang="zh-TW" altLang="en-US" dirty="0">
+                <a:solidFill>
+                  <a:srgbClr val="0070C0"/>
+                </a:solidFill>
+              </a:rPr>
+              <a:t>降低</a:t>
+            </a:r>
+            <a:r>
+              <a:rPr lang="en-US" altLang="zh-TW" dirty="0">
+                <a:solidFill>
+                  <a:srgbClr val="0070C0"/>
+                </a:solidFill>
+              </a:rPr>
+              <a:t>9</a:t>
+            </a:r>
+            <a:endParaRPr lang="zh-TW" altLang="en-US" dirty="0"/>
           </a:p>
         </p:txBody>
       </p:sp>
@@ -17494,6 +18034,43 @@
               <a:rPr lang="zh-TW" altLang="en-US" dirty="0"/>
               <a:t>片段平均秒數：</a:t>
             </a:r>
+            <a:r>
+              <a:rPr lang="zh-TW" altLang="en-US" dirty="0">
+                <a:solidFill>
+                  <a:srgbClr val="FF0000"/>
+                </a:solidFill>
+              </a:rPr>
+              <a:t>提高</a:t>
+            </a:r>
+            <a:r>
+              <a:rPr lang="en-US" altLang="zh-TW" dirty="0">
+                <a:solidFill>
+                  <a:srgbClr val="FF0000"/>
+                </a:solidFill>
+              </a:rPr>
+              <a:t>6</a:t>
+            </a:r>
+            <a:r>
+              <a:rPr lang="en-US" altLang="zh-TW" dirty="0"/>
+              <a:t> </a:t>
+            </a:r>
+            <a:r>
+              <a:rPr lang="zh-TW" altLang="en-US" dirty="0">
+                <a:solidFill>
+                  <a:srgbClr val="0070C0"/>
+                </a:solidFill>
+              </a:rPr>
+              <a:t>降低</a:t>
+            </a:r>
+            <a:r>
+              <a:rPr lang="en-US" altLang="zh-TW" dirty="0">
+                <a:solidFill>
+                  <a:srgbClr val="0070C0"/>
+                </a:solidFill>
+              </a:rPr>
+              <a:t>6</a:t>
+            </a:r>
+            <a:endParaRPr lang="zh-TW" altLang="en-US" dirty="0"/>
           </a:p>
         </p:txBody>
       </p:sp>
@@ -17669,6 +18246,43 @@
               <a:rPr lang="zh-TW" altLang="en-US" dirty="0"/>
               <a:t>：</a:t>
             </a:r>
+            <a:r>
+              <a:rPr lang="zh-TW" altLang="en-US" dirty="0">
+                <a:solidFill>
+                  <a:srgbClr val="FF0000"/>
+                </a:solidFill>
+              </a:rPr>
+              <a:t>提高</a:t>
+            </a:r>
+            <a:r>
+              <a:rPr lang="en-US" altLang="zh-TW" dirty="0">
+                <a:solidFill>
+                  <a:srgbClr val="FF0000"/>
+                </a:solidFill>
+              </a:rPr>
+              <a:t>6</a:t>
+            </a:r>
+            <a:r>
+              <a:rPr lang="en-US" altLang="zh-TW" dirty="0"/>
+              <a:t> </a:t>
+            </a:r>
+            <a:r>
+              <a:rPr lang="zh-TW" altLang="en-US" dirty="0">
+                <a:solidFill>
+                  <a:srgbClr val="0070C0"/>
+                </a:solidFill>
+              </a:rPr>
+              <a:t>降低</a:t>
+            </a:r>
+            <a:r>
+              <a:rPr lang="en-US" altLang="zh-TW" dirty="0">
+                <a:solidFill>
+                  <a:srgbClr val="0070C0"/>
+                </a:solidFill>
+              </a:rPr>
+              <a:t>6</a:t>
+            </a:r>
+            <a:endParaRPr lang="zh-TW" altLang="en-US" dirty="0"/>
           </a:p>
         </p:txBody>
       </p:sp>
@@ -17836,6 +18450,43 @@
               <a:rPr lang="zh-TW" altLang="en-US" dirty="0"/>
               <a:t>：</a:t>
             </a:r>
+            <a:r>
+              <a:rPr lang="zh-TW" altLang="en-US" dirty="0">
+                <a:solidFill>
+                  <a:srgbClr val="FF0000"/>
+                </a:solidFill>
+              </a:rPr>
+              <a:t>提高</a:t>
+            </a:r>
+            <a:r>
+              <a:rPr lang="en-US" altLang="zh-TW" dirty="0">
+                <a:solidFill>
+                  <a:srgbClr val="FF0000"/>
+                </a:solidFill>
+              </a:rPr>
+              <a:t>6</a:t>
+            </a:r>
+            <a:r>
+              <a:rPr lang="en-US" altLang="zh-TW" dirty="0"/>
+              <a:t> </a:t>
+            </a:r>
+            <a:r>
+              <a:rPr lang="zh-TW" altLang="en-US" dirty="0">
+                <a:solidFill>
+                  <a:srgbClr val="0070C0"/>
+                </a:solidFill>
+              </a:rPr>
+              <a:t>降低</a:t>
+            </a:r>
+            <a:r>
+              <a:rPr lang="en-US" altLang="zh-TW" dirty="0">
+                <a:solidFill>
+                  <a:srgbClr val="0070C0"/>
+                </a:solidFill>
+              </a:rPr>
+              <a:t>8</a:t>
+            </a:r>
+            <a:endParaRPr lang="zh-TW" altLang="en-US" dirty="0"/>
           </a:p>
         </p:txBody>
       </p:sp>
@@ -18003,6 +18654,43 @@
               <a:rPr lang="zh-TW" altLang="en-US" dirty="0"/>
               <a:t>：</a:t>
             </a:r>
+            <a:r>
+              <a:rPr lang="zh-TW" altLang="en-US" dirty="0">
+                <a:solidFill>
+                  <a:srgbClr val="FF0000"/>
+                </a:solidFill>
+              </a:rPr>
+              <a:t>提高</a:t>
+            </a:r>
+            <a:r>
+              <a:rPr lang="en-US" altLang="zh-TW" dirty="0">
+                <a:solidFill>
+                  <a:srgbClr val="FF0000"/>
+                </a:solidFill>
+              </a:rPr>
+              <a:t>9</a:t>
+            </a:r>
+            <a:r>
+              <a:rPr lang="en-US" altLang="zh-TW" dirty="0"/>
+              <a:t> </a:t>
+            </a:r>
+            <a:r>
+              <a:rPr lang="zh-TW" altLang="en-US" dirty="0">
+                <a:solidFill>
+                  <a:srgbClr val="0070C0"/>
+                </a:solidFill>
+              </a:rPr>
+              <a:t>降低</a:t>
+            </a:r>
+            <a:r>
+              <a:rPr lang="en-US" altLang="zh-TW" dirty="0">
+                <a:solidFill>
+                  <a:srgbClr val="0070C0"/>
+                </a:solidFill>
+              </a:rPr>
+              <a:t>5</a:t>
+            </a:r>
+            <a:endParaRPr lang="zh-TW" altLang="en-US" dirty="0"/>
           </a:p>
         </p:txBody>
       </p:sp>
@@ -18298,7 +18986,34 @@
           <a:bodyPr/>
           <a:lstStyle/>
           <a:p>
-            <a:endParaRPr lang="zh-TW" altLang="en-US"/>
+            <a:r>
+              <a:rPr lang="zh-TW" altLang="en-US" dirty="0"/>
+              <a:t>暴露噪音</a:t>
+            </a:r>
+            <a:r>
+              <a:rPr lang="en-US" altLang="zh-TW" dirty="0"/>
+              <a:t>cortisol(p.m.) – </a:t>
+            </a:r>
+            <a:r>
+              <a:rPr lang="zh-TW" altLang="en-US" dirty="0"/>
+              <a:t>非暴露噪音</a:t>
+            </a:r>
+            <a:r>
+              <a:rPr lang="en-US" altLang="zh-TW" dirty="0"/>
+              <a:t>cortisol(p.m.) &gt;</a:t>
+            </a:r>
+            <a:r>
+              <a:rPr lang="zh-TW" altLang="en-US" dirty="0"/>
+              <a:t> </a:t>
+            </a:r>
+            <a:r>
+              <a:rPr lang="en-US" altLang="zh-TW" dirty="0"/>
+              <a:t>0.5</a:t>
+            </a:r>
+            <a:endParaRPr lang="zh-TW" altLang="en-US" dirty="0"/>
+          </a:p>
+          <a:p>
+            <a:endParaRPr lang="zh-TW" altLang="en-US" dirty="0"/>
           </a:p>
         </p:txBody>
       </p:sp>
@@ -18366,7 +19081,7 @@
           <p:cNvPr id="2" name="標題 1">
             <a:extLst>
               <a:ext uri="{FF2B5EF4-FFF2-40B4-BE49-F238E27FC236}">
-                <a16:creationId xmlns:a16="http://schemas.microsoft.com/office/drawing/2014/main" id="{654D746E-7C07-4D00-B48B-9BF695038FEE}"/>
+                <a16:creationId xmlns:a16="http://schemas.microsoft.com/office/drawing/2014/main" id="{3484939B-FFA5-421B-A3CF-62E507410721}"/>
               </a:ext>
             </a:extLst>
           </p:cNvPr>
@@ -18384,11 +19099,11 @@
           <a:p>
             <a:r>
               <a:rPr lang="zh-TW" altLang="en-US" dirty="0"/>
-              <a:t>噪音正常組</a:t>
+              <a:t>噪音壓力組</a:t>
             </a:r>
             <a:r>
               <a:rPr lang="en-US" altLang="zh-TW" dirty="0"/>
-              <a:t>(A.M.)</a:t>
+              <a:t>(P.M.)</a:t>
             </a:r>
             <a:endParaRPr lang="zh-TW" altLang="en-US" dirty="0"/>
           </a:p>
@@ -18399,7 +19114,7 @@
           <p:cNvPr id="3" name="內容版面配置區 2">
             <a:extLst>
               <a:ext uri="{FF2B5EF4-FFF2-40B4-BE49-F238E27FC236}">
-                <a16:creationId xmlns:a16="http://schemas.microsoft.com/office/drawing/2014/main" id="{060D07A9-D728-467A-AC16-4954F2B2CE7C}"/>
+                <a16:creationId xmlns:a16="http://schemas.microsoft.com/office/drawing/2014/main" id="{01697D29-E482-44CA-9367-80E0DD3EB3F5}"/>
               </a:ext>
             </a:extLst>
           </p:cNvPr>
@@ -18410,12 +19125,61 @@
             <p:ph idx="1"/>
           </p:nvPr>
         </p:nvSpPr>
-        <p:spPr/>
+        <p:spPr>
+          <a:xfrm>
+            <a:off x="720436" y="1321725"/>
+            <a:ext cx="10633364" cy="515954"/>
+          </a:xfrm>
+        </p:spPr>
         <p:txBody>
           <a:bodyPr/>
           <a:lstStyle/>
           <a:p>
-            <a:endParaRPr lang="zh-TW" altLang="en-US"/>
+            <a:r>
+              <a:rPr lang="en-US" altLang="zh-TW" dirty="0"/>
+              <a:t>REM</a:t>
+            </a:r>
+            <a:r>
+              <a:rPr lang="zh-TW" altLang="en-US" dirty="0"/>
+              <a:t>總次數：</a:t>
+            </a:r>
+            <a:r>
+              <a:rPr lang="zh-TW" altLang="en-US" dirty="0">
+                <a:solidFill>
+                  <a:srgbClr val="FF0000"/>
+                </a:solidFill>
+              </a:rPr>
+              <a:t>提高</a:t>
+            </a:r>
+            <a:r>
+              <a:rPr lang="en-US" altLang="zh-TW" dirty="0">
+                <a:solidFill>
+                  <a:srgbClr val="FF0000"/>
+                </a:solidFill>
+              </a:rPr>
+              <a:t>5</a:t>
+            </a:r>
+            <a:r>
+              <a:rPr lang="en-US" altLang="zh-TW" dirty="0"/>
+              <a:t> </a:t>
+            </a:r>
+            <a:r>
+              <a:rPr lang="zh-TW" altLang="en-US" dirty="0">
+                <a:solidFill>
+                  <a:srgbClr val="0070C0"/>
+                </a:solidFill>
+              </a:rPr>
+              <a:t>降低</a:t>
+            </a:r>
+            <a:r>
+              <a:rPr lang="en-US" altLang="zh-TW" dirty="0">
+                <a:solidFill>
+                  <a:srgbClr val="0070C0"/>
+                </a:solidFill>
+              </a:rPr>
+              <a:t>7</a:t>
+            </a:r>
+            <a:endParaRPr lang="zh-TW" altLang="en-US" dirty="0"/>
           </a:p>
         </p:txBody>
       </p:sp>
@@ -18424,7 +19188,7 @@
           <p:cNvPr id="4" name="投影片編號版面配置區 3">
             <a:extLst>
               <a:ext uri="{FF2B5EF4-FFF2-40B4-BE49-F238E27FC236}">
-                <a16:creationId xmlns:a16="http://schemas.microsoft.com/office/drawing/2014/main" id="{9D179D04-E829-48E6-9778-78C3E6A94E0C}"/>
+                <a16:creationId xmlns:a16="http://schemas.microsoft.com/office/drawing/2014/main" id="{8D7AD20E-B6E8-43F0-A3C8-32C57EECF4D4}"/>
               </a:ext>
             </a:extLst>
           </p:cNvPr>
@@ -18448,10 +19212,40 @@
           </a:p>
         </p:txBody>
       </p:sp>
+      <p:pic>
+        <p:nvPicPr>
+          <p:cNvPr id="6" name="圖片 5">
+            <a:extLst>
+              <a:ext uri="{FF2B5EF4-FFF2-40B4-BE49-F238E27FC236}">
+                <a16:creationId xmlns:a16="http://schemas.microsoft.com/office/drawing/2014/main" id="{33F6705C-1FF9-4650-9824-E1BBFC62C8C6}"/>
+              </a:ext>
+            </a:extLst>
+          </p:cNvPr>
+          <p:cNvPicPr>
+            <a:picLocks noChangeAspect="1"/>
+          </p:cNvPicPr>
+          <p:nvPr/>
+        </p:nvPicPr>
+        <p:blipFill>
+          <a:blip r:embed="rId2"/>
+          <a:stretch>
+            <a:fillRect/>
+          </a:stretch>
+        </p:blipFill>
+        <p:spPr>
+          <a:xfrm>
+            <a:off x="1008206" y="1837679"/>
+            <a:ext cx="10345594" cy="4791744"/>
+          </a:xfrm>
+          <a:prstGeom prst="rect">
+            <a:avLst/>
+          </a:prstGeom>
+        </p:spPr>
+      </p:pic>
     </p:spTree>
     <p:extLst>
       <p:ext uri="{BB962C8B-B14F-4D97-AF65-F5344CB8AC3E}">
-        <p14:creationId xmlns:p14="http://schemas.microsoft.com/office/powerpoint/2010/main" val="1552373833"/>
+        <p14:creationId xmlns:p14="http://schemas.microsoft.com/office/powerpoint/2010/main" val="4270645175"/>
       </p:ext>
     </p:extLst>
   </p:cSld>
@@ -18483,7 +19277,7 @@
           <p:cNvPr id="2" name="標題 1">
             <a:extLst>
               <a:ext uri="{FF2B5EF4-FFF2-40B4-BE49-F238E27FC236}">
-                <a16:creationId xmlns:a16="http://schemas.microsoft.com/office/drawing/2014/main" id="{3E2F3B8A-18CF-4911-8998-0D82A83B903E}"/>
+                <a16:creationId xmlns:a16="http://schemas.microsoft.com/office/drawing/2014/main" id="{3484939B-FFA5-421B-A3CF-62E507410721}"/>
               </a:ext>
             </a:extLst>
           </p:cNvPr>
@@ -18505,7 +19299,7 @@
             </a:r>
             <a:r>
               <a:rPr lang="en-US" altLang="zh-TW" dirty="0"/>
-              <a:t>(A.M.)</a:t>
+              <a:t>(P.M.)</a:t>
             </a:r>
             <a:endParaRPr lang="zh-TW" altLang="en-US" dirty="0"/>
           </a:p>
@@ -18516,7 +19310,7 @@
           <p:cNvPr id="3" name="內容版面配置區 2">
             <a:extLst>
               <a:ext uri="{FF2B5EF4-FFF2-40B4-BE49-F238E27FC236}">
-                <a16:creationId xmlns:a16="http://schemas.microsoft.com/office/drawing/2014/main" id="{4477AAB7-466E-40F8-87A1-FBD7416B7FB7}"/>
+                <a16:creationId xmlns:a16="http://schemas.microsoft.com/office/drawing/2014/main" id="{01697D29-E482-44CA-9367-80E0DD3EB3F5}"/>
               </a:ext>
             </a:extLst>
           </p:cNvPr>
@@ -18527,12 +19321,61 @@
             <p:ph idx="1"/>
           </p:nvPr>
         </p:nvSpPr>
-        <p:spPr/>
+        <p:spPr>
+          <a:xfrm>
+            <a:off x="720436" y="1321725"/>
+            <a:ext cx="10633364" cy="515954"/>
+          </a:xfrm>
+        </p:spPr>
         <p:txBody>
           <a:bodyPr/>
           <a:lstStyle/>
           <a:p>
-            <a:endParaRPr lang="zh-TW" altLang="en-US"/>
+            <a:r>
+              <a:rPr lang="en-US" altLang="zh-TW" dirty="0"/>
+              <a:t>REM</a:t>
+            </a:r>
+            <a:r>
+              <a:rPr lang="zh-TW" altLang="en-US" dirty="0"/>
+              <a:t>總秒數：</a:t>
+            </a:r>
+            <a:r>
+              <a:rPr lang="zh-TW" altLang="en-US" dirty="0">
+                <a:solidFill>
+                  <a:srgbClr val="FF0000"/>
+                </a:solidFill>
+              </a:rPr>
+              <a:t>提高</a:t>
+            </a:r>
+            <a:r>
+              <a:rPr lang="en-US" altLang="zh-TW" dirty="0">
+                <a:solidFill>
+                  <a:srgbClr val="FF0000"/>
+                </a:solidFill>
+              </a:rPr>
+              <a:t>6</a:t>
+            </a:r>
+            <a:r>
+              <a:rPr lang="en-US" altLang="zh-TW" dirty="0"/>
+              <a:t> </a:t>
+            </a:r>
+            <a:r>
+              <a:rPr lang="zh-TW" altLang="en-US" dirty="0">
+                <a:solidFill>
+                  <a:srgbClr val="0070C0"/>
+                </a:solidFill>
+              </a:rPr>
+              <a:t>降低</a:t>
+            </a:r>
+            <a:r>
+              <a:rPr lang="en-US" altLang="zh-TW" dirty="0">
+                <a:solidFill>
+                  <a:srgbClr val="0070C0"/>
+                </a:solidFill>
+              </a:rPr>
+              <a:t>7</a:t>
+            </a:r>
+            <a:endParaRPr lang="zh-TW" altLang="en-US" dirty="0"/>
           </a:p>
         </p:txBody>
       </p:sp>
@@ -18541,7 +19384,7 @@
           <p:cNvPr id="4" name="投影片編號版面配置區 3">
             <a:extLst>
               <a:ext uri="{FF2B5EF4-FFF2-40B4-BE49-F238E27FC236}">
-                <a16:creationId xmlns:a16="http://schemas.microsoft.com/office/drawing/2014/main" id="{3734765E-8C71-45D3-B87A-575D7D6CD16C}"/>
+                <a16:creationId xmlns:a16="http://schemas.microsoft.com/office/drawing/2014/main" id="{8D7AD20E-B6E8-43F0-A3C8-32C57EECF4D4}"/>
               </a:ext>
             </a:extLst>
           </p:cNvPr>
@@ -18565,10 +19408,40 @@
           </a:p>
         </p:txBody>
       </p:sp>
+      <p:pic>
+        <p:nvPicPr>
+          <p:cNvPr id="6" name="圖片 5">
+            <a:extLst>
+              <a:ext uri="{FF2B5EF4-FFF2-40B4-BE49-F238E27FC236}">
+                <a16:creationId xmlns:a16="http://schemas.microsoft.com/office/drawing/2014/main" id="{43134FCD-6344-43B7-BE17-55255BB2F386}"/>
+              </a:ext>
+            </a:extLst>
+          </p:cNvPr>
+          <p:cNvPicPr>
+            <a:picLocks noChangeAspect="1"/>
+          </p:cNvPicPr>
+          <p:nvPr/>
+        </p:nvPicPr>
+        <p:blipFill>
+          <a:blip r:embed="rId2"/>
+          <a:stretch>
+            <a:fillRect/>
+          </a:stretch>
+        </p:blipFill>
+        <p:spPr>
+          <a:xfrm>
+            <a:off x="927966" y="1879593"/>
+            <a:ext cx="10336067" cy="4801270"/>
+          </a:xfrm>
+          <a:prstGeom prst="rect">
+            <a:avLst/>
+          </a:prstGeom>
+        </p:spPr>
+      </p:pic>
     </p:spTree>
     <p:extLst>
       <p:ext uri="{BB962C8B-B14F-4D97-AF65-F5344CB8AC3E}">
-        <p14:creationId xmlns:p14="http://schemas.microsoft.com/office/powerpoint/2010/main" val="2412989187"/>
+        <p14:creationId xmlns:p14="http://schemas.microsoft.com/office/powerpoint/2010/main" val="3815870165"/>
       </p:ext>
     </p:extLst>
   </p:cSld>
@@ -18600,7 +19473,7 @@
           <p:cNvPr id="2" name="標題 1">
             <a:extLst>
               <a:ext uri="{FF2B5EF4-FFF2-40B4-BE49-F238E27FC236}">
-                <a16:creationId xmlns:a16="http://schemas.microsoft.com/office/drawing/2014/main" id="{614E2FBB-CBD9-4DA9-B5CC-F7517DDA2D8D}"/>
+                <a16:creationId xmlns:a16="http://schemas.microsoft.com/office/drawing/2014/main" id="{3484939B-FFA5-421B-A3CF-62E507410721}"/>
               </a:ext>
             </a:extLst>
           </p:cNvPr>
@@ -18618,8 +19491,13 @@
           <a:p>
             <a:r>
               <a:rPr lang="zh-TW" altLang="en-US" dirty="0"/>
-              <a:t>從其他因素來做分析</a:t>
-            </a:r>
+              <a:t>噪音壓力組</a:t>
+            </a:r>
+            <a:r>
+              <a:rPr lang="en-US" altLang="zh-TW" dirty="0"/>
+              <a:t>(P.M.)</a:t>
+            </a:r>
+            <a:endParaRPr lang="zh-TW" altLang="en-US" dirty="0"/>
           </a:p>
         </p:txBody>
       </p:sp>
@@ -18628,7 +19506,7 @@
           <p:cNvPr id="3" name="內容版面配置區 2">
             <a:extLst>
               <a:ext uri="{FF2B5EF4-FFF2-40B4-BE49-F238E27FC236}">
-                <a16:creationId xmlns:a16="http://schemas.microsoft.com/office/drawing/2014/main" id="{D1586548-83AD-45BE-B2A1-961D2C46345A}"/>
+                <a16:creationId xmlns:a16="http://schemas.microsoft.com/office/drawing/2014/main" id="{01697D29-E482-44CA-9367-80E0DD3EB3F5}"/>
               </a:ext>
             </a:extLst>
           </p:cNvPr>
@@ -18639,70 +19517,59 @@
             <p:ph idx="1"/>
           </p:nvPr>
         </p:nvSpPr>
-        <p:spPr/>
+        <p:spPr>
+          <a:xfrm>
+            <a:off x="720436" y="1321725"/>
+            <a:ext cx="10633364" cy="515954"/>
+          </a:xfrm>
+        </p:spPr>
         <p:txBody>
           <a:bodyPr/>
           <a:lstStyle/>
           <a:p>
-            <a:pPr marL="457200" indent="-457200">
-              <a:buFont typeface="+mj-lt"/>
-              <a:buAutoNum type="arabicPeriod"/>
-            </a:pPr>
-            <a:r>
-              <a:rPr lang="zh-TW" altLang="en-US" dirty="0"/>
-              <a:t>年齡</a:t>
-            </a:r>
-            <a:endParaRPr lang="en-US" altLang="zh-TW" dirty="0"/>
-          </a:p>
-          <a:p>
-            <a:pPr marL="457200" indent="-457200">
-              <a:buFont typeface="+mj-lt"/>
-              <a:buAutoNum type="arabicPeriod"/>
-            </a:pPr>
-            <a:r>
-              <a:rPr lang="zh-TW" altLang="en-US" dirty="0"/>
-              <a:t>年資</a:t>
-            </a:r>
-            <a:endParaRPr lang="en-US" altLang="zh-TW" dirty="0"/>
-          </a:p>
-          <a:p>
-            <a:pPr marL="457200" indent="-457200">
-              <a:buFont typeface="+mj-lt"/>
-              <a:buAutoNum type="arabicPeriod"/>
-            </a:pPr>
-            <a:r>
-              <a:rPr lang="zh-TW" altLang="en-US" dirty="0"/>
-              <a:t>主觀壓力指標</a:t>
-            </a:r>
             <a:r>
               <a:rPr lang="en-US" altLang="zh-TW" dirty="0"/>
-              <a:t>VAS</a:t>
-            </a:r>
-          </a:p>
-          <a:p>
-            <a:pPr marL="457200" indent="-457200">
-              <a:buFont typeface="+mj-lt"/>
-              <a:buAutoNum type="arabicPeriod"/>
-            </a:pPr>
+              <a:t>REM</a:t>
+            </a:r>
+            <a:r>
+              <a:rPr lang="zh-TW" altLang="en-US" dirty="0"/>
+              <a:t>片段平均秒數：</a:t>
+            </a:r>
+            <a:r>
+              <a:rPr lang="zh-TW" altLang="en-US" dirty="0">
+                <a:solidFill>
+                  <a:srgbClr val="FF0000"/>
+                </a:solidFill>
+              </a:rPr>
+              <a:t>提高</a:t>
+            </a:r>
+            <a:r>
+              <a:rPr lang="en-US" altLang="zh-TW" dirty="0">
+                <a:solidFill>
+                  <a:srgbClr val="FF0000"/>
+                </a:solidFill>
+              </a:rPr>
+              <a:t>7</a:t>
+            </a:r>
             <a:r>
               <a:rPr lang="en-US" altLang="zh-TW" dirty="0"/>
-              <a:t>AHI</a:t>
-            </a:r>
-            <a:r>
-              <a:rPr lang="zh-TW" altLang="en-US" dirty="0"/>
-              <a:t>、</a:t>
-            </a:r>
-            <a:r>
-              <a:rPr lang="en-US" altLang="zh-TW" dirty="0"/>
-              <a:t>AI</a:t>
-            </a:r>
-            <a:r>
-              <a:rPr lang="zh-TW" altLang="en-US" dirty="0"/>
-              <a:t>、</a:t>
-            </a:r>
-            <a:r>
-              <a:rPr lang="en-US" altLang="zh-TW" dirty="0"/>
-              <a:t>HI</a:t>
+              <a:t> </a:t>
+            </a:r>
+            <a:r>
+              <a:rPr lang="zh-TW" altLang="en-US" dirty="0">
+                <a:solidFill>
+                  <a:srgbClr val="0070C0"/>
+                </a:solidFill>
+              </a:rPr>
+              <a:t>降低</a:t>
+            </a:r>
+            <a:r>
+              <a:rPr lang="en-US" altLang="zh-TW" dirty="0">
+                <a:solidFill>
+                  <a:srgbClr val="0070C0"/>
+                </a:solidFill>
+              </a:rPr>
+              <a:t>6</a:t>
             </a:r>
             <a:endParaRPr lang="zh-TW" altLang="en-US" dirty="0"/>
           </a:p>
@@ -18713,7 +19580,7 @@
           <p:cNvPr id="4" name="投影片編號版面配置區 3">
             <a:extLst>
               <a:ext uri="{FF2B5EF4-FFF2-40B4-BE49-F238E27FC236}">
-                <a16:creationId xmlns:a16="http://schemas.microsoft.com/office/drawing/2014/main" id="{82805EF7-563C-404B-869C-BA5D269D3F0F}"/>
+                <a16:creationId xmlns:a16="http://schemas.microsoft.com/office/drawing/2014/main" id="{8D7AD20E-B6E8-43F0-A3C8-32C57EECF4D4}"/>
               </a:ext>
             </a:extLst>
           </p:cNvPr>
@@ -18737,10 +19604,40 @@
           </a:p>
         </p:txBody>
       </p:sp>
+      <p:pic>
+        <p:nvPicPr>
+          <p:cNvPr id="6" name="圖片 5">
+            <a:extLst>
+              <a:ext uri="{FF2B5EF4-FFF2-40B4-BE49-F238E27FC236}">
+                <a16:creationId xmlns:a16="http://schemas.microsoft.com/office/drawing/2014/main" id="{789C4308-0F38-4559-8C45-02068B501E19}"/>
+              </a:ext>
+            </a:extLst>
+          </p:cNvPr>
+          <p:cNvPicPr>
+            <a:picLocks noChangeAspect="1"/>
+          </p:cNvPicPr>
+          <p:nvPr/>
+        </p:nvPicPr>
+        <p:blipFill>
+          <a:blip r:embed="rId2"/>
+          <a:stretch>
+            <a:fillRect/>
+          </a:stretch>
+        </p:blipFill>
+        <p:spPr>
+          <a:xfrm>
+            <a:off x="854795" y="1837679"/>
+            <a:ext cx="10364646" cy="4867954"/>
+          </a:xfrm>
+          <a:prstGeom prst="rect">
+            <a:avLst/>
+          </a:prstGeom>
+        </p:spPr>
+      </p:pic>
     </p:spTree>
     <p:extLst>
       <p:ext uri="{BB962C8B-B14F-4D97-AF65-F5344CB8AC3E}">
-        <p14:creationId xmlns:p14="http://schemas.microsoft.com/office/powerpoint/2010/main" val="1509307065"/>
+        <p14:creationId xmlns:p14="http://schemas.microsoft.com/office/powerpoint/2010/main" val="2894844937"/>
       </p:ext>
     </p:extLst>
   </p:cSld>
@@ -18772,7 +19669,7 @@
           <p:cNvPr id="2" name="標題 1">
             <a:extLst>
               <a:ext uri="{FF2B5EF4-FFF2-40B4-BE49-F238E27FC236}">
-                <a16:creationId xmlns:a16="http://schemas.microsoft.com/office/drawing/2014/main" id="{A26468F2-9449-46CA-AD6F-2D00C6F3A45E}"/>
+                <a16:creationId xmlns:a16="http://schemas.microsoft.com/office/drawing/2014/main" id="{3484939B-FFA5-421B-A3CF-62E507410721}"/>
               </a:ext>
             </a:extLst>
           </p:cNvPr>
@@ -18790,8 +19687,13 @@
           <a:p>
             <a:r>
               <a:rPr lang="zh-TW" altLang="en-US" dirty="0"/>
-              <a:t>從年齡來做分析</a:t>
-            </a:r>
+              <a:t>噪音壓力組</a:t>
+            </a:r>
+            <a:r>
+              <a:rPr lang="en-US" altLang="zh-TW" dirty="0"/>
+              <a:t>(P.M.)</a:t>
+            </a:r>
+            <a:endParaRPr lang="zh-TW" altLang="en-US" dirty="0"/>
           </a:p>
         </p:txBody>
       </p:sp>
@@ -18800,7 +19702,7 @@
           <p:cNvPr id="3" name="內容版面配置區 2">
             <a:extLst>
               <a:ext uri="{FF2B5EF4-FFF2-40B4-BE49-F238E27FC236}">
-                <a16:creationId xmlns:a16="http://schemas.microsoft.com/office/drawing/2014/main" id="{2566B70F-997D-41A1-A7A5-DCEB46ED72EB}"/>
+                <a16:creationId xmlns:a16="http://schemas.microsoft.com/office/drawing/2014/main" id="{01697D29-E482-44CA-9367-80E0DD3EB3F5}"/>
               </a:ext>
             </a:extLst>
           </p:cNvPr>
@@ -18811,12 +19713,77 @@
             <p:ph idx="1"/>
           </p:nvPr>
         </p:nvSpPr>
-        <p:spPr/>
+        <p:spPr>
+          <a:xfrm>
+            <a:off x="720436" y="1321725"/>
+            <a:ext cx="10633364" cy="515954"/>
+          </a:xfrm>
+        </p:spPr>
         <p:txBody>
           <a:bodyPr/>
           <a:lstStyle/>
           <a:p>
-            <a:endParaRPr lang="zh-TW" altLang="en-US"/>
+            <a:r>
+              <a:rPr lang="en-US" altLang="zh-TW" dirty="0"/>
+              <a:t>REM</a:t>
+            </a:r>
+            <a:r>
+              <a:rPr lang="zh-TW" altLang="en-US" dirty="0"/>
+              <a:t> </a:t>
+            </a:r>
+            <a:r>
+              <a:rPr lang="en-US" altLang="zh-TW" dirty="0"/>
+              <a:t>fragmentation</a:t>
+            </a:r>
+            <a:r>
+              <a:rPr lang="zh-TW" altLang="en-US" dirty="0"/>
+              <a:t> </a:t>
+            </a:r>
+            <a:r>
+              <a:rPr lang="en-US" altLang="zh-TW" dirty="0"/>
+              <a:t>%</a:t>
+            </a:r>
+            <a:r>
+              <a:rPr lang="zh-TW" altLang="en-US" dirty="0"/>
+              <a:t>：</a:t>
+            </a:r>
+            <a:r>
+              <a:rPr lang="zh-TW" altLang="en-US" dirty="0">
+                <a:solidFill>
+                  <a:srgbClr val="FF0000"/>
+                </a:solidFill>
+              </a:rPr>
+              <a:t>提高</a:t>
+            </a:r>
+            <a:r>
+              <a:rPr lang="en-US" altLang="zh-TW" dirty="0">
+                <a:solidFill>
+                  <a:srgbClr val="FF0000"/>
+                </a:solidFill>
+              </a:rPr>
+              <a:t>5</a:t>
+            </a:r>
+            <a:r>
+              <a:rPr lang="en-US" altLang="zh-TW" dirty="0"/>
+              <a:t> </a:t>
+            </a:r>
+            <a:r>
+              <a:rPr lang="zh-TW" altLang="en-US" dirty="0">
+                <a:solidFill>
+                  <a:srgbClr val="0070C0"/>
+                </a:solidFill>
+              </a:rPr>
+              <a:t>降低</a:t>
+            </a:r>
+            <a:r>
+              <a:rPr lang="en-US" altLang="zh-TW" dirty="0">
+                <a:solidFill>
+                  <a:srgbClr val="0070C0"/>
+                </a:solidFill>
+              </a:rPr>
+              <a:t>8</a:t>
+            </a:r>
+            <a:endParaRPr lang="zh-TW" altLang="en-US" dirty="0"/>
           </a:p>
         </p:txBody>
       </p:sp>
@@ -18825,7 +19792,7 @@
           <p:cNvPr id="4" name="投影片編號版面配置區 3">
             <a:extLst>
               <a:ext uri="{FF2B5EF4-FFF2-40B4-BE49-F238E27FC236}">
-                <a16:creationId xmlns:a16="http://schemas.microsoft.com/office/drawing/2014/main" id="{2FDAD691-F2A5-4DC4-A2EE-CA438D5E1321}"/>
+                <a16:creationId xmlns:a16="http://schemas.microsoft.com/office/drawing/2014/main" id="{8D7AD20E-B6E8-43F0-A3C8-32C57EECF4D4}"/>
               </a:ext>
             </a:extLst>
           </p:cNvPr>
@@ -18849,10 +19816,40 @@
           </a:p>
         </p:txBody>
       </p:sp>
+      <p:pic>
+        <p:nvPicPr>
+          <p:cNvPr id="6" name="圖片 5">
+            <a:extLst>
+              <a:ext uri="{FF2B5EF4-FFF2-40B4-BE49-F238E27FC236}">
+                <a16:creationId xmlns:a16="http://schemas.microsoft.com/office/drawing/2014/main" id="{C474B34B-B6D3-4B85-99AF-35B1E4189106}"/>
+              </a:ext>
+            </a:extLst>
+          </p:cNvPr>
+          <p:cNvPicPr>
+            <a:picLocks noChangeAspect="1"/>
+          </p:cNvPicPr>
+          <p:nvPr/>
+        </p:nvPicPr>
+        <p:blipFill>
+          <a:blip r:embed="rId2"/>
+          <a:stretch>
+            <a:fillRect/>
+          </a:stretch>
+        </p:blipFill>
+        <p:spPr>
+          <a:xfrm>
+            <a:off x="854795" y="1841488"/>
+            <a:ext cx="10364646" cy="4839375"/>
+          </a:xfrm>
+          <a:prstGeom prst="rect">
+            <a:avLst/>
+          </a:prstGeom>
+        </p:spPr>
+      </p:pic>
     </p:spTree>
     <p:extLst>
       <p:ext uri="{BB962C8B-B14F-4D97-AF65-F5344CB8AC3E}">
-        <p14:creationId xmlns:p14="http://schemas.microsoft.com/office/powerpoint/2010/main" val="1446192108"/>
+        <p14:creationId xmlns:p14="http://schemas.microsoft.com/office/powerpoint/2010/main" val="2941777298"/>
       </p:ext>
     </p:extLst>
   </p:cSld>
@@ -18884,7 +19881,7 @@
           <p:cNvPr id="2" name="標題 1">
             <a:extLst>
               <a:ext uri="{FF2B5EF4-FFF2-40B4-BE49-F238E27FC236}">
-                <a16:creationId xmlns:a16="http://schemas.microsoft.com/office/drawing/2014/main" id="{406DF550-CEF1-4501-B3F3-A8E81999EBB0}"/>
+                <a16:creationId xmlns:a16="http://schemas.microsoft.com/office/drawing/2014/main" id="{3484939B-FFA5-421B-A3CF-62E507410721}"/>
               </a:ext>
             </a:extLst>
           </p:cNvPr>
@@ -18902,8 +19899,13 @@
           <a:p>
             <a:r>
               <a:rPr lang="zh-TW" altLang="en-US" dirty="0"/>
-              <a:t>從年資來做分析</a:t>
-            </a:r>
+              <a:t>噪音壓力組</a:t>
+            </a:r>
+            <a:r>
+              <a:rPr lang="en-US" altLang="zh-TW" dirty="0"/>
+              <a:t>(P.M.)</a:t>
+            </a:r>
+            <a:endParaRPr lang="zh-TW" altLang="en-US" dirty="0"/>
           </a:p>
         </p:txBody>
       </p:sp>
@@ -18912,7 +19914,7 @@
           <p:cNvPr id="3" name="內容版面配置區 2">
             <a:extLst>
               <a:ext uri="{FF2B5EF4-FFF2-40B4-BE49-F238E27FC236}">
-                <a16:creationId xmlns:a16="http://schemas.microsoft.com/office/drawing/2014/main" id="{4965CA5C-B6C0-4896-966C-B2ECA2360B16}"/>
+                <a16:creationId xmlns:a16="http://schemas.microsoft.com/office/drawing/2014/main" id="{01697D29-E482-44CA-9367-80E0DD3EB3F5}"/>
               </a:ext>
             </a:extLst>
           </p:cNvPr>
@@ -18923,12 +19925,69 @@
             <p:ph idx="1"/>
           </p:nvPr>
         </p:nvSpPr>
-        <p:spPr/>
+        <p:spPr>
+          <a:xfrm>
+            <a:off x="720436" y="1321725"/>
+            <a:ext cx="10633364" cy="515954"/>
+          </a:xfrm>
+        </p:spPr>
         <p:txBody>
           <a:bodyPr/>
           <a:lstStyle/>
           <a:p>
-            <a:endParaRPr lang="zh-TW" altLang="en-US"/>
+            <a:r>
+              <a:rPr lang="en-US" altLang="zh-TW" dirty="0"/>
+              <a:t>REM</a:t>
+            </a:r>
+            <a:r>
+              <a:rPr lang="zh-TW" altLang="en-US" dirty="0"/>
+              <a:t> </a:t>
+            </a:r>
+            <a:r>
+              <a:rPr lang="en-US" altLang="zh-TW" dirty="0"/>
+              <a:t>latency(s)</a:t>
+            </a:r>
+            <a:r>
+              <a:rPr lang="zh-TW" altLang="en-US" dirty="0"/>
+              <a:t>：</a:t>
+            </a:r>
+            <a:r>
+              <a:rPr lang="zh-TW" altLang="en-US" dirty="0">
+                <a:solidFill>
+                  <a:srgbClr val="FF0000"/>
+                </a:solidFill>
+              </a:rPr>
+              <a:t>提高</a:t>
+            </a:r>
+            <a:r>
+              <a:rPr lang="en-US" altLang="zh-TW" dirty="0">
+                <a:solidFill>
+                  <a:srgbClr val="FF0000"/>
+                </a:solidFill>
+              </a:rPr>
+              <a:t>7</a:t>
+            </a:r>
+            <a:r>
+              <a:rPr lang="en-US" altLang="zh-TW" dirty="0"/>
+              <a:t> </a:t>
+            </a:r>
+            <a:r>
+              <a:rPr lang="zh-TW" altLang="en-US" dirty="0">
+                <a:solidFill>
+                  <a:srgbClr val="0070C0"/>
+                </a:solidFill>
+              </a:rPr>
+              <a:t>降低</a:t>
+            </a:r>
+            <a:r>
+              <a:rPr lang="en-US" altLang="zh-TW" dirty="0">
+                <a:solidFill>
+                  <a:srgbClr val="0070C0"/>
+                </a:solidFill>
+              </a:rPr>
+              <a:t>6</a:t>
+            </a:r>
+            <a:endParaRPr lang="zh-TW" altLang="en-US" dirty="0"/>
           </a:p>
         </p:txBody>
       </p:sp>
@@ -18937,7 +19996,7 @@
           <p:cNvPr id="4" name="投影片編號版面配置區 3">
             <a:extLst>
               <a:ext uri="{FF2B5EF4-FFF2-40B4-BE49-F238E27FC236}">
-                <a16:creationId xmlns:a16="http://schemas.microsoft.com/office/drawing/2014/main" id="{8162E762-BC1A-483D-93FD-2F19394A1B25}"/>
+                <a16:creationId xmlns:a16="http://schemas.microsoft.com/office/drawing/2014/main" id="{8D7AD20E-B6E8-43F0-A3C8-32C57EECF4D4}"/>
               </a:ext>
             </a:extLst>
           </p:cNvPr>
@@ -18961,10 +20020,40 @@
           </a:p>
         </p:txBody>
       </p:sp>
+      <p:pic>
+        <p:nvPicPr>
+          <p:cNvPr id="6" name="圖片 5">
+            <a:extLst>
+              <a:ext uri="{FF2B5EF4-FFF2-40B4-BE49-F238E27FC236}">
+                <a16:creationId xmlns:a16="http://schemas.microsoft.com/office/drawing/2014/main" id="{6B13F292-E0D9-483A-8489-15011A14B0F5}"/>
+              </a:ext>
+            </a:extLst>
+          </p:cNvPr>
+          <p:cNvPicPr>
+            <a:picLocks noChangeAspect="1"/>
+          </p:cNvPicPr>
+          <p:nvPr/>
+        </p:nvPicPr>
+        <p:blipFill>
+          <a:blip r:embed="rId2"/>
+          <a:stretch>
+            <a:fillRect/>
+          </a:stretch>
+        </p:blipFill>
+        <p:spPr>
+          <a:xfrm>
+            <a:off x="942256" y="1768677"/>
+            <a:ext cx="10307488" cy="4829849"/>
+          </a:xfrm>
+          <a:prstGeom prst="rect">
+            <a:avLst/>
+          </a:prstGeom>
+        </p:spPr>
+      </p:pic>
     </p:spTree>
     <p:extLst>
       <p:ext uri="{BB962C8B-B14F-4D97-AF65-F5344CB8AC3E}">
-        <p14:creationId xmlns:p14="http://schemas.microsoft.com/office/powerpoint/2010/main" val="833761729"/>
+        <p14:creationId xmlns:p14="http://schemas.microsoft.com/office/powerpoint/2010/main" val="3030746921"/>
       </p:ext>
     </p:extLst>
   </p:cSld>
@@ -18996,7 +20085,7 @@
           <p:cNvPr id="2" name="標題 1">
             <a:extLst>
               <a:ext uri="{FF2B5EF4-FFF2-40B4-BE49-F238E27FC236}">
-                <a16:creationId xmlns:a16="http://schemas.microsoft.com/office/drawing/2014/main" id="{7EDDE160-6A2C-4C3D-816F-96C9219D401F}"/>
+                <a16:creationId xmlns:a16="http://schemas.microsoft.com/office/drawing/2014/main" id="{3484939B-FFA5-421B-A3CF-62E507410721}"/>
               </a:ext>
             </a:extLst>
           </p:cNvPr>
@@ -19014,16 +20103,13 @@
           <a:p>
             <a:r>
               <a:rPr lang="zh-TW" altLang="en-US" dirty="0"/>
-              <a:t>從主觀壓力指數量表</a:t>
+              <a:t>噪音壓力組</a:t>
             </a:r>
             <a:r>
               <a:rPr lang="en-US" altLang="zh-TW" dirty="0"/>
-              <a:t>(VAS)</a:t>
-            </a:r>
-            <a:r>
-              <a:rPr lang="zh-TW" altLang="en-US" dirty="0"/>
-              <a:t>來做分析</a:t>
-            </a:r>
+              <a:t>(P.M.)</a:t>
+            </a:r>
+            <a:endParaRPr lang="zh-TW" altLang="en-US" dirty="0"/>
           </a:p>
         </p:txBody>
       </p:sp>
@@ -19032,7 +20118,7 @@
           <p:cNvPr id="3" name="內容版面配置區 2">
             <a:extLst>
               <a:ext uri="{FF2B5EF4-FFF2-40B4-BE49-F238E27FC236}">
-                <a16:creationId xmlns:a16="http://schemas.microsoft.com/office/drawing/2014/main" id="{65117D54-FB35-433E-B0FE-2F42F19FE266}"/>
+                <a16:creationId xmlns:a16="http://schemas.microsoft.com/office/drawing/2014/main" id="{01697D29-E482-44CA-9367-80E0DD3EB3F5}"/>
               </a:ext>
             </a:extLst>
           </p:cNvPr>
@@ -19043,11 +20129,68 @@
             <p:ph idx="1"/>
           </p:nvPr>
         </p:nvSpPr>
-        <p:spPr/>
+        <p:spPr>
+          <a:xfrm>
+            <a:off x="720436" y="1321725"/>
+            <a:ext cx="10633364" cy="515954"/>
+          </a:xfrm>
+        </p:spPr>
         <p:txBody>
           <a:bodyPr/>
           <a:lstStyle/>
           <a:p>
+            <a:r>
+              <a:rPr lang="en-US" altLang="zh-TW" dirty="0"/>
+              <a:t>REM</a:t>
+            </a:r>
+            <a:r>
+              <a:rPr lang="zh-TW" altLang="en-US" dirty="0"/>
+              <a:t> </a:t>
+            </a:r>
+            <a:r>
+              <a:rPr lang="en-US" altLang="zh-TW" dirty="0"/>
+              <a:t>density %</a:t>
+            </a:r>
+            <a:r>
+              <a:rPr lang="zh-TW" altLang="en-US" dirty="0"/>
+              <a:t>：</a:t>
+            </a:r>
+            <a:r>
+              <a:rPr lang="zh-TW" altLang="en-US" dirty="0">
+                <a:solidFill>
+                  <a:srgbClr val="FF0000"/>
+                </a:solidFill>
+              </a:rPr>
+              <a:t>提高</a:t>
+            </a:r>
+            <a:r>
+              <a:rPr lang="en-US" altLang="zh-TW" dirty="0">
+                <a:solidFill>
+                  <a:srgbClr val="FF0000"/>
+                </a:solidFill>
+              </a:rPr>
+              <a:t>4</a:t>
+            </a:r>
+            <a:r>
+              <a:rPr lang="en-US" altLang="zh-TW" dirty="0"/>
+              <a:t> </a:t>
+            </a:r>
+            <a:r>
+              <a:rPr lang="zh-TW" altLang="en-US" dirty="0">
+                <a:solidFill>
+                  <a:srgbClr val="0070C0"/>
+                </a:solidFill>
+              </a:rPr>
+              <a:t>降低</a:t>
+            </a:r>
+            <a:r>
+              <a:rPr lang="en-US" altLang="zh-TW" dirty="0">
+                <a:solidFill>
+                  <a:srgbClr val="0070C0"/>
+                </a:solidFill>
+              </a:rPr>
+              <a:t>9</a:t>
+            </a:r>
             <a:endParaRPr lang="zh-TW" altLang="en-US" dirty="0"/>
           </a:p>
         </p:txBody>
@@ -19057,7 +20200,7 @@
           <p:cNvPr id="4" name="投影片編號版面配置區 3">
             <a:extLst>
               <a:ext uri="{FF2B5EF4-FFF2-40B4-BE49-F238E27FC236}">
-                <a16:creationId xmlns:a16="http://schemas.microsoft.com/office/drawing/2014/main" id="{DDCE5996-DAE0-457D-9664-54480BA07502}"/>
+                <a16:creationId xmlns:a16="http://schemas.microsoft.com/office/drawing/2014/main" id="{8D7AD20E-B6E8-43F0-A3C8-32C57EECF4D4}"/>
               </a:ext>
             </a:extLst>
           </p:cNvPr>
@@ -19081,10 +20224,40 @@
           </a:p>
         </p:txBody>
       </p:sp>
+      <p:pic>
+        <p:nvPicPr>
+          <p:cNvPr id="6" name="圖片 5">
+            <a:extLst>
+              <a:ext uri="{FF2B5EF4-FFF2-40B4-BE49-F238E27FC236}">
+                <a16:creationId xmlns:a16="http://schemas.microsoft.com/office/drawing/2014/main" id="{6F5AB2D3-8B23-477F-A1FC-0F167784E0D5}"/>
+              </a:ext>
+            </a:extLst>
+          </p:cNvPr>
+          <p:cNvPicPr>
+            <a:picLocks noChangeAspect="1"/>
+          </p:cNvPicPr>
+          <p:nvPr/>
+        </p:nvPicPr>
+        <p:blipFill>
+          <a:blip r:embed="rId2"/>
+          <a:stretch>
+            <a:fillRect/>
+          </a:stretch>
+        </p:blipFill>
+        <p:spPr>
+          <a:xfrm>
+            <a:off x="918440" y="1837679"/>
+            <a:ext cx="10355120" cy="4925112"/>
+          </a:xfrm>
+          <a:prstGeom prst="rect">
+            <a:avLst/>
+          </a:prstGeom>
+        </p:spPr>
+      </p:pic>
     </p:spTree>
     <p:extLst>
       <p:ext uri="{BB962C8B-B14F-4D97-AF65-F5344CB8AC3E}">
-        <p14:creationId xmlns:p14="http://schemas.microsoft.com/office/powerpoint/2010/main" val="1613753168"/>
+        <p14:creationId xmlns:p14="http://schemas.microsoft.com/office/powerpoint/2010/main" val="3073397784"/>
       </p:ext>
     </p:extLst>
   </p:cSld>
@@ -19116,7 +20289,7 @@
           <p:cNvPr id="2" name="標題 1">
             <a:extLst>
               <a:ext uri="{FF2B5EF4-FFF2-40B4-BE49-F238E27FC236}">
-                <a16:creationId xmlns:a16="http://schemas.microsoft.com/office/drawing/2014/main" id="{32F124A0-DA31-4BCB-9672-10AD0FE6CBEE}"/>
+                <a16:creationId xmlns:a16="http://schemas.microsoft.com/office/drawing/2014/main" id="{654D746E-7C07-4D00-B48B-9BF695038FEE}"/>
               </a:ext>
             </a:extLst>
           </p:cNvPr>
@@ -19134,32 +20307,13 @@
           <a:p>
             <a:r>
               <a:rPr lang="zh-TW" altLang="en-US" dirty="0"/>
-              <a:t>從</a:t>
+              <a:t>噪音正常組</a:t>
             </a:r>
             <a:r>
               <a:rPr lang="en-US" altLang="zh-TW" dirty="0"/>
-              <a:t>AHI</a:t>
-            </a:r>
-            <a:r>
-              <a:rPr lang="zh-TW" altLang="en-US" dirty="0"/>
-              <a:t>、</a:t>
-            </a:r>
-            <a:r>
-              <a:rPr lang="en-US" altLang="zh-TW" dirty="0"/>
-              <a:t>AI</a:t>
-            </a:r>
-            <a:r>
-              <a:rPr lang="zh-TW" altLang="en-US" dirty="0"/>
-              <a:t>、</a:t>
-            </a:r>
-            <a:r>
-              <a:rPr lang="en-US" altLang="zh-TW" dirty="0"/>
-              <a:t>HI</a:t>
-            </a:r>
-            <a:r>
-              <a:rPr lang="zh-TW" altLang="en-US" dirty="0"/>
-              <a:t>來做分析</a:t>
-            </a:r>
+              <a:t>(A.M.)</a:t>
+            </a:r>
+            <a:endParaRPr lang="zh-TW" altLang="en-US" dirty="0"/>
           </a:p>
         </p:txBody>
       </p:sp>
@@ -19168,7 +20322,7 @@
           <p:cNvPr id="3" name="內容版面配置區 2">
             <a:extLst>
               <a:ext uri="{FF2B5EF4-FFF2-40B4-BE49-F238E27FC236}">
-                <a16:creationId xmlns:a16="http://schemas.microsoft.com/office/drawing/2014/main" id="{A6F96C90-82C8-4A8C-A5F6-3AF0304642D2}"/>
+                <a16:creationId xmlns:a16="http://schemas.microsoft.com/office/drawing/2014/main" id="{060D07A9-D728-467A-AC16-4954F2B2CE7C}"/>
               </a:ext>
             </a:extLst>
           </p:cNvPr>
@@ -19193,7 +20347,7 @@
           <p:cNvPr id="4" name="投影片編號版面配置區 3">
             <a:extLst>
               <a:ext uri="{FF2B5EF4-FFF2-40B4-BE49-F238E27FC236}">
-                <a16:creationId xmlns:a16="http://schemas.microsoft.com/office/drawing/2014/main" id="{FE8D693E-C75B-4D60-9BF8-8D0B890ABCB0}"/>
+                <a16:creationId xmlns:a16="http://schemas.microsoft.com/office/drawing/2014/main" id="{9D179D04-E829-48E6-9778-78C3E6A94E0C}"/>
               </a:ext>
             </a:extLst>
           </p:cNvPr>
@@ -19220,7 +20374,296 @@
     </p:spTree>
     <p:extLst>
       <p:ext uri="{BB962C8B-B14F-4D97-AF65-F5344CB8AC3E}">
-        <p14:creationId xmlns:p14="http://schemas.microsoft.com/office/powerpoint/2010/main" val="2668467491"/>
+        <p14:creationId xmlns:p14="http://schemas.microsoft.com/office/powerpoint/2010/main" val="1552373833"/>
+      </p:ext>
+    </p:extLst>
+  </p:cSld>
+  <p:clrMapOvr>
+    <a:masterClrMapping/>
+  </p:clrMapOvr>
+</p:sld>
+</file>
+
+<file path=ppt/slides/slide48.xml><?xml version="1.0" encoding="utf-8"?>
+<p:sld xmlns:a="http://schemas.openxmlformats.org/drawingml/2006/main" xmlns:r="http://schemas.openxmlformats.org/officeDocument/2006/relationships" xmlns:p="http://schemas.openxmlformats.org/presentationml/2006/main">
+  <p:cSld>
+    <p:spTree>
+      <p:nvGrpSpPr>
+        <p:cNvPr id="1" name=""/>
+        <p:cNvGrpSpPr/>
+        <p:nvPr/>
+      </p:nvGrpSpPr>
+      <p:grpSpPr>
+        <a:xfrm>
+          <a:off x="0" y="0"/>
+          <a:ext cx="0" cy="0"/>
+          <a:chOff x="0" y="0"/>
+          <a:chExt cx="0" cy="0"/>
+        </a:xfrm>
+      </p:grpSpPr>
+      <p:sp>
+        <p:nvSpPr>
+          <p:cNvPr id="2" name="標題 1">
+            <a:extLst>
+              <a:ext uri="{FF2B5EF4-FFF2-40B4-BE49-F238E27FC236}">
+                <a16:creationId xmlns:a16="http://schemas.microsoft.com/office/drawing/2014/main" id="{3E2F3B8A-18CF-4911-8998-0D82A83B903E}"/>
+              </a:ext>
+            </a:extLst>
+          </p:cNvPr>
+          <p:cNvSpPr>
+            <a:spLocks noGrp="1"/>
+          </p:cNvSpPr>
+          <p:nvPr>
+            <p:ph type="title"/>
+          </p:nvPr>
+        </p:nvSpPr>
+        <p:spPr/>
+        <p:txBody>
+          <a:bodyPr/>
+          <a:lstStyle/>
+          <a:p>
+            <a:r>
+              <a:rPr lang="zh-TW" altLang="en-US" dirty="0"/>
+              <a:t>噪音壓力組</a:t>
+            </a:r>
+            <a:r>
+              <a:rPr lang="en-US" altLang="zh-TW" dirty="0"/>
+              <a:t>(A.M.)</a:t>
+            </a:r>
+            <a:endParaRPr lang="zh-TW" altLang="en-US" dirty="0"/>
+          </a:p>
+        </p:txBody>
+      </p:sp>
+      <p:sp>
+        <p:nvSpPr>
+          <p:cNvPr id="3" name="內容版面配置區 2">
+            <a:extLst>
+              <a:ext uri="{FF2B5EF4-FFF2-40B4-BE49-F238E27FC236}">
+                <a16:creationId xmlns:a16="http://schemas.microsoft.com/office/drawing/2014/main" id="{4477AAB7-466E-40F8-87A1-FBD7416B7FB7}"/>
+              </a:ext>
+            </a:extLst>
+          </p:cNvPr>
+          <p:cNvSpPr>
+            <a:spLocks noGrp="1"/>
+          </p:cNvSpPr>
+          <p:nvPr>
+            <p:ph idx="1"/>
+          </p:nvPr>
+        </p:nvSpPr>
+        <p:spPr/>
+        <p:txBody>
+          <a:bodyPr/>
+          <a:lstStyle/>
+          <a:p>
+            <a:endParaRPr lang="zh-TW" altLang="en-US"/>
+          </a:p>
+        </p:txBody>
+      </p:sp>
+      <p:sp>
+        <p:nvSpPr>
+          <p:cNvPr id="4" name="投影片編號版面配置區 3">
+            <a:extLst>
+              <a:ext uri="{FF2B5EF4-FFF2-40B4-BE49-F238E27FC236}">
+                <a16:creationId xmlns:a16="http://schemas.microsoft.com/office/drawing/2014/main" id="{3734765E-8C71-45D3-B87A-575D7D6CD16C}"/>
+              </a:ext>
+            </a:extLst>
+          </p:cNvPr>
+          <p:cNvSpPr>
+            <a:spLocks noGrp="1"/>
+          </p:cNvSpPr>
+          <p:nvPr>
+            <p:ph type="sldNum" sz="quarter" idx="12"/>
+          </p:nvPr>
+        </p:nvSpPr>
+        <p:spPr/>
+        <p:txBody>
+          <a:bodyPr/>
+          <a:lstStyle/>
+          <a:p>
+            <a:fld id="{F230EE04-BD3A-40AA-92AC-647453D5DADF}" type="slidenum">
+              <a:rPr lang="zh-TW" altLang="en-US" smtClean="0"/>
+              <a:t>48</a:t>
+            </a:fld>
+            <a:endParaRPr lang="zh-TW" altLang="en-US"/>
+          </a:p>
+        </p:txBody>
+      </p:sp>
+    </p:spTree>
+    <p:extLst>
+      <p:ext uri="{BB962C8B-B14F-4D97-AF65-F5344CB8AC3E}">
+        <p14:creationId xmlns:p14="http://schemas.microsoft.com/office/powerpoint/2010/main" val="2412989187"/>
+      </p:ext>
+    </p:extLst>
+  </p:cSld>
+  <p:clrMapOvr>
+    <a:masterClrMapping/>
+  </p:clrMapOvr>
+</p:sld>
+</file>
+
+<file path=ppt/slides/slide49.xml><?xml version="1.0" encoding="utf-8"?>
+<p:sld xmlns:a="http://schemas.openxmlformats.org/drawingml/2006/main" xmlns:r="http://schemas.openxmlformats.org/officeDocument/2006/relationships" xmlns:p="http://schemas.openxmlformats.org/presentationml/2006/main">
+  <p:cSld>
+    <p:spTree>
+      <p:nvGrpSpPr>
+        <p:cNvPr id="1" name=""/>
+        <p:cNvGrpSpPr/>
+        <p:nvPr/>
+      </p:nvGrpSpPr>
+      <p:grpSpPr>
+        <a:xfrm>
+          <a:off x="0" y="0"/>
+          <a:ext cx="0" cy="0"/>
+          <a:chOff x="0" y="0"/>
+          <a:chExt cx="0" cy="0"/>
+        </a:xfrm>
+      </p:grpSpPr>
+      <p:sp>
+        <p:nvSpPr>
+          <p:cNvPr id="2" name="標題 1">
+            <a:extLst>
+              <a:ext uri="{FF2B5EF4-FFF2-40B4-BE49-F238E27FC236}">
+                <a16:creationId xmlns:a16="http://schemas.microsoft.com/office/drawing/2014/main" id="{614E2FBB-CBD9-4DA9-B5CC-F7517DDA2D8D}"/>
+              </a:ext>
+            </a:extLst>
+          </p:cNvPr>
+          <p:cNvSpPr>
+            <a:spLocks noGrp="1"/>
+          </p:cNvSpPr>
+          <p:nvPr>
+            <p:ph type="title"/>
+          </p:nvPr>
+        </p:nvSpPr>
+        <p:spPr/>
+        <p:txBody>
+          <a:bodyPr/>
+          <a:lstStyle/>
+          <a:p>
+            <a:r>
+              <a:rPr lang="zh-TW" altLang="en-US" dirty="0"/>
+              <a:t>從其他因素來做分析</a:t>
+            </a:r>
+          </a:p>
+        </p:txBody>
+      </p:sp>
+      <p:sp>
+        <p:nvSpPr>
+          <p:cNvPr id="3" name="內容版面配置區 2">
+            <a:extLst>
+              <a:ext uri="{FF2B5EF4-FFF2-40B4-BE49-F238E27FC236}">
+                <a16:creationId xmlns:a16="http://schemas.microsoft.com/office/drawing/2014/main" id="{D1586548-83AD-45BE-B2A1-961D2C46345A}"/>
+              </a:ext>
+            </a:extLst>
+          </p:cNvPr>
+          <p:cNvSpPr>
+            <a:spLocks noGrp="1"/>
+          </p:cNvSpPr>
+          <p:nvPr>
+            <p:ph idx="1"/>
+          </p:nvPr>
+        </p:nvSpPr>
+        <p:spPr/>
+        <p:txBody>
+          <a:bodyPr/>
+          <a:lstStyle/>
+          <a:p>
+            <a:pPr marL="457200" indent="-457200">
+              <a:buFont typeface="+mj-lt"/>
+              <a:buAutoNum type="arabicPeriod"/>
+            </a:pPr>
+            <a:r>
+              <a:rPr lang="zh-TW" altLang="en-US" dirty="0"/>
+              <a:t>年齡</a:t>
+            </a:r>
+            <a:endParaRPr lang="en-US" altLang="zh-TW" dirty="0"/>
+          </a:p>
+          <a:p>
+            <a:pPr marL="457200" indent="-457200">
+              <a:buFont typeface="+mj-lt"/>
+              <a:buAutoNum type="arabicPeriod"/>
+            </a:pPr>
+            <a:r>
+              <a:rPr lang="zh-TW" altLang="en-US" dirty="0"/>
+              <a:t>年資</a:t>
+            </a:r>
+            <a:endParaRPr lang="en-US" altLang="zh-TW" dirty="0"/>
+          </a:p>
+          <a:p>
+            <a:pPr marL="457200" indent="-457200">
+              <a:buFont typeface="+mj-lt"/>
+              <a:buAutoNum type="arabicPeriod"/>
+            </a:pPr>
+            <a:r>
+              <a:rPr lang="zh-TW" altLang="en-US" dirty="0"/>
+              <a:t>主觀壓力指標</a:t>
+            </a:r>
+            <a:r>
+              <a:rPr lang="en-US" altLang="zh-TW" dirty="0"/>
+              <a:t>VAS</a:t>
+            </a:r>
+          </a:p>
+          <a:p>
+            <a:pPr marL="457200" indent="-457200">
+              <a:buFont typeface="+mj-lt"/>
+              <a:buAutoNum type="arabicPeriod"/>
+            </a:pPr>
+            <a:r>
+              <a:rPr lang="en-US" altLang="zh-TW" dirty="0"/>
+              <a:t>AHI</a:t>
+            </a:r>
+            <a:r>
+              <a:rPr lang="zh-TW" altLang="en-US" dirty="0"/>
+              <a:t>、</a:t>
+            </a:r>
+            <a:r>
+              <a:rPr lang="en-US" altLang="zh-TW" dirty="0"/>
+              <a:t>AI</a:t>
+            </a:r>
+            <a:r>
+              <a:rPr lang="zh-TW" altLang="en-US" dirty="0"/>
+              <a:t>、</a:t>
+            </a:r>
+            <a:r>
+              <a:rPr lang="en-US" altLang="zh-TW" dirty="0"/>
+              <a:t>HI</a:t>
+            </a:r>
+            <a:endParaRPr lang="zh-TW" altLang="en-US" dirty="0"/>
+          </a:p>
+        </p:txBody>
+      </p:sp>
+      <p:sp>
+        <p:nvSpPr>
+          <p:cNvPr id="4" name="投影片編號版面配置區 3">
+            <a:extLst>
+              <a:ext uri="{FF2B5EF4-FFF2-40B4-BE49-F238E27FC236}">
+                <a16:creationId xmlns:a16="http://schemas.microsoft.com/office/drawing/2014/main" id="{82805EF7-563C-404B-869C-BA5D269D3F0F}"/>
+              </a:ext>
+            </a:extLst>
+          </p:cNvPr>
+          <p:cNvSpPr>
+            <a:spLocks noGrp="1"/>
+          </p:cNvSpPr>
+          <p:nvPr>
+            <p:ph type="sldNum" sz="quarter" idx="12"/>
+          </p:nvPr>
+        </p:nvSpPr>
+        <p:spPr/>
+        <p:txBody>
+          <a:bodyPr/>
+          <a:lstStyle/>
+          <a:p>
+            <a:fld id="{F230EE04-BD3A-40AA-92AC-647453D5DADF}" type="slidenum">
+              <a:rPr lang="zh-TW" altLang="en-US" smtClean="0"/>
+              <a:t>49</a:t>
+            </a:fld>
+            <a:endParaRPr lang="zh-TW" altLang="en-US"/>
+          </a:p>
+        </p:txBody>
+      </p:sp>
+    </p:spTree>
+    <p:extLst>
+      <p:ext uri="{BB962C8B-B14F-4D97-AF65-F5344CB8AC3E}">
+        <p14:creationId xmlns:p14="http://schemas.microsoft.com/office/powerpoint/2010/main" val="1509307065"/>
       </p:ext>
     </p:extLst>
   </p:cSld>
@@ -19467,6 +20910,1766 @@
     <p:extLst>
       <p:ext uri="{BB962C8B-B14F-4D97-AF65-F5344CB8AC3E}">
         <p14:creationId xmlns:p14="http://schemas.microsoft.com/office/powerpoint/2010/main" val="3405144549"/>
+      </p:ext>
+    </p:extLst>
+  </p:cSld>
+  <p:clrMapOvr>
+    <a:masterClrMapping/>
+  </p:clrMapOvr>
+</p:sld>
+</file>
+
+<file path=ppt/slides/slide50.xml><?xml version="1.0" encoding="utf-8"?>
+<p:sld xmlns:a="http://schemas.openxmlformats.org/drawingml/2006/main" xmlns:r="http://schemas.openxmlformats.org/officeDocument/2006/relationships" xmlns:p="http://schemas.openxmlformats.org/presentationml/2006/main">
+  <p:cSld>
+    <p:spTree>
+      <p:nvGrpSpPr>
+        <p:cNvPr id="1" name=""/>
+        <p:cNvGrpSpPr/>
+        <p:nvPr/>
+      </p:nvGrpSpPr>
+      <p:grpSpPr>
+        <a:xfrm>
+          <a:off x="0" y="0"/>
+          <a:ext cx="0" cy="0"/>
+          <a:chOff x="0" y="0"/>
+          <a:chExt cx="0" cy="0"/>
+        </a:xfrm>
+      </p:grpSpPr>
+      <p:sp>
+        <p:nvSpPr>
+          <p:cNvPr id="2" name="標題 1">
+            <a:extLst>
+              <a:ext uri="{FF2B5EF4-FFF2-40B4-BE49-F238E27FC236}">
+                <a16:creationId xmlns:a16="http://schemas.microsoft.com/office/drawing/2014/main" id="{A26468F2-9449-46CA-AD6F-2D00C6F3A45E}"/>
+              </a:ext>
+            </a:extLst>
+          </p:cNvPr>
+          <p:cNvSpPr>
+            <a:spLocks noGrp="1"/>
+          </p:cNvSpPr>
+          <p:nvPr>
+            <p:ph type="title"/>
+          </p:nvPr>
+        </p:nvSpPr>
+        <p:spPr/>
+        <p:txBody>
+          <a:bodyPr/>
+          <a:lstStyle/>
+          <a:p>
+            <a:r>
+              <a:rPr lang="zh-TW" altLang="en-US" dirty="0"/>
+              <a:t>從年齡來做分析</a:t>
+            </a:r>
+          </a:p>
+        </p:txBody>
+      </p:sp>
+      <p:sp>
+        <p:nvSpPr>
+          <p:cNvPr id="3" name="內容版面配置區 2">
+            <a:extLst>
+              <a:ext uri="{FF2B5EF4-FFF2-40B4-BE49-F238E27FC236}">
+                <a16:creationId xmlns:a16="http://schemas.microsoft.com/office/drawing/2014/main" id="{2566B70F-997D-41A1-A7A5-DCEB46ED72EB}"/>
+              </a:ext>
+            </a:extLst>
+          </p:cNvPr>
+          <p:cNvSpPr>
+            <a:spLocks noGrp="1"/>
+          </p:cNvSpPr>
+          <p:nvPr>
+            <p:ph idx="1"/>
+          </p:nvPr>
+        </p:nvSpPr>
+        <p:spPr/>
+        <p:txBody>
+          <a:bodyPr/>
+          <a:lstStyle/>
+          <a:p>
+            <a:endParaRPr lang="zh-TW" altLang="en-US"/>
+          </a:p>
+        </p:txBody>
+      </p:sp>
+      <p:sp>
+        <p:nvSpPr>
+          <p:cNvPr id="4" name="投影片編號版面配置區 3">
+            <a:extLst>
+              <a:ext uri="{FF2B5EF4-FFF2-40B4-BE49-F238E27FC236}">
+                <a16:creationId xmlns:a16="http://schemas.microsoft.com/office/drawing/2014/main" id="{2FDAD691-F2A5-4DC4-A2EE-CA438D5E1321}"/>
+              </a:ext>
+            </a:extLst>
+          </p:cNvPr>
+          <p:cNvSpPr>
+            <a:spLocks noGrp="1"/>
+          </p:cNvSpPr>
+          <p:nvPr>
+            <p:ph type="sldNum" sz="quarter" idx="12"/>
+          </p:nvPr>
+        </p:nvSpPr>
+        <p:spPr/>
+        <p:txBody>
+          <a:bodyPr/>
+          <a:lstStyle/>
+          <a:p>
+            <a:fld id="{F230EE04-BD3A-40AA-92AC-647453D5DADF}" type="slidenum">
+              <a:rPr lang="zh-TW" altLang="en-US" smtClean="0"/>
+              <a:t>50</a:t>
+            </a:fld>
+            <a:endParaRPr lang="zh-TW" altLang="en-US"/>
+          </a:p>
+        </p:txBody>
+      </p:sp>
+    </p:spTree>
+    <p:extLst>
+      <p:ext uri="{BB962C8B-B14F-4D97-AF65-F5344CB8AC3E}">
+        <p14:creationId xmlns:p14="http://schemas.microsoft.com/office/powerpoint/2010/main" val="1446192108"/>
+      </p:ext>
+    </p:extLst>
+  </p:cSld>
+  <p:clrMapOvr>
+    <a:masterClrMapping/>
+  </p:clrMapOvr>
+</p:sld>
+</file>
+
+<file path=ppt/slides/slide51.xml><?xml version="1.0" encoding="utf-8"?>
+<p:sld xmlns:a="http://schemas.openxmlformats.org/drawingml/2006/main" xmlns:r="http://schemas.openxmlformats.org/officeDocument/2006/relationships" xmlns:p="http://schemas.openxmlformats.org/presentationml/2006/main">
+  <p:cSld>
+    <p:spTree>
+      <p:nvGrpSpPr>
+        <p:cNvPr id="1" name=""/>
+        <p:cNvGrpSpPr/>
+        <p:nvPr/>
+      </p:nvGrpSpPr>
+      <p:grpSpPr>
+        <a:xfrm>
+          <a:off x="0" y="0"/>
+          <a:ext cx="0" cy="0"/>
+          <a:chOff x="0" y="0"/>
+          <a:chExt cx="0" cy="0"/>
+        </a:xfrm>
+      </p:grpSpPr>
+      <p:sp>
+        <p:nvSpPr>
+          <p:cNvPr id="2" name="標題 1">
+            <a:extLst>
+              <a:ext uri="{FF2B5EF4-FFF2-40B4-BE49-F238E27FC236}">
+                <a16:creationId xmlns:a16="http://schemas.microsoft.com/office/drawing/2014/main" id="{406DF550-CEF1-4501-B3F3-A8E81999EBB0}"/>
+              </a:ext>
+            </a:extLst>
+          </p:cNvPr>
+          <p:cNvSpPr>
+            <a:spLocks noGrp="1"/>
+          </p:cNvSpPr>
+          <p:nvPr>
+            <p:ph type="title"/>
+          </p:nvPr>
+        </p:nvSpPr>
+        <p:spPr/>
+        <p:txBody>
+          <a:bodyPr/>
+          <a:lstStyle/>
+          <a:p>
+            <a:r>
+              <a:rPr lang="zh-TW" altLang="en-US" dirty="0"/>
+              <a:t>從年資來做分析</a:t>
+            </a:r>
+          </a:p>
+        </p:txBody>
+      </p:sp>
+      <p:sp>
+        <p:nvSpPr>
+          <p:cNvPr id="3" name="內容版面配置區 2">
+            <a:extLst>
+              <a:ext uri="{FF2B5EF4-FFF2-40B4-BE49-F238E27FC236}">
+                <a16:creationId xmlns:a16="http://schemas.microsoft.com/office/drawing/2014/main" id="{4965CA5C-B6C0-4896-966C-B2ECA2360B16}"/>
+              </a:ext>
+            </a:extLst>
+          </p:cNvPr>
+          <p:cNvSpPr>
+            <a:spLocks noGrp="1"/>
+          </p:cNvSpPr>
+          <p:nvPr>
+            <p:ph idx="1"/>
+          </p:nvPr>
+        </p:nvSpPr>
+        <p:spPr/>
+        <p:txBody>
+          <a:bodyPr/>
+          <a:lstStyle/>
+          <a:p>
+            <a:endParaRPr lang="zh-TW" altLang="en-US"/>
+          </a:p>
+        </p:txBody>
+      </p:sp>
+      <p:sp>
+        <p:nvSpPr>
+          <p:cNvPr id="4" name="投影片編號版面配置區 3">
+            <a:extLst>
+              <a:ext uri="{FF2B5EF4-FFF2-40B4-BE49-F238E27FC236}">
+                <a16:creationId xmlns:a16="http://schemas.microsoft.com/office/drawing/2014/main" id="{8162E762-BC1A-483D-93FD-2F19394A1B25}"/>
+              </a:ext>
+            </a:extLst>
+          </p:cNvPr>
+          <p:cNvSpPr>
+            <a:spLocks noGrp="1"/>
+          </p:cNvSpPr>
+          <p:nvPr>
+            <p:ph type="sldNum" sz="quarter" idx="12"/>
+          </p:nvPr>
+        </p:nvSpPr>
+        <p:spPr/>
+        <p:txBody>
+          <a:bodyPr/>
+          <a:lstStyle/>
+          <a:p>
+            <a:fld id="{F230EE04-BD3A-40AA-92AC-647453D5DADF}" type="slidenum">
+              <a:rPr lang="zh-TW" altLang="en-US" smtClean="0"/>
+              <a:t>51</a:t>
+            </a:fld>
+            <a:endParaRPr lang="zh-TW" altLang="en-US"/>
+          </a:p>
+        </p:txBody>
+      </p:sp>
+    </p:spTree>
+    <p:extLst>
+      <p:ext uri="{BB962C8B-B14F-4D97-AF65-F5344CB8AC3E}">
+        <p14:creationId xmlns:p14="http://schemas.microsoft.com/office/powerpoint/2010/main" val="833761729"/>
+      </p:ext>
+    </p:extLst>
+  </p:cSld>
+  <p:clrMapOvr>
+    <a:masterClrMapping/>
+  </p:clrMapOvr>
+</p:sld>
+</file>
+
+<file path=ppt/slides/slide52.xml><?xml version="1.0" encoding="utf-8"?>
+<p:sld xmlns:a="http://schemas.openxmlformats.org/drawingml/2006/main" xmlns:r="http://schemas.openxmlformats.org/officeDocument/2006/relationships" xmlns:p="http://schemas.openxmlformats.org/presentationml/2006/main">
+  <p:cSld>
+    <p:spTree>
+      <p:nvGrpSpPr>
+        <p:cNvPr id="1" name=""/>
+        <p:cNvGrpSpPr/>
+        <p:nvPr/>
+      </p:nvGrpSpPr>
+      <p:grpSpPr>
+        <a:xfrm>
+          <a:off x="0" y="0"/>
+          <a:ext cx="0" cy="0"/>
+          <a:chOff x="0" y="0"/>
+          <a:chExt cx="0" cy="0"/>
+        </a:xfrm>
+      </p:grpSpPr>
+      <p:sp>
+        <p:nvSpPr>
+          <p:cNvPr id="2" name="標題 1">
+            <a:extLst>
+              <a:ext uri="{FF2B5EF4-FFF2-40B4-BE49-F238E27FC236}">
+                <a16:creationId xmlns:a16="http://schemas.microsoft.com/office/drawing/2014/main" id="{7EDDE160-6A2C-4C3D-816F-96C9219D401F}"/>
+              </a:ext>
+            </a:extLst>
+          </p:cNvPr>
+          <p:cNvSpPr>
+            <a:spLocks noGrp="1"/>
+          </p:cNvSpPr>
+          <p:nvPr>
+            <p:ph type="title"/>
+          </p:nvPr>
+        </p:nvSpPr>
+        <p:spPr/>
+        <p:txBody>
+          <a:bodyPr/>
+          <a:lstStyle/>
+          <a:p>
+            <a:r>
+              <a:rPr lang="zh-TW" altLang="en-US" dirty="0"/>
+              <a:t>從主觀壓力指數量表</a:t>
+            </a:r>
+            <a:r>
+              <a:rPr lang="en-US" altLang="zh-TW" dirty="0"/>
+              <a:t>(VAS)</a:t>
+            </a:r>
+            <a:r>
+              <a:rPr lang="zh-TW" altLang="en-US" dirty="0"/>
+              <a:t>來做分析</a:t>
+            </a:r>
+          </a:p>
+        </p:txBody>
+      </p:sp>
+      <p:sp>
+        <p:nvSpPr>
+          <p:cNvPr id="3" name="內容版面配置區 2">
+            <a:extLst>
+              <a:ext uri="{FF2B5EF4-FFF2-40B4-BE49-F238E27FC236}">
+                <a16:creationId xmlns:a16="http://schemas.microsoft.com/office/drawing/2014/main" id="{65117D54-FB35-433E-B0FE-2F42F19FE266}"/>
+              </a:ext>
+            </a:extLst>
+          </p:cNvPr>
+          <p:cNvSpPr>
+            <a:spLocks noGrp="1"/>
+          </p:cNvSpPr>
+          <p:nvPr>
+            <p:ph idx="1"/>
+          </p:nvPr>
+        </p:nvSpPr>
+        <p:spPr/>
+        <p:txBody>
+          <a:bodyPr/>
+          <a:lstStyle/>
+          <a:p>
+            <a:endParaRPr lang="zh-TW" altLang="en-US" dirty="0"/>
+          </a:p>
+        </p:txBody>
+      </p:sp>
+      <p:sp>
+        <p:nvSpPr>
+          <p:cNvPr id="4" name="投影片編號版面配置區 3">
+            <a:extLst>
+              <a:ext uri="{FF2B5EF4-FFF2-40B4-BE49-F238E27FC236}">
+                <a16:creationId xmlns:a16="http://schemas.microsoft.com/office/drawing/2014/main" id="{DDCE5996-DAE0-457D-9664-54480BA07502}"/>
+              </a:ext>
+            </a:extLst>
+          </p:cNvPr>
+          <p:cNvSpPr>
+            <a:spLocks noGrp="1"/>
+          </p:cNvSpPr>
+          <p:nvPr>
+            <p:ph type="sldNum" sz="quarter" idx="12"/>
+          </p:nvPr>
+        </p:nvSpPr>
+        <p:spPr/>
+        <p:txBody>
+          <a:bodyPr/>
+          <a:lstStyle/>
+          <a:p>
+            <a:fld id="{F230EE04-BD3A-40AA-92AC-647453D5DADF}" type="slidenum">
+              <a:rPr lang="zh-TW" altLang="en-US" smtClean="0"/>
+              <a:t>52</a:t>
+            </a:fld>
+            <a:endParaRPr lang="zh-TW" altLang="en-US"/>
+          </a:p>
+        </p:txBody>
+      </p:sp>
+    </p:spTree>
+    <p:extLst>
+      <p:ext uri="{BB962C8B-B14F-4D97-AF65-F5344CB8AC3E}">
+        <p14:creationId xmlns:p14="http://schemas.microsoft.com/office/powerpoint/2010/main" val="1613753168"/>
+      </p:ext>
+    </p:extLst>
+  </p:cSld>
+  <p:clrMapOvr>
+    <a:masterClrMapping/>
+  </p:clrMapOvr>
+</p:sld>
+</file>
+
+<file path=ppt/slides/slide53.xml><?xml version="1.0" encoding="utf-8"?>
+<p:sld xmlns:a="http://schemas.openxmlformats.org/drawingml/2006/main" xmlns:r="http://schemas.openxmlformats.org/officeDocument/2006/relationships" xmlns:p="http://schemas.openxmlformats.org/presentationml/2006/main">
+  <p:cSld>
+    <p:spTree>
+      <p:nvGrpSpPr>
+        <p:cNvPr id="1" name=""/>
+        <p:cNvGrpSpPr/>
+        <p:nvPr/>
+      </p:nvGrpSpPr>
+      <p:grpSpPr>
+        <a:xfrm>
+          <a:off x="0" y="0"/>
+          <a:ext cx="0" cy="0"/>
+          <a:chOff x="0" y="0"/>
+          <a:chExt cx="0" cy="0"/>
+        </a:xfrm>
+      </p:grpSpPr>
+      <p:sp>
+        <p:nvSpPr>
+          <p:cNvPr id="2" name="標題 1">
+            <a:extLst>
+              <a:ext uri="{FF2B5EF4-FFF2-40B4-BE49-F238E27FC236}">
+                <a16:creationId xmlns:a16="http://schemas.microsoft.com/office/drawing/2014/main" id="{32F124A0-DA31-4BCB-9672-10AD0FE6CBEE}"/>
+              </a:ext>
+            </a:extLst>
+          </p:cNvPr>
+          <p:cNvSpPr>
+            <a:spLocks noGrp="1"/>
+          </p:cNvSpPr>
+          <p:nvPr>
+            <p:ph type="title"/>
+          </p:nvPr>
+        </p:nvSpPr>
+        <p:spPr/>
+        <p:txBody>
+          <a:bodyPr/>
+          <a:lstStyle/>
+          <a:p>
+            <a:r>
+              <a:rPr lang="zh-TW" altLang="en-US" dirty="0"/>
+              <a:t>從</a:t>
+            </a:r>
+            <a:r>
+              <a:rPr lang="en-US" altLang="zh-TW" dirty="0"/>
+              <a:t>AHI</a:t>
+            </a:r>
+            <a:r>
+              <a:rPr lang="zh-TW" altLang="en-US" dirty="0"/>
+              <a:t>、</a:t>
+            </a:r>
+            <a:r>
+              <a:rPr lang="en-US" altLang="zh-TW" dirty="0"/>
+              <a:t>AI</a:t>
+            </a:r>
+            <a:r>
+              <a:rPr lang="zh-TW" altLang="en-US" dirty="0"/>
+              <a:t>、</a:t>
+            </a:r>
+            <a:r>
+              <a:rPr lang="en-US" altLang="zh-TW" dirty="0"/>
+              <a:t>HI</a:t>
+            </a:r>
+            <a:r>
+              <a:rPr lang="zh-TW" altLang="en-US" dirty="0"/>
+              <a:t>來做分析</a:t>
+            </a:r>
+          </a:p>
+        </p:txBody>
+      </p:sp>
+      <p:sp>
+        <p:nvSpPr>
+          <p:cNvPr id="3" name="內容版面配置區 2">
+            <a:extLst>
+              <a:ext uri="{FF2B5EF4-FFF2-40B4-BE49-F238E27FC236}">
+                <a16:creationId xmlns:a16="http://schemas.microsoft.com/office/drawing/2014/main" id="{A6F96C90-82C8-4A8C-A5F6-3AF0304642D2}"/>
+              </a:ext>
+            </a:extLst>
+          </p:cNvPr>
+          <p:cNvSpPr>
+            <a:spLocks noGrp="1"/>
+          </p:cNvSpPr>
+          <p:nvPr>
+            <p:ph idx="1"/>
+          </p:nvPr>
+        </p:nvSpPr>
+        <p:spPr/>
+        <p:txBody>
+          <a:bodyPr/>
+          <a:lstStyle/>
+          <a:p>
+            <a:endParaRPr lang="zh-TW" altLang="en-US" dirty="0"/>
+          </a:p>
+        </p:txBody>
+      </p:sp>
+      <p:sp>
+        <p:nvSpPr>
+          <p:cNvPr id="4" name="投影片編號版面配置區 3">
+            <a:extLst>
+              <a:ext uri="{FF2B5EF4-FFF2-40B4-BE49-F238E27FC236}">
+                <a16:creationId xmlns:a16="http://schemas.microsoft.com/office/drawing/2014/main" id="{FE8D693E-C75B-4D60-9BF8-8D0B890ABCB0}"/>
+              </a:ext>
+            </a:extLst>
+          </p:cNvPr>
+          <p:cNvSpPr>
+            <a:spLocks noGrp="1"/>
+          </p:cNvSpPr>
+          <p:nvPr>
+            <p:ph type="sldNum" sz="quarter" idx="12"/>
+          </p:nvPr>
+        </p:nvSpPr>
+        <p:spPr/>
+        <p:txBody>
+          <a:bodyPr/>
+          <a:lstStyle/>
+          <a:p>
+            <a:fld id="{F230EE04-BD3A-40AA-92AC-647453D5DADF}" type="slidenum">
+              <a:rPr lang="zh-TW" altLang="en-US" smtClean="0"/>
+              <a:t>53</a:t>
+            </a:fld>
+            <a:endParaRPr lang="zh-TW" altLang="en-US"/>
+          </a:p>
+        </p:txBody>
+      </p:sp>
+    </p:spTree>
+    <p:extLst>
+      <p:ext uri="{BB962C8B-B14F-4D97-AF65-F5344CB8AC3E}">
+        <p14:creationId xmlns:p14="http://schemas.microsoft.com/office/powerpoint/2010/main" val="2668467491"/>
+      </p:ext>
+    </p:extLst>
+  </p:cSld>
+  <p:clrMapOvr>
+    <a:masterClrMapping/>
+  </p:clrMapOvr>
+</p:sld>
+</file>
+
+<file path=ppt/slides/slide54.xml><?xml version="1.0" encoding="utf-8"?>
+<p:sld xmlns:a="http://schemas.openxmlformats.org/drawingml/2006/main" xmlns:r="http://schemas.openxmlformats.org/officeDocument/2006/relationships" xmlns:p="http://schemas.openxmlformats.org/presentationml/2006/main">
+  <p:cSld>
+    <p:spTree>
+      <p:nvGrpSpPr>
+        <p:cNvPr id="1" name=""/>
+        <p:cNvGrpSpPr/>
+        <p:nvPr/>
+      </p:nvGrpSpPr>
+      <p:grpSpPr>
+        <a:xfrm>
+          <a:off x="0" y="0"/>
+          <a:ext cx="0" cy="0"/>
+          <a:chOff x="0" y="0"/>
+          <a:chExt cx="0" cy="0"/>
+        </a:xfrm>
+      </p:grpSpPr>
+      <p:sp>
+        <p:nvSpPr>
+          <p:cNvPr id="2" name="標題 1">
+            <a:extLst>
+              <a:ext uri="{FF2B5EF4-FFF2-40B4-BE49-F238E27FC236}">
+                <a16:creationId xmlns:a16="http://schemas.microsoft.com/office/drawing/2014/main" id="{1E020D55-BFA4-4730-99A9-55B0BEFE71DD}"/>
+              </a:ext>
+            </a:extLst>
+          </p:cNvPr>
+          <p:cNvSpPr>
+            <a:spLocks noGrp="1"/>
+          </p:cNvSpPr>
+          <p:nvPr>
+            <p:ph type="title"/>
+          </p:nvPr>
+        </p:nvSpPr>
+        <p:spPr/>
+        <p:txBody>
+          <a:bodyPr/>
+          <a:lstStyle/>
+          <a:p>
+            <a:r>
+              <a:rPr lang="en-US" altLang="zh-TW" dirty="0"/>
+              <a:t>AHI</a:t>
+            </a:r>
+            <a:r>
+              <a:rPr lang="zh-TW" altLang="en-US" dirty="0"/>
+              <a:t> </a:t>
+            </a:r>
+            <a:r>
+              <a:rPr lang="en-US" altLang="zh-TW" dirty="0"/>
+              <a:t>&lt; 15(</a:t>
+            </a:r>
+            <a:r>
+              <a:rPr lang="zh-TW" altLang="en-US" dirty="0"/>
+              <a:t>輕度以下</a:t>
+            </a:r>
+            <a:r>
+              <a:rPr lang="en-US" altLang="zh-TW" dirty="0"/>
+              <a:t>)</a:t>
+            </a:r>
+            <a:endParaRPr lang="zh-TW" altLang="en-US" dirty="0"/>
+          </a:p>
+        </p:txBody>
+      </p:sp>
+      <p:sp>
+        <p:nvSpPr>
+          <p:cNvPr id="4" name="投影片編號版面配置區 3">
+            <a:extLst>
+              <a:ext uri="{FF2B5EF4-FFF2-40B4-BE49-F238E27FC236}">
+                <a16:creationId xmlns:a16="http://schemas.microsoft.com/office/drawing/2014/main" id="{DEFD3255-5369-4C7B-A8EA-B06A6BE4094F}"/>
+              </a:ext>
+            </a:extLst>
+          </p:cNvPr>
+          <p:cNvSpPr>
+            <a:spLocks noGrp="1"/>
+          </p:cNvSpPr>
+          <p:nvPr>
+            <p:ph type="sldNum" sz="quarter" idx="12"/>
+          </p:nvPr>
+        </p:nvSpPr>
+        <p:spPr/>
+        <p:txBody>
+          <a:bodyPr/>
+          <a:lstStyle/>
+          <a:p>
+            <a:fld id="{F230EE04-BD3A-40AA-92AC-647453D5DADF}" type="slidenum">
+              <a:rPr lang="zh-TW" altLang="en-US" smtClean="0"/>
+              <a:t>54</a:t>
+            </a:fld>
+            <a:endParaRPr lang="zh-TW" altLang="en-US"/>
+          </a:p>
+        </p:txBody>
+      </p:sp>
+      <p:pic>
+        <p:nvPicPr>
+          <p:cNvPr id="6" name="圖片 5">
+            <a:extLst>
+              <a:ext uri="{FF2B5EF4-FFF2-40B4-BE49-F238E27FC236}">
+                <a16:creationId xmlns:a16="http://schemas.microsoft.com/office/drawing/2014/main" id="{9D10FDD5-9B0A-49B2-9B2C-7E3DCABBE6D0}"/>
+              </a:ext>
+            </a:extLst>
+          </p:cNvPr>
+          <p:cNvPicPr>
+            <a:picLocks noChangeAspect="1"/>
+          </p:cNvPicPr>
+          <p:nvPr/>
+        </p:nvPicPr>
+        <p:blipFill>
+          <a:blip r:embed="rId2"/>
+          <a:stretch>
+            <a:fillRect/>
+          </a:stretch>
+        </p:blipFill>
+        <p:spPr>
+          <a:xfrm>
+            <a:off x="788536" y="1898646"/>
+            <a:ext cx="10355120" cy="4782217"/>
+          </a:xfrm>
+          <a:prstGeom prst="rect">
+            <a:avLst/>
+          </a:prstGeom>
+        </p:spPr>
+      </p:pic>
+      <p:sp>
+        <p:nvSpPr>
+          <p:cNvPr id="7" name="內容版面配置區 2">
+            <a:extLst>
+              <a:ext uri="{FF2B5EF4-FFF2-40B4-BE49-F238E27FC236}">
+                <a16:creationId xmlns:a16="http://schemas.microsoft.com/office/drawing/2014/main" id="{AFFA93E3-9AAC-4512-8C98-3ABE2CC64DB0}"/>
+              </a:ext>
+            </a:extLst>
+          </p:cNvPr>
+          <p:cNvSpPr>
+            <a:spLocks noGrp="1"/>
+          </p:cNvSpPr>
+          <p:nvPr>
+            <p:ph idx="1"/>
+          </p:nvPr>
+        </p:nvSpPr>
+        <p:spPr>
+          <a:xfrm>
+            <a:off x="720436" y="1321725"/>
+            <a:ext cx="10633364" cy="515954"/>
+          </a:xfrm>
+        </p:spPr>
+        <p:txBody>
+          <a:bodyPr/>
+          <a:lstStyle/>
+          <a:p>
+            <a:r>
+              <a:rPr lang="en-US" altLang="zh-TW" dirty="0"/>
+              <a:t>REM</a:t>
+            </a:r>
+            <a:r>
+              <a:rPr lang="zh-TW" altLang="en-US" dirty="0"/>
+              <a:t>總次數：</a:t>
+            </a:r>
+            <a:r>
+              <a:rPr lang="zh-TW" altLang="en-US" dirty="0">
+                <a:solidFill>
+                  <a:srgbClr val="FF0000"/>
+                </a:solidFill>
+              </a:rPr>
+              <a:t>提高</a:t>
+            </a:r>
+            <a:r>
+              <a:rPr lang="en-US" altLang="zh-TW" dirty="0">
+                <a:solidFill>
+                  <a:srgbClr val="FF0000"/>
+                </a:solidFill>
+              </a:rPr>
+              <a:t>6</a:t>
+            </a:r>
+            <a:r>
+              <a:rPr lang="en-US" altLang="zh-TW"/>
+              <a:t> </a:t>
+            </a:r>
+            <a:r>
+              <a:rPr lang="zh-TW" altLang="en-US" dirty="0">
+                <a:solidFill>
+                  <a:srgbClr val="0070C0"/>
+                </a:solidFill>
+              </a:rPr>
+              <a:t>降低</a:t>
+            </a:r>
+            <a:r>
+              <a:rPr lang="en-US" altLang="zh-TW" dirty="0">
+                <a:solidFill>
+                  <a:srgbClr val="0070C0"/>
+                </a:solidFill>
+              </a:rPr>
+              <a:t>7</a:t>
+            </a:r>
+            <a:endParaRPr lang="zh-TW" altLang="en-US" dirty="0"/>
+          </a:p>
+        </p:txBody>
+      </p:sp>
+    </p:spTree>
+    <p:extLst>
+      <p:ext uri="{BB962C8B-B14F-4D97-AF65-F5344CB8AC3E}">
+        <p14:creationId xmlns:p14="http://schemas.microsoft.com/office/powerpoint/2010/main" val="2854016340"/>
+      </p:ext>
+    </p:extLst>
+  </p:cSld>
+  <p:clrMapOvr>
+    <a:masterClrMapping/>
+  </p:clrMapOvr>
+</p:sld>
+</file>
+
+<file path=ppt/slides/slide55.xml><?xml version="1.0" encoding="utf-8"?>
+<p:sld xmlns:a="http://schemas.openxmlformats.org/drawingml/2006/main" xmlns:r="http://schemas.openxmlformats.org/officeDocument/2006/relationships" xmlns:p="http://schemas.openxmlformats.org/presentationml/2006/main">
+  <p:cSld>
+    <p:spTree>
+      <p:nvGrpSpPr>
+        <p:cNvPr id="1" name=""/>
+        <p:cNvGrpSpPr/>
+        <p:nvPr/>
+      </p:nvGrpSpPr>
+      <p:grpSpPr>
+        <a:xfrm>
+          <a:off x="0" y="0"/>
+          <a:ext cx="0" cy="0"/>
+          <a:chOff x="0" y="0"/>
+          <a:chExt cx="0" cy="0"/>
+        </a:xfrm>
+      </p:grpSpPr>
+      <p:sp>
+        <p:nvSpPr>
+          <p:cNvPr id="2" name="標題 1">
+            <a:extLst>
+              <a:ext uri="{FF2B5EF4-FFF2-40B4-BE49-F238E27FC236}">
+                <a16:creationId xmlns:a16="http://schemas.microsoft.com/office/drawing/2014/main" id="{BD97720E-82ED-4613-BB4D-2A638C1179E7}"/>
+              </a:ext>
+            </a:extLst>
+          </p:cNvPr>
+          <p:cNvSpPr>
+            <a:spLocks noGrp="1"/>
+          </p:cNvSpPr>
+          <p:nvPr>
+            <p:ph type="title"/>
+          </p:nvPr>
+        </p:nvSpPr>
+        <p:spPr/>
+        <p:txBody>
+          <a:bodyPr/>
+          <a:lstStyle/>
+          <a:p>
+            <a:r>
+              <a:rPr lang="en-US" altLang="zh-TW" dirty="0"/>
+              <a:t>AHI</a:t>
+            </a:r>
+            <a:r>
+              <a:rPr lang="zh-TW" altLang="en-US" dirty="0"/>
+              <a:t> </a:t>
+            </a:r>
+            <a:r>
+              <a:rPr lang="en-US" altLang="zh-TW" dirty="0"/>
+              <a:t>&lt; 15(</a:t>
+            </a:r>
+            <a:r>
+              <a:rPr lang="zh-TW" altLang="en-US" dirty="0"/>
+              <a:t>輕度以下</a:t>
+            </a:r>
+            <a:r>
+              <a:rPr lang="en-US" altLang="zh-TW" dirty="0"/>
+              <a:t>)</a:t>
+            </a:r>
+            <a:endParaRPr lang="zh-TW" altLang="en-US" dirty="0"/>
+          </a:p>
+        </p:txBody>
+      </p:sp>
+      <p:sp>
+        <p:nvSpPr>
+          <p:cNvPr id="4" name="投影片編號版面配置區 3">
+            <a:extLst>
+              <a:ext uri="{FF2B5EF4-FFF2-40B4-BE49-F238E27FC236}">
+                <a16:creationId xmlns:a16="http://schemas.microsoft.com/office/drawing/2014/main" id="{44DFA323-1BE1-4505-A616-48CB90D96C12}"/>
+              </a:ext>
+            </a:extLst>
+          </p:cNvPr>
+          <p:cNvSpPr>
+            <a:spLocks noGrp="1"/>
+          </p:cNvSpPr>
+          <p:nvPr>
+            <p:ph type="sldNum" sz="quarter" idx="12"/>
+          </p:nvPr>
+        </p:nvSpPr>
+        <p:spPr/>
+        <p:txBody>
+          <a:bodyPr/>
+          <a:lstStyle/>
+          <a:p>
+            <a:fld id="{F230EE04-BD3A-40AA-92AC-647453D5DADF}" type="slidenum">
+              <a:rPr lang="zh-TW" altLang="en-US" smtClean="0"/>
+              <a:t>55</a:t>
+            </a:fld>
+            <a:endParaRPr lang="zh-TW" altLang="en-US"/>
+          </a:p>
+        </p:txBody>
+      </p:sp>
+      <p:pic>
+        <p:nvPicPr>
+          <p:cNvPr id="6" name="圖片 5">
+            <a:extLst>
+              <a:ext uri="{FF2B5EF4-FFF2-40B4-BE49-F238E27FC236}">
+                <a16:creationId xmlns:a16="http://schemas.microsoft.com/office/drawing/2014/main" id="{E2B6E091-0CF3-4EF4-A590-0419997D3DAF}"/>
+              </a:ext>
+            </a:extLst>
+          </p:cNvPr>
+          <p:cNvPicPr>
+            <a:picLocks noChangeAspect="1"/>
+          </p:cNvPicPr>
+          <p:nvPr/>
+        </p:nvPicPr>
+        <p:blipFill>
+          <a:blip r:embed="rId2"/>
+          <a:stretch>
+            <a:fillRect/>
+          </a:stretch>
+        </p:blipFill>
+        <p:spPr>
+          <a:xfrm>
+            <a:off x="812353" y="1974856"/>
+            <a:ext cx="10307488" cy="4706007"/>
+          </a:xfrm>
+          <a:prstGeom prst="rect">
+            <a:avLst/>
+          </a:prstGeom>
+        </p:spPr>
+      </p:pic>
+      <p:sp>
+        <p:nvSpPr>
+          <p:cNvPr id="7" name="內容版面配置區 2">
+            <a:extLst>
+              <a:ext uri="{FF2B5EF4-FFF2-40B4-BE49-F238E27FC236}">
+                <a16:creationId xmlns:a16="http://schemas.microsoft.com/office/drawing/2014/main" id="{266CF69B-0AA3-418D-AE66-C497296B2476}"/>
+              </a:ext>
+            </a:extLst>
+          </p:cNvPr>
+          <p:cNvSpPr>
+            <a:spLocks noGrp="1"/>
+          </p:cNvSpPr>
+          <p:nvPr>
+            <p:ph idx="1"/>
+          </p:nvPr>
+        </p:nvSpPr>
+        <p:spPr>
+          <a:xfrm>
+            <a:off x="720436" y="1321725"/>
+            <a:ext cx="10633364" cy="515954"/>
+          </a:xfrm>
+        </p:spPr>
+        <p:txBody>
+          <a:bodyPr/>
+          <a:lstStyle/>
+          <a:p>
+            <a:r>
+              <a:rPr lang="en-US" altLang="zh-TW" dirty="0"/>
+              <a:t>REM</a:t>
+            </a:r>
+            <a:r>
+              <a:rPr lang="zh-TW" altLang="en-US" dirty="0"/>
+              <a:t>總秒數：</a:t>
+            </a:r>
+            <a:r>
+              <a:rPr lang="zh-TW" altLang="en-US" dirty="0">
+                <a:solidFill>
+                  <a:srgbClr val="FF0000"/>
+                </a:solidFill>
+              </a:rPr>
+              <a:t>提高</a:t>
+            </a:r>
+            <a:r>
+              <a:rPr lang="en-US" altLang="zh-TW" dirty="0">
+                <a:solidFill>
+                  <a:srgbClr val="FF0000"/>
+                </a:solidFill>
+              </a:rPr>
+              <a:t>6</a:t>
+            </a:r>
+            <a:r>
+              <a:rPr lang="en-US" altLang="zh-TW" dirty="0"/>
+              <a:t> </a:t>
+            </a:r>
+            <a:r>
+              <a:rPr lang="zh-TW" altLang="en-US" dirty="0">
+                <a:solidFill>
+                  <a:srgbClr val="0070C0"/>
+                </a:solidFill>
+              </a:rPr>
+              <a:t>降低</a:t>
+            </a:r>
+            <a:r>
+              <a:rPr lang="en-US" altLang="zh-TW" dirty="0">
+                <a:solidFill>
+                  <a:srgbClr val="0070C0"/>
+                </a:solidFill>
+              </a:rPr>
+              <a:t>9</a:t>
+            </a:r>
+            <a:endParaRPr lang="zh-TW" altLang="en-US" dirty="0"/>
+          </a:p>
+        </p:txBody>
+      </p:sp>
+    </p:spTree>
+    <p:extLst>
+      <p:ext uri="{BB962C8B-B14F-4D97-AF65-F5344CB8AC3E}">
+        <p14:creationId xmlns:p14="http://schemas.microsoft.com/office/powerpoint/2010/main" val="2682708381"/>
+      </p:ext>
+    </p:extLst>
+  </p:cSld>
+  <p:clrMapOvr>
+    <a:masterClrMapping/>
+  </p:clrMapOvr>
+</p:sld>
+</file>
+
+<file path=ppt/slides/slide56.xml><?xml version="1.0" encoding="utf-8"?>
+<p:sld xmlns:a="http://schemas.openxmlformats.org/drawingml/2006/main" xmlns:r="http://schemas.openxmlformats.org/officeDocument/2006/relationships" xmlns:p="http://schemas.openxmlformats.org/presentationml/2006/main">
+  <p:cSld>
+    <p:spTree>
+      <p:nvGrpSpPr>
+        <p:cNvPr id="1" name=""/>
+        <p:cNvGrpSpPr/>
+        <p:nvPr/>
+      </p:nvGrpSpPr>
+      <p:grpSpPr>
+        <a:xfrm>
+          <a:off x="0" y="0"/>
+          <a:ext cx="0" cy="0"/>
+          <a:chOff x="0" y="0"/>
+          <a:chExt cx="0" cy="0"/>
+        </a:xfrm>
+      </p:grpSpPr>
+      <p:sp>
+        <p:nvSpPr>
+          <p:cNvPr id="2" name="標題 1">
+            <a:extLst>
+              <a:ext uri="{FF2B5EF4-FFF2-40B4-BE49-F238E27FC236}">
+                <a16:creationId xmlns:a16="http://schemas.microsoft.com/office/drawing/2014/main" id="{ED206A94-D1CA-43F4-AAB9-9551BB55D191}"/>
+              </a:ext>
+            </a:extLst>
+          </p:cNvPr>
+          <p:cNvSpPr>
+            <a:spLocks noGrp="1"/>
+          </p:cNvSpPr>
+          <p:nvPr>
+            <p:ph type="title"/>
+          </p:nvPr>
+        </p:nvSpPr>
+        <p:spPr/>
+        <p:txBody>
+          <a:bodyPr/>
+          <a:lstStyle/>
+          <a:p>
+            <a:r>
+              <a:rPr lang="en-US" altLang="zh-TW" dirty="0"/>
+              <a:t>AHI</a:t>
+            </a:r>
+            <a:r>
+              <a:rPr lang="zh-TW" altLang="en-US" dirty="0"/>
+              <a:t> </a:t>
+            </a:r>
+            <a:r>
+              <a:rPr lang="en-US" altLang="zh-TW" dirty="0"/>
+              <a:t>&lt; 15(</a:t>
+            </a:r>
+            <a:r>
+              <a:rPr lang="zh-TW" altLang="en-US" dirty="0"/>
+              <a:t>輕度以下</a:t>
+            </a:r>
+            <a:r>
+              <a:rPr lang="en-US" altLang="zh-TW" dirty="0"/>
+              <a:t>)</a:t>
+            </a:r>
+            <a:endParaRPr lang="zh-TW" altLang="en-US" dirty="0"/>
+          </a:p>
+        </p:txBody>
+      </p:sp>
+      <p:sp>
+        <p:nvSpPr>
+          <p:cNvPr id="4" name="投影片編號版面配置區 3">
+            <a:extLst>
+              <a:ext uri="{FF2B5EF4-FFF2-40B4-BE49-F238E27FC236}">
+                <a16:creationId xmlns:a16="http://schemas.microsoft.com/office/drawing/2014/main" id="{D9A3EE6E-F141-4268-94F1-C8E26C64C618}"/>
+              </a:ext>
+            </a:extLst>
+          </p:cNvPr>
+          <p:cNvSpPr>
+            <a:spLocks noGrp="1"/>
+          </p:cNvSpPr>
+          <p:nvPr>
+            <p:ph type="sldNum" sz="quarter" idx="12"/>
+          </p:nvPr>
+        </p:nvSpPr>
+        <p:spPr/>
+        <p:txBody>
+          <a:bodyPr/>
+          <a:lstStyle/>
+          <a:p>
+            <a:fld id="{F230EE04-BD3A-40AA-92AC-647453D5DADF}" type="slidenum">
+              <a:rPr lang="zh-TW" altLang="en-US" smtClean="0"/>
+              <a:t>56</a:t>
+            </a:fld>
+            <a:endParaRPr lang="zh-TW" altLang="en-US"/>
+          </a:p>
+        </p:txBody>
+      </p:sp>
+      <p:pic>
+        <p:nvPicPr>
+          <p:cNvPr id="6" name="圖片 5">
+            <a:extLst>
+              <a:ext uri="{FF2B5EF4-FFF2-40B4-BE49-F238E27FC236}">
+                <a16:creationId xmlns:a16="http://schemas.microsoft.com/office/drawing/2014/main" id="{D81FC805-1743-4D17-8B72-9B561A76E82E}"/>
+              </a:ext>
+            </a:extLst>
+          </p:cNvPr>
+          <p:cNvPicPr>
+            <a:picLocks noChangeAspect="1"/>
+          </p:cNvPicPr>
+          <p:nvPr/>
+        </p:nvPicPr>
+        <p:blipFill>
+          <a:blip r:embed="rId2"/>
+          <a:stretch>
+            <a:fillRect/>
+          </a:stretch>
+        </p:blipFill>
+        <p:spPr>
+          <a:xfrm>
+            <a:off x="888137" y="1893164"/>
+            <a:ext cx="10297962" cy="4734586"/>
+          </a:xfrm>
+          <a:prstGeom prst="rect">
+            <a:avLst/>
+          </a:prstGeom>
+        </p:spPr>
+      </p:pic>
+      <p:sp>
+        <p:nvSpPr>
+          <p:cNvPr id="7" name="內容版面配置區 2">
+            <a:extLst>
+              <a:ext uri="{FF2B5EF4-FFF2-40B4-BE49-F238E27FC236}">
+                <a16:creationId xmlns:a16="http://schemas.microsoft.com/office/drawing/2014/main" id="{BEC36FD1-7F31-4580-877A-9ED8569A75D8}"/>
+              </a:ext>
+            </a:extLst>
+          </p:cNvPr>
+          <p:cNvSpPr>
+            <a:spLocks noGrp="1"/>
+          </p:cNvSpPr>
+          <p:nvPr>
+            <p:ph idx="1"/>
+          </p:nvPr>
+        </p:nvSpPr>
+        <p:spPr>
+          <a:xfrm>
+            <a:off x="720436" y="1321725"/>
+            <a:ext cx="10633364" cy="515954"/>
+          </a:xfrm>
+        </p:spPr>
+        <p:txBody>
+          <a:bodyPr/>
+          <a:lstStyle/>
+          <a:p>
+            <a:r>
+              <a:rPr lang="en-US" altLang="zh-TW" dirty="0"/>
+              <a:t>REM</a:t>
+            </a:r>
+            <a:r>
+              <a:rPr lang="zh-TW" altLang="en-US" dirty="0"/>
+              <a:t>片段平均秒數：</a:t>
+            </a:r>
+            <a:r>
+              <a:rPr lang="zh-TW" altLang="en-US" dirty="0">
+                <a:solidFill>
+                  <a:srgbClr val="FF0000"/>
+                </a:solidFill>
+              </a:rPr>
+              <a:t>提高</a:t>
+            </a:r>
+            <a:r>
+              <a:rPr lang="en-US" altLang="zh-TW" dirty="0">
+                <a:solidFill>
+                  <a:srgbClr val="FF0000"/>
+                </a:solidFill>
+              </a:rPr>
+              <a:t>7</a:t>
+            </a:r>
+            <a:r>
+              <a:rPr lang="en-US" altLang="zh-TW" dirty="0"/>
+              <a:t> </a:t>
+            </a:r>
+            <a:r>
+              <a:rPr lang="zh-TW" altLang="en-US" dirty="0">
+                <a:solidFill>
+                  <a:srgbClr val="0070C0"/>
+                </a:solidFill>
+              </a:rPr>
+              <a:t>降低</a:t>
+            </a:r>
+            <a:r>
+              <a:rPr lang="en-US" altLang="zh-TW" dirty="0">
+                <a:solidFill>
+                  <a:srgbClr val="0070C0"/>
+                </a:solidFill>
+              </a:rPr>
+              <a:t>7</a:t>
+            </a:r>
+            <a:endParaRPr lang="zh-TW" altLang="en-US" dirty="0"/>
+          </a:p>
+        </p:txBody>
+      </p:sp>
+    </p:spTree>
+    <p:extLst>
+      <p:ext uri="{BB962C8B-B14F-4D97-AF65-F5344CB8AC3E}">
+        <p14:creationId xmlns:p14="http://schemas.microsoft.com/office/powerpoint/2010/main" val="1285176252"/>
+      </p:ext>
+    </p:extLst>
+  </p:cSld>
+  <p:clrMapOvr>
+    <a:masterClrMapping/>
+  </p:clrMapOvr>
+</p:sld>
+</file>
+
+<file path=ppt/slides/slide57.xml><?xml version="1.0" encoding="utf-8"?>
+<p:sld xmlns:a="http://schemas.openxmlformats.org/drawingml/2006/main" xmlns:r="http://schemas.openxmlformats.org/officeDocument/2006/relationships" xmlns:p="http://schemas.openxmlformats.org/presentationml/2006/main">
+  <p:cSld>
+    <p:spTree>
+      <p:nvGrpSpPr>
+        <p:cNvPr id="1" name=""/>
+        <p:cNvGrpSpPr/>
+        <p:nvPr/>
+      </p:nvGrpSpPr>
+      <p:grpSpPr>
+        <a:xfrm>
+          <a:off x="0" y="0"/>
+          <a:ext cx="0" cy="0"/>
+          <a:chOff x="0" y="0"/>
+          <a:chExt cx="0" cy="0"/>
+        </a:xfrm>
+      </p:grpSpPr>
+      <p:sp>
+        <p:nvSpPr>
+          <p:cNvPr id="2" name="標題 1">
+            <a:extLst>
+              <a:ext uri="{FF2B5EF4-FFF2-40B4-BE49-F238E27FC236}">
+                <a16:creationId xmlns:a16="http://schemas.microsoft.com/office/drawing/2014/main" id="{3B5739DC-87EB-48BB-B74F-3B0605886B87}"/>
+              </a:ext>
+            </a:extLst>
+          </p:cNvPr>
+          <p:cNvSpPr>
+            <a:spLocks noGrp="1"/>
+          </p:cNvSpPr>
+          <p:nvPr>
+            <p:ph type="title"/>
+          </p:nvPr>
+        </p:nvSpPr>
+        <p:spPr/>
+        <p:txBody>
+          <a:bodyPr/>
+          <a:lstStyle/>
+          <a:p>
+            <a:r>
+              <a:rPr lang="en-US" altLang="zh-TW" dirty="0"/>
+              <a:t>AHI</a:t>
+            </a:r>
+            <a:r>
+              <a:rPr lang="zh-TW" altLang="en-US" dirty="0"/>
+              <a:t> </a:t>
+            </a:r>
+            <a:r>
+              <a:rPr lang="en-US" altLang="zh-TW" dirty="0"/>
+              <a:t>&lt; 15(</a:t>
+            </a:r>
+            <a:r>
+              <a:rPr lang="zh-TW" altLang="en-US" dirty="0"/>
+              <a:t>輕度以下</a:t>
+            </a:r>
+            <a:r>
+              <a:rPr lang="en-US" altLang="zh-TW" dirty="0"/>
+              <a:t>)</a:t>
+            </a:r>
+            <a:endParaRPr lang="zh-TW" altLang="en-US" dirty="0"/>
+          </a:p>
+        </p:txBody>
+      </p:sp>
+      <p:sp>
+        <p:nvSpPr>
+          <p:cNvPr id="4" name="投影片編號版面配置區 3">
+            <a:extLst>
+              <a:ext uri="{FF2B5EF4-FFF2-40B4-BE49-F238E27FC236}">
+                <a16:creationId xmlns:a16="http://schemas.microsoft.com/office/drawing/2014/main" id="{42F2E398-F5C0-48AD-8831-B427C9A8D11C}"/>
+              </a:ext>
+            </a:extLst>
+          </p:cNvPr>
+          <p:cNvSpPr>
+            <a:spLocks noGrp="1"/>
+          </p:cNvSpPr>
+          <p:nvPr>
+            <p:ph type="sldNum" sz="quarter" idx="12"/>
+          </p:nvPr>
+        </p:nvSpPr>
+        <p:spPr/>
+        <p:txBody>
+          <a:bodyPr/>
+          <a:lstStyle/>
+          <a:p>
+            <a:fld id="{F230EE04-BD3A-40AA-92AC-647453D5DADF}" type="slidenum">
+              <a:rPr lang="zh-TW" altLang="en-US" smtClean="0"/>
+              <a:t>57</a:t>
+            </a:fld>
+            <a:endParaRPr lang="zh-TW" altLang="en-US"/>
+          </a:p>
+        </p:txBody>
+      </p:sp>
+      <p:pic>
+        <p:nvPicPr>
+          <p:cNvPr id="6" name="圖片 5">
+            <a:extLst>
+              <a:ext uri="{FF2B5EF4-FFF2-40B4-BE49-F238E27FC236}">
+                <a16:creationId xmlns:a16="http://schemas.microsoft.com/office/drawing/2014/main" id="{19DC352F-B6BB-4EF4-96A7-A7FE4DA1C3D9}"/>
+              </a:ext>
+            </a:extLst>
+          </p:cNvPr>
+          <p:cNvPicPr>
+            <a:picLocks noChangeAspect="1"/>
+          </p:cNvPicPr>
+          <p:nvPr/>
+        </p:nvPicPr>
+        <p:blipFill>
+          <a:blip r:embed="rId2"/>
+          <a:stretch>
+            <a:fillRect/>
+          </a:stretch>
+        </p:blipFill>
+        <p:spPr>
+          <a:xfrm>
+            <a:off x="883374" y="1870067"/>
+            <a:ext cx="10307488" cy="4810796"/>
+          </a:xfrm>
+          <a:prstGeom prst="rect">
+            <a:avLst/>
+          </a:prstGeom>
+        </p:spPr>
+      </p:pic>
+      <p:sp>
+        <p:nvSpPr>
+          <p:cNvPr id="7" name="內容版面配置區 2">
+            <a:extLst>
+              <a:ext uri="{FF2B5EF4-FFF2-40B4-BE49-F238E27FC236}">
+                <a16:creationId xmlns:a16="http://schemas.microsoft.com/office/drawing/2014/main" id="{E52D69BB-284B-45FF-97EC-6E62807277DA}"/>
+              </a:ext>
+            </a:extLst>
+          </p:cNvPr>
+          <p:cNvSpPr>
+            <a:spLocks noGrp="1"/>
+          </p:cNvSpPr>
+          <p:nvPr>
+            <p:ph idx="1"/>
+          </p:nvPr>
+        </p:nvSpPr>
+        <p:spPr>
+          <a:xfrm>
+            <a:off x="720436" y="1321725"/>
+            <a:ext cx="10633364" cy="515954"/>
+          </a:xfrm>
+        </p:spPr>
+        <p:txBody>
+          <a:bodyPr/>
+          <a:lstStyle/>
+          <a:p>
+            <a:r>
+              <a:rPr lang="en-US" altLang="zh-TW" dirty="0"/>
+              <a:t>REM</a:t>
+            </a:r>
+            <a:r>
+              <a:rPr lang="zh-TW" altLang="en-US" dirty="0"/>
+              <a:t> </a:t>
+            </a:r>
+            <a:r>
+              <a:rPr lang="en-US" altLang="zh-TW" dirty="0"/>
+              <a:t>fragmentation</a:t>
+            </a:r>
+            <a:r>
+              <a:rPr lang="zh-TW" altLang="en-US" dirty="0"/>
+              <a:t> </a:t>
+            </a:r>
+            <a:r>
+              <a:rPr lang="en-US" altLang="zh-TW" dirty="0"/>
+              <a:t>%</a:t>
+            </a:r>
+            <a:r>
+              <a:rPr lang="zh-TW" altLang="en-US" dirty="0"/>
+              <a:t>：</a:t>
+            </a:r>
+            <a:r>
+              <a:rPr lang="zh-TW" altLang="en-US" dirty="0">
+                <a:solidFill>
+                  <a:srgbClr val="FF0000"/>
+                </a:solidFill>
+              </a:rPr>
+              <a:t>提高</a:t>
+            </a:r>
+            <a:r>
+              <a:rPr lang="en-US" altLang="zh-TW" dirty="0">
+                <a:solidFill>
+                  <a:srgbClr val="FF0000"/>
+                </a:solidFill>
+              </a:rPr>
+              <a:t>9</a:t>
+            </a:r>
+            <a:r>
+              <a:rPr lang="en-US" altLang="zh-TW" dirty="0"/>
+              <a:t> </a:t>
+            </a:r>
+            <a:r>
+              <a:rPr lang="zh-TW" altLang="en-US" dirty="0">
+                <a:solidFill>
+                  <a:srgbClr val="0070C0"/>
+                </a:solidFill>
+              </a:rPr>
+              <a:t>降低</a:t>
+            </a:r>
+            <a:r>
+              <a:rPr lang="en-US" altLang="zh-TW" dirty="0">
+                <a:solidFill>
+                  <a:srgbClr val="0070C0"/>
+                </a:solidFill>
+              </a:rPr>
+              <a:t>6</a:t>
+            </a:r>
+            <a:endParaRPr lang="zh-TW" altLang="en-US" dirty="0"/>
+          </a:p>
+        </p:txBody>
+      </p:sp>
+    </p:spTree>
+    <p:extLst>
+      <p:ext uri="{BB962C8B-B14F-4D97-AF65-F5344CB8AC3E}">
+        <p14:creationId xmlns:p14="http://schemas.microsoft.com/office/powerpoint/2010/main" val="3987026170"/>
+      </p:ext>
+    </p:extLst>
+  </p:cSld>
+  <p:clrMapOvr>
+    <a:masterClrMapping/>
+  </p:clrMapOvr>
+</p:sld>
+</file>
+
+<file path=ppt/slides/slide58.xml><?xml version="1.0" encoding="utf-8"?>
+<p:sld xmlns:a="http://schemas.openxmlformats.org/drawingml/2006/main" xmlns:r="http://schemas.openxmlformats.org/officeDocument/2006/relationships" xmlns:p="http://schemas.openxmlformats.org/presentationml/2006/main">
+  <p:cSld>
+    <p:spTree>
+      <p:nvGrpSpPr>
+        <p:cNvPr id="1" name=""/>
+        <p:cNvGrpSpPr/>
+        <p:nvPr/>
+      </p:nvGrpSpPr>
+      <p:grpSpPr>
+        <a:xfrm>
+          <a:off x="0" y="0"/>
+          <a:ext cx="0" cy="0"/>
+          <a:chOff x="0" y="0"/>
+          <a:chExt cx="0" cy="0"/>
+        </a:xfrm>
+      </p:grpSpPr>
+      <p:sp>
+        <p:nvSpPr>
+          <p:cNvPr id="2" name="標題 1">
+            <a:extLst>
+              <a:ext uri="{FF2B5EF4-FFF2-40B4-BE49-F238E27FC236}">
+                <a16:creationId xmlns:a16="http://schemas.microsoft.com/office/drawing/2014/main" id="{EFA46A96-BCFD-41D8-9CE5-8648ABEC1E15}"/>
+              </a:ext>
+            </a:extLst>
+          </p:cNvPr>
+          <p:cNvSpPr>
+            <a:spLocks noGrp="1"/>
+          </p:cNvSpPr>
+          <p:nvPr>
+            <p:ph type="title"/>
+          </p:nvPr>
+        </p:nvSpPr>
+        <p:spPr/>
+        <p:txBody>
+          <a:bodyPr/>
+          <a:lstStyle/>
+          <a:p>
+            <a:r>
+              <a:rPr lang="en-US" altLang="zh-TW" dirty="0"/>
+              <a:t>AHI</a:t>
+            </a:r>
+            <a:r>
+              <a:rPr lang="zh-TW" altLang="en-US" dirty="0"/>
+              <a:t> </a:t>
+            </a:r>
+            <a:r>
+              <a:rPr lang="en-US" altLang="zh-TW" dirty="0"/>
+              <a:t>&lt; 15(</a:t>
+            </a:r>
+            <a:r>
+              <a:rPr lang="zh-TW" altLang="en-US" dirty="0"/>
+              <a:t>輕度以下</a:t>
+            </a:r>
+            <a:r>
+              <a:rPr lang="en-US" altLang="zh-TW" dirty="0"/>
+              <a:t>)</a:t>
+            </a:r>
+            <a:endParaRPr lang="zh-TW" altLang="en-US" dirty="0"/>
+          </a:p>
+        </p:txBody>
+      </p:sp>
+      <p:sp>
+        <p:nvSpPr>
+          <p:cNvPr id="4" name="投影片編號版面配置區 3">
+            <a:extLst>
+              <a:ext uri="{FF2B5EF4-FFF2-40B4-BE49-F238E27FC236}">
+                <a16:creationId xmlns:a16="http://schemas.microsoft.com/office/drawing/2014/main" id="{439AFA3C-0A15-4394-B1CF-79D93D887D3D}"/>
+              </a:ext>
+            </a:extLst>
+          </p:cNvPr>
+          <p:cNvSpPr>
+            <a:spLocks noGrp="1"/>
+          </p:cNvSpPr>
+          <p:nvPr>
+            <p:ph type="sldNum" sz="quarter" idx="12"/>
+          </p:nvPr>
+        </p:nvSpPr>
+        <p:spPr/>
+        <p:txBody>
+          <a:bodyPr/>
+          <a:lstStyle/>
+          <a:p>
+            <a:fld id="{F230EE04-BD3A-40AA-92AC-647453D5DADF}" type="slidenum">
+              <a:rPr lang="zh-TW" altLang="en-US" smtClean="0"/>
+              <a:t>58</a:t>
+            </a:fld>
+            <a:endParaRPr lang="zh-TW" altLang="en-US"/>
+          </a:p>
+        </p:txBody>
+      </p:sp>
+      <p:pic>
+        <p:nvPicPr>
+          <p:cNvPr id="6" name="圖片 5">
+            <a:extLst>
+              <a:ext uri="{FF2B5EF4-FFF2-40B4-BE49-F238E27FC236}">
+                <a16:creationId xmlns:a16="http://schemas.microsoft.com/office/drawing/2014/main" id="{C5B0A4E8-CC1C-4158-AC25-17C97C4C5D03}"/>
+              </a:ext>
+            </a:extLst>
+          </p:cNvPr>
+          <p:cNvPicPr>
+            <a:picLocks noChangeAspect="1"/>
+          </p:cNvPicPr>
+          <p:nvPr/>
+        </p:nvPicPr>
+        <p:blipFill>
+          <a:blip r:embed="rId2"/>
+          <a:stretch>
+            <a:fillRect/>
+          </a:stretch>
+        </p:blipFill>
+        <p:spPr>
+          <a:xfrm>
+            <a:off x="927966" y="1861995"/>
+            <a:ext cx="10336067" cy="4696480"/>
+          </a:xfrm>
+          <a:prstGeom prst="rect">
+            <a:avLst/>
+          </a:prstGeom>
+        </p:spPr>
+      </p:pic>
+      <p:sp>
+        <p:nvSpPr>
+          <p:cNvPr id="7" name="內容版面配置區 2">
+            <a:extLst>
+              <a:ext uri="{FF2B5EF4-FFF2-40B4-BE49-F238E27FC236}">
+                <a16:creationId xmlns:a16="http://schemas.microsoft.com/office/drawing/2014/main" id="{430603BA-F0D8-41F3-AACE-764C2E3E9DBE}"/>
+              </a:ext>
+            </a:extLst>
+          </p:cNvPr>
+          <p:cNvSpPr>
+            <a:spLocks noGrp="1"/>
+          </p:cNvSpPr>
+          <p:nvPr>
+            <p:ph idx="1"/>
+          </p:nvPr>
+        </p:nvSpPr>
+        <p:spPr>
+          <a:xfrm>
+            <a:off x="720436" y="1321725"/>
+            <a:ext cx="10633364" cy="515954"/>
+          </a:xfrm>
+        </p:spPr>
+        <p:txBody>
+          <a:bodyPr/>
+          <a:lstStyle/>
+          <a:p>
+            <a:r>
+              <a:rPr lang="en-US" altLang="zh-TW" dirty="0"/>
+              <a:t>REM</a:t>
+            </a:r>
+            <a:r>
+              <a:rPr lang="zh-TW" altLang="en-US" dirty="0"/>
+              <a:t> </a:t>
+            </a:r>
+            <a:r>
+              <a:rPr lang="en-US" altLang="zh-TW" dirty="0"/>
+              <a:t>latency(s)</a:t>
+            </a:r>
+            <a:r>
+              <a:rPr lang="zh-TW" altLang="en-US" dirty="0"/>
+              <a:t>：</a:t>
+            </a:r>
+            <a:r>
+              <a:rPr lang="zh-TW" altLang="en-US" dirty="0">
+                <a:solidFill>
+                  <a:srgbClr val="FF0000"/>
+                </a:solidFill>
+              </a:rPr>
+              <a:t>提高</a:t>
+            </a:r>
+            <a:r>
+              <a:rPr lang="en-US" altLang="zh-TW" dirty="0">
+                <a:solidFill>
+                  <a:srgbClr val="FF0000"/>
+                </a:solidFill>
+              </a:rPr>
+              <a:t>7</a:t>
+            </a:r>
+            <a:r>
+              <a:rPr lang="en-US" altLang="zh-TW" dirty="0"/>
+              <a:t> </a:t>
+            </a:r>
+            <a:r>
+              <a:rPr lang="zh-TW" altLang="en-US" dirty="0">
+                <a:solidFill>
+                  <a:srgbClr val="0070C0"/>
+                </a:solidFill>
+              </a:rPr>
+              <a:t>降低</a:t>
+            </a:r>
+            <a:r>
+              <a:rPr lang="en-US" altLang="zh-TW" dirty="0">
+                <a:solidFill>
+                  <a:srgbClr val="0070C0"/>
+                </a:solidFill>
+              </a:rPr>
+              <a:t>8</a:t>
+            </a:r>
+            <a:endParaRPr lang="zh-TW" altLang="en-US" dirty="0"/>
+          </a:p>
+        </p:txBody>
+      </p:sp>
+    </p:spTree>
+    <p:extLst>
+      <p:ext uri="{BB962C8B-B14F-4D97-AF65-F5344CB8AC3E}">
+        <p14:creationId xmlns:p14="http://schemas.microsoft.com/office/powerpoint/2010/main" val="2351872001"/>
+      </p:ext>
+    </p:extLst>
+  </p:cSld>
+  <p:clrMapOvr>
+    <a:masterClrMapping/>
+  </p:clrMapOvr>
+</p:sld>
+</file>
+
+<file path=ppt/slides/slide59.xml><?xml version="1.0" encoding="utf-8"?>
+<p:sld xmlns:a="http://schemas.openxmlformats.org/drawingml/2006/main" xmlns:r="http://schemas.openxmlformats.org/officeDocument/2006/relationships" xmlns:p="http://schemas.openxmlformats.org/presentationml/2006/main">
+  <p:cSld>
+    <p:spTree>
+      <p:nvGrpSpPr>
+        <p:cNvPr id="1" name=""/>
+        <p:cNvGrpSpPr/>
+        <p:nvPr/>
+      </p:nvGrpSpPr>
+      <p:grpSpPr>
+        <a:xfrm>
+          <a:off x="0" y="0"/>
+          <a:ext cx="0" cy="0"/>
+          <a:chOff x="0" y="0"/>
+          <a:chExt cx="0" cy="0"/>
+        </a:xfrm>
+      </p:grpSpPr>
+      <p:sp>
+        <p:nvSpPr>
+          <p:cNvPr id="2" name="標題 1">
+            <a:extLst>
+              <a:ext uri="{FF2B5EF4-FFF2-40B4-BE49-F238E27FC236}">
+                <a16:creationId xmlns:a16="http://schemas.microsoft.com/office/drawing/2014/main" id="{7E87AAD3-F062-4A70-8BE4-26540B40E59F}"/>
+              </a:ext>
+            </a:extLst>
+          </p:cNvPr>
+          <p:cNvSpPr>
+            <a:spLocks noGrp="1"/>
+          </p:cNvSpPr>
+          <p:nvPr>
+            <p:ph type="title"/>
+          </p:nvPr>
+        </p:nvSpPr>
+        <p:spPr/>
+        <p:txBody>
+          <a:bodyPr/>
+          <a:lstStyle/>
+          <a:p>
+            <a:r>
+              <a:rPr lang="en-US" altLang="zh-TW" dirty="0"/>
+              <a:t>AHI</a:t>
+            </a:r>
+            <a:r>
+              <a:rPr lang="zh-TW" altLang="en-US" dirty="0"/>
+              <a:t> </a:t>
+            </a:r>
+            <a:r>
+              <a:rPr lang="en-US" altLang="zh-TW" dirty="0"/>
+              <a:t>&lt; 15(</a:t>
+            </a:r>
+            <a:r>
+              <a:rPr lang="zh-TW" altLang="en-US" dirty="0"/>
+              <a:t>輕度以下</a:t>
+            </a:r>
+            <a:r>
+              <a:rPr lang="en-US" altLang="zh-TW" dirty="0"/>
+              <a:t>)</a:t>
+            </a:r>
+            <a:endParaRPr lang="zh-TW" altLang="en-US" dirty="0"/>
+          </a:p>
+        </p:txBody>
+      </p:sp>
+      <p:sp>
+        <p:nvSpPr>
+          <p:cNvPr id="4" name="投影片編號版面配置區 3">
+            <a:extLst>
+              <a:ext uri="{FF2B5EF4-FFF2-40B4-BE49-F238E27FC236}">
+                <a16:creationId xmlns:a16="http://schemas.microsoft.com/office/drawing/2014/main" id="{AC2055D3-EDC7-4751-9A32-6D4FAB86BBE7}"/>
+              </a:ext>
+            </a:extLst>
+          </p:cNvPr>
+          <p:cNvSpPr>
+            <a:spLocks noGrp="1"/>
+          </p:cNvSpPr>
+          <p:nvPr>
+            <p:ph type="sldNum" sz="quarter" idx="12"/>
+          </p:nvPr>
+        </p:nvSpPr>
+        <p:spPr/>
+        <p:txBody>
+          <a:bodyPr/>
+          <a:lstStyle/>
+          <a:p>
+            <a:fld id="{F230EE04-BD3A-40AA-92AC-647453D5DADF}" type="slidenum">
+              <a:rPr lang="zh-TW" altLang="en-US" smtClean="0"/>
+              <a:t>59</a:t>
+            </a:fld>
+            <a:endParaRPr lang="zh-TW" altLang="en-US"/>
+          </a:p>
+        </p:txBody>
+      </p:sp>
+      <p:pic>
+        <p:nvPicPr>
+          <p:cNvPr id="8" name="圖片 7">
+            <a:extLst>
+              <a:ext uri="{FF2B5EF4-FFF2-40B4-BE49-F238E27FC236}">
+                <a16:creationId xmlns:a16="http://schemas.microsoft.com/office/drawing/2014/main" id="{CBF3AD3C-9AA2-4630-9C42-29032E2DC6E6}"/>
+              </a:ext>
+            </a:extLst>
+          </p:cNvPr>
+          <p:cNvPicPr>
+            <a:picLocks noChangeAspect="1"/>
+          </p:cNvPicPr>
+          <p:nvPr/>
+        </p:nvPicPr>
+        <p:blipFill>
+          <a:blip r:embed="rId2"/>
+          <a:stretch>
+            <a:fillRect/>
+          </a:stretch>
+        </p:blipFill>
+        <p:spPr>
+          <a:xfrm>
+            <a:off x="811037" y="1879593"/>
+            <a:ext cx="10250330" cy="4801270"/>
+          </a:xfrm>
+          <a:prstGeom prst="rect">
+            <a:avLst/>
+          </a:prstGeom>
+        </p:spPr>
+      </p:pic>
+      <p:sp>
+        <p:nvSpPr>
+          <p:cNvPr id="9" name="內容版面配置區 2">
+            <a:extLst>
+              <a:ext uri="{FF2B5EF4-FFF2-40B4-BE49-F238E27FC236}">
+                <a16:creationId xmlns:a16="http://schemas.microsoft.com/office/drawing/2014/main" id="{0FC2BF87-04DA-46F9-AED9-434346F3FD86}"/>
+              </a:ext>
+            </a:extLst>
+          </p:cNvPr>
+          <p:cNvSpPr>
+            <a:spLocks noGrp="1"/>
+          </p:cNvSpPr>
+          <p:nvPr>
+            <p:ph idx="1"/>
+          </p:nvPr>
+        </p:nvSpPr>
+        <p:spPr>
+          <a:xfrm>
+            <a:off x="720436" y="1321725"/>
+            <a:ext cx="10633364" cy="515954"/>
+          </a:xfrm>
+        </p:spPr>
+        <p:txBody>
+          <a:bodyPr/>
+          <a:lstStyle/>
+          <a:p>
+            <a:r>
+              <a:rPr lang="en-US" altLang="zh-TW" dirty="0"/>
+              <a:t>REM</a:t>
+            </a:r>
+            <a:r>
+              <a:rPr lang="zh-TW" altLang="en-US" dirty="0"/>
+              <a:t> </a:t>
+            </a:r>
+            <a:r>
+              <a:rPr lang="en-US" altLang="zh-TW" dirty="0"/>
+              <a:t>density %</a:t>
+            </a:r>
+            <a:r>
+              <a:rPr lang="zh-TW" altLang="en-US" dirty="0"/>
+              <a:t>：</a:t>
+            </a:r>
+            <a:r>
+              <a:rPr lang="zh-TW" altLang="en-US" dirty="0">
+                <a:solidFill>
+                  <a:srgbClr val="FF0000"/>
+                </a:solidFill>
+              </a:rPr>
+              <a:t>提高</a:t>
+            </a:r>
+            <a:r>
+              <a:rPr lang="en-US" altLang="zh-TW" dirty="0">
+                <a:solidFill>
+                  <a:srgbClr val="FF0000"/>
+                </a:solidFill>
+              </a:rPr>
+              <a:t>7</a:t>
+            </a:r>
+            <a:r>
+              <a:rPr lang="en-US" altLang="zh-TW" dirty="0"/>
+              <a:t> </a:t>
+            </a:r>
+            <a:r>
+              <a:rPr lang="zh-TW" altLang="en-US" dirty="0">
+                <a:solidFill>
+                  <a:srgbClr val="0070C0"/>
+                </a:solidFill>
+              </a:rPr>
+              <a:t>降低</a:t>
+            </a:r>
+            <a:r>
+              <a:rPr lang="en-US" altLang="zh-TW" dirty="0">
+                <a:solidFill>
+                  <a:srgbClr val="0070C0"/>
+                </a:solidFill>
+              </a:rPr>
+              <a:t>8</a:t>
+            </a:r>
+            <a:endParaRPr lang="zh-TW" altLang="en-US" dirty="0"/>
+          </a:p>
+        </p:txBody>
+      </p:sp>
+    </p:spTree>
+    <p:extLst>
+      <p:ext uri="{BB962C8B-B14F-4D97-AF65-F5344CB8AC3E}">
+        <p14:creationId xmlns:p14="http://schemas.microsoft.com/office/powerpoint/2010/main" val="3731539458"/>
       </p:ext>
     </p:extLst>
   </p:cSld>

--- a/輪班工人暴露噪音下REM片斷化分析.pptx
+++ b/輪班工人暴露噪音下REM片斷化分析.pptx
@@ -5,7 +5,7 @@
     <p:sldMasterId id="2147483648" r:id="rId1"/>
   </p:sldMasterIdLst>
   <p:notesMasterIdLst>
-    <p:notesMasterId r:id="rId61"/>
+    <p:notesMasterId r:id="rId68"/>
   </p:notesMasterIdLst>
   <p:sldIdLst>
     <p:sldId id="258" r:id="rId2"/>
@@ -67,6 +67,13 @@
     <p:sldId id="317" r:id="rId58"/>
     <p:sldId id="319" r:id="rId59"/>
     <p:sldId id="318" r:id="rId60"/>
+    <p:sldId id="322" r:id="rId61"/>
+    <p:sldId id="355" r:id="rId62"/>
+    <p:sldId id="323" r:id="rId63"/>
+    <p:sldId id="324" r:id="rId64"/>
+    <p:sldId id="325" r:id="rId65"/>
+    <p:sldId id="326" r:id="rId66"/>
+    <p:sldId id="327" r:id="rId67"/>
   </p:sldIdLst>
   <p:sldSz cx="12192000" cy="6858000"/>
   <p:notesSz cx="6858000" cy="9144000"/>
@@ -255,7 +262,7 @@
           <a:p>
             <a:fld id="{61C76E1B-E228-429A-ABE7-09AA4AD7327C}" type="datetimeFigureOut">
               <a:rPr lang="zh-TW" altLang="en-US" smtClean="0"/>
-              <a:t>2021/8/1</a:t>
+              <a:t>2021/8/4</a:t>
             </a:fld>
             <a:endParaRPr lang="zh-TW" altLang="en-US"/>
           </a:p>
@@ -707,7 +714,7 @@
           <a:p>
             <a:fld id="{FCF6783C-4B54-4D72-A1A7-A087B316A3B8}" type="datetime1">
               <a:rPr lang="zh-TW" altLang="en-US" smtClean="0"/>
-              <a:t>2021/8/1</a:t>
+              <a:t>2021/8/4</a:t>
             </a:fld>
             <a:endParaRPr lang="zh-TW" altLang="en-US"/>
           </a:p>
@@ -975,7 +982,7 @@
           <a:p>
             <a:fld id="{D1ED406B-07A6-44BF-906E-0E6F2225B991}" type="datetime1">
               <a:rPr lang="zh-TW" altLang="en-US" smtClean="0"/>
-              <a:t>2021/8/1</a:t>
+              <a:t>2021/8/4</a:t>
             </a:fld>
             <a:endParaRPr lang="zh-TW" altLang="en-US"/>
           </a:p>
@@ -1183,7 +1190,7 @@
           <a:p>
             <a:fld id="{4855A211-7B8B-40E6-8051-77D0F92598CB}" type="datetime1">
               <a:rPr lang="zh-TW" altLang="en-US" smtClean="0"/>
-              <a:t>2021/8/1</a:t>
+              <a:t>2021/8/4</a:t>
             </a:fld>
             <a:endParaRPr lang="zh-TW" altLang="en-US"/>
           </a:p>
@@ -1380,7 +1387,7 @@
           <a:p>
             <a:fld id="{607AB6BC-4133-47A1-955B-86DB465411C3}" type="datetime1">
               <a:rPr lang="zh-TW" altLang="en-US" smtClean="0"/>
-              <a:t>2021/8/1</a:t>
+              <a:t>2021/8/4</a:t>
             </a:fld>
             <a:endParaRPr lang="zh-TW" altLang="en-US"/>
           </a:p>
@@ -1865,7 +1872,7 @@
           <a:p>
             <a:fld id="{063DD569-35D5-40ED-99FD-76D2F54A9038}" type="datetime1">
               <a:rPr lang="zh-TW" altLang="en-US" smtClean="0"/>
-              <a:t>2021/8/1</a:t>
+              <a:t>2021/8/4</a:t>
             </a:fld>
             <a:endParaRPr lang="zh-TW" altLang="en-US"/>
           </a:p>
@@ -2130,7 +2137,7 @@
           <a:p>
             <a:fld id="{753AB039-4F1A-4616-B8B5-F977F76AB712}" type="datetime1">
               <a:rPr lang="zh-TW" altLang="en-US" smtClean="0"/>
-              <a:t>2021/8/1</a:t>
+              <a:t>2021/8/4</a:t>
             </a:fld>
             <a:endParaRPr lang="zh-TW" altLang="en-US"/>
           </a:p>
@@ -2542,7 +2549,7 @@
           <a:p>
             <a:fld id="{AEEA35C1-5758-4143-A641-B2D8C25FD431}" type="datetime1">
               <a:rPr lang="zh-TW" altLang="en-US" smtClean="0"/>
-              <a:t>2021/8/1</a:t>
+              <a:t>2021/8/4</a:t>
             </a:fld>
             <a:endParaRPr lang="zh-TW" altLang="en-US"/>
           </a:p>
@@ -2683,7 +2690,7 @@
           <a:p>
             <a:fld id="{60EC041C-EC38-4789-9350-644DCCF8A061}" type="datetime1">
               <a:rPr lang="zh-TW" altLang="en-US" smtClean="0"/>
-              <a:t>2021/8/1</a:t>
+              <a:t>2021/8/4</a:t>
             </a:fld>
             <a:endParaRPr lang="zh-TW" altLang="en-US"/>
           </a:p>
@@ -2796,7 +2803,7 @@
           <a:p>
             <a:fld id="{7223D8F3-4ECC-4891-A5C4-0D72C29D1563}" type="datetime1">
               <a:rPr lang="zh-TW" altLang="en-US" smtClean="0"/>
-              <a:t>2021/8/1</a:t>
+              <a:t>2021/8/4</a:t>
             </a:fld>
             <a:endParaRPr lang="zh-TW" altLang="en-US"/>
           </a:p>
@@ -3107,7 +3114,7 @@
           <a:p>
             <a:fld id="{F2649D45-65D8-4A22-BC50-ED872CAB048D}" type="datetime1">
               <a:rPr lang="zh-TW" altLang="en-US" smtClean="0"/>
-              <a:t>2021/8/1</a:t>
+              <a:t>2021/8/4</a:t>
             </a:fld>
             <a:endParaRPr lang="zh-TW" altLang="en-US"/>
           </a:p>
@@ -3395,7 +3402,7 @@
           <a:p>
             <a:fld id="{0ABBE3BD-5EE8-423F-AC10-4B07DD1F877C}" type="datetime1">
               <a:rPr lang="zh-TW" altLang="en-US" smtClean="0"/>
-              <a:t>2021/8/1</a:t>
+              <a:t>2021/8/4</a:t>
             </a:fld>
             <a:endParaRPr lang="zh-TW" altLang="en-US"/>
           </a:p>
@@ -3636,7 +3643,7 @@
           <a:p>
             <a:fld id="{DCE92120-7A61-4EBE-8DC9-30D2102A9B6B}" type="datetime1">
               <a:rPr lang="zh-TW" altLang="en-US" smtClean="0"/>
-              <a:t>2021/8/1</a:t>
+              <a:t>2021/8/4</a:t>
             </a:fld>
             <a:endParaRPr lang="zh-TW" altLang="en-US"/>
           </a:p>
@@ -22799,6 +22806,3825 @@
     <p:extLst>
       <p:ext uri="{BB962C8B-B14F-4D97-AF65-F5344CB8AC3E}">
         <p14:creationId xmlns:p14="http://schemas.microsoft.com/office/powerpoint/2010/main" val="616825356"/>
+      </p:ext>
+    </p:extLst>
+  </p:cSld>
+  <p:clrMapOvr>
+    <a:masterClrMapping/>
+  </p:clrMapOvr>
+</p:sld>
+</file>
+
+<file path=ppt/slides/slide60.xml><?xml version="1.0" encoding="utf-8"?>
+<p:sld xmlns:a="http://schemas.openxmlformats.org/drawingml/2006/main" xmlns:r="http://schemas.openxmlformats.org/officeDocument/2006/relationships" xmlns:p="http://schemas.openxmlformats.org/presentationml/2006/main">
+  <p:cSld>
+    <p:spTree>
+      <p:nvGrpSpPr>
+        <p:cNvPr id="1" name=""/>
+        <p:cNvGrpSpPr/>
+        <p:nvPr/>
+      </p:nvGrpSpPr>
+      <p:grpSpPr>
+        <a:xfrm>
+          <a:off x="0" y="0"/>
+          <a:ext cx="0" cy="0"/>
+          <a:chOff x="0" y="0"/>
+          <a:chExt cx="0" cy="0"/>
+        </a:xfrm>
+      </p:grpSpPr>
+      <p:sp>
+        <p:nvSpPr>
+          <p:cNvPr id="2" name="標題 1">
+            <a:extLst>
+              <a:ext uri="{FF2B5EF4-FFF2-40B4-BE49-F238E27FC236}">
+                <a16:creationId xmlns:a16="http://schemas.microsoft.com/office/drawing/2014/main" id="{D183D6C5-226E-472D-A466-0CFCB82844E0}"/>
+              </a:ext>
+            </a:extLst>
+          </p:cNvPr>
+          <p:cNvSpPr>
+            <a:spLocks noGrp="1"/>
+          </p:cNvSpPr>
+          <p:nvPr>
+            <p:ph type="title"/>
+          </p:nvPr>
+        </p:nvSpPr>
+        <p:spPr/>
+        <p:txBody>
+          <a:bodyPr/>
+          <a:lstStyle/>
+          <a:p>
+            <a:r>
+              <a:rPr lang="en-US" altLang="zh-TW" dirty="0"/>
+              <a:t>REM</a:t>
+            </a:r>
+            <a:r>
+              <a:rPr lang="zh-TW" altLang="en-US" dirty="0"/>
+              <a:t>總次數</a:t>
+            </a:r>
+          </a:p>
+        </p:txBody>
+      </p:sp>
+      <p:sp>
+        <p:nvSpPr>
+          <p:cNvPr id="4" name="投影片編號版面配置區 3">
+            <a:extLst>
+              <a:ext uri="{FF2B5EF4-FFF2-40B4-BE49-F238E27FC236}">
+                <a16:creationId xmlns:a16="http://schemas.microsoft.com/office/drawing/2014/main" id="{3BAA7881-499D-4DC4-82FB-ED63FCEC8F92}"/>
+              </a:ext>
+            </a:extLst>
+          </p:cNvPr>
+          <p:cNvSpPr>
+            <a:spLocks noGrp="1"/>
+          </p:cNvSpPr>
+          <p:nvPr>
+            <p:ph type="sldNum" sz="quarter" idx="12"/>
+          </p:nvPr>
+        </p:nvSpPr>
+        <p:spPr/>
+        <p:txBody>
+          <a:bodyPr/>
+          <a:lstStyle/>
+          <a:p>
+            <a:fld id="{F230EE04-BD3A-40AA-92AC-647453D5DADF}" type="slidenum">
+              <a:rPr lang="zh-TW" altLang="en-US" smtClean="0"/>
+              <a:t>60</a:t>
+            </a:fld>
+            <a:endParaRPr lang="zh-TW" altLang="en-US"/>
+          </a:p>
+        </p:txBody>
+      </p:sp>
+      <p:pic>
+        <p:nvPicPr>
+          <p:cNvPr id="6" name="圖片 5">
+            <a:extLst>
+              <a:ext uri="{FF2B5EF4-FFF2-40B4-BE49-F238E27FC236}">
+                <a16:creationId xmlns:a16="http://schemas.microsoft.com/office/drawing/2014/main" id="{D53526D1-259C-43D9-A8D7-21F6BB3E6025}"/>
+              </a:ext>
+            </a:extLst>
+          </p:cNvPr>
+          <p:cNvPicPr>
+            <a:picLocks noChangeAspect="1"/>
+          </p:cNvPicPr>
+          <p:nvPr/>
+        </p:nvPicPr>
+        <p:blipFill>
+          <a:blip r:embed="rId2"/>
+          <a:stretch>
+            <a:fillRect/>
+          </a:stretch>
+        </p:blipFill>
+        <p:spPr>
+          <a:xfrm>
+            <a:off x="0" y="1412838"/>
+            <a:ext cx="12192000" cy="2896120"/>
+          </a:xfrm>
+          <a:prstGeom prst="rect">
+            <a:avLst/>
+          </a:prstGeom>
+        </p:spPr>
+      </p:pic>
+      <p:pic>
+        <p:nvPicPr>
+          <p:cNvPr id="10" name="圖片 9">
+            <a:extLst>
+              <a:ext uri="{FF2B5EF4-FFF2-40B4-BE49-F238E27FC236}">
+                <a16:creationId xmlns:a16="http://schemas.microsoft.com/office/drawing/2014/main" id="{B7024BC2-50B6-42EB-A15F-E409FF621ECE}"/>
+              </a:ext>
+            </a:extLst>
+          </p:cNvPr>
+          <p:cNvPicPr>
+            <a:picLocks noChangeAspect="1"/>
+          </p:cNvPicPr>
+          <p:nvPr/>
+        </p:nvPicPr>
+        <p:blipFill>
+          <a:blip r:embed="rId3"/>
+          <a:stretch>
+            <a:fillRect/>
+          </a:stretch>
+        </p:blipFill>
+        <p:spPr>
+          <a:xfrm>
+            <a:off x="68826" y="4243061"/>
+            <a:ext cx="12192000" cy="2249813"/>
+          </a:xfrm>
+          <a:prstGeom prst="rect">
+            <a:avLst/>
+          </a:prstGeom>
+        </p:spPr>
+      </p:pic>
+      <p:cxnSp>
+        <p:nvCxnSpPr>
+          <p:cNvPr id="12" name="直線接點 11">
+            <a:extLst>
+              <a:ext uri="{FF2B5EF4-FFF2-40B4-BE49-F238E27FC236}">
+                <a16:creationId xmlns:a16="http://schemas.microsoft.com/office/drawing/2014/main" id="{9AFF0798-06FA-4C9C-9097-2873263622D7}"/>
+              </a:ext>
+            </a:extLst>
+          </p:cNvPr>
+          <p:cNvCxnSpPr>
+            <a:cxnSpLocks/>
+          </p:cNvCxnSpPr>
+          <p:nvPr/>
+        </p:nvCxnSpPr>
+        <p:spPr>
+          <a:xfrm>
+            <a:off x="321269" y="3312563"/>
+            <a:ext cx="11795484" cy="0"/>
+          </a:xfrm>
+          <a:prstGeom prst="line">
+            <a:avLst/>
+          </a:prstGeom>
+          <a:ln w="19050">
+            <a:solidFill>
+              <a:srgbClr val="FF0000"/>
+            </a:solidFill>
+          </a:ln>
+        </p:spPr>
+        <p:style>
+          <a:lnRef idx="1">
+            <a:schemeClr val="accent2"/>
+          </a:lnRef>
+          <a:fillRef idx="0">
+            <a:schemeClr val="accent2"/>
+          </a:fillRef>
+          <a:effectRef idx="0">
+            <a:schemeClr val="accent2"/>
+          </a:effectRef>
+          <a:fontRef idx="minor">
+            <a:schemeClr val="tx1"/>
+          </a:fontRef>
+        </p:style>
+      </p:cxnSp>
+      <p:sp>
+        <p:nvSpPr>
+          <p:cNvPr id="14" name="矩形 13">
+            <a:extLst>
+              <a:ext uri="{FF2B5EF4-FFF2-40B4-BE49-F238E27FC236}">
+                <a16:creationId xmlns:a16="http://schemas.microsoft.com/office/drawing/2014/main" id="{2EE0F5A7-1366-45E7-9702-F67DBDE57657}"/>
+              </a:ext>
+            </a:extLst>
+          </p:cNvPr>
+          <p:cNvSpPr/>
+          <p:nvPr/>
+        </p:nvSpPr>
+        <p:spPr>
+          <a:xfrm>
+            <a:off x="321268" y="2057402"/>
+            <a:ext cx="1215431" cy="4165620"/>
+          </a:xfrm>
+          <a:prstGeom prst="rect">
+            <a:avLst/>
+          </a:prstGeom>
+          <a:noFill/>
+          <a:ln w="19050">
+            <a:solidFill>
+              <a:schemeClr val="tx1"/>
+            </a:solidFill>
+          </a:ln>
+        </p:spPr>
+        <p:style>
+          <a:lnRef idx="2">
+            <a:schemeClr val="accent1">
+              <a:shade val="50000"/>
+            </a:schemeClr>
+          </a:lnRef>
+          <a:fillRef idx="1">
+            <a:schemeClr val="accent1"/>
+          </a:fillRef>
+          <a:effectRef idx="0">
+            <a:schemeClr val="accent1"/>
+          </a:effectRef>
+          <a:fontRef idx="minor">
+            <a:schemeClr val="lt1"/>
+          </a:fontRef>
+        </p:style>
+        <p:txBody>
+          <a:bodyPr rtlCol="0" anchor="ctr"/>
+          <a:lstStyle/>
+          <a:p>
+            <a:pPr algn="ctr"/>
+            <a:endParaRPr lang="zh-TW" altLang="en-US"/>
+          </a:p>
+        </p:txBody>
+      </p:sp>
+      <p:sp>
+        <p:nvSpPr>
+          <p:cNvPr id="15" name="矩形 14">
+            <a:extLst>
+              <a:ext uri="{FF2B5EF4-FFF2-40B4-BE49-F238E27FC236}">
+                <a16:creationId xmlns:a16="http://schemas.microsoft.com/office/drawing/2014/main" id="{66457EE9-FAE5-4248-B287-0A39B2ACFC12}"/>
+              </a:ext>
+            </a:extLst>
+          </p:cNvPr>
+          <p:cNvSpPr/>
+          <p:nvPr/>
+        </p:nvSpPr>
+        <p:spPr>
+          <a:xfrm>
+            <a:off x="1857967" y="2057402"/>
+            <a:ext cx="1215431" cy="4165620"/>
+          </a:xfrm>
+          <a:prstGeom prst="rect">
+            <a:avLst/>
+          </a:prstGeom>
+          <a:noFill/>
+          <a:ln w="19050">
+            <a:solidFill>
+              <a:schemeClr val="tx1"/>
+            </a:solidFill>
+          </a:ln>
+        </p:spPr>
+        <p:style>
+          <a:lnRef idx="2">
+            <a:schemeClr val="accent1">
+              <a:shade val="50000"/>
+            </a:schemeClr>
+          </a:lnRef>
+          <a:fillRef idx="1">
+            <a:schemeClr val="accent1"/>
+          </a:fillRef>
+          <a:effectRef idx="0">
+            <a:schemeClr val="accent1"/>
+          </a:effectRef>
+          <a:fontRef idx="minor">
+            <a:schemeClr val="lt1"/>
+          </a:fontRef>
+        </p:style>
+        <p:txBody>
+          <a:bodyPr rtlCol="0" anchor="ctr"/>
+          <a:lstStyle/>
+          <a:p>
+            <a:pPr algn="ctr"/>
+            <a:endParaRPr lang="zh-TW" altLang="en-US"/>
+          </a:p>
+        </p:txBody>
+      </p:sp>
+      <p:sp>
+        <p:nvSpPr>
+          <p:cNvPr id="16" name="矩形 15">
+            <a:extLst>
+              <a:ext uri="{FF2B5EF4-FFF2-40B4-BE49-F238E27FC236}">
+                <a16:creationId xmlns:a16="http://schemas.microsoft.com/office/drawing/2014/main" id="{4350AF80-9A06-428F-88FA-795DF341A0A1}"/>
+              </a:ext>
+            </a:extLst>
+          </p:cNvPr>
+          <p:cNvSpPr/>
+          <p:nvPr/>
+        </p:nvSpPr>
+        <p:spPr>
+          <a:xfrm>
+            <a:off x="3648669" y="2057402"/>
+            <a:ext cx="631232" cy="4165620"/>
+          </a:xfrm>
+          <a:prstGeom prst="rect">
+            <a:avLst/>
+          </a:prstGeom>
+          <a:noFill/>
+          <a:ln w="19050">
+            <a:solidFill>
+              <a:schemeClr val="tx1"/>
+            </a:solidFill>
+          </a:ln>
+        </p:spPr>
+        <p:style>
+          <a:lnRef idx="2">
+            <a:schemeClr val="accent1">
+              <a:shade val="50000"/>
+            </a:schemeClr>
+          </a:lnRef>
+          <a:fillRef idx="1">
+            <a:schemeClr val="accent1"/>
+          </a:fillRef>
+          <a:effectRef idx="0">
+            <a:schemeClr val="accent1"/>
+          </a:effectRef>
+          <a:fontRef idx="minor">
+            <a:schemeClr val="lt1"/>
+          </a:fontRef>
+        </p:style>
+        <p:txBody>
+          <a:bodyPr rtlCol="0" anchor="ctr"/>
+          <a:lstStyle/>
+          <a:p>
+            <a:pPr algn="ctr"/>
+            <a:endParaRPr lang="zh-TW" altLang="en-US"/>
+          </a:p>
+        </p:txBody>
+      </p:sp>
+      <p:sp>
+        <p:nvSpPr>
+          <p:cNvPr id="17" name="矩形 16">
+            <a:extLst>
+              <a:ext uri="{FF2B5EF4-FFF2-40B4-BE49-F238E27FC236}">
+                <a16:creationId xmlns:a16="http://schemas.microsoft.com/office/drawing/2014/main" id="{0BED58A1-B36C-4D52-9931-F2E435CBC072}"/>
+              </a:ext>
+            </a:extLst>
+          </p:cNvPr>
+          <p:cNvSpPr/>
+          <p:nvPr/>
+        </p:nvSpPr>
+        <p:spPr>
+          <a:xfrm>
+            <a:off x="4601168" y="2057402"/>
+            <a:ext cx="2104432" cy="4165620"/>
+          </a:xfrm>
+          <a:prstGeom prst="rect">
+            <a:avLst/>
+          </a:prstGeom>
+          <a:noFill/>
+          <a:ln w="19050">
+            <a:solidFill>
+              <a:schemeClr val="tx1"/>
+            </a:solidFill>
+          </a:ln>
+        </p:spPr>
+        <p:style>
+          <a:lnRef idx="2">
+            <a:schemeClr val="accent1">
+              <a:shade val="50000"/>
+            </a:schemeClr>
+          </a:lnRef>
+          <a:fillRef idx="1">
+            <a:schemeClr val="accent1"/>
+          </a:fillRef>
+          <a:effectRef idx="0">
+            <a:schemeClr val="accent1"/>
+          </a:effectRef>
+          <a:fontRef idx="minor">
+            <a:schemeClr val="lt1"/>
+          </a:fontRef>
+        </p:style>
+        <p:txBody>
+          <a:bodyPr rtlCol="0" anchor="ctr"/>
+          <a:lstStyle/>
+          <a:p>
+            <a:pPr algn="ctr"/>
+            <a:endParaRPr lang="zh-TW" altLang="en-US"/>
+          </a:p>
+        </p:txBody>
+      </p:sp>
+      <p:sp>
+        <p:nvSpPr>
+          <p:cNvPr id="18" name="矩形 17">
+            <a:extLst>
+              <a:ext uri="{FF2B5EF4-FFF2-40B4-BE49-F238E27FC236}">
+                <a16:creationId xmlns:a16="http://schemas.microsoft.com/office/drawing/2014/main" id="{0C848D7E-3E96-47CF-AA8F-1C33B8C74CFD}"/>
+              </a:ext>
+            </a:extLst>
+          </p:cNvPr>
+          <p:cNvSpPr/>
+          <p:nvPr/>
+        </p:nvSpPr>
+        <p:spPr>
+          <a:xfrm>
+            <a:off x="7598368" y="2057402"/>
+            <a:ext cx="910632" cy="4165620"/>
+          </a:xfrm>
+          <a:prstGeom prst="rect">
+            <a:avLst/>
+          </a:prstGeom>
+          <a:noFill/>
+          <a:ln w="19050">
+            <a:solidFill>
+              <a:schemeClr val="tx1"/>
+            </a:solidFill>
+          </a:ln>
+        </p:spPr>
+        <p:style>
+          <a:lnRef idx="2">
+            <a:schemeClr val="accent1">
+              <a:shade val="50000"/>
+            </a:schemeClr>
+          </a:lnRef>
+          <a:fillRef idx="1">
+            <a:schemeClr val="accent1"/>
+          </a:fillRef>
+          <a:effectRef idx="0">
+            <a:schemeClr val="accent1"/>
+          </a:effectRef>
+          <a:fontRef idx="minor">
+            <a:schemeClr val="lt1"/>
+          </a:fontRef>
+        </p:style>
+        <p:txBody>
+          <a:bodyPr rtlCol="0" anchor="ctr"/>
+          <a:lstStyle/>
+          <a:p>
+            <a:pPr algn="ctr"/>
+            <a:endParaRPr lang="zh-TW" altLang="en-US"/>
+          </a:p>
+        </p:txBody>
+      </p:sp>
+      <p:sp>
+        <p:nvSpPr>
+          <p:cNvPr id="19" name="矩形 18">
+            <a:extLst>
+              <a:ext uri="{FF2B5EF4-FFF2-40B4-BE49-F238E27FC236}">
+                <a16:creationId xmlns:a16="http://schemas.microsoft.com/office/drawing/2014/main" id="{0BE68211-F07B-4158-AC44-C2B4C296EE45}"/>
+              </a:ext>
+            </a:extLst>
+          </p:cNvPr>
+          <p:cNvSpPr/>
+          <p:nvPr/>
+        </p:nvSpPr>
+        <p:spPr>
+          <a:xfrm>
+            <a:off x="9414467" y="2057402"/>
+            <a:ext cx="2702285" cy="4165620"/>
+          </a:xfrm>
+          <a:prstGeom prst="rect">
+            <a:avLst/>
+          </a:prstGeom>
+          <a:noFill/>
+          <a:ln w="19050">
+            <a:solidFill>
+              <a:schemeClr val="tx1"/>
+            </a:solidFill>
+          </a:ln>
+        </p:spPr>
+        <p:style>
+          <a:lnRef idx="2">
+            <a:schemeClr val="accent1">
+              <a:shade val="50000"/>
+            </a:schemeClr>
+          </a:lnRef>
+          <a:fillRef idx="1">
+            <a:schemeClr val="accent1"/>
+          </a:fillRef>
+          <a:effectRef idx="0">
+            <a:schemeClr val="accent1"/>
+          </a:effectRef>
+          <a:fontRef idx="minor">
+            <a:schemeClr val="lt1"/>
+          </a:fontRef>
+        </p:style>
+        <p:txBody>
+          <a:bodyPr rtlCol="0" anchor="ctr"/>
+          <a:lstStyle/>
+          <a:p>
+            <a:pPr algn="ctr"/>
+            <a:endParaRPr lang="zh-TW" altLang="en-US"/>
+          </a:p>
+        </p:txBody>
+      </p:sp>
+      <p:sp>
+        <p:nvSpPr>
+          <p:cNvPr id="20" name="矩形 19">
+            <a:extLst>
+              <a:ext uri="{FF2B5EF4-FFF2-40B4-BE49-F238E27FC236}">
+                <a16:creationId xmlns:a16="http://schemas.microsoft.com/office/drawing/2014/main" id="{74200ABF-E2DC-40A7-B65B-43E8337A15BD}"/>
+              </a:ext>
+            </a:extLst>
+          </p:cNvPr>
+          <p:cNvSpPr/>
+          <p:nvPr/>
+        </p:nvSpPr>
+        <p:spPr>
+          <a:xfrm>
+            <a:off x="8825799" y="2057402"/>
+            <a:ext cx="292802" cy="4165620"/>
+          </a:xfrm>
+          <a:prstGeom prst="rect">
+            <a:avLst/>
+          </a:prstGeom>
+          <a:noFill/>
+          <a:ln w="19050">
+            <a:solidFill>
+              <a:schemeClr val="tx1"/>
+            </a:solidFill>
+          </a:ln>
+        </p:spPr>
+        <p:style>
+          <a:lnRef idx="2">
+            <a:schemeClr val="accent1">
+              <a:shade val="50000"/>
+            </a:schemeClr>
+          </a:lnRef>
+          <a:fillRef idx="1">
+            <a:schemeClr val="accent1"/>
+          </a:fillRef>
+          <a:effectRef idx="0">
+            <a:schemeClr val="accent1"/>
+          </a:effectRef>
+          <a:fontRef idx="minor">
+            <a:schemeClr val="lt1"/>
+          </a:fontRef>
+        </p:style>
+        <p:txBody>
+          <a:bodyPr rtlCol="0" anchor="ctr"/>
+          <a:lstStyle/>
+          <a:p>
+            <a:pPr algn="ctr"/>
+            <a:endParaRPr lang="zh-TW" altLang="en-US"/>
+          </a:p>
+        </p:txBody>
+      </p:sp>
+    </p:spTree>
+    <p:extLst>
+      <p:ext uri="{BB962C8B-B14F-4D97-AF65-F5344CB8AC3E}">
+        <p14:creationId xmlns:p14="http://schemas.microsoft.com/office/powerpoint/2010/main" val="2303648560"/>
+      </p:ext>
+    </p:extLst>
+  </p:cSld>
+  <p:clrMapOvr>
+    <a:masterClrMapping/>
+  </p:clrMapOvr>
+</p:sld>
+</file>
+
+<file path=ppt/slides/slide61.xml><?xml version="1.0" encoding="utf-8"?>
+<p:sld xmlns:a="http://schemas.openxmlformats.org/drawingml/2006/main" xmlns:r="http://schemas.openxmlformats.org/officeDocument/2006/relationships" xmlns:p="http://schemas.openxmlformats.org/presentationml/2006/main">
+  <p:cSld>
+    <p:spTree>
+      <p:nvGrpSpPr>
+        <p:cNvPr id="1" name=""/>
+        <p:cNvGrpSpPr/>
+        <p:nvPr/>
+      </p:nvGrpSpPr>
+      <p:grpSpPr>
+        <a:xfrm>
+          <a:off x="0" y="0"/>
+          <a:ext cx="0" cy="0"/>
+          <a:chOff x="0" y="0"/>
+          <a:chExt cx="0" cy="0"/>
+        </a:xfrm>
+      </p:grpSpPr>
+      <p:sp>
+        <p:nvSpPr>
+          <p:cNvPr id="2" name="標題 1">
+            <a:extLst>
+              <a:ext uri="{FF2B5EF4-FFF2-40B4-BE49-F238E27FC236}">
+                <a16:creationId xmlns:a16="http://schemas.microsoft.com/office/drawing/2014/main" id="{3139EC3B-135A-4CEC-BED8-0B6A6DBA7FEE}"/>
+              </a:ext>
+            </a:extLst>
+          </p:cNvPr>
+          <p:cNvSpPr>
+            <a:spLocks noGrp="1"/>
+          </p:cNvSpPr>
+          <p:nvPr>
+            <p:ph type="title"/>
+          </p:nvPr>
+        </p:nvSpPr>
+        <p:spPr/>
+        <p:txBody>
+          <a:bodyPr/>
+          <a:lstStyle/>
+          <a:p>
+            <a:r>
+              <a:rPr lang="en-US" altLang="zh-TW" dirty="0"/>
+              <a:t>REM</a:t>
+            </a:r>
+            <a:r>
+              <a:rPr lang="zh-TW" altLang="en-US" dirty="0"/>
+              <a:t>睡眠階段比例</a:t>
+            </a:r>
+          </a:p>
+        </p:txBody>
+      </p:sp>
+      <p:sp>
+        <p:nvSpPr>
+          <p:cNvPr id="4" name="投影片編號版面配置區 3">
+            <a:extLst>
+              <a:ext uri="{FF2B5EF4-FFF2-40B4-BE49-F238E27FC236}">
+                <a16:creationId xmlns:a16="http://schemas.microsoft.com/office/drawing/2014/main" id="{4B39A750-3338-40FB-A131-9201B3522BFB}"/>
+              </a:ext>
+            </a:extLst>
+          </p:cNvPr>
+          <p:cNvSpPr>
+            <a:spLocks noGrp="1"/>
+          </p:cNvSpPr>
+          <p:nvPr>
+            <p:ph type="sldNum" sz="quarter" idx="12"/>
+          </p:nvPr>
+        </p:nvSpPr>
+        <p:spPr/>
+        <p:txBody>
+          <a:bodyPr/>
+          <a:lstStyle/>
+          <a:p>
+            <a:fld id="{F230EE04-BD3A-40AA-92AC-647453D5DADF}" type="slidenum">
+              <a:rPr lang="zh-TW" altLang="en-US" smtClean="0"/>
+              <a:t>61</a:t>
+            </a:fld>
+            <a:endParaRPr lang="zh-TW" altLang="en-US"/>
+          </a:p>
+        </p:txBody>
+      </p:sp>
+      <p:pic>
+        <p:nvPicPr>
+          <p:cNvPr id="6" name="圖片 5">
+            <a:extLst>
+              <a:ext uri="{FF2B5EF4-FFF2-40B4-BE49-F238E27FC236}">
+                <a16:creationId xmlns:a16="http://schemas.microsoft.com/office/drawing/2014/main" id="{6E0D553D-65F9-45F5-B721-E43931DC42A2}"/>
+              </a:ext>
+            </a:extLst>
+          </p:cNvPr>
+          <p:cNvPicPr>
+            <a:picLocks noChangeAspect="1"/>
+          </p:cNvPicPr>
+          <p:nvPr/>
+        </p:nvPicPr>
+        <p:blipFill>
+          <a:blip r:embed="rId2"/>
+          <a:stretch>
+            <a:fillRect/>
+          </a:stretch>
+        </p:blipFill>
+        <p:spPr>
+          <a:xfrm>
+            <a:off x="68826" y="1406014"/>
+            <a:ext cx="12109683" cy="2887012"/>
+          </a:xfrm>
+          <a:prstGeom prst="rect">
+            <a:avLst/>
+          </a:prstGeom>
+        </p:spPr>
+      </p:pic>
+      <p:pic>
+        <p:nvPicPr>
+          <p:cNvPr id="7" name="圖片 6">
+            <a:extLst>
+              <a:ext uri="{FF2B5EF4-FFF2-40B4-BE49-F238E27FC236}">
+                <a16:creationId xmlns:a16="http://schemas.microsoft.com/office/drawing/2014/main" id="{FB8F9255-C2E4-428A-A88C-47E01BDC2B85}"/>
+              </a:ext>
+            </a:extLst>
+          </p:cNvPr>
+          <p:cNvPicPr>
+            <a:picLocks noChangeAspect="1"/>
+          </p:cNvPicPr>
+          <p:nvPr/>
+        </p:nvPicPr>
+        <p:blipFill>
+          <a:blip r:embed="rId3"/>
+          <a:stretch>
+            <a:fillRect/>
+          </a:stretch>
+        </p:blipFill>
+        <p:spPr>
+          <a:xfrm>
+            <a:off x="68826" y="4293025"/>
+            <a:ext cx="12123173" cy="2237112"/>
+          </a:xfrm>
+          <a:prstGeom prst="rect">
+            <a:avLst/>
+          </a:prstGeom>
+        </p:spPr>
+      </p:pic>
+      <p:cxnSp>
+        <p:nvCxnSpPr>
+          <p:cNvPr id="16" name="直線接點 15">
+            <a:extLst>
+              <a:ext uri="{FF2B5EF4-FFF2-40B4-BE49-F238E27FC236}">
+                <a16:creationId xmlns:a16="http://schemas.microsoft.com/office/drawing/2014/main" id="{D3E3B3D3-39C1-40AE-BB52-BBAB7DB58FA4}"/>
+              </a:ext>
+            </a:extLst>
+          </p:cNvPr>
+          <p:cNvCxnSpPr>
+            <a:cxnSpLocks/>
+          </p:cNvCxnSpPr>
+          <p:nvPr/>
+        </p:nvCxnSpPr>
+        <p:spPr>
+          <a:xfrm>
+            <a:off x="327691" y="3361725"/>
+            <a:ext cx="11795484" cy="0"/>
+          </a:xfrm>
+          <a:prstGeom prst="line">
+            <a:avLst/>
+          </a:prstGeom>
+          <a:ln w="19050">
+            <a:solidFill>
+              <a:srgbClr val="FF0000"/>
+            </a:solidFill>
+          </a:ln>
+        </p:spPr>
+        <p:style>
+          <a:lnRef idx="1">
+            <a:schemeClr val="accent2"/>
+          </a:lnRef>
+          <a:fillRef idx="0">
+            <a:schemeClr val="accent2"/>
+          </a:fillRef>
+          <a:effectRef idx="0">
+            <a:schemeClr val="accent2"/>
+          </a:effectRef>
+          <a:fontRef idx="minor">
+            <a:schemeClr val="tx1"/>
+          </a:fontRef>
+        </p:style>
+      </p:cxnSp>
+      <p:sp>
+        <p:nvSpPr>
+          <p:cNvPr id="17" name="矩形 16">
+            <a:extLst>
+              <a:ext uri="{FF2B5EF4-FFF2-40B4-BE49-F238E27FC236}">
+                <a16:creationId xmlns:a16="http://schemas.microsoft.com/office/drawing/2014/main" id="{D5472465-40E7-41F0-9926-188791EFCF3D}"/>
+              </a:ext>
+            </a:extLst>
+          </p:cNvPr>
+          <p:cNvSpPr/>
+          <p:nvPr/>
+        </p:nvSpPr>
+        <p:spPr>
+          <a:xfrm>
+            <a:off x="327690" y="1288026"/>
+            <a:ext cx="1215431" cy="4984158"/>
+          </a:xfrm>
+          <a:prstGeom prst="rect">
+            <a:avLst/>
+          </a:prstGeom>
+          <a:noFill/>
+          <a:ln w="19050">
+            <a:solidFill>
+              <a:schemeClr val="tx1"/>
+            </a:solidFill>
+          </a:ln>
+        </p:spPr>
+        <p:style>
+          <a:lnRef idx="2">
+            <a:schemeClr val="accent1">
+              <a:shade val="50000"/>
+            </a:schemeClr>
+          </a:lnRef>
+          <a:fillRef idx="1">
+            <a:schemeClr val="accent1"/>
+          </a:fillRef>
+          <a:effectRef idx="0">
+            <a:schemeClr val="accent1"/>
+          </a:effectRef>
+          <a:fontRef idx="minor">
+            <a:schemeClr val="lt1"/>
+          </a:fontRef>
+        </p:style>
+        <p:txBody>
+          <a:bodyPr rtlCol="0" anchor="ctr"/>
+          <a:lstStyle/>
+          <a:p>
+            <a:pPr algn="ctr"/>
+            <a:endParaRPr lang="zh-TW" altLang="en-US"/>
+          </a:p>
+        </p:txBody>
+      </p:sp>
+      <p:sp>
+        <p:nvSpPr>
+          <p:cNvPr id="18" name="矩形 17">
+            <a:extLst>
+              <a:ext uri="{FF2B5EF4-FFF2-40B4-BE49-F238E27FC236}">
+                <a16:creationId xmlns:a16="http://schemas.microsoft.com/office/drawing/2014/main" id="{158879BF-3DDF-43CC-8CB5-98753649B117}"/>
+              </a:ext>
+            </a:extLst>
+          </p:cNvPr>
+          <p:cNvSpPr/>
+          <p:nvPr/>
+        </p:nvSpPr>
+        <p:spPr>
+          <a:xfrm>
+            <a:off x="1864389" y="1288026"/>
+            <a:ext cx="1215431" cy="4984158"/>
+          </a:xfrm>
+          <a:prstGeom prst="rect">
+            <a:avLst/>
+          </a:prstGeom>
+          <a:noFill/>
+          <a:ln w="19050">
+            <a:solidFill>
+              <a:schemeClr val="tx1"/>
+            </a:solidFill>
+          </a:ln>
+        </p:spPr>
+        <p:style>
+          <a:lnRef idx="2">
+            <a:schemeClr val="accent1">
+              <a:shade val="50000"/>
+            </a:schemeClr>
+          </a:lnRef>
+          <a:fillRef idx="1">
+            <a:schemeClr val="accent1"/>
+          </a:fillRef>
+          <a:effectRef idx="0">
+            <a:schemeClr val="accent1"/>
+          </a:effectRef>
+          <a:fontRef idx="minor">
+            <a:schemeClr val="lt1"/>
+          </a:fontRef>
+        </p:style>
+        <p:txBody>
+          <a:bodyPr rtlCol="0" anchor="ctr"/>
+          <a:lstStyle/>
+          <a:p>
+            <a:pPr algn="ctr"/>
+            <a:endParaRPr lang="zh-TW" altLang="en-US"/>
+          </a:p>
+        </p:txBody>
+      </p:sp>
+      <p:sp>
+        <p:nvSpPr>
+          <p:cNvPr id="19" name="矩形 18">
+            <a:extLst>
+              <a:ext uri="{FF2B5EF4-FFF2-40B4-BE49-F238E27FC236}">
+                <a16:creationId xmlns:a16="http://schemas.microsoft.com/office/drawing/2014/main" id="{1A13112E-7CB8-470A-B2D8-97DDDDE4A3F6}"/>
+              </a:ext>
+            </a:extLst>
+          </p:cNvPr>
+          <p:cNvSpPr/>
+          <p:nvPr/>
+        </p:nvSpPr>
+        <p:spPr>
+          <a:xfrm>
+            <a:off x="3655091" y="1288026"/>
+            <a:ext cx="631232" cy="4984158"/>
+          </a:xfrm>
+          <a:prstGeom prst="rect">
+            <a:avLst/>
+          </a:prstGeom>
+          <a:noFill/>
+          <a:ln w="19050">
+            <a:solidFill>
+              <a:schemeClr val="tx1"/>
+            </a:solidFill>
+          </a:ln>
+        </p:spPr>
+        <p:style>
+          <a:lnRef idx="2">
+            <a:schemeClr val="accent1">
+              <a:shade val="50000"/>
+            </a:schemeClr>
+          </a:lnRef>
+          <a:fillRef idx="1">
+            <a:schemeClr val="accent1"/>
+          </a:fillRef>
+          <a:effectRef idx="0">
+            <a:schemeClr val="accent1"/>
+          </a:effectRef>
+          <a:fontRef idx="minor">
+            <a:schemeClr val="lt1"/>
+          </a:fontRef>
+        </p:style>
+        <p:txBody>
+          <a:bodyPr rtlCol="0" anchor="ctr"/>
+          <a:lstStyle/>
+          <a:p>
+            <a:pPr algn="ctr"/>
+            <a:endParaRPr lang="zh-TW" altLang="en-US"/>
+          </a:p>
+        </p:txBody>
+      </p:sp>
+      <p:sp>
+        <p:nvSpPr>
+          <p:cNvPr id="20" name="矩形 19">
+            <a:extLst>
+              <a:ext uri="{FF2B5EF4-FFF2-40B4-BE49-F238E27FC236}">
+                <a16:creationId xmlns:a16="http://schemas.microsoft.com/office/drawing/2014/main" id="{B12BDB74-698E-4B6A-BC98-895C0CD23829}"/>
+              </a:ext>
+            </a:extLst>
+          </p:cNvPr>
+          <p:cNvSpPr/>
+          <p:nvPr/>
+        </p:nvSpPr>
+        <p:spPr>
+          <a:xfrm>
+            <a:off x="4607590" y="1288026"/>
+            <a:ext cx="2104432" cy="4984158"/>
+          </a:xfrm>
+          <a:prstGeom prst="rect">
+            <a:avLst/>
+          </a:prstGeom>
+          <a:noFill/>
+          <a:ln w="19050">
+            <a:solidFill>
+              <a:schemeClr val="tx1"/>
+            </a:solidFill>
+          </a:ln>
+        </p:spPr>
+        <p:style>
+          <a:lnRef idx="2">
+            <a:schemeClr val="accent1">
+              <a:shade val="50000"/>
+            </a:schemeClr>
+          </a:lnRef>
+          <a:fillRef idx="1">
+            <a:schemeClr val="accent1"/>
+          </a:fillRef>
+          <a:effectRef idx="0">
+            <a:schemeClr val="accent1"/>
+          </a:effectRef>
+          <a:fontRef idx="minor">
+            <a:schemeClr val="lt1"/>
+          </a:fontRef>
+        </p:style>
+        <p:txBody>
+          <a:bodyPr rtlCol="0" anchor="ctr"/>
+          <a:lstStyle/>
+          <a:p>
+            <a:pPr algn="ctr"/>
+            <a:endParaRPr lang="zh-TW" altLang="en-US"/>
+          </a:p>
+        </p:txBody>
+      </p:sp>
+      <p:sp>
+        <p:nvSpPr>
+          <p:cNvPr id="21" name="矩形 20">
+            <a:extLst>
+              <a:ext uri="{FF2B5EF4-FFF2-40B4-BE49-F238E27FC236}">
+                <a16:creationId xmlns:a16="http://schemas.microsoft.com/office/drawing/2014/main" id="{92ABB25E-B0A0-4851-B291-FA2618C91305}"/>
+              </a:ext>
+            </a:extLst>
+          </p:cNvPr>
+          <p:cNvSpPr/>
+          <p:nvPr/>
+        </p:nvSpPr>
+        <p:spPr>
+          <a:xfrm>
+            <a:off x="7604790" y="1288026"/>
+            <a:ext cx="910632" cy="4984158"/>
+          </a:xfrm>
+          <a:prstGeom prst="rect">
+            <a:avLst/>
+          </a:prstGeom>
+          <a:noFill/>
+          <a:ln w="19050">
+            <a:solidFill>
+              <a:schemeClr val="tx1"/>
+            </a:solidFill>
+          </a:ln>
+        </p:spPr>
+        <p:style>
+          <a:lnRef idx="2">
+            <a:schemeClr val="accent1">
+              <a:shade val="50000"/>
+            </a:schemeClr>
+          </a:lnRef>
+          <a:fillRef idx="1">
+            <a:schemeClr val="accent1"/>
+          </a:fillRef>
+          <a:effectRef idx="0">
+            <a:schemeClr val="accent1"/>
+          </a:effectRef>
+          <a:fontRef idx="minor">
+            <a:schemeClr val="lt1"/>
+          </a:fontRef>
+        </p:style>
+        <p:txBody>
+          <a:bodyPr rtlCol="0" anchor="ctr"/>
+          <a:lstStyle/>
+          <a:p>
+            <a:pPr algn="ctr"/>
+            <a:endParaRPr lang="zh-TW" altLang="en-US"/>
+          </a:p>
+        </p:txBody>
+      </p:sp>
+      <p:sp>
+        <p:nvSpPr>
+          <p:cNvPr id="22" name="矩形 21">
+            <a:extLst>
+              <a:ext uri="{FF2B5EF4-FFF2-40B4-BE49-F238E27FC236}">
+                <a16:creationId xmlns:a16="http://schemas.microsoft.com/office/drawing/2014/main" id="{5EEB1425-72B4-476E-852E-BD0834AFD3C1}"/>
+              </a:ext>
+            </a:extLst>
+          </p:cNvPr>
+          <p:cNvSpPr/>
+          <p:nvPr/>
+        </p:nvSpPr>
+        <p:spPr>
+          <a:xfrm>
+            <a:off x="9420889" y="1288026"/>
+            <a:ext cx="2702285" cy="4984158"/>
+          </a:xfrm>
+          <a:prstGeom prst="rect">
+            <a:avLst/>
+          </a:prstGeom>
+          <a:noFill/>
+          <a:ln w="19050">
+            <a:solidFill>
+              <a:schemeClr val="tx1"/>
+            </a:solidFill>
+          </a:ln>
+        </p:spPr>
+        <p:style>
+          <a:lnRef idx="2">
+            <a:schemeClr val="accent1">
+              <a:shade val="50000"/>
+            </a:schemeClr>
+          </a:lnRef>
+          <a:fillRef idx="1">
+            <a:schemeClr val="accent1"/>
+          </a:fillRef>
+          <a:effectRef idx="0">
+            <a:schemeClr val="accent1"/>
+          </a:effectRef>
+          <a:fontRef idx="minor">
+            <a:schemeClr val="lt1"/>
+          </a:fontRef>
+        </p:style>
+        <p:txBody>
+          <a:bodyPr rtlCol="0" anchor="ctr"/>
+          <a:lstStyle/>
+          <a:p>
+            <a:pPr algn="ctr"/>
+            <a:endParaRPr lang="zh-TW" altLang="en-US"/>
+          </a:p>
+        </p:txBody>
+      </p:sp>
+      <p:sp>
+        <p:nvSpPr>
+          <p:cNvPr id="23" name="矩形 22">
+            <a:extLst>
+              <a:ext uri="{FF2B5EF4-FFF2-40B4-BE49-F238E27FC236}">
+                <a16:creationId xmlns:a16="http://schemas.microsoft.com/office/drawing/2014/main" id="{D060B906-61F0-498E-9063-C1746E8FDA81}"/>
+              </a:ext>
+            </a:extLst>
+          </p:cNvPr>
+          <p:cNvSpPr/>
+          <p:nvPr/>
+        </p:nvSpPr>
+        <p:spPr>
+          <a:xfrm>
+            <a:off x="8821754" y="1288026"/>
+            <a:ext cx="292802" cy="4984158"/>
+          </a:xfrm>
+          <a:prstGeom prst="rect">
+            <a:avLst/>
+          </a:prstGeom>
+          <a:noFill/>
+          <a:ln w="19050">
+            <a:solidFill>
+              <a:schemeClr val="tx1"/>
+            </a:solidFill>
+          </a:ln>
+        </p:spPr>
+        <p:style>
+          <a:lnRef idx="2">
+            <a:schemeClr val="accent1">
+              <a:shade val="50000"/>
+            </a:schemeClr>
+          </a:lnRef>
+          <a:fillRef idx="1">
+            <a:schemeClr val="accent1"/>
+          </a:fillRef>
+          <a:effectRef idx="0">
+            <a:schemeClr val="accent1"/>
+          </a:effectRef>
+          <a:fontRef idx="minor">
+            <a:schemeClr val="lt1"/>
+          </a:fontRef>
+        </p:style>
+        <p:txBody>
+          <a:bodyPr rtlCol="0" anchor="ctr"/>
+          <a:lstStyle/>
+          <a:p>
+            <a:pPr algn="ctr"/>
+            <a:endParaRPr lang="zh-TW" altLang="en-US"/>
+          </a:p>
+        </p:txBody>
+      </p:sp>
+    </p:spTree>
+    <p:extLst>
+      <p:ext uri="{BB962C8B-B14F-4D97-AF65-F5344CB8AC3E}">
+        <p14:creationId xmlns:p14="http://schemas.microsoft.com/office/powerpoint/2010/main" val="556068046"/>
+      </p:ext>
+    </p:extLst>
+  </p:cSld>
+  <p:clrMapOvr>
+    <a:masterClrMapping/>
+  </p:clrMapOvr>
+</p:sld>
+</file>
+
+<file path=ppt/slides/slide62.xml><?xml version="1.0" encoding="utf-8"?>
+<p:sld xmlns:a="http://schemas.openxmlformats.org/drawingml/2006/main" xmlns:r="http://schemas.openxmlformats.org/officeDocument/2006/relationships" xmlns:p="http://schemas.openxmlformats.org/presentationml/2006/main">
+  <p:cSld>
+    <p:spTree>
+      <p:nvGrpSpPr>
+        <p:cNvPr id="1" name=""/>
+        <p:cNvGrpSpPr/>
+        <p:nvPr/>
+      </p:nvGrpSpPr>
+      <p:grpSpPr>
+        <a:xfrm>
+          <a:off x="0" y="0"/>
+          <a:ext cx="0" cy="0"/>
+          <a:chOff x="0" y="0"/>
+          <a:chExt cx="0" cy="0"/>
+        </a:xfrm>
+      </p:grpSpPr>
+      <p:sp>
+        <p:nvSpPr>
+          <p:cNvPr id="2" name="標題 1">
+            <a:extLst>
+              <a:ext uri="{FF2B5EF4-FFF2-40B4-BE49-F238E27FC236}">
+                <a16:creationId xmlns:a16="http://schemas.microsoft.com/office/drawing/2014/main" id="{4626234F-21C8-45BE-B404-11F475015634}"/>
+              </a:ext>
+            </a:extLst>
+          </p:cNvPr>
+          <p:cNvSpPr>
+            <a:spLocks noGrp="1"/>
+          </p:cNvSpPr>
+          <p:nvPr>
+            <p:ph type="title"/>
+          </p:nvPr>
+        </p:nvSpPr>
+        <p:spPr/>
+        <p:txBody>
+          <a:bodyPr/>
+          <a:lstStyle/>
+          <a:p>
+            <a:r>
+              <a:rPr lang="en-US" altLang="zh-TW" dirty="0"/>
+              <a:t>REM</a:t>
+            </a:r>
+            <a:r>
+              <a:rPr lang="zh-TW" altLang="en-US" dirty="0"/>
+              <a:t>總時間</a:t>
+            </a:r>
+          </a:p>
+        </p:txBody>
+      </p:sp>
+      <p:sp>
+        <p:nvSpPr>
+          <p:cNvPr id="4" name="投影片編號版面配置區 3">
+            <a:extLst>
+              <a:ext uri="{FF2B5EF4-FFF2-40B4-BE49-F238E27FC236}">
+                <a16:creationId xmlns:a16="http://schemas.microsoft.com/office/drawing/2014/main" id="{00CD132F-3313-4BB8-B6E5-FEE78671AAA0}"/>
+              </a:ext>
+            </a:extLst>
+          </p:cNvPr>
+          <p:cNvSpPr>
+            <a:spLocks noGrp="1"/>
+          </p:cNvSpPr>
+          <p:nvPr>
+            <p:ph type="sldNum" sz="quarter" idx="12"/>
+          </p:nvPr>
+        </p:nvSpPr>
+        <p:spPr/>
+        <p:txBody>
+          <a:bodyPr/>
+          <a:lstStyle/>
+          <a:p>
+            <a:fld id="{F230EE04-BD3A-40AA-92AC-647453D5DADF}" type="slidenum">
+              <a:rPr lang="zh-TW" altLang="en-US" smtClean="0"/>
+              <a:t>62</a:t>
+            </a:fld>
+            <a:endParaRPr lang="zh-TW" altLang="en-US"/>
+          </a:p>
+        </p:txBody>
+      </p:sp>
+      <p:pic>
+        <p:nvPicPr>
+          <p:cNvPr id="6" name="圖片 5">
+            <a:extLst>
+              <a:ext uri="{FF2B5EF4-FFF2-40B4-BE49-F238E27FC236}">
+                <a16:creationId xmlns:a16="http://schemas.microsoft.com/office/drawing/2014/main" id="{0209D993-ED46-4287-9EB6-26989B940E57}"/>
+              </a:ext>
+            </a:extLst>
+          </p:cNvPr>
+          <p:cNvPicPr>
+            <a:picLocks noChangeAspect="1"/>
+          </p:cNvPicPr>
+          <p:nvPr/>
+        </p:nvPicPr>
+        <p:blipFill>
+          <a:blip r:embed="rId2"/>
+          <a:stretch>
+            <a:fillRect/>
+          </a:stretch>
+        </p:blipFill>
+        <p:spPr>
+          <a:xfrm>
+            <a:off x="-1" y="1406508"/>
+            <a:ext cx="12192000" cy="2828212"/>
+          </a:xfrm>
+          <a:prstGeom prst="rect">
+            <a:avLst/>
+          </a:prstGeom>
+        </p:spPr>
+      </p:pic>
+      <p:pic>
+        <p:nvPicPr>
+          <p:cNvPr id="8" name="圖片 7">
+            <a:extLst>
+              <a:ext uri="{FF2B5EF4-FFF2-40B4-BE49-F238E27FC236}">
+                <a16:creationId xmlns:a16="http://schemas.microsoft.com/office/drawing/2014/main" id="{CF87A627-20CF-4CCB-8BB6-DA6B6DB1C8C9}"/>
+              </a:ext>
+            </a:extLst>
+          </p:cNvPr>
+          <p:cNvPicPr>
+            <a:picLocks noChangeAspect="1"/>
+          </p:cNvPicPr>
+          <p:nvPr/>
+        </p:nvPicPr>
+        <p:blipFill>
+          <a:blip r:embed="rId3"/>
+          <a:stretch>
+            <a:fillRect/>
+          </a:stretch>
+        </p:blipFill>
+        <p:spPr>
+          <a:xfrm>
+            <a:off x="68826" y="4234720"/>
+            <a:ext cx="12192000" cy="2249813"/>
+          </a:xfrm>
+          <a:prstGeom prst="rect">
+            <a:avLst/>
+          </a:prstGeom>
+        </p:spPr>
+      </p:pic>
+      <p:cxnSp>
+        <p:nvCxnSpPr>
+          <p:cNvPr id="9" name="直線接點 8">
+            <a:extLst>
+              <a:ext uri="{FF2B5EF4-FFF2-40B4-BE49-F238E27FC236}">
+                <a16:creationId xmlns:a16="http://schemas.microsoft.com/office/drawing/2014/main" id="{7F971E3A-3BB3-4097-BD69-0D0F04092160}"/>
+              </a:ext>
+            </a:extLst>
+          </p:cNvPr>
+          <p:cNvCxnSpPr>
+            <a:cxnSpLocks/>
+          </p:cNvCxnSpPr>
+          <p:nvPr/>
+        </p:nvCxnSpPr>
+        <p:spPr>
+          <a:xfrm>
+            <a:off x="359369" y="2599372"/>
+            <a:ext cx="11756431" cy="0"/>
+          </a:xfrm>
+          <a:prstGeom prst="line">
+            <a:avLst/>
+          </a:prstGeom>
+          <a:ln w="19050">
+            <a:solidFill>
+              <a:srgbClr val="FF0000"/>
+            </a:solidFill>
+          </a:ln>
+        </p:spPr>
+        <p:style>
+          <a:lnRef idx="1">
+            <a:schemeClr val="accent2"/>
+          </a:lnRef>
+          <a:fillRef idx="0">
+            <a:schemeClr val="accent2"/>
+          </a:fillRef>
+          <a:effectRef idx="0">
+            <a:schemeClr val="accent2"/>
+          </a:effectRef>
+          <a:fontRef idx="minor">
+            <a:schemeClr val="tx1"/>
+          </a:fontRef>
+        </p:style>
+      </p:cxnSp>
+      <p:sp>
+        <p:nvSpPr>
+          <p:cNvPr id="11" name="矩形 10">
+            <a:extLst>
+              <a:ext uri="{FF2B5EF4-FFF2-40B4-BE49-F238E27FC236}">
+                <a16:creationId xmlns:a16="http://schemas.microsoft.com/office/drawing/2014/main" id="{B6CE72A1-9423-41E7-8388-A0B30B4EF866}"/>
+              </a:ext>
+            </a:extLst>
+          </p:cNvPr>
+          <p:cNvSpPr/>
+          <p:nvPr/>
+        </p:nvSpPr>
+        <p:spPr>
+          <a:xfrm>
+            <a:off x="321268" y="1337187"/>
+            <a:ext cx="1215431" cy="4885835"/>
+          </a:xfrm>
+          <a:prstGeom prst="rect">
+            <a:avLst/>
+          </a:prstGeom>
+          <a:noFill/>
+          <a:ln w="19050">
+            <a:solidFill>
+              <a:schemeClr val="tx1"/>
+            </a:solidFill>
+          </a:ln>
+        </p:spPr>
+        <p:style>
+          <a:lnRef idx="2">
+            <a:schemeClr val="accent1">
+              <a:shade val="50000"/>
+            </a:schemeClr>
+          </a:lnRef>
+          <a:fillRef idx="1">
+            <a:schemeClr val="accent1"/>
+          </a:fillRef>
+          <a:effectRef idx="0">
+            <a:schemeClr val="accent1"/>
+          </a:effectRef>
+          <a:fontRef idx="minor">
+            <a:schemeClr val="lt1"/>
+          </a:fontRef>
+        </p:style>
+        <p:txBody>
+          <a:bodyPr rtlCol="0" anchor="ctr"/>
+          <a:lstStyle/>
+          <a:p>
+            <a:pPr algn="ctr"/>
+            <a:endParaRPr lang="zh-TW" altLang="en-US"/>
+          </a:p>
+        </p:txBody>
+      </p:sp>
+      <p:sp>
+        <p:nvSpPr>
+          <p:cNvPr id="12" name="矩形 11">
+            <a:extLst>
+              <a:ext uri="{FF2B5EF4-FFF2-40B4-BE49-F238E27FC236}">
+                <a16:creationId xmlns:a16="http://schemas.microsoft.com/office/drawing/2014/main" id="{94AF881D-F6E7-45F2-9B60-BD40BEE61D52}"/>
+              </a:ext>
+            </a:extLst>
+          </p:cNvPr>
+          <p:cNvSpPr/>
+          <p:nvPr/>
+        </p:nvSpPr>
+        <p:spPr>
+          <a:xfrm>
+            <a:off x="1857967" y="1337187"/>
+            <a:ext cx="1215431" cy="4885835"/>
+          </a:xfrm>
+          <a:prstGeom prst="rect">
+            <a:avLst/>
+          </a:prstGeom>
+          <a:noFill/>
+          <a:ln w="19050">
+            <a:solidFill>
+              <a:schemeClr val="tx1"/>
+            </a:solidFill>
+          </a:ln>
+        </p:spPr>
+        <p:style>
+          <a:lnRef idx="2">
+            <a:schemeClr val="accent1">
+              <a:shade val="50000"/>
+            </a:schemeClr>
+          </a:lnRef>
+          <a:fillRef idx="1">
+            <a:schemeClr val="accent1"/>
+          </a:fillRef>
+          <a:effectRef idx="0">
+            <a:schemeClr val="accent1"/>
+          </a:effectRef>
+          <a:fontRef idx="minor">
+            <a:schemeClr val="lt1"/>
+          </a:fontRef>
+        </p:style>
+        <p:txBody>
+          <a:bodyPr rtlCol="0" anchor="ctr"/>
+          <a:lstStyle/>
+          <a:p>
+            <a:pPr algn="ctr"/>
+            <a:endParaRPr lang="zh-TW" altLang="en-US"/>
+          </a:p>
+        </p:txBody>
+      </p:sp>
+      <p:sp>
+        <p:nvSpPr>
+          <p:cNvPr id="13" name="矩形 12">
+            <a:extLst>
+              <a:ext uri="{FF2B5EF4-FFF2-40B4-BE49-F238E27FC236}">
+                <a16:creationId xmlns:a16="http://schemas.microsoft.com/office/drawing/2014/main" id="{17E1258B-DC43-43B2-9329-63A4F5473D60}"/>
+              </a:ext>
+            </a:extLst>
+          </p:cNvPr>
+          <p:cNvSpPr/>
+          <p:nvPr/>
+        </p:nvSpPr>
+        <p:spPr>
+          <a:xfrm>
+            <a:off x="3648669" y="1337187"/>
+            <a:ext cx="631232" cy="4885835"/>
+          </a:xfrm>
+          <a:prstGeom prst="rect">
+            <a:avLst/>
+          </a:prstGeom>
+          <a:noFill/>
+          <a:ln w="19050">
+            <a:solidFill>
+              <a:schemeClr val="tx1"/>
+            </a:solidFill>
+          </a:ln>
+        </p:spPr>
+        <p:style>
+          <a:lnRef idx="2">
+            <a:schemeClr val="accent1">
+              <a:shade val="50000"/>
+            </a:schemeClr>
+          </a:lnRef>
+          <a:fillRef idx="1">
+            <a:schemeClr val="accent1"/>
+          </a:fillRef>
+          <a:effectRef idx="0">
+            <a:schemeClr val="accent1"/>
+          </a:effectRef>
+          <a:fontRef idx="minor">
+            <a:schemeClr val="lt1"/>
+          </a:fontRef>
+        </p:style>
+        <p:txBody>
+          <a:bodyPr rtlCol="0" anchor="ctr"/>
+          <a:lstStyle/>
+          <a:p>
+            <a:pPr algn="ctr"/>
+            <a:endParaRPr lang="zh-TW" altLang="en-US"/>
+          </a:p>
+        </p:txBody>
+      </p:sp>
+      <p:sp>
+        <p:nvSpPr>
+          <p:cNvPr id="14" name="矩形 13">
+            <a:extLst>
+              <a:ext uri="{FF2B5EF4-FFF2-40B4-BE49-F238E27FC236}">
+                <a16:creationId xmlns:a16="http://schemas.microsoft.com/office/drawing/2014/main" id="{1CDF2E61-4D5C-4655-9C2D-6ADC0CD4A5F6}"/>
+              </a:ext>
+            </a:extLst>
+          </p:cNvPr>
+          <p:cNvSpPr/>
+          <p:nvPr/>
+        </p:nvSpPr>
+        <p:spPr>
+          <a:xfrm>
+            <a:off x="4601168" y="1337187"/>
+            <a:ext cx="2104432" cy="4885835"/>
+          </a:xfrm>
+          <a:prstGeom prst="rect">
+            <a:avLst/>
+          </a:prstGeom>
+          <a:noFill/>
+          <a:ln w="19050">
+            <a:solidFill>
+              <a:schemeClr val="tx1"/>
+            </a:solidFill>
+          </a:ln>
+        </p:spPr>
+        <p:style>
+          <a:lnRef idx="2">
+            <a:schemeClr val="accent1">
+              <a:shade val="50000"/>
+            </a:schemeClr>
+          </a:lnRef>
+          <a:fillRef idx="1">
+            <a:schemeClr val="accent1"/>
+          </a:fillRef>
+          <a:effectRef idx="0">
+            <a:schemeClr val="accent1"/>
+          </a:effectRef>
+          <a:fontRef idx="minor">
+            <a:schemeClr val="lt1"/>
+          </a:fontRef>
+        </p:style>
+        <p:txBody>
+          <a:bodyPr rtlCol="0" anchor="ctr"/>
+          <a:lstStyle/>
+          <a:p>
+            <a:pPr algn="ctr"/>
+            <a:endParaRPr lang="zh-TW" altLang="en-US"/>
+          </a:p>
+        </p:txBody>
+      </p:sp>
+      <p:sp>
+        <p:nvSpPr>
+          <p:cNvPr id="15" name="矩形 14">
+            <a:extLst>
+              <a:ext uri="{FF2B5EF4-FFF2-40B4-BE49-F238E27FC236}">
+                <a16:creationId xmlns:a16="http://schemas.microsoft.com/office/drawing/2014/main" id="{36951EFE-0347-488E-A1B5-9ABA5EFCF4DC}"/>
+              </a:ext>
+            </a:extLst>
+          </p:cNvPr>
+          <p:cNvSpPr/>
+          <p:nvPr/>
+        </p:nvSpPr>
+        <p:spPr>
+          <a:xfrm>
+            <a:off x="7598368" y="1337187"/>
+            <a:ext cx="910632" cy="4885835"/>
+          </a:xfrm>
+          <a:prstGeom prst="rect">
+            <a:avLst/>
+          </a:prstGeom>
+          <a:noFill/>
+          <a:ln w="19050">
+            <a:solidFill>
+              <a:schemeClr val="tx1"/>
+            </a:solidFill>
+          </a:ln>
+        </p:spPr>
+        <p:style>
+          <a:lnRef idx="2">
+            <a:schemeClr val="accent1">
+              <a:shade val="50000"/>
+            </a:schemeClr>
+          </a:lnRef>
+          <a:fillRef idx="1">
+            <a:schemeClr val="accent1"/>
+          </a:fillRef>
+          <a:effectRef idx="0">
+            <a:schemeClr val="accent1"/>
+          </a:effectRef>
+          <a:fontRef idx="minor">
+            <a:schemeClr val="lt1"/>
+          </a:fontRef>
+        </p:style>
+        <p:txBody>
+          <a:bodyPr rtlCol="0" anchor="ctr"/>
+          <a:lstStyle/>
+          <a:p>
+            <a:pPr algn="ctr"/>
+            <a:endParaRPr lang="zh-TW" altLang="en-US"/>
+          </a:p>
+        </p:txBody>
+      </p:sp>
+      <p:sp>
+        <p:nvSpPr>
+          <p:cNvPr id="16" name="矩形 15">
+            <a:extLst>
+              <a:ext uri="{FF2B5EF4-FFF2-40B4-BE49-F238E27FC236}">
+                <a16:creationId xmlns:a16="http://schemas.microsoft.com/office/drawing/2014/main" id="{DA9BF6D1-10CA-4F9E-BF98-61BB68806CAA}"/>
+              </a:ext>
+            </a:extLst>
+          </p:cNvPr>
+          <p:cNvSpPr/>
+          <p:nvPr/>
+        </p:nvSpPr>
+        <p:spPr>
+          <a:xfrm>
+            <a:off x="9414467" y="1337187"/>
+            <a:ext cx="2702285" cy="4885835"/>
+          </a:xfrm>
+          <a:prstGeom prst="rect">
+            <a:avLst/>
+          </a:prstGeom>
+          <a:noFill/>
+          <a:ln w="19050">
+            <a:solidFill>
+              <a:schemeClr val="tx1"/>
+            </a:solidFill>
+          </a:ln>
+        </p:spPr>
+        <p:style>
+          <a:lnRef idx="2">
+            <a:schemeClr val="accent1">
+              <a:shade val="50000"/>
+            </a:schemeClr>
+          </a:lnRef>
+          <a:fillRef idx="1">
+            <a:schemeClr val="accent1"/>
+          </a:fillRef>
+          <a:effectRef idx="0">
+            <a:schemeClr val="accent1"/>
+          </a:effectRef>
+          <a:fontRef idx="minor">
+            <a:schemeClr val="lt1"/>
+          </a:fontRef>
+        </p:style>
+        <p:txBody>
+          <a:bodyPr rtlCol="0" anchor="ctr"/>
+          <a:lstStyle/>
+          <a:p>
+            <a:pPr algn="ctr"/>
+            <a:endParaRPr lang="zh-TW" altLang="en-US"/>
+          </a:p>
+        </p:txBody>
+      </p:sp>
+      <p:sp>
+        <p:nvSpPr>
+          <p:cNvPr id="17" name="矩形 16">
+            <a:extLst>
+              <a:ext uri="{FF2B5EF4-FFF2-40B4-BE49-F238E27FC236}">
+                <a16:creationId xmlns:a16="http://schemas.microsoft.com/office/drawing/2014/main" id="{4A65F78D-0945-4293-990E-A76C457D5CD3}"/>
+              </a:ext>
+            </a:extLst>
+          </p:cNvPr>
+          <p:cNvSpPr/>
+          <p:nvPr/>
+        </p:nvSpPr>
+        <p:spPr>
+          <a:xfrm>
+            <a:off x="8825799" y="1337187"/>
+            <a:ext cx="292802" cy="4885835"/>
+          </a:xfrm>
+          <a:prstGeom prst="rect">
+            <a:avLst/>
+          </a:prstGeom>
+          <a:noFill/>
+          <a:ln w="19050">
+            <a:solidFill>
+              <a:schemeClr val="tx1"/>
+            </a:solidFill>
+          </a:ln>
+        </p:spPr>
+        <p:style>
+          <a:lnRef idx="2">
+            <a:schemeClr val="accent1">
+              <a:shade val="50000"/>
+            </a:schemeClr>
+          </a:lnRef>
+          <a:fillRef idx="1">
+            <a:schemeClr val="accent1"/>
+          </a:fillRef>
+          <a:effectRef idx="0">
+            <a:schemeClr val="accent1"/>
+          </a:effectRef>
+          <a:fontRef idx="minor">
+            <a:schemeClr val="lt1"/>
+          </a:fontRef>
+        </p:style>
+        <p:txBody>
+          <a:bodyPr rtlCol="0" anchor="ctr"/>
+          <a:lstStyle/>
+          <a:p>
+            <a:pPr algn="ctr"/>
+            <a:endParaRPr lang="zh-TW" altLang="en-US"/>
+          </a:p>
+        </p:txBody>
+      </p:sp>
+    </p:spTree>
+    <p:extLst>
+      <p:ext uri="{BB962C8B-B14F-4D97-AF65-F5344CB8AC3E}">
+        <p14:creationId xmlns:p14="http://schemas.microsoft.com/office/powerpoint/2010/main" val="4149895742"/>
+      </p:ext>
+    </p:extLst>
+  </p:cSld>
+  <p:clrMapOvr>
+    <a:masterClrMapping/>
+  </p:clrMapOvr>
+</p:sld>
+</file>
+
+<file path=ppt/slides/slide63.xml><?xml version="1.0" encoding="utf-8"?>
+<p:sld xmlns:a="http://schemas.openxmlformats.org/drawingml/2006/main" xmlns:r="http://schemas.openxmlformats.org/officeDocument/2006/relationships" xmlns:p="http://schemas.openxmlformats.org/presentationml/2006/main">
+  <p:cSld>
+    <p:spTree>
+      <p:nvGrpSpPr>
+        <p:cNvPr id="1" name=""/>
+        <p:cNvGrpSpPr/>
+        <p:nvPr/>
+      </p:nvGrpSpPr>
+      <p:grpSpPr>
+        <a:xfrm>
+          <a:off x="0" y="0"/>
+          <a:ext cx="0" cy="0"/>
+          <a:chOff x="0" y="0"/>
+          <a:chExt cx="0" cy="0"/>
+        </a:xfrm>
+      </p:grpSpPr>
+      <p:sp>
+        <p:nvSpPr>
+          <p:cNvPr id="2" name="標題 1">
+            <a:extLst>
+              <a:ext uri="{FF2B5EF4-FFF2-40B4-BE49-F238E27FC236}">
+                <a16:creationId xmlns:a16="http://schemas.microsoft.com/office/drawing/2014/main" id="{3A48B030-926F-4639-BC03-D46511EE292E}"/>
+              </a:ext>
+            </a:extLst>
+          </p:cNvPr>
+          <p:cNvSpPr>
+            <a:spLocks noGrp="1"/>
+          </p:cNvSpPr>
+          <p:nvPr>
+            <p:ph type="title"/>
+          </p:nvPr>
+        </p:nvSpPr>
+        <p:spPr/>
+        <p:txBody>
+          <a:bodyPr/>
+          <a:lstStyle/>
+          <a:p>
+            <a:r>
+              <a:rPr lang="en-US" altLang="zh-TW" dirty="0"/>
+              <a:t>REM</a:t>
+            </a:r>
+            <a:r>
+              <a:rPr lang="zh-TW" altLang="en-US" dirty="0"/>
+              <a:t>平均長度</a:t>
+            </a:r>
+          </a:p>
+        </p:txBody>
+      </p:sp>
+      <p:sp>
+        <p:nvSpPr>
+          <p:cNvPr id="4" name="投影片編號版面配置區 3">
+            <a:extLst>
+              <a:ext uri="{FF2B5EF4-FFF2-40B4-BE49-F238E27FC236}">
+                <a16:creationId xmlns:a16="http://schemas.microsoft.com/office/drawing/2014/main" id="{F0AABB5A-98D7-4927-9D36-43FC6A518D29}"/>
+              </a:ext>
+            </a:extLst>
+          </p:cNvPr>
+          <p:cNvSpPr>
+            <a:spLocks noGrp="1"/>
+          </p:cNvSpPr>
+          <p:nvPr>
+            <p:ph type="sldNum" sz="quarter" idx="12"/>
+          </p:nvPr>
+        </p:nvSpPr>
+        <p:spPr/>
+        <p:txBody>
+          <a:bodyPr/>
+          <a:lstStyle/>
+          <a:p>
+            <a:fld id="{F230EE04-BD3A-40AA-92AC-647453D5DADF}" type="slidenum">
+              <a:rPr lang="zh-TW" altLang="en-US" smtClean="0"/>
+              <a:t>63</a:t>
+            </a:fld>
+            <a:endParaRPr lang="zh-TW" altLang="en-US"/>
+          </a:p>
+        </p:txBody>
+      </p:sp>
+      <p:pic>
+        <p:nvPicPr>
+          <p:cNvPr id="6" name="圖片 5">
+            <a:extLst>
+              <a:ext uri="{FF2B5EF4-FFF2-40B4-BE49-F238E27FC236}">
+                <a16:creationId xmlns:a16="http://schemas.microsoft.com/office/drawing/2014/main" id="{BC1587EB-3A7E-452E-B392-3BB649DC0240}"/>
+              </a:ext>
+            </a:extLst>
+          </p:cNvPr>
+          <p:cNvPicPr>
+            <a:picLocks noChangeAspect="1"/>
+          </p:cNvPicPr>
+          <p:nvPr/>
+        </p:nvPicPr>
+        <p:blipFill>
+          <a:blip r:embed="rId2"/>
+          <a:stretch>
+            <a:fillRect/>
+          </a:stretch>
+        </p:blipFill>
+        <p:spPr>
+          <a:xfrm>
+            <a:off x="-1" y="1385023"/>
+            <a:ext cx="12192000" cy="2835929"/>
+          </a:xfrm>
+          <a:prstGeom prst="rect">
+            <a:avLst/>
+          </a:prstGeom>
+        </p:spPr>
+      </p:pic>
+      <p:pic>
+        <p:nvPicPr>
+          <p:cNvPr id="7" name="圖片 6">
+            <a:extLst>
+              <a:ext uri="{FF2B5EF4-FFF2-40B4-BE49-F238E27FC236}">
+                <a16:creationId xmlns:a16="http://schemas.microsoft.com/office/drawing/2014/main" id="{0BC9A6A0-99BE-4A96-A0B4-4C70DDB2DB87}"/>
+              </a:ext>
+            </a:extLst>
+          </p:cNvPr>
+          <p:cNvPicPr>
+            <a:picLocks noChangeAspect="1"/>
+          </p:cNvPicPr>
+          <p:nvPr/>
+        </p:nvPicPr>
+        <p:blipFill>
+          <a:blip r:embed="rId3"/>
+          <a:stretch>
+            <a:fillRect/>
+          </a:stretch>
+        </p:blipFill>
+        <p:spPr>
+          <a:xfrm>
+            <a:off x="68826" y="4234720"/>
+            <a:ext cx="12192000" cy="2249813"/>
+          </a:xfrm>
+          <a:prstGeom prst="rect">
+            <a:avLst/>
+          </a:prstGeom>
+        </p:spPr>
+      </p:pic>
+      <p:cxnSp>
+        <p:nvCxnSpPr>
+          <p:cNvPr id="8" name="直線接點 7">
+            <a:extLst>
+              <a:ext uri="{FF2B5EF4-FFF2-40B4-BE49-F238E27FC236}">
+                <a16:creationId xmlns:a16="http://schemas.microsoft.com/office/drawing/2014/main" id="{4DB58EF0-17F4-46BF-BC9A-9AED59684DA3}"/>
+              </a:ext>
+            </a:extLst>
+          </p:cNvPr>
+          <p:cNvCxnSpPr>
+            <a:cxnSpLocks/>
+          </p:cNvCxnSpPr>
+          <p:nvPr/>
+        </p:nvCxnSpPr>
+        <p:spPr>
+          <a:xfrm>
+            <a:off x="362564" y="3553101"/>
+            <a:ext cx="11781811" cy="0"/>
+          </a:xfrm>
+          <a:prstGeom prst="line">
+            <a:avLst/>
+          </a:prstGeom>
+          <a:ln w="19050">
+            <a:solidFill>
+              <a:srgbClr val="FF0000"/>
+            </a:solidFill>
+          </a:ln>
+        </p:spPr>
+        <p:style>
+          <a:lnRef idx="1">
+            <a:schemeClr val="accent2"/>
+          </a:lnRef>
+          <a:fillRef idx="0">
+            <a:schemeClr val="accent2"/>
+          </a:fillRef>
+          <a:effectRef idx="0">
+            <a:schemeClr val="accent2"/>
+          </a:effectRef>
+          <a:fontRef idx="minor">
+            <a:schemeClr val="tx1"/>
+          </a:fontRef>
+        </p:style>
+      </p:cxnSp>
+      <p:sp>
+        <p:nvSpPr>
+          <p:cNvPr id="11" name="矩形 10">
+            <a:extLst>
+              <a:ext uri="{FF2B5EF4-FFF2-40B4-BE49-F238E27FC236}">
+                <a16:creationId xmlns:a16="http://schemas.microsoft.com/office/drawing/2014/main" id="{0A76D9CC-BEC7-4F17-ACA5-8ED4450D840F}"/>
+              </a:ext>
+            </a:extLst>
+          </p:cNvPr>
+          <p:cNvSpPr/>
+          <p:nvPr/>
+        </p:nvSpPr>
+        <p:spPr>
+          <a:xfrm>
+            <a:off x="362564" y="2057402"/>
+            <a:ext cx="1215431" cy="4165620"/>
+          </a:xfrm>
+          <a:prstGeom prst="rect">
+            <a:avLst/>
+          </a:prstGeom>
+          <a:noFill/>
+          <a:ln w="19050">
+            <a:solidFill>
+              <a:schemeClr val="tx1"/>
+            </a:solidFill>
+          </a:ln>
+        </p:spPr>
+        <p:style>
+          <a:lnRef idx="2">
+            <a:schemeClr val="accent1">
+              <a:shade val="50000"/>
+            </a:schemeClr>
+          </a:lnRef>
+          <a:fillRef idx="1">
+            <a:schemeClr val="accent1"/>
+          </a:fillRef>
+          <a:effectRef idx="0">
+            <a:schemeClr val="accent1"/>
+          </a:effectRef>
+          <a:fontRef idx="minor">
+            <a:schemeClr val="lt1"/>
+          </a:fontRef>
+        </p:style>
+        <p:txBody>
+          <a:bodyPr rtlCol="0" anchor="ctr"/>
+          <a:lstStyle/>
+          <a:p>
+            <a:pPr algn="ctr"/>
+            <a:endParaRPr lang="zh-TW" altLang="en-US"/>
+          </a:p>
+        </p:txBody>
+      </p:sp>
+      <p:sp>
+        <p:nvSpPr>
+          <p:cNvPr id="12" name="矩形 11">
+            <a:extLst>
+              <a:ext uri="{FF2B5EF4-FFF2-40B4-BE49-F238E27FC236}">
+                <a16:creationId xmlns:a16="http://schemas.microsoft.com/office/drawing/2014/main" id="{AC33DC72-2F0C-4F02-960F-06A6FDE98490}"/>
+              </a:ext>
+            </a:extLst>
+          </p:cNvPr>
+          <p:cNvSpPr/>
+          <p:nvPr/>
+        </p:nvSpPr>
+        <p:spPr>
+          <a:xfrm>
+            <a:off x="1857967" y="2057402"/>
+            <a:ext cx="1215431" cy="4165620"/>
+          </a:xfrm>
+          <a:prstGeom prst="rect">
+            <a:avLst/>
+          </a:prstGeom>
+          <a:noFill/>
+          <a:ln w="19050">
+            <a:solidFill>
+              <a:schemeClr val="tx1"/>
+            </a:solidFill>
+          </a:ln>
+        </p:spPr>
+        <p:style>
+          <a:lnRef idx="2">
+            <a:schemeClr val="accent1">
+              <a:shade val="50000"/>
+            </a:schemeClr>
+          </a:lnRef>
+          <a:fillRef idx="1">
+            <a:schemeClr val="accent1"/>
+          </a:fillRef>
+          <a:effectRef idx="0">
+            <a:schemeClr val="accent1"/>
+          </a:effectRef>
+          <a:fontRef idx="minor">
+            <a:schemeClr val="lt1"/>
+          </a:fontRef>
+        </p:style>
+        <p:txBody>
+          <a:bodyPr rtlCol="0" anchor="ctr"/>
+          <a:lstStyle/>
+          <a:p>
+            <a:pPr algn="ctr"/>
+            <a:endParaRPr lang="zh-TW" altLang="en-US"/>
+          </a:p>
+        </p:txBody>
+      </p:sp>
+      <p:sp>
+        <p:nvSpPr>
+          <p:cNvPr id="13" name="矩形 12">
+            <a:extLst>
+              <a:ext uri="{FF2B5EF4-FFF2-40B4-BE49-F238E27FC236}">
+                <a16:creationId xmlns:a16="http://schemas.microsoft.com/office/drawing/2014/main" id="{DC7CE1DD-CF19-473E-A190-BDB63D7D26E4}"/>
+              </a:ext>
+            </a:extLst>
+          </p:cNvPr>
+          <p:cNvSpPr/>
+          <p:nvPr/>
+        </p:nvSpPr>
+        <p:spPr>
+          <a:xfrm>
+            <a:off x="3648669" y="2057402"/>
+            <a:ext cx="631232" cy="4165620"/>
+          </a:xfrm>
+          <a:prstGeom prst="rect">
+            <a:avLst/>
+          </a:prstGeom>
+          <a:noFill/>
+          <a:ln w="19050">
+            <a:solidFill>
+              <a:schemeClr val="tx1"/>
+            </a:solidFill>
+          </a:ln>
+        </p:spPr>
+        <p:style>
+          <a:lnRef idx="2">
+            <a:schemeClr val="accent1">
+              <a:shade val="50000"/>
+            </a:schemeClr>
+          </a:lnRef>
+          <a:fillRef idx="1">
+            <a:schemeClr val="accent1"/>
+          </a:fillRef>
+          <a:effectRef idx="0">
+            <a:schemeClr val="accent1"/>
+          </a:effectRef>
+          <a:fontRef idx="minor">
+            <a:schemeClr val="lt1"/>
+          </a:fontRef>
+        </p:style>
+        <p:txBody>
+          <a:bodyPr rtlCol="0" anchor="ctr"/>
+          <a:lstStyle/>
+          <a:p>
+            <a:pPr algn="ctr"/>
+            <a:endParaRPr lang="zh-TW" altLang="en-US"/>
+          </a:p>
+        </p:txBody>
+      </p:sp>
+      <p:sp>
+        <p:nvSpPr>
+          <p:cNvPr id="14" name="矩形 13">
+            <a:extLst>
+              <a:ext uri="{FF2B5EF4-FFF2-40B4-BE49-F238E27FC236}">
+                <a16:creationId xmlns:a16="http://schemas.microsoft.com/office/drawing/2014/main" id="{2735BAB8-90E2-440F-B919-4B6AD833BC20}"/>
+              </a:ext>
+            </a:extLst>
+          </p:cNvPr>
+          <p:cNvSpPr/>
+          <p:nvPr/>
+        </p:nvSpPr>
+        <p:spPr>
+          <a:xfrm>
+            <a:off x="4601168" y="2057402"/>
+            <a:ext cx="2104432" cy="4165620"/>
+          </a:xfrm>
+          <a:prstGeom prst="rect">
+            <a:avLst/>
+          </a:prstGeom>
+          <a:noFill/>
+          <a:ln w="19050">
+            <a:solidFill>
+              <a:schemeClr val="tx1"/>
+            </a:solidFill>
+          </a:ln>
+        </p:spPr>
+        <p:style>
+          <a:lnRef idx="2">
+            <a:schemeClr val="accent1">
+              <a:shade val="50000"/>
+            </a:schemeClr>
+          </a:lnRef>
+          <a:fillRef idx="1">
+            <a:schemeClr val="accent1"/>
+          </a:fillRef>
+          <a:effectRef idx="0">
+            <a:schemeClr val="accent1"/>
+          </a:effectRef>
+          <a:fontRef idx="minor">
+            <a:schemeClr val="lt1"/>
+          </a:fontRef>
+        </p:style>
+        <p:txBody>
+          <a:bodyPr rtlCol="0" anchor="ctr"/>
+          <a:lstStyle/>
+          <a:p>
+            <a:pPr algn="ctr"/>
+            <a:endParaRPr lang="zh-TW" altLang="en-US"/>
+          </a:p>
+        </p:txBody>
+      </p:sp>
+      <p:sp>
+        <p:nvSpPr>
+          <p:cNvPr id="15" name="矩形 14">
+            <a:extLst>
+              <a:ext uri="{FF2B5EF4-FFF2-40B4-BE49-F238E27FC236}">
+                <a16:creationId xmlns:a16="http://schemas.microsoft.com/office/drawing/2014/main" id="{DC745D9B-8FCB-4314-A966-1B27D1383075}"/>
+              </a:ext>
+            </a:extLst>
+          </p:cNvPr>
+          <p:cNvSpPr/>
+          <p:nvPr/>
+        </p:nvSpPr>
+        <p:spPr>
+          <a:xfrm>
+            <a:off x="7598368" y="2057402"/>
+            <a:ext cx="910632" cy="4165620"/>
+          </a:xfrm>
+          <a:prstGeom prst="rect">
+            <a:avLst/>
+          </a:prstGeom>
+          <a:noFill/>
+          <a:ln w="19050">
+            <a:solidFill>
+              <a:schemeClr val="tx1"/>
+            </a:solidFill>
+          </a:ln>
+        </p:spPr>
+        <p:style>
+          <a:lnRef idx="2">
+            <a:schemeClr val="accent1">
+              <a:shade val="50000"/>
+            </a:schemeClr>
+          </a:lnRef>
+          <a:fillRef idx="1">
+            <a:schemeClr val="accent1"/>
+          </a:fillRef>
+          <a:effectRef idx="0">
+            <a:schemeClr val="accent1"/>
+          </a:effectRef>
+          <a:fontRef idx="minor">
+            <a:schemeClr val="lt1"/>
+          </a:fontRef>
+        </p:style>
+        <p:txBody>
+          <a:bodyPr rtlCol="0" anchor="ctr"/>
+          <a:lstStyle/>
+          <a:p>
+            <a:pPr algn="ctr"/>
+            <a:endParaRPr lang="zh-TW" altLang="en-US"/>
+          </a:p>
+        </p:txBody>
+      </p:sp>
+      <p:sp>
+        <p:nvSpPr>
+          <p:cNvPr id="16" name="矩形 15">
+            <a:extLst>
+              <a:ext uri="{FF2B5EF4-FFF2-40B4-BE49-F238E27FC236}">
+                <a16:creationId xmlns:a16="http://schemas.microsoft.com/office/drawing/2014/main" id="{5C8D8E96-D233-4EAE-99F5-36B065BF6BBD}"/>
+              </a:ext>
+            </a:extLst>
+          </p:cNvPr>
+          <p:cNvSpPr/>
+          <p:nvPr/>
+        </p:nvSpPr>
+        <p:spPr>
+          <a:xfrm>
+            <a:off x="9414467" y="2057402"/>
+            <a:ext cx="2702285" cy="4165620"/>
+          </a:xfrm>
+          <a:prstGeom prst="rect">
+            <a:avLst/>
+          </a:prstGeom>
+          <a:noFill/>
+          <a:ln w="19050">
+            <a:solidFill>
+              <a:schemeClr val="tx1"/>
+            </a:solidFill>
+          </a:ln>
+        </p:spPr>
+        <p:style>
+          <a:lnRef idx="2">
+            <a:schemeClr val="accent1">
+              <a:shade val="50000"/>
+            </a:schemeClr>
+          </a:lnRef>
+          <a:fillRef idx="1">
+            <a:schemeClr val="accent1"/>
+          </a:fillRef>
+          <a:effectRef idx="0">
+            <a:schemeClr val="accent1"/>
+          </a:effectRef>
+          <a:fontRef idx="minor">
+            <a:schemeClr val="lt1"/>
+          </a:fontRef>
+        </p:style>
+        <p:txBody>
+          <a:bodyPr rtlCol="0" anchor="ctr"/>
+          <a:lstStyle/>
+          <a:p>
+            <a:pPr algn="ctr"/>
+            <a:endParaRPr lang="zh-TW" altLang="en-US"/>
+          </a:p>
+        </p:txBody>
+      </p:sp>
+      <p:sp>
+        <p:nvSpPr>
+          <p:cNvPr id="17" name="矩形 16">
+            <a:extLst>
+              <a:ext uri="{FF2B5EF4-FFF2-40B4-BE49-F238E27FC236}">
+                <a16:creationId xmlns:a16="http://schemas.microsoft.com/office/drawing/2014/main" id="{296280FF-47DE-47B2-9ED9-6B7B8DBCDF2A}"/>
+              </a:ext>
+            </a:extLst>
+          </p:cNvPr>
+          <p:cNvSpPr/>
+          <p:nvPr/>
+        </p:nvSpPr>
+        <p:spPr>
+          <a:xfrm>
+            <a:off x="8825799" y="2057402"/>
+            <a:ext cx="292802" cy="4165620"/>
+          </a:xfrm>
+          <a:prstGeom prst="rect">
+            <a:avLst/>
+          </a:prstGeom>
+          <a:noFill/>
+          <a:ln w="19050">
+            <a:solidFill>
+              <a:schemeClr val="tx1"/>
+            </a:solidFill>
+          </a:ln>
+        </p:spPr>
+        <p:style>
+          <a:lnRef idx="2">
+            <a:schemeClr val="accent1">
+              <a:shade val="50000"/>
+            </a:schemeClr>
+          </a:lnRef>
+          <a:fillRef idx="1">
+            <a:schemeClr val="accent1"/>
+          </a:fillRef>
+          <a:effectRef idx="0">
+            <a:schemeClr val="accent1"/>
+          </a:effectRef>
+          <a:fontRef idx="minor">
+            <a:schemeClr val="lt1"/>
+          </a:fontRef>
+        </p:style>
+        <p:txBody>
+          <a:bodyPr rtlCol="0" anchor="ctr"/>
+          <a:lstStyle/>
+          <a:p>
+            <a:pPr algn="ctr"/>
+            <a:endParaRPr lang="zh-TW" altLang="en-US"/>
+          </a:p>
+        </p:txBody>
+      </p:sp>
+    </p:spTree>
+    <p:extLst>
+      <p:ext uri="{BB962C8B-B14F-4D97-AF65-F5344CB8AC3E}">
+        <p14:creationId xmlns:p14="http://schemas.microsoft.com/office/powerpoint/2010/main" val="2674765332"/>
+      </p:ext>
+    </p:extLst>
+  </p:cSld>
+  <p:clrMapOvr>
+    <a:masterClrMapping/>
+  </p:clrMapOvr>
+</p:sld>
+</file>
+
+<file path=ppt/slides/slide64.xml><?xml version="1.0" encoding="utf-8"?>
+<p:sld xmlns:a="http://schemas.openxmlformats.org/drawingml/2006/main" xmlns:r="http://schemas.openxmlformats.org/officeDocument/2006/relationships" xmlns:p="http://schemas.openxmlformats.org/presentationml/2006/main">
+  <p:cSld>
+    <p:spTree>
+      <p:nvGrpSpPr>
+        <p:cNvPr id="1" name=""/>
+        <p:cNvGrpSpPr/>
+        <p:nvPr/>
+      </p:nvGrpSpPr>
+      <p:grpSpPr>
+        <a:xfrm>
+          <a:off x="0" y="0"/>
+          <a:ext cx="0" cy="0"/>
+          <a:chOff x="0" y="0"/>
+          <a:chExt cx="0" cy="0"/>
+        </a:xfrm>
+      </p:grpSpPr>
+      <p:sp>
+        <p:nvSpPr>
+          <p:cNvPr id="2" name="標題 1">
+            <a:extLst>
+              <a:ext uri="{FF2B5EF4-FFF2-40B4-BE49-F238E27FC236}">
+                <a16:creationId xmlns:a16="http://schemas.microsoft.com/office/drawing/2014/main" id="{12907EF2-8BBE-4444-8816-F4597EEDC20C}"/>
+              </a:ext>
+            </a:extLst>
+          </p:cNvPr>
+          <p:cNvSpPr>
+            <a:spLocks noGrp="1"/>
+          </p:cNvSpPr>
+          <p:nvPr>
+            <p:ph type="title"/>
+          </p:nvPr>
+        </p:nvSpPr>
+        <p:spPr/>
+        <p:txBody>
+          <a:bodyPr/>
+          <a:lstStyle/>
+          <a:p>
+            <a:r>
+              <a:rPr lang="en-US" altLang="zh-TW" dirty="0"/>
+              <a:t>REM</a:t>
+            </a:r>
+            <a:r>
+              <a:rPr lang="zh-TW" altLang="en-US" dirty="0"/>
+              <a:t> </a:t>
+            </a:r>
+            <a:r>
+              <a:rPr lang="en-US" altLang="zh-TW" dirty="0"/>
+              <a:t>fragmentation</a:t>
+            </a:r>
+            <a:endParaRPr lang="zh-TW" altLang="en-US" dirty="0"/>
+          </a:p>
+        </p:txBody>
+      </p:sp>
+      <p:sp>
+        <p:nvSpPr>
+          <p:cNvPr id="4" name="投影片編號版面配置區 3">
+            <a:extLst>
+              <a:ext uri="{FF2B5EF4-FFF2-40B4-BE49-F238E27FC236}">
+                <a16:creationId xmlns:a16="http://schemas.microsoft.com/office/drawing/2014/main" id="{89AFD5E4-504C-4EF7-A277-7997E7931234}"/>
+              </a:ext>
+            </a:extLst>
+          </p:cNvPr>
+          <p:cNvSpPr>
+            <a:spLocks noGrp="1"/>
+          </p:cNvSpPr>
+          <p:nvPr>
+            <p:ph type="sldNum" sz="quarter" idx="12"/>
+          </p:nvPr>
+        </p:nvSpPr>
+        <p:spPr/>
+        <p:txBody>
+          <a:bodyPr/>
+          <a:lstStyle/>
+          <a:p>
+            <a:fld id="{F230EE04-BD3A-40AA-92AC-647453D5DADF}" type="slidenum">
+              <a:rPr lang="zh-TW" altLang="en-US" smtClean="0"/>
+              <a:t>64</a:t>
+            </a:fld>
+            <a:endParaRPr lang="zh-TW" altLang="en-US"/>
+          </a:p>
+        </p:txBody>
+      </p:sp>
+      <p:pic>
+        <p:nvPicPr>
+          <p:cNvPr id="6" name="圖片 5">
+            <a:extLst>
+              <a:ext uri="{FF2B5EF4-FFF2-40B4-BE49-F238E27FC236}">
+                <a16:creationId xmlns:a16="http://schemas.microsoft.com/office/drawing/2014/main" id="{6DB3AB71-6B72-4120-8CF2-4CBB31528875}"/>
+              </a:ext>
+            </a:extLst>
+          </p:cNvPr>
+          <p:cNvPicPr>
+            <a:picLocks noChangeAspect="1"/>
+          </p:cNvPicPr>
+          <p:nvPr/>
+        </p:nvPicPr>
+        <p:blipFill>
+          <a:blip r:embed="rId2"/>
+          <a:stretch>
+            <a:fillRect/>
+          </a:stretch>
+        </p:blipFill>
+        <p:spPr>
+          <a:xfrm>
+            <a:off x="68826" y="1385503"/>
+            <a:ext cx="12192000" cy="2849217"/>
+          </a:xfrm>
+          <a:prstGeom prst="rect">
+            <a:avLst/>
+          </a:prstGeom>
+        </p:spPr>
+      </p:pic>
+      <p:pic>
+        <p:nvPicPr>
+          <p:cNvPr id="7" name="圖片 6">
+            <a:extLst>
+              <a:ext uri="{FF2B5EF4-FFF2-40B4-BE49-F238E27FC236}">
+                <a16:creationId xmlns:a16="http://schemas.microsoft.com/office/drawing/2014/main" id="{B5CEBC1F-CE3E-4820-930C-FF3F74C079A0}"/>
+              </a:ext>
+            </a:extLst>
+          </p:cNvPr>
+          <p:cNvPicPr>
+            <a:picLocks noChangeAspect="1"/>
+          </p:cNvPicPr>
+          <p:nvPr/>
+        </p:nvPicPr>
+        <p:blipFill>
+          <a:blip r:embed="rId3"/>
+          <a:stretch>
+            <a:fillRect/>
+          </a:stretch>
+        </p:blipFill>
+        <p:spPr>
+          <a:xfrm>
+            <a:off x="68826" y="4234720"/>
+            <a:ext cx="12192000" cy="2249813"/>
+          </a:xfrm>
+          <a:prstGeom prst="rect">
+            <a:avLst/>
+          </a:prstGeom>
+        </p:spPr>
+      </p:pic>
+      <p:sp>
+        <p:nvSpPr>
+          <p:cNvPr id="8" name="矩形 7">
+            <a:extLst>
+              <a:ext uri="{FF2B5EF4-FFF2-40B4-BE49-F238E27FC236}">
+                <a16:creationId xmlns:a16="http://schemas.microsoft.com/office/drawing/2014/main" id="{39A08865-8C49-45F4-998B-0E5A3B01B25A}"/>
+              </a:ext>
+            </a:extLst>
+          </p:cNvPr>
+          <p:cNvSpPr/>
+          <p:nvPr/>
+        </p:nvSpPr>
+        <p:spPr>
+          <a:xfrm>
+            <a:off x="321268" y="2057402"/>
+            <a:ext cx="1215431" cy="4165620"/>
+          </a:xfrm>
+          <a:prstGeom prst="rect">
+            <a:avLst/>
+          </a:prstGeom>
+          <a:noFill/>
+          <a:ln w="19050">
+            <a:solidFill>
+              <a:schemeClr val="tx1"/>
+            </a:solidFill>
+          </a:ln>
+        </p:spPr>
+        <p:style>
+          <a:lnRef idx="2">
+            <a:schemeClr val="accent1">
+              <a:shade val="50000"/>
+            </a:schemeClr>
+          </a:lnRef>
+          <a:fillRef idx="1">
+            <a:schemeClr val="accent1"/>
+          </a:fillRef>
+          <a:effectRef idx="0">
+            <a:schemeClr val="accent1"/>
+          </a:effectRef>
+          <a:fontRef idx="minor">
+            <a:schemeClr val="lt1"/>
+          </a:fontRef>
+        </p:style>
+        <p:txBody>
+          <a:bodyPr rtlCol="0" anchor="ctr"/>
+          <a:lstStyle/>
+          <a:p>
+            <a:pPr algn="ctr"/>
+            <a:endParaRPr lang="zh-TW" altLang="en-US"/>
+          </a:p>
+        </p:txBody>
+      </p:sp>
+      <p:sp>
+        <p:nvSpPr>
+          <p:cNvPr id="9" name="矩形 8">
+            <a:extLst>
+              <a:ext uri="{FF2B5EF4-FFF2-40B4-BE49-F238E27FC236}">
+                <a16:creationId xmlns:a16="http://schemas.microsoft.com/office/drawing/2014/main" id="{38E74088-EFE2-4F0D-B74E-BFA3D3A49472}"/>
+              </a:ext>
+            </a:extLst>
+          </p:cNvPr>
+          <p:cNvSpPr/>
+          <p:nvPr/>
+        </p:nvSpPr>
+        <p:spPr>
+          <a:xfrm>
+            <a:off x="1857967" y="2057402"/>
+            <a:ext cx="1215431" cy="4165620"/>
+          </a:xfrm>
+          <a:prstGeom prst="rect">
+            <a:avLst/>
+          </a:prstGeom>
+          <a:noFill/>
+          <a:ln w="19050">
+            <a:solidFill>
+              <a:schemeClr val="tx1"/>
+            </a:solidFill>
+          </a:ln>
+        </p:spPr>
+        <p:style>
+          <a:lnRef idx="2">
+            <a:schemeClr val="accent1">
+              <a:shade val="50000"/>
+            </a:schemeClr>
+          </a:lnRef>
+          <a:fillRef idx="1">
+            <a:schemeClr val="accent1"/>
+          </a:fillRef>
+          <a:effectRef idx="0">
+            <a:schemeClr val="accent1"/>
+          </a:effectRef>
+          <a:fontRef idx="minor">
+            <a:schemeClr val="lt1"/>
+          </a:fontRef>
+        </p:style>
+        <p:txBody>
+          <a:bodyPr rtlCol="0" anchor="ctr"/>
+          <a:lstStyle/>
+          <a:p>
+            <a:pPr algn="ctr"/>
+            <a:endParaRPr lang="zh-TW" altLang="en-US"/>
+          </a:p>
+        </p:txBody>
+      </p:sp>
+      <p:sp>
+        <p:nvSpPr>
+          <p:cNvPr id="10" name="矩形 9">
+            <a:extLst>
+              <a:ext uri="{FF2B5EF4-FFF2-40B4-BE49-F238E27FC236}">
+                <a16:creationId xmlns:a16="http://schemas.microsoft.com/office/drawing/2014/main" id="{0FF19268-2461-41AC-BCD5-1984D89893AC}"/>
+              </a:ext>
+            </a:extLst>
+          </p:cNvPr>
+          <p:cNvSpPr/>
+          <p:nvPr/>
+        </p:nvSpPr>
+        <p:spPr>
+          <a:xfrm>
+            <a:off x="3648669" y="2057402"/>
+            <a:ext cx="631232" cy="4165620"/>
+          </a:xfrm>
+          <a:prstGeom prst="rect">
+            <a:avLst/>
+          </a:prstGeom>
+          <a:noFill/>
+          <a:ln w="19050">
+            <a:solidFill>
+              <a:schemeClr val="tx1"/>
+            </a:solidFill>
+          </a:ln>
+        </p:spPr>
+        <p:style>
+          <a:lnRef idx="2">
+            <a:schemeClr val="accent1">
+              <a:shade val="50000"/>
+            </a:schemeClr>
+          </a:lnRef>
+          <a:fillRef idx="1">
+            <a:schemeClr val="accent1"/>
+          </a:fillRef>
+          <a:effectRef idx="0">
+            <a:schemeClr val="accent1"/>
+          </a:effectRef>
+          <a:fontRef idx="minor">
+            <a:schemeClr val="lt1"/>
+          </a:fontRef>
+        </p:style>
+        <p:txBody>
+          <a:bodyPr rtlCol="0" anchor="ctr"/>
+          <a:lstStyle/>
+          <a:p>
+            <a:pPr algn="ctr"/>
+            <a:endParaRPr lang="zh-TW" altLang="en-US"/>
+          </a:p>
+        </p:txBody>
+      </p:sp>
+      <p:sp>
+        <p:nvSpPr>
+          <p:cNvPr id="11" name="矩形 10">
+            <a:extLst>
+              <a:ext uri="{FF2B5EF4-FFF2-40B4-BE49-F238E27FC236}">
+                <a16:creationId xmlns:a16="http://schemas.microsoft.com/office/drawing/2014/main" id="{F76AE7C2-4ADD-451D-88B1-A550BAF358E7}"/>
+              </a:ext>
+            </a:extLst>
+          </p:cNvPr>
+          <p:cNvSpPr/>
+          <p:nvPr/>
+        </p:nvSpPr>
+        <p:spPr>
+          <a:xfrm>
+            <a:off x="4601168" y="2057402"/>
+            <a:ext cx="2104432" cy="4165620"/>
+          </a:xfrm>
+          <a:prstGeom prst="rect">
+            <a:avLst/>
+          </a:prstGeom>
+          <a:noFill/>
+          <a:ln w="19050">
+            <a:solidFill>
+              <a:schemeClr val="tx1"/>
+            </a:solidFill>
+          </a:ln>
+        </p:spPr>
+        <p:style>
+          <a:lnRef idx="2">
+            <a:schemeClr val="accent1">
+              <a:shade val="50000"/>
+            </a:schemeClr>
+          </a:lnRef>
+          <a:fillRef idx="1">
+            <a:schemeClr val="accent1"/>
+          </a:fillRef>
+          <a:effectRef idx="0">
+            <a:schemeClr val="accent1"/>
+          </a:effectRef>
+          <a:fontRef idx="minor">
+            <a:schemeClr val="lt1"/>
+          </a:fontRef>
+        </p:style>
+        <p:txBody>
+          <a:bodyPr rtlCol="0" anchor="ctr"/>
+          <a:lstStyle/>
+          <a:p>
+            <a:pPr algn="ctr"/>
+            <a:endParaRPr lang="zh-TW" altLang="en-US"/>
+          </a:p>
+        </p:txBody>
+      </p:sp>
+      <p:sp>
+        <p:nvSpPr>
+          <p:cNvPr id="12" name="矩形 11">
+            <a:extLst>
+              <a:ext uri="{FF2B5EF4-FFF2-40B4-BE49-F238E27FC236}">
+                <a16:creationId xmlns:a16="http://schemas.microsoft.com/office/drawing/2014/main" id="{07C74B0C-71A3-4E05-BC9B-A88540884DFE}"/>
+              </a:ext>
+            </a:extLst>
+          </p:cNvPr>
+          <p:cNvSpPr/>
+          <p:nvPr/>
+        </p:nvSpPr>
+        <p:spPr>
+          <a:xfrm>
+            <a:off x="7598368" y="2057402"/>
+            <a:ext cx="910632" cy="4165620"/>
+          </a:xfrm>
+          <a:prstGeom prst="rect">
+            <a:avLst/>
+          </a:prstGeom>
+          <a:noFill/>
+          <a:ln w="19050">
+            <a:solidFill>
+              <a:schemeClr val="tx1"/>
+            </a:solidFill>
+          </a:ln>
+        </p:spPr>
+        <p:style>
+          <a:lnRef idx="2">
+            <a:schemeClr val="accent1">
+              <a:shade val="50000"/>
+            </a:schemeClr>
+          </a:lnRef>
+          <a:fillRef idx="1">
+            <a:schemeClr val="accent1"/>
+          </a:fillRef>
+          <a:effectRef idx="0">
+            <a:schemeClr val="accent1"/>
+          </a:effectRef>
+          <a:fontRef idx="minor">
+            <a:schemeClr val="lt1"/>
+          </a:fontRef>
+        </p:style>
+        <p:txBody>
+          <a:bodyPr rtlCol="0" anchor="ctr"/>
+          <a:lstStyle/>
+          <a:p>
+            <a:pPr algn="ctr"/>
+            <a:endParaRPr lang="zh-TW" altLang="en-US"/>
+          </a:p>
+        </p:txBody>
+      </p:sp>
+      <p:sp>
+        <p:nvSpPr>
+          <p:cNvPr id="13" name="矩形 12">
+            <a:extLst>
+              <a:ext uri="{FF2B5EF4-FFF2-40B4-BE49-F238E27FC236}">
+                <a16:creationId xmlns:a16="http://schemas.microsoft.com/office/drawing/2014/main" id="{83542046-3BC7-480F-A83D-D6637430673F}"/>
+              </a:ext>
+            </a:extLst>
+          </p:cNvPr>
+          <p:cNvSpPr/>
+          <p:nvPr/>
+        </p:nvSpPr>
+        <p:spPr>
+          <a:xfrm>
+            <a:off x="9414467" y="2057402"/>
+            <a:ext cx="2702285" cy="4165620"/>
+          </a:xfrm>
+          <a:prstGeom prst="rect">
+            <a:avLst/>
+          </a:prstGeom>
+          <a:noFill/>
+          <a:ln w="19050">
+            <a:solidFill>
+              <a:schemeClr val="tx1"/>
+            </a:solidFill>
+          </a:ln>
+        </p:spPr>
+        <p:style>
+          <a:lnRef idx="2">
+            <a:schemeClr val="accent1">
+              <a:shade val="50000"/>
+            </a:schemeClr>
+          </a:lnRef>
+          <a:fillRef idx="1">
+            <a:schemeClr val="accent1"/>
+          </a:fillRef>
+          <a:effectRef idx="0">
+            <a:schemeClr val="accent1"/>
+          </a:effectRef>
+          <a:fontRef idx="minor">
+            <a:schemeClr val="lt1"/>
+          </a:fontRef>
+        </p:style>
+        <p:txBody>
+          <a:bodyPr rtlCol="0" anchor="ctr"/>
+          <a:lstStyle/>
+          <a:p>
+            <a:pPr algn="ctr"/>
+            <a:endParaRPr lang="zh-TW" altLang="en-US"/>
+          </a:p>
+        </p:txBody>
+      </p:sp>
+      <p:sp>
+        <p:nvSpPr>
+          <p:cNvPr id="14" name="矩形 13">
+            <a:extLst>
+              <a:ext uri="{FF2B5EF4-FFF2-40B4-BE49-F238E27FC236}">
+                <a16:creationId xmlns:a16="http://schemas.microsoft.com/office/drawing/2014/main" id="{729FA3D6-997B-4DF5-A170-64B95BDDF742}"/>
+              </a:ext>
+            </a:extLst>
+          </p:cNvPr>
+          <p:cNvSpPr/>
+          <p:nvPr/>
+        </p:nvSpPr>
+        <p:spPr>
+          <a:xfrm>
+            <a:off x="8825799" y="2057402"/>
+            <a:ext cx="292802" cy="4165620"/>
+          </a:xfrm>
+          <a:prstGeom prst="rect">
+            <a:avLst/>
+          </a:prstGeom>
+          <a:noFill/>
+          <a:ln w="19050">
+            <a:solidFill>
+              <a:schemeClr val="tx1"/>
+            </a:solidFill>
+          </a:ln>
+        </p:spPr>
+        <p:style>
+          <a:lnRef idx="2">
+            <a:schemeClr val="accent1">
+              <a:shade val="50000"/>
+            </a:schemeClr>
+          </a:lnRef>
+          <a:fillRef idx="1">
+            <a:schemeClr val="accent1"/>
+          </a:fillRef>
+          <a:effectRef idx="0">
+            <a:schemeClr val="accent1"/>
+          </a:effectRef>
+          <a:fontRef idx="minor">
+            <a:schemeClr val="lt1"/>
+          </a:fontRef>
+        </p:style>
+        <p:txBody>
+          <a:bodyPr rtlCol="0" anchor="ctr"/>
+          <a:lstStyle/>
+          <a:p>
+            <a:pPr algn="ctr"/>
+            <a:endParaRPr lang="zh-TW" altLang="en-US"/>
+          </a:p>
+        </p:txBody>
+      </p:sp>
+    </p:spTree>
+    <p:extLst>
+      <p:ext uri="{BB962C8B-B14F-4D97-AF65-F5344CB8AC3E}">
+        <p14:creationId xmlns:p14="http://schemas.microsoft.com/office/powerpoint/2010/main" val="268489844"/>
+      </p:ext>
+    </p:extLst>
+  </p:cSld>
+  <p:clrMapOvr>
+    <a:masterClrMapping/>
+  </p:clrMapOvr>
+</p:sld>
+</file>
+
+<file path=ppt/slides/slide65.xml><?xml version="1.0" encoding="utf-8"?>
+<p:sld xmlns:a="http://schemas.openxmlformats.org/drawingml/2006/main" xmlns:r="http://schemas.openxmlformats.org/officeDocument/2006/relationships" xmlns:p="http://schemas.openxmlformats.org/presentationml/2006/main">
+  <p:cSld>
+    <p:spTree>
+      <p:nvGrpSpPr>
+        <p:cNvPr id="1" name=""/>
+        <p:cNvGrpSpPr/>
+        <p:nvPr/>
+      </p:nvGrpSpPr>
+      <p:grpSpPr>
+        <a:xfrm>
+          <a:off x="0" y="0"/>
+          <a:ext cx="0" cy="0"/>
+          <a:chOff x="0" y="0"/>
+          <a:chExt cx="0" cy="0"/>
+        </a:xfrm>
+      </p:grpSpPr>
+      <p:sp>
+        <p:nvSpPr>
+          <p:cNvPr id="2" name="標題 1">
+            <a:extLst>
+              <a:ext uri="{FF2B5EF4-FFF2-40B4-BE49-F238E27FC236}">
+                <a16:creationId xmlns:a16="http://schemas.microsoft.com/office/drawing/2014/main" id="{6798BDEF-7EE0-41DE-81E7-6387EA776C5B}"/>
+              </a:ext>
+            </a:extLst>
+          </p:cNvPr>
+          <p:cNvSpPr>
+            <a:spLocks noGrp="1"/>
+          </p:cNvSpPr>
+          <p:nvPr>
+            <p:ph type="title"/>
+          </p:nvPr>
+        </p:nvSpPr>
+        <p:spPr/>
+        <p:txBody>
+          <a:bodyPr/>
+          <a:lstStyle/>
+          <a:p>
+            <a:r>
+              <a:rPr lang="en-US" altLang="zh-TW" dirty="0"/>
+              <a:t>REM latency</a:t>
+            </a:r>
+            <a:endParaRPr lang="zh-TW" altLang="en-US" dirty="0"/>
+          </a:p>
+        </p:txBody>
+      </p:sp>
+      <p:sp>
+        <p:nvSpPr>
+          <p:cNvPr id="4" name="投影片編號版面配置區 3">
+            <a:extLst>
+              <a:ext uri="{FF2B5EF4-FFF2-40B4-BE49-F238E27FC236}">
+                <a16:creationId xmlns:a16="http://schemas.microsoft.com/office/drawing/2014/main" id="{17173DE3-A879-42D7-B6D4-31B0036F73AD}"/>
+              </a:ext>
+            </a:extLst>
+          </p:cNvPr>
+          <p:cNvSpPr>
+            <a:spLocks noGrp="1"/>
+          </p:cNvSpPr>
+          <p:nvPr>
+            <p:ph type="sldNum" sz="quarter" idx="12"/>
+          </p:nvPr>
+        </p:nvSpPr>
+        <p:spPr/>
+        <p:txBody>
+          <a:bodyPr/>
+          <a:lstStyle/>
+          <a:p>
+            <a:fld id="{F230EE04-BD3A-40AA-92AC-647453D5DADF}" type="slidenum">
+              <a:rPr lang="zh-TW" altLang="en-US" smtClean="0"/>
+              <a:t>65</a:t>
+            </a:fld>
+            <a:endParaRPr lang="zh-TW" altLang="en-US"/>
+          </a:p>
+        </p:txBody>
+      </p:sp>
+      <p:pic>
+        <p:nvPicPr>
+          <p:cNvPr id="6" name="圖片 5">
+            <a:extLst>
+              <a:ext uri="{FF2B5EF4-FFF2-40B4-BE49-F238E27FC236}">
+                <a16:creationId xmlns:a16="http://schemas.microsoft.com/office/drawing/2014/main" id="{49E45C43-DE8D-456A-9D9D-EDDFC569B44A}"/>
+              </a:ext>
+            </a:extLst>
+          </p:cNvPr>
+          <p:cNvPicPr>
+            <a:picLocks noChangeAspect="1"/>
+          </p:cNvPicPr>
+          <p:nvPr/>
+        </p:nvPicPr>
+        <p:blipFill>
+          <a:blip r:embed="rId2"/>
+          <a:stretch>
+            <a:fillRect/>
+          </a:stretch>
+        </p:blipFill>
+        <p:spPr>
+          <a:xfrm>
+            <a:off x="0" y="1415713"/>
+            <a:ext cx="12192000" cy="2805239"/>
+          </a:xfrm>
+          <a:prstGeom prst="rect">
+            <a:avLst/>
+          </a:prstGeom>
+        </p:spPr>
+      </p:pic>
+      <p:pic>
+        <p:nvPicPr>
+          <p:cNvPr id="7" name="圖片 6">
+            <a:extLst>
+              <a:ext uri="{FF2B5EF4-FFF2-40B4-BE49-F238E27FC236}">
+                <a16:creationId xmlns:a16="http://schemas.microsoft.com/office/drawing/2014/main" id="{893214D9-F17A-404C-BE74-1DAFFB78C84A}"/>
+              </a:ext>
+            </a:extLst>
+          </p:cNvPr>
+          <p:cNvPicPr>
+            <a:picLocks noChangeAspect="1"/>
+          </p:cNvPicPr>
+          <p:nvPr/>
+        </p:nvPicPr>
+        <p:blipFill>
+          <a:blip r:embed="rId3"/>
+          <a:stretch>
+            <a:fillRect/>
+          </a:stretch>
+        </p:blipFill>
+        <p:spPr>
+          <a:xfrm>
+            <a:off x="190500" y="4234720"/>
+            <a:ext cx="12001500" cy="2249813"/>
+          </a:xfrm>
+          <a:prstGeom prst="rect">
+            <a:avLst/>
+          </a:prstGeom>
+        </p:spPr>
+      </p:pic>
+      <p:cxnSp>
+        <p:nvCxnSpPr>
+          <p:cNvPr id="8" name="直線接點 7">
+            <a:extLst>
+              <a:ext uri="{FF2B5EF4-FFF2-40B4-BE49-F238E27FC236}">
+                <a16:creationId xmlns:a16="http://schemas.microsoft.com/office/drawing/2014/main" id="{4BE7F779-B06C-4A2A-AF47-57DA15DB0994}"/>
+              </a:ext>
+            </a:extLst>
+          </p:cNvPr>
+          <p:cNvCxnSpPr>
+            <a:cxnSpLocks/>
+          </p:cNvCxnSpPr>
+          <p:nvPr/>
+        </p:nvCxnSpPr>
+        <p:spPr>
+          <a:xfrm>
+            <a:off x="445114" y="3485197"/>
+            <a:ext cx="11686561" cy="0"/>
+          </a:xfrm>
+          <a:prstGeom prst="line">
+            <a:avLst/>
+          </a:prstGeom>
+          <a:ln w="19050">
+            <a:solidFill>
+              <a:srgbClr val="FF0000"/>
+            </a:solidFill>
+          </a:ln>
+        </p:spPr>
+        <p:style>
+          <a:lnRef idx="1">
+            <a:schemeClr val="accent2"/>
+          </a:lnRef>
+          <a:fillRef idx="0">
+            <a:schemeClr val="accent2"/>
+          </a:fillRef>
+          <a:effectRef idx="0">
+            <a:schemeClr val="accent2"/>
+          </a:effectRef>
+          <a:fontRef idx="minor">
+            <a:schemeClr val="tx1"/>
+          </a:fontRef>
+        </p:style>
+      </p:cxnSp>
+      <p:sp>
+        <p:nvSpPr>
+          <p:cNvPr id="10" name="矩形 9">
+            <a:extLst>
+              <a:ext uri="{FF2B5EF4-FFF2-40B4-BE49-F238E27FC236}">
+                <a16:creationId xmlns:a16="http://schemas.microsoft.com/office/drawing/2014/main" id="{9159F1A9-2322-4A88-BBF8-F3452589CA78}"/>
+              </a:ext>
+            </a:extLst>
+          </p:cNvPr>
+          <p:cNvSpPr/>
+          <p:nvPr/>
+        </p:nvSpPr>
+        <p:spPr>
+          <a:xfrm>
+            <a:off x="445114" y="2057402"/>
+            <a:ext cx="1215431" cy="4165620"/>
+          </a:xfrm>
+          <a:prstGeom prst="rect">
+            <a:avLst/>
+          </a:prstGeom>
+          <a:noFill/>
+          <a:ln w="19050">
+            <a:solidFill>
+              <a:schemeClr val="tx1"/>
+            </a:solidFill>
+          </a:ln>
+        </p:spPr>
+        <p:style>
+          <a:lnRef idx="2">
+            <a:schemeClr val="accent1">
+              <a:shade val="50000"/>
+            </a:schemeClr>
+          </a:lnRef>
+          <a:fillRef idx="1">
+            <a:schemeClr val="accent1"/>
+          </a:fillRef>
+          <a:effectRef idx="0">
+            <a:schemeClr val="accent1"/>
+          </a:effectRef>
+          <a:fontRef idx="minor">
+            <a:schemeClr val="lt1"/>
+          </a:fontRef>
+        </p:style>
+        <p:txBody>
+          <a:bodyPr rtlCol="0" anchor="ctr"/>
+          <a:lstStyle/>
+          <a:p>
+            <a:pPr algn="ctr"/>
+            <a:endParaRPr lang="zh-TW" altLang="en-US"/>
+          </a:p>
+        </p:txBody>
+      </p:sp>
+      <p:sp>
+        <p:nvSpPr>
+          <p:cNvPr id="11" name="矩形 10">
+            <a:extLst>
+              <a:ext uri="{FF2B5EF4-FFF2-40B4-BE49-F238E27FC236}">
+                <a16:creationId xmlns:a16="http://schemas.microsoft.com/office/drawing/2014/main" id="{ED070206-3E0A-46F4-AF08-190A977E936A}"/>
+              </a:ext>
+            </a:extLst>
+          </p:cNvPr>
+          <p:cNvSpPr/>
+          <p:nvPr/>
+        </p:nvSpPr>
+        <p:spPr>
+          <a:xfrm>
+            <a:off x="1945597" y="2057402"/>
+            <a:ext cx="1215431" cy="4165620"/>
+          </a:xfrm>
+          <a:prstGeom prst="rect">
+            <a:avLst/>
+          </a:prstGeom>
+          <a:noFill/>
+          <a:ln w="19050">
+            <a:solidFill>
+              <a:schemeClr val="tx1"/>
+            </a:solidFill>
+          </a:ln>
+        </p:spPr>
+        <p:style>
+          <a:lnRef idx="2">
+            <a:schemeClr val="accent1">
+              <a:shade val="50000"/>
+            </a:schemeClr>
+          </a:lnRef>
+          <a:fillRef idx="1">
+            <a:schemeClr val="accent1"/>
+          </a:fillRef>
+          <a:effectRef idx="0">
+            <a:schemeClr val="accent1"/>
+          </a:effectRef>
+          <a:fontRef idx="minor">
+            <a:schemeClr val="lt1"/>
+          </a:fontRef>
+        </p:style>
+        <p:txBody>
+          <a:bodyPr rtlCol="0" anchor="ctr"/>
+          <a:lstStyle/>
+          <a:p>
+            <a:pPr algn="ctr"/>
+            <a:endParaRPr lang="zh-TW" altLang="en-US"/>
+          </a:p>
+        </p:txBody>
+      </p:sp>
+      <p:sp>
+        <p:nvSpPr>
+          <p:cNvPr id="12" name="矩形 11">
+            <a:extLst>
+              <a:ext uri="{FF2B5EF4-FFF2-40B4-BE49-F238E27FC236}">
+                <a16:creationId xmlns:a16="http://schemas.microsoft.com/office/drawing/2014/main" id="{2617EC2E-EA42-424B-A53A-AE43515E2295}"/>
+              </a:ext>
+            </a:extLst>
+          </p:cNvPr>
+          <p:cNvSpPr/>
+          <p:nvPr/>
+        </p:nvSpPr>
+        <p:spPr>
+          <a:xfrm>
+            <a:off x="3708400" y="2057402"/>
+            <a:ext cx="631232" cy="4165620"/>
+          </a:xfrm>
+          <a:prstGeom prst="rect">
+            <a:avLst/>
+          </a:prstGeom>
+          <a:noFill/>
+          <a:ln w="19050">
+            <a:solidFill>
+              <a:schemeClr val="tx1"/>
+            </a:solidFill>
+          </a:ln>
+        </p:spPr>
+        <p:style>
+          <a:lnRef idx="2">
+            <a:schemeClr val="accent1">
+              <a:shade val="50000"/>
+            </a:schemeClr>
+          </a:lnRef>
+          <a:fillRef idx="1">
+            <a:schemeClr val="accent1"/>
+          </a:fillRef>
+          <a:effectRef idx="0">
+            <a:schemeClr val="accent1"/>
+          </a:effectRef>
+          <a:fontRef idx="minor">
+            <a:schemeClr val="lt1"/>
+          </a:fontRef>
+        </p:style>
+        <p:txBody>
+          <a:bodyPr rtlCol="0" anchor="ctr"/>
+          <a:lstStyle/>
+          <a:p>
+            <a:pPr algn="ctr"/>
+            <a:endParaRPr lang="zh-TW" altLang="en-US"/>
+          </a:p>
+        </p:txBody>
+      </p:sp>
+      <p:sp>
+        <p:nvSpPr>
+          <p:cNvPr id="13" name="矩形 12">
+            <a:extLst>
+              <a:ext uri="{FF2B5EF4-FFF2-40B4-BE49-F238E27FC236}">
+                <a16:creationId xmlns:a16="http://schemas.microsoft.com/office/drawing/2014/main" id="{47A2598E-55A1-41BB-A31A-79C3E5FA6212}"/>
+              </a:ext>
+            </a:extLst>
+          </p:cNvPr>
+          <p:cNvSpPr/>
+          <p:nvPr/>
+        </p:nvSpPr>
+        <p:spPr>
+          <a:xfrm>
+            <a:off x="4635498" y="2057402"/>
+            <a:ext cx="2104432" cy="4165620"/>
+          </a:xfrm>
+          <a:prstGeom prst="rect">
+            <a:avLst/>
+          </a:prstGeom>
+          <a:noFill/>
+          <a:ln w="19050">
+            <a:solidFill>
+              <a:schemeClr val="tx1"/>
+            </a:solidFill>
+          </a:ln>
+        </p:spPr>
+        <p:style>
+          <a:lnRef idx="2">
+            <a:schemeClr val="accent1">
+              <a:shade val="50000"/>
+            </a:schemeClr>
+          </a:lnRef>
+          <a:fillRef idx="1">
+            <a:schemeClr val="accent1"/>
+          </a:fillRef>
+          <a:effectRef idx="0">
+            <a:schemeClr val="accent1"/>
+          </a:effectRef>
+          <a:fontRef idx="minor">
+            <a:schemeClr val="lt1"/>
+          </a:fontRef>
+        </p:style>
+        <p:txBody>
+          <a:bodyPr rtlCol="0" anchor="ctr"/>
+          <a:lstStyle/>
+          <a:p>
+            <a:pPr algn="ctr"/>
+            <a:endParaRPr lang="zh-TW" altLang="en-US"/>
+          </a:p>
+        </p:txBody>
+      </p:sp>
+      <p:sp>
+        <p:nvSpPr>
+          <p:cNvPr id="14" name="矩形 13">
+            <a:extLst>
+              <a:ext uri="{FF2B5EF4-FFF2-40B4-BE49-F238E27FC236}">
+                <a16:creationId xmlns:a16="http://schemas.microsoft.com/office/drawing/2014/main" id="{1BD31729-E516-42C4-B1AD-4CCCF22E655A}"/>
+              </a:ext>
+            </a:extLst>
+          </p:cNvPr>
+          <p:cNvSpPr/>
+          <p:nvPr/>
+        </p:nvSpPr>
+        <p:spPr>
+          <a:xfrm>
+            <a:off x="7598368" y="2057402"/>
+            <a:ext cx="910632" cy="4165620"/>
+          </a:xfrm>
+          <a:prstGeom prst="rect">
+            <a:avLst/>
+          </a:prstGeom>
+          <a:noFill/>
+          <a:ln w="19050">
+            <a:solidFill>
+              <a:schemeClr val="tx1"/>
+            </a:solidFill>
+          </a:ln>
+        </p:spPr>
+        <p:style>
+          <a:lnRef idx="2">
+            <a:schemeClr val="accent1">
+              <a:shade val="50000"/>
+            </a:schemeClr>
+          </a:lnRef>
+          <a:fillRef idx="1">
+            <a:schemeClr val="accent1"/>
+          </a:fillRef>
+          <a:effectRef idx="0">
+            <a:schemeClr val="accent1"/>
+          </a:effectRef>
+          <a:fontRef idx="minor">
+            <a:schemeClr val="lt1"/>
+          </a:fontRef>
+        </p:style>
+        <p:txBody>
+          <a:bodyPr rtlCol="0" anchor="ctr"/>
+          <a:lstStyle/>
+          <a:p>
+            <a:pPr algn="ctr"/>
+            <a:endParaRPr lang="zh-TW" altLang="en-US"/>
+          </a:p>
+        </p:txBody>
+      </p:sp>
+      <p:sp>
+        <p:nvSpPr>
+          <p:cNvPr id="15" name="矩形 14">
+            <a:extLst>
+              <a:ext uri="{FF2B5EF4-FFF2-40B4-BE49-F238E27FC236}">
+                <a16:creationId xmlns:a16="http://schemas.microsoft.com/office/drawing/2014/main" id="{B1D8B415-CC98-42EC-8998-A7E23CDA2BD8}"/>
+              </a:ext>
+            </a:extLst>
+          </p:cNvPr>
+          <p:cNvSpPr/>
+          <p:nvPr/>
+        </p:nvSpPr>
+        <p:spPr>
+          <a:xfrm>
+            <a:off x="9414467" y="2057402"/>
+            <a:ext cx="2702285" cy="4165620"/>
+          </a:xfrm>
+          <a:prstGeom prst="rect">
+            <a:avLst/>
+          </a:prstGeom>
+          <a:noFill/>
+          <a:ln w="19050">
+            <a:solidFill>
+              <a:schemeClr val="tx1"/>
+            </a:solidFill>
+          </a:ln>
+        </p:spPr>
+        <p:style>
+          <a:lnRef idx="2">
+            <a:schemeClr val="accent1">
+              <a:shade val="50000"/>
+            </a:schemeClr>
+          </a:lnRef>
+          <a:fillRef idx="1">
+            <a:schemeClr val="accent1"/>
+          </a:fillRef>
+          <a:effectRef idx="0">
+            <a:schemeClr val="accent1"/>
+          </a:effectRef>
+          <a:fontRef idx="minor">
+            <a:schemeClr val="lt1"/>
+          </a:fontRef>
+        </p:style>
+        <p:txBody>
+          <a:bodyPr rtlCol="0" anchor="ctr"/>
+          <a:lstStyle/>
+          <a:p>
+            <a:pPr algn="ctr"/>
+            <a:endParaRPr lang="zh-TW" altLang="en-US"/>
+          </a:p>
+        </p:txBody>
+      </p:sp>
+      <p:sp>
+        <p:nvSpPr>
+          <p:cNvPr id="16" name="矩形 15">
+            <a:extLst>
+              <a:ext uri="{FF2B5EF4-FFF2-40B4-BE49-F238E27FC236}">
+                <a16:creationId xmlns:a16="http://schemas.microsoft.com/office/drawing/2014/main" id="{3D75355C-F912-4287-9287-20B5403F71B4}"/>
+              </a:ext>
+            </a:extLst>
+          </p:cNvPr>
+          <p:cNvSpPr/>
+          <p:nvPr/>
+        </p:nvSpPr>
+        <p:spPr>
+          <a:xfrm>
+            <a:off x="8825799" y="2057402"/>
+            <a:ext cx="292802" cy="4165620"/>
+          </a:xfrm>
+          <a:prstGeom prst="rect">
+            <a:avLst/>
+          </a:prstGeom>
+          <a:noFill/>
+          <a:ln w="19050">
+            <a:solidFill>
+              <a:schemeClr val="tx1"/>
+            </a:solidFill>
+          </a:ln>
+        </p:spPr>
+        <p:style>
+          <a:lnRef idx="2">
+            <a:schemeClr val="accent1">
+              <a:shade val="50000"/>
+            </a:schemeClr>
+          </a:lnRef>
+          <a:fillRef idx="1">
+            <a:schemeClr val="accent1"/>
+          </a:fillRef>
+          <a:effectRef idx="0">
+            <a:schemeClr val="accent1"/>
+          </a:effectRef>
+          <a:fontRef idx="minor">
+            <a:schemeClr val="lt1"/>
+          </a:fontRef>
+        </p:style>
+        <p:txBody>
+          <a:bodyPr rtlCol="0" anchor="ctr"/>
+          <a:lstStyle/>
+          <a:p>
+            <a:pPr algn="ctr"/>
+            <a:endParaRPr lang="zh-TW" altLang="en-US"/>
+          </a:p>
+        </p:txBody>
+      </p:sp>
+    </p:spTree>
+    <p:extLst>
+      <p:ext uri="{BB962C8B-B14F-4D97-AF65-F5344CB8AC3E}">
+        <p14:creationId xmlns:p14="http://schemas.microsoft.com/office/powerpoint/2010/main" val="161769118"/>
+      </p:ext>
+    </p:extLst>
+  </p:cSld>
+  <p:clrMapOvr>
+    <a:masterClrMapping/>
+  </p:clrMapOvr>
+</p:sld>
+</file>
+
+<file path=ppt/slides/slide66.xml><?xml version="1.0" encoding="utf-8"?>
+<p:sld xmlns:a="http://schemas.openxmlformats.org/drawingml/2006/main" xmlns:r="http://schemas.openxmlformats.org/officeDocument/2006/relationships" xmlns:p="http://schemas.openxmlformats.org/presentationml/2006/main">
+  <p:cSld>
+    <p:spTree>
+      <p:nvGrpSpPr>
+        <p:cNvPr id="1" name=""/>
+        <p:cNvGrpSpPr/>
+        <p:nvPr/>
+      </p:nvGrpSpPr>
+      <p:grpSpPr>
+        <a:xfrm>
+          <a:off x="0" y="0"/>
+          <a:ext cx="0" cy="0"/>
+          <a:chOff x="0" y="0"/>
+          <a:chExt cx="0" cy="0"/>
+        </a:xfrm>
+      </p:grpSpPr>
+      <p:sp>
+        <p:nvSpPr>
+          <p:cNvPr id="2" name="標題 1">
+            <a:extLst>
+              <a:ext uri="{FF2B5EF4-FFF2-40B4-BE49-F238E27FC236}">
+                <a16:creationId xmlns:a16="http://schemas.microsoft.com/office/drawing/2014/main" id="{2EF8182A-6E1A-4011-90FD-5F4A2E13C138}"/>
+              </a:ext>
+            </a:extLst>
+          </p:cNvPr>
+          <p:cNvSpPr>
+            <a:spLocks noGrp="1"/>
+          </p:cNvSpPr>
+          <p:nvPr>
+            <p:ph type="title"/>
+          </p:nvPr>
+        </p:nvSpPr>
+        <p:spPr/>
+        <p:txBody>
+          <a:bodyPr/>
+          <a:lstStyle/>
+          <a:p>
+            <a:r>
+              <a:rPr lang="en-US" altLang="zh-TW" dirty="0"/>
+              <a:t>REM density</a:t>
+            </a:r>
+            <a:endParaRPr lang="zh-TW" altLang="en-US" dirty="0"/>
+          </a:p>
+        </p:txBody>
+      </p:sp>
+      <p:sp>
+        <p:nvSpPr>
+          <p:cNvPr id="4" name="投影片編號版面配置區 3">
+            <a:extLst>
+              <a:ext uri="{FF2B5EF4-FFF2-40B4-BE49-F238E27FC236}">
+                <a16:creationId xmlns:a16="http://schemas.microsoft.com/office/drawing/2014/main" id="{CC8631BB-1CF5-4E10-981A-06849BB30CD2}"/>
+              </a:ext>
+            </a:extLst>
+          </p:cNvPr>
+          <p:cNvSpPr>
+            <a:spLocks noGrp="1"/>
+          </p:cNvSpPr>
+          <p:nvPr>
+            <p:ph type="sldNum" sz="quarter" idx="12"/>
+          </p:nvPr>
+        </p:nvSpPr>
+        <p:spPr/>
+        <p:txBody>
+          <a:bodyPr/>
+          <a:lstStyle/>
+          <a:p>
+            <a:fld id="{F230EE04-BD3A-40AA-92AC-647453D5DADF}" type="slidenum">
+              <a:rPr lang="zh-TW" altLang="en-US" smtClean="0"/>
+              <a:t>66</a:t>
+            </a:fld>
+            <a:endParaRPr lang="zh-TW" altLang="en-US"/>
+          </a:p>
+        </p:txBody>
+      </p:sp>
+      <p:pic>
+        <p:nvPicPr>
+          <p:cNvPr id="6" name="圖片 5">
+            <a:extLst>
+              <a:ext uri="{FF2B5EF4-FFF2-40B4-BE49-F238E27FC236}">
+                <a16:creationId xmlns:a16="http://schemas.microsoft.com/office/drawing/2014/main" id="{30472C4A-D8FC-48C9-B315-478F7C7AE59B}"/>
+              </a:ext>
+            </a:extLst>
+          </p:cNvPr>
+          <p:cNvPicPr>
+            <a:picLocks noChangeAspect="1"/>
+          </p:cNvPicPr>
+          <p:nvPr/>
+        </p:nvPicPr>
+        <p:blipFill>
+          <a:blip r:embed="rId2"/>
+          <a:stretch>
+            <a:fillRect/>
+          </a:stretch>
+        </p:blipFill>
+        <p:spPr>
+          <a:xfrm>
+            <a:off x="68826" y="1368390"/>
+            <a:ext cx="12192000" cy="2852562"/>
+          </a:xfrm>
+          <a:prstGeom prst="rect">
+            <a:avLst/>
+          </a:prstGeom>
+        </p:spPr>
+      </p:pic>
+      <p:pic>
+        <p:nvPicPr>
+          <p:cNvPr id="8" name="圖片 7">
+            <a:extLst>
+              <a:ext uri="{FF2B5EF4-FFF2-40B4-BE49-F238E27FC236}">
+                <a16:creationId xmlns:a16="http://schemas.microsoft.com/office/drawing/2014/main" id="{67BC7E15-BD59-4077-BA4A-A7D84FA433AC}"/>
+              </a:ext>
+            </a:extLst>
+          </p:cNvPr>
+          <p:cNvPicPr>
+            <a:picLocks noChangeAspect="1"/>
+          </p:cNvPicPr>
+          <p:nvPr/>
+        </p:nvPicPr>
+        <p:blipFill>
+          <a:blip r:embed="rId3"/>
+          <a:stretch>
+            <a:fillRect/>
+          </a:stretch>
+        </p:blipFill>
+        <p:spPr>
+          <a:xfrm>
+            <a:off x="68826" y="4234720"/>
+            <a:ext cx="12192000" cy="2249813"/>
+          </a:xfrm>
+          <a:prstGeom prst="rect">
+            <a:avLst/>
+          </a:prstGeom>
+        </p:spPr>
+      </p:pic>
+      <p:sp>
+        <p:nvSpPr>
+          <p:cNvPr id="9" name="矩形 8">
+            <a:extLst>
+              <a:ext uri="{FF2B5EF4-FFF2-40B4-BE49-F238E27FC236}">
+                <a16:creationId xmlns:a16="http://schemas.microsoft.com/office/drawing/2014/main" id="{9E621C0D-9C4C-4A65-8B54-9E5D45A803C8}"/>
+              </a:ext>
+            </a:extLst>
+          </p:cNvPr>
+          <p:cNvSpPr/>
+          <p:nvPr/>
+        </p:nvSpPr>
+        <p:spPr>
+          <a:xfrm>
+            <a:off x="321268" y="1244600"/>
+            <a:ext cx="1215431" cy="4978422"/>
+          </a:xfrm>
+          <a:prstGeom prst="rect">
+            <a:avLst/>
+          </a:prstGeom>
+          <a:noFill/>
+          <a:ln w="19050">
+            <a:solidFill>
+              <a:schemeClr val="tx1"/>
+            </a:solidFill>
+          </a:ln>
+        </p:spPr>
+        <p:style>
+          <a:lnRef idx="2">
+            <a:schemeClr val="accent1">
+              <a:shade val="50000"/>
+            </a:schemeClr>
+          </a:lnRef>
+          <a:fillRef idx="1">
+            <a:schemeClr val="accent1"/>
+          </a:fillRef>
+          <a:effectRef idx="0">
+            <a:schemeClr val="accent1"/>
+          </a:effectRef>
+          <a:fontRef idx="minor">
+            <a:schemeClr val="lt1"/>
+          </a:fontRef>
+        </p:style>
+        <p:txBody>
+          <a:bodyPr rtlCol="0" anchor="ctr"/>
+          <a:lstStyle/>
+          <a:p>
+            <a:pPr algn="ctr"/>
+            <a:endParaRPr lang="zh-TW" altLang="en-US"/>
+          </a:p>
+        </p:txBody>
+      </p:sp>
+      <p:sp>
+        <p:nvSpPr>
+          <p:cNvPr id="10" name="矩形 9">
+            <a:extLst>
+              <a:ext uri="{FF2B5EF4-FFF2-40B4-BE49-F238E27FC236}">
+                <a16:creationId xmlns:a16="http://schemas.microsoft.com/office/drawing/2014/main" id="{BF2BA478-EC7F-4ACB-8EBF-790A2569C0EC}"/>
+              </a:ext>
+            </a:extLst>
+          </p:cNvPr>
+          <p:cNvSpPr/>
+          <p:nvPr/>
+        </p:nvSpPr>
+        <p:spPr>
+          <a:xfrm>
+            <a:off x="1857967" y="1244600"/>
+            <a:ext cx="1215431" cy="4978422"/>
+          </a:xfrm>
+          <a:prstGeom prst="rect">
+            <a:avLst/>
+          </a:prstGeom>
+          <a:noFill/>
+          <a:ln w="19050">
+            <a:solidFill>
+              <a:schemeClr val="tx1"/>
+            </a:solidFill>
+          </a:ln>
+        </p:spPr>
+        <p:style>
+          <a:lnRef idx="2">
+            <a:schemeClr val="accent1">
+              <a:shade val="50000"/>
+            </a:schemeClr>
+          </a:lnRef>
+          <a:fillRef idx="1">
+            <a:schemeClr val="accent1"/>
+          </a:fillRef>
+          <a:effectRef idx="0">
+            <a:schemeClr val="accent1"/>
+          </a:effectRef>
+          <a:fontRef idx="minor">
+            <a:schemeClr val="lt1"/>
+          </a:fontRef>
+        </p:style>
+        <p:txBody>
+          <a:bodyPr rtlCol="0" anchor="ctr"/>
+          <a:lstStyle/>
+          <a:p>
+            <a:pPr algn="ctr"/>
+            <a:endParaRPr lang="zh-TW" altLang="en-US"/>
+          </a:p>
+        </p:txBody>
+      </p:sp>
+      <p:sp>
+        <p:nvSpPr>
+          <p:cNvPr id="11" name="矩形 10">
+            <a:extLst>
+              <a:ext uri="{FF2B5EF4-FFF2-40B4-BE49-F238E27FC236}">
+                <a16:creationId xmlns:a16="http://schemas.microsoft.com/office/drawing/2014/main" id="{C285B5F9-2D35-4B72-8321-3A07B22A1016}"/>
+              </a:ext>
+            </a:extLst>
+          </p:cNvPr>
+          <p:cNvSpPr/>
+          <p:nvPr/>
+        </p:nvSpPr>
+        <p:spPr>
+          <a:xfrm>
+            <a:off x="3648669" y="1244600"/>
+            <a:ext cx="631232" cy="4978422"/>
+          </a:xfrm>
+          <a:prstGeom prst="rect">
+            <a:avLst/>
+          </a:prstGeom>
+          <a:noFill/>
+          <a:ln w="19050">
+            <a:solidFill>
+              <a:schemeClr val="tx1"/>
+            </a:solidFill>
+          </a:ln>
+        </p:spPr>
+        <p:style>
+          <a:lnRef idx="2">
+            <a:schemeClr val="accent1">
+              <a:shade val="50000"/>
+            </a:schemeClr>
+          </a:lnRef>
+          <a:fillRef idx="1">
+            <a:schemeClr val="accent1"/>
+          </a:fillRef>
+          <a:effectRef idx="0">
+            <a:schemeClr val="accent1"/>
+          </a:effectRef>
+          <a:fontRef idx="minor">
+            <a:schemeClr val="lt1"/>
+          </a:fontRef>
+        </p:style>
+        <p:txBody>
+          <a:bodyPr rtlCol="0" anchor="ctr"/>
+          <a:lstStyle/>
+          <a:p>
+            <a:pPr algn="ctr"/>
+            <a:endParaRPr lang="zh-TW" altLang="en-US"/>
+          </a:p>
+        </p:txBody>
+      </p:sp>
+      <p:sp>
+        <p:nvSpPr>
+          <p:cNvPr id="12" name="矩形 11">
+            <a:extLst>
+              <a:ext uri="{FF2B5EF4-FFF2-40B4-BE49-F238E27FC236}">
+                <a16:creationId xmlns:a16="http://schemas.microsoft.com/office/drawing/2014/main" id="{7EF2C292-DCF1-403D-928B-B10B245F1DEA}"/>
+              </a:ext>
+            </a:extLst>
+          </p:cNvPr>
+          <p:cNvSpPr/>
+          <p:nvPr/>
+        </p:nvSpPr>
+        <p:spPr>
+          <a:xfrm>
+            <a:off x="4601168" y="1244600"/>
+            <a:ext cx="2104432" cy="4978422"/>
+          </a:xfrm>
+          <a:prstGeom prst="rect">
+            <a:avLst/>
+          </a:prstGeom>
+          <a:noFill/>
+          <a:ln w="19050">
+            <a:solidFill>
+              <a:schemeClr val="tx1"/>
+            </a:solidFill>
+          </a:ln>
+        </p:spPr>
+        <p:style>
+          <a:lnRef idx="2">
+            <a:schemeClr val="accent1">
+              <a:shade val="50000"/>
+            </a:schemeClr>
+          </a:lnRef>
+          <a:fillRef idx="1">
+            <a:schemeClr val="accent1"/>
+          </a:fillRef>
+          <a:effectRef idx="0">
+            <a:schemeClr val="accent1"/>
+          </a:effectRef>
+          <a:fontRef idx="minor">
+            <a:schemeClr val="lt1"/>
+          </a:fontRef>
+        </p:style>
+        <p:txBody>
+          <a:bodyPr rtlCol="0" anchor="ctr"/>
+          <a:lstStyle/>
+          <a:p>
+            <a:pPr algn="ctr"/>
+            <a:endParaRPr lang="zh-TW" altLang="en-US"/>
+          </a:p>
+        </p:txBody>
+      </p:sp>
+      <p:sp>
+        <p:nvSpPr>
+          <p:cNvPr id="13" name="矩形 12">
+            <a:extLst>
+              <a:ext uri="{FF2B5EF4-FFF2-40B4-BE49-F238E27FC236}">
+                <a16:creationId xmlns:a16="http://schemas.microsoft.com/office/drawing/2014/main" id="{FE1FC8AA-FF99-4A7A-8DF0-E3583D92BDEF}"/>
+              </a:ext>
+            </a:extLst>
+          </p:cNvPr>
+          <p:cNvSpPr/>
+          <p:nvPr/>
+        </p:nvSpPr>
+        <p:spPr>
+          <a:xfrm>
+            <a:off x="7614094" y="1244600"/>
+            <a:ext cx="910632" cy="4978422"/>
+          </a:xfrm>
+          <a:prstGeom prst="rect">
+            <a:avLst/>
+          </a:prstGeom>
+          <a:noFill/>
+          <a:ln w="19050">
+            <a:solidFill>
+              <a:schemeClr val="tx1"/>
+            </a:solidFill>
+          </a:ln>
+        </p:spPr>
+        <p:style>
+          <a:lnRef idx="2">
+            <a:schemeClr val="accent1">
+              <a:shade val="50000"/>
+            </a:schemeClr>
+          </a:lnRef>
+          <a:fillRef idx="1">
+            <a:schemeClr val="accent1"/>
+          </a:fillRef>
+          <a:effectRef idx="0">
+            <a:schemeClr val="accent1"/>
+          </a:effectRef>
+          <a:fontRef idx="minor">
+            <a:schemeClr val="lt1"/>
+          </a:fontRef>
+        </p:style>
+        <p:txBody>
+          <a:bodyPr rtlCol="0" anchor="ctr"/>
+          <a:lstStyle/>
+          <a:p>
+            <a:pPr algn="ctr"/>
+            <a:endParaRPr lang="zh-TW" altLang="en-US"/>
+          </a:p>
+        </p:txBody>
+      </p:sp>
+      <p:sp>
+        <p:nvSpPr>
+          <p:cNvPr id="14" name="矩形 13">
+            <a:extLst>
+              <a:ext uri="{FF2B5EF4-FFF2-40B4-BE49-F238E27FC236}">
+                <a16:creationId xmlns:a16="http://schemas.microsoft.com/office/drawing/2014/main" id="{1A0053DB-E366-4685-B006-AB09CF92056B}"/>
+              </a:ext>
+            </a:extLst>
+          </p:cNvPr>
+          <p:cNvSpPr/>
+          <p:nvPr/>
+        </p:nvSpPr>
+        <p:spPr>
+          <a:xfrm>
+            <a:off x="9489715" y="1244600"/>
+            <a:ext cx="2702285" cy="4978422"/>
+          </a:xfrm>
+          <a:prstGeom prst="rect">
+            <a:avLst/>
+          </a:prstGeom>
+          <a:noFill/>
+          <a:ln w="19050">
+            <a:solidFill>
+              <a:schemeClr val="tx1"/>
+            </a:solidFill>
+          </a:ln>
+        </p:spPr>
+        <p:style>
+          <a:lnRef idx="2">
+            <a:schemeClr val="accent1">
+              <a:shade val="50000"/>
+            </a:schemeClr>
+          </a:lnRef>
+          <a:fillRef idx="1">
+            <a:schemeClr val="accent1"/>
+          </a:fillRef>
+          <a:effectRef idx="0">
+            <a:schemeClr val="accent1"/>
+          </a:effectRef>
+          <a:fontRef idx="minor">
+            <a:schemeClr val="lt1"/>
+          </a:fontRef>
+        </p:style>
+        <p:txBody>
+          <a:bodyPr rtlCol="0" anchor="ctr"/>
+          <a:lstStyle/>
+          <a:p>
+            <a:pPr algn="ctr"/>
+            <a:endParaRPr lang="zh-TW" altLang="en-US"/>
+          </a:p>
+        </p:txBody>
+      </p:sp>
+      <p:sp>
+        <p:nvSpPr>
+          <p:cNvPr id="15" name="矩形 14">
+            <a:extLst>
+              <a:ext uri="{FF2B5EF4-FFF2-40B4-BE49-F238E27FC236}">
+                <a16:creationId xmlns:a16="http://schemas.microsoft.com/office/drawing/2014/main" id="{2AA648C7-F61C-42FA-A5BC-6E161D95A4F8}"/>
+              </a:ext>
+            </a:extLst>
+          </p:cNvPr>
+          <p:cNvSpPr/>
+          <p:nvPr/>
+        </p:nvSpPr>
+        <p:spPr>
+          <a:xfrm>
+            <a:off x="8852956" y="1244600"/>
+            <a:ext cx="292802" cy="4978422"/>
+          </a:xfrm>
+          <a:prstGeom prst="rect">
+            <a:avLst/>
+          </a:prstGeom>
+          <a:noFill/>
+          <a:ln w="19050">
+            <a:solidFill>
+              <a:schemeClr val="tx1"/>
+            </a:solidFill>
+          </a:ln>
+        </p:spPr>
+        <p:style>
+          <a:lnRef idx="2">
+            <a:schemeClr val="accent1">
+              <a:shade val="50000"/>
+            </a:schemeClr>
+          </a:lnRef>
+          <a:fillRef idx="1">
+            <a:schemeClr val="accent1"/>
+          </a:fillRef>
+          <a:effectRef idx="0">
+            <a:schemeClr val="accent1"/>
+          </a:effectRef>
+          <a:fontRef idx="minor">
+            <a:schemeClr val="lt1"/>
+          </a:fontRef>
+        </p:style>
+        <p:txBody>
+          <a:bodyPr rtlCol="0" anchor="ctr"/>
+          <a:lstStyle/>
+          <a:p>
+            <a:pPr algn="ctr"/>
+            <a:endParaRPr lang="zh-TW" altLang="en-US"/>
+          </a:p>
+        </p:txBody>
+      </p:sp>
+    </p:spTree>
+    <p:extLst>
+      <p:ext uri="{BB962C8B-B14F-4D97-AF65-F5344CB8AC3E}">
+        <p14:creationId xmlns:p14="http://schemas.microsoft.com/office/powerpoint/2010/main" val="3235996336"/>
       </p:ext>
     </p:extLst>
   </p:cSld>

--- a/輪班工人暴露噪音下REM片斷化分析.pptx
+++ b/輪班工人暴露噪音下REM片斷化分析.pptx
@@ -262,7 +262,7 @@
           <a:p>
             <a:fld id="{61C76E1B-E228-429A-ABE7-09AA4AD7327C}" type="datetimeFigureOut">
               <a:rPr lang="zh-TW" altLang="en-US" smtClean="0"/>
-              <a:t>2021/8/4</a:t>
+              <a:t>2021/8/13</a:t>
             </a:fld>
             <a:endParaRPr lang="zh-TW" altLang="en-US"/>
           </a:p>
@@ -714,7 +714,7 @@
           <a:p>
             <a:fld id="{FCF6783C-4B54-4D72-A1A7-A087B316A3B8}" type="datetime1">
               <a:rPr lang="zh-TW" altLang="en-US" smtClean="0"/>
-              <a:t>2021/8/4</a:t>
+              <a:t>2021/8/13</a:t>
             </a:fld>
             <a:endParaRPr lang="zh-TW" altLang="en-US"/>
           </a:p>
@@ -982,7 +982,7 @@
           <a:p>
             <a:fld id="{D1ED406B-07A6-44BF-906E-0E6F2225B991}" type="datetime1">
               <a:rPr lang="zh-TW" altLang="en-US" smtClean="0"/>
-              <a:t>2021/8/4</a:t>
+              <a:t>2021/8/13</a:t>
             </a:fld>
             <a:endParaRPr lang="zh-TW" altLang="en-US"/>
           </a:p>
@@ -1190,7 +1190,7 @@
           <a:p>
             <a:fld id="{4855A211-7B8B-40E6-8051-77D0F92598CB}" type="datetime1">
               <a:rPr lang="zh-TW" altLang="en-US" smtClean="0"/>
-              <a:t>2021/8/4</a:t>
+              <a:t>2021/8/13</a:t>
             </a:fld>
             <a:endParaRPr lang="zh-TW" altLang="en-US"/>
           </a:p>
@@ -1387,7 +1387,7 @@
           <a:p>
             <a:fld id="{607AB6BC-4133-47A1-955B-86DB465411C3}" type="datetime1">
               <a:rPr lang="zh-TW" altLang="en-US" smtClean="0"/>
-              <a:t>2021/8/4</a:t>
+              <a:t>2021/8/13</a:t>
             </a:fld>
             <a:endParaRPr lang="zh-TW" altLang="en-US"/>
           </a:p>
@@ -1872,7 +1872,7 @@
           <a:p>
             <a:fld id="{063DD569-35D5-40ED-99FD-76D2F54A9038}" type="datetime1">
               <a:rPr lang="zh-TW" altLang="en-US" smtClean="0"/>
-              <a:t>2021/8/4</a:t>
+              <a:t>2021/8/13</a:t>
             </a:fld>
             <a:endParaRPr lang="zh-TW" altLang="en-US"/>
           </a:p>
@@ -2137,7 +2137,7 @@
           <a:p>
             <a:fld id="{753AB039-4F1A-4616-B8B5-F977F76AB712}" type="datetime1">
               <a:rPr lang="zh-TW" altLang="en-US" smtClean="0"/>
-              <a:t>2021/8/4</a:t>
+              <a:t>2021/8/13</a:t>
             </a:fld>
             <a:endParaRPr lang="zh-TW" altLang="en-US"/>
           </a:p>
@@ -2549,7 +2549,7 @@
           <a:p>
             <a:fld id="{AEEA35C1-5758-4143-A641-B2D8C25FD431}" type="datetime1">
               <a:rPr lang="zh-TW" altLang="en-US" smtClean="0"/>
-              <a:t>2021/8/4</a:t>
+              <a:t>2021/8/13</a:t>
             </a:fld>
             <a:endParaRPr lang="zh-TW" altLang="en-US"/>
           </a:p>
@@ -2690,7 +2690,7 @@
           <a:p>
             <a:fld id="{60EC041C-EC38-4789-9350-644DCCF8A061}" type="datetime1">
               <a:rPr lang="zh-TW" altLang="en-US" smtClean="0"/>
-              <a:t>2021/8/4</a:t>
+              <a:t>2021/8/13</a:t>
             </a:fld>
             <a:endParaRPr lang="zh-TW" altLang="en-US"/>
           </a:p>
@@ -2803,7 +2803,7 @@
           <a:p>
             <a:fld id="{7223D8F3-4ECC-4891-A5C4-0D72C29D1563}" type="datetime1">
               <a:rPr lang="zh-TW" altLang="en-US" smtClean="0"/>
-              <a:t>2021/8/4</a:t>
+              <a:t>2021/8/13</a:t>
             </a:fld>
             <a:endParaRPr lang="zh-TW" altLang="en-US"/>
           </a:p>
@@ -3114,7 +3114,7 @@
           <a:p>
             <a:fld id="{F2649D45-65D8-4A22-BC50-ED872CAB048D}" type="datetime1">
               <a:rPr lang="zh-TW" altLang="en-US" smtClean="0"/>
-              <a:t>2021/8/4</a:t>
+              <a:t>2021/8/13</a:t>
             </a:fld>
             <a:endParaRPr lang="zh-TW" altLang="en-US"/>
           </a:p>
@@ -3402,7 +3402,7 @@
           <a:p>
             <a:fld id="{0ABBE3BD-5EE8-423F-AC10-4B07DD1F877C}" type="datetime1">
               <a:rPr lang="zh-TW" altLang="en-US" smtClean="0"/>
-              <a:t>2021/8/4</a:t>
+              <a:t>2021/8/13</a:t>
             </a:fld>
             <a:endParaRPr lang="zh-TW" altLang="en-US"/>
           </a:p>
@@ -3643,7 +3643,7 @@
           <a:p>
             <a:fld id="{DCE92120-7A61-4EBE-8DC9-30D2102A9B6B}" type="datetime1">
               <a:rPr lang="zh-TW" altLang="en-US" smtClean="0"/>
-              <a:t>2021/8/4</a:t>
+              <a:t>2021/8/13</a:t>
             </a:fld>
             <a:endParaRPr lang="zh-TW" altLang="en-US"/>
           </a:p>
@@ -16725,6 +16725,21 @@
             <a:r>
               <a:rPr lang="zh-TW" altLang="en-US" dirty="0"/>
               <a:t>平均長度</a:t>
+            </a:r>
+            <a:endParaRPr lang="en-US" altLang="zh-TW" dirty="0"/>
+          </a:p>
+          <a:p>
+            <a:r>
+              <a:rPr lang="en-US" altLang="zh-TW" dirty="0"/>
+              <a:t>REM</a:t>
+            </a:r>
+            <a:r>
+              <a:rPr lang="zh-TW" altLang="en-US" dirty="0"/>
+              <a:t> </a:t>
+            </a:r>
+            <a:r>
+              <a:rPr lang="en-US" altLang="zh-TW"/>
+              <a:t>percentage</a:t>
             </a:r>
             <a:endParaRPr lang="en-US" altLang="zh-TW" dirty="0"/>
           </a:p>
